--- a/documents/presentation/presentation_3.pptx
+++ b/documents/presentation/presentation_3.pptx
@@ -7,7 +7,7 @@
     <p:sldMasterId id="2147483653" r:id="rId3"/>
   </p:sldMasterIdLst>
   <p:notesMasterIdLst>
-    <p:notesMasterId r:id="rId34"/>
+    <p:notesMasterId r:id="rId38"/>
   </p:notesMasterIdLst>
   <p:sldIdLst>
     <p:sldId id="256" r:id="rId4"/>
@@ -17,29 +17,33 @@
     <p:sldId id="397" r:id="rId8"/>
     <p:sldId id="417" r:id="rId9"/>
     <p:sldId id="399" r:id="rId10"/>
-    <p:sldId id="403" r:id="rId11"/>
-    <p:sldId id="400" r:id="rId12"/>
-    <p:sldId id="405" r:id="rId13"/>
-    <p:sldId id="406" r:id="rId14"/>
-    <p:sldId id="407" r:id="rId15"/>
-    <p:sldId id="408" r:id="rId16"/>
-    <p:sldId id="402" r:id="rId17"/>
-    <p:sldId id="409" r:id="rId18"/>
-    <p:sldId id="410" r:id="rId19"/>
-    <p:sldId id="411" r:id="rId20"/>
-    <p:sldId id="412" r:id="rId21"/>
-    <p:sldId id="413" r:id="rId22"/>
-    <p:sldId id="414" r:id="rId23"/>
-    <p:sldId id="415" r:id="rId24"/>
-    <p:sldId id="416" r:id="rId25"/>
-    <p:sldId id="401" r:id="rId26"/>
-    <p:sldId id="404" r:id="rId27"/>
-    <p:sldId id="311" r:id="rId28"/>
-    <p:sldId id="304" r:id="rId29"/>
-    <p:sldId id="418" r:id="rId30"/>
-    <p:sldId id="324" r:id="rId31"/>
-    <p:sldId id="339" r:id="rId32"/>
-    <p:sldId id="262" r:id="rId33"/>
+    <p:sldId id="400" r:id="rId11"/>
+    <p:sldId id="405" r:id="rId12"/>
+    <p:sldId id="406" r:id="rId13"/>
+    <p:sldId id="407" r:id="rId14"/>
+    <p:sldId id="408" r:id="rId15"/>
+    <p:sldId id="402" r:id="rId16"/>
+    <p:sldId id="409" r:id="rId17"/>
+    <p:sldId id="410" r:id="rId18"/>
+    <p:sldId id="411" r:id="rId19"/>
+    <p:sldId id="412" r:id="rId20"/>
+    <p:sldId id="413" r:id="rId21"/>
+    <p:sldId id="414" r:id="rId22"/>
+    <p:sldId id="415" r:id="rId23"/>
+    <p:sldId id="416" r:id="rId24"/>
+    <p:sldId id="401" r:id="rId25"/>
+    <p:sldId id="404" r:id="rId26"/>
+    <p:sldId id="421" r:id="rId27"/>
+    <p:sldId id="422" r:id="rId28"/>
+    <p:sldId id="423" r:id="rId29"/>
+    <p:sldId id="424" r:id="rId30"/>
+    <p:sldId id="311" r:id="rId31"/>
+    <p:sldId id="419" r:id="rId32"/>
+    <p:sldId id="304" r:id="rId33"/>
+    <p:sldId id="418" r:id="rId34"/>
+    <p:sldId id="324" r:id="rId35"/>
+    <p:sldId id="339" r:id="rId36"/>
+    <p:sldId id="262" r:id="rId37"/>
   </p:sldIdLst>
   <p:sldSz cx="9144000" cy="5143500" type="screen16x9"/>
   <p:notesSz cx="6858000" cy="9144000"/>
@@ -239,7 +243,7 @@
           <a:p>
             <a:fld id="{A0FE4780-4742-4AF7-B9F6-29387D06C872}" type="datetimeFigureOut">
               <a:rPr lang="ko-KR" altLang="en-US" smtClean="0"/>
-              <a:t>2019-02-14</a:t>
+              <a:t>2019-02-18</a:t>
             </a:fld>
             <a:endParaRPr lang="ko-KR" altLang="en-US"/>
           </a:p>
@@ -398,7 +402,7 @@
           <a:p>
             <a:fld id="{B820E160-F603-41F3-A192-DC95957721C3}" type="slidenum">
               <a:rPr lang="ko-KR" altLang="en-US" smtClean="0"/>
-              <a:t>‹#›</a:t>
+              <a:t>‹N°›</a:t>
             </a:fld>
             <a:endParaRPr lang="ko-KR" altLang="en-US"/>
           </a:p>
@@ -7803,7 +7807,7 @@
         <p:spPr>
           <a:xfrm>
             <a:off x="1449177" y="1126380"/>
-            <a:ext cx="4839786" cy="369332"/>
+            <a:ext cx="7311617" cy="369332"/>
           </a:xfrm>
           <a:prstGeom prst="rect">
             <a:avLst/>
@@ -7826,17 +7830,17 @@
             </a:r>
             <a:r>
               <a:rPr lang="en-US" altLang="ko-KR" dirty="0"/>
-              <a:t> – LOCAL VARIABLE</a:t>
+              <a:t> – Get variables and create frame and socket </a:t>
             </a:r>
           </a:p>
         </p:txBody>
       </p:sp>
       <p:pic>
         <p:nvPicPr>
-          <p:cNvPr id="5" name="그림 4">
+          <p:cNvPr id="3" name="그림 2">
             <a:extLst>
               <a:ext uri="{FF2B5EF4-FFF2-40B4-BE49-F238E27FC236}">
-                <a16:creationId xmlns:a16="http://schemas.microsoft.com/office/drawing/2014/main" id="{8040E9DE-0634-4BC9-A21B-A7FC76C89A51}"/>
+                <a16:creationId xmlns:a16="http://schemas.microsoft.com/office/drawing/2014/main" id="{A3909311-4CA9-4AAA-B65B-9AF390024ED5}"/>
               </a:ext>
             </a:extLst>
           </p:cNvPr>
@@ -7853,8 +7857,8 @@
         </p:blipFill>
         <p:spPr>
           <a:xfrm>
-            <a:off x="1801464" y="1495712"/>
-            <a:ext cx="4989934" cy="3286228"/>
+            <a:off x="2313084" y="1495712"/>
+            <a:ext cx="5151859" cy="3291855"/>
           </a:xfrm>
           <a:prstGeom prst="rect">
             <a:avLst/>
@@ -7864,7 +7868,7 @@
     </p:spTree>
     <p:extLst>
       <p:ext uri="{BB962C8B-B14F-4D97-AF65-F5344CB8AC3E}">
-        <p14:creationId xmlns:p14="http://schemas.microsoft.com/office/powerpoint/2010/main" val="1609278790"/>
+        <p14:creationId xmlns:p14="http://schemas.microsoft.com/office/powerpoint/2010/main" val="2245953236"/>
       </p:ext>
     </p:extLst>
   </p:cSld>
@@ -8795,7 +8799,7 @@
         <p:spPr>
           <a:xfrm>
             <a:off x="1449177" y="1126380"/>
-            <a:ext cx="7311617" cy="369332"/>
+            <a:ext cx="5000087" cy="369332"/>
           </a:xfrm>
           <a:prstGeom prst="rect">
             <a:avLst/>
@@ -8818,17 +8822,22 @@
             </a:r>
             <a:r>
               <a:rPr lang="en-US" altLang="ko-KR" dirty="0"/>
-              <a:t> – Get variables and create frame and socket </a:t>
+              <a:t> – Setting socket </a:t>
             </a:r>
+            <a:r>
+              <a:rPr lang="en-US" altLang="ko-KR" dirty="0" err="1"/>
+              <a:t>addr</a:t>
+            </a:r>
+            <a:endParaRPr lang="en-US" altLang="ko-KR" dirty="0"/>
           </a:p>
         </p:txBody>
       </p:sp>
       <p:pic>
         <p:nvPicPr>
-          <p:cNvPr id="3" name="그림 2">
+          <p:cNvPr id="5" name="그림 4">
             <a:extLst>
               <a:ext uri="{FF2B5EF4-FFF2-40B4-BE49-F238E27FC236}">
-                <a16:creationId xmlns:a16="http://schemas.microsoft.com/office/drawing/2014/main" id="{A3909311-4CA9-4AAA-B65B-9AF390024ED5}"/>
+                <a16:creationId xmlns:a16="http://schemas.microsoft.com/office/drawing/2014/main" id="{C21D1DF8-6ECE-4F06-B45A-9468848988BE}"/>
               </a:ext>
             </a:extLst>
           </p:cNvPr>
@@ -8845,8 +8854,8 @@
         </p:blipFill>
         <p:spPr>
           <a:xfrm>
-            <a:off x="2313084" y="1495712"/>
-            <a:ext cx="5151859" cy="3291855"/>
+            <a:off x="2206476" y="1553486"/>
+            <a:ext cx="4731047" cy="3430180"/>
           </a:xfrm>
           <a:prstGeom prst="rect">
             <a:avLst/>
@@ -8856,7 +8865,7 @@
     </p:spTree>
     <p:extLst>
       <p:ext uri="{BB962C8B-B14F-4D97-AF65-F5344CB8AC3E}">
-        <p14:creationId xmlns:p14="http://schemas.microsoft.com/office/powerpoint/2010/main" val="2245953236"/>
+        <p14:creationId xmlns:p14="http://schemas.microsoft.com/office/powerpoint/2010/main" val="2961883039"/>
       </p:ext>
     </p:extLst>
   </p:cSld>
@@ -9787,7 +9796,7 @@
         <p:spPr>
           <a:xfrm>
             <a:off x="1449177" y="1126380"/>
-            <a:ext cx="5000087" cy="369332"/>
+            <a:ext cx="5182829" cy="369332"/>
           </a:xfrm>
           <a:prstGeom prst="rect">
             <a:avLst/>
@@ -9810,22 +9819,17 @@
             </a:r>
             <a:r>
               <a:rPr lang="en-US" altLang="ko-KR" dirty="0"/>
-              <a:t> – Setting socket </a:t>
+              <a:t> – Sending the message</a:t>
             </a:r>
-            <a:r>
-              <a:rPr lang="en-US" altLang="ko-KR" dirty="0" err="1"/>
-              <a:t>addr</a:t>
-            </a:r>
-            <a:endParaRPr lang="en-US" altLang="ko-KR" dirty="0"/>
           </a:p>
         </p:txBody>
       </p:sp>
       <p:pic>
         <p:nvPicPr>
-          <p:cNvPr id="5" name="그림 4">
+          <p:cNvPr id="3" name="그림 2">
             <a:extLst>
               <a:ext uri="{FF2B5EF4-FFF2-40B4-BE49-F238E27FC236}">
-                <a16:creationId xmlns:a16="http://schemas.microsoft.com/office/drawing/2014/main" id="{C21D1DF8-6ECE-4F06-B45A-9468848988BE}"/>
+                <a16:creationId xmlns:a16="http://schemas.microsoft.com/office/drawing/2014/main" id="{7207A915-8F79-4A2A-9C70-997065629A86}"/>
               </a:ext>
             </a:extLst>
           </p:cNvPr>
@@ -9842,8 +9846,8 @@
         </p:blipFill>
         <p:spPr>
           <a:xfrm>
-            <a:off x="2206476" y="1553486"/>
-            <a:ext cx="4731047" cy="3430180"/>
+            <a:off x="2693780" y="1489622"/>
+            <a:ext cx="3756440" cy="3593522"/>
           </a:xfrm>
           <a:prstGeom prst="rect">
             <a:avLst/>
@@ -9853,7 +9857,7 @@
     </p:spTree>
     <p:extLst>
       <p:ext uri="{BB962C8B-B14F-4D97-AF65-F5344CB8AC3E}">
-        <p14:creationId xmlns:p14="http://schemas.microsoft.com/office/powerpoint/2010/main" val="2961883039"/>
+        <p14:creationId xmlns:p14="http://schemas.microsoft.com/office/powerpoint/2010/main" val="2228043637"/>
       </p:ext>
     </p:extLst>
   </p:cSld>
@@ -10784,7 +10788,7 @@
         <p:spPr>
           <a:xfrm>
             <a:off x="1449177" y="1126380"/>
-            <a:ext cx="5182829" cy="369332"/>
+            <a:ext cx="5085046" cy="369332"/>
           </a:xfrm>
           <a:prstGeom prst="rect">
             <a:avLst/>
@@ -10803,11 +10807,11 @@
             </a:r>
             <a:r>
               <a:rPr lang="en-US" altLang="ko-KR" dirty="0" err="1"/>
-              <a:t>client.c</a:t>
+              <a:t>server.c</a:t>
             </a:r>
             <a:r>
               <a:rPr lang="en-US" altLang="ko-KR" dirty="0"/>
-              <a:t> – Sending the message</a:t>
+              <a:t> – EXTERN VARIABLE </a:t>
             </a:r>
           </a:p>
         </p:txBody>
@@ -10817,7 +10821,7 @@
           <p:cNvPr id="3" name="그림 2">
             <a:extLst>
               <a:ext uri="{FF2B5EF4-FFF2-40B4-BE49-F238E27FC236}">
-                <a16:creationId xmlns:a16="http://schemas.microsoft.com/office/drawing/2014/main" id="{7207A915-8F79-4A2A-9C70-997065629A86}"/>
+                <a16:creationId xmlns:a16="http://schemas.microsoft.com/office/drawing/2014/main" id="{109B5E2F-72FD-4DF9-BDDC-E2EB7B372913}"/>
               </a:ext>
             </a:extLst>
           </p:cNvPr>
@@ -10834,8 +10838,8 @@
         </p:blipFill>
         <p:spPr>
           <a:xfrm>
-            <a:off x="2693780" y="1489622"/>
-            <a:ext cx="3756440" cy="3593522"/>
+            <a:off x="1264751" y="1645058"/>
+            <a:ext cx="7248525" cy="2305050"/>
           </a:xfrm>
           <a:prstGeom prst="rect">
             <a:avLst/>
@@ -10845,7 +10849,7 @@
     </p:spTree>
     <p:extLst>
       <p:ext uri="{BB962C8B-B14F-4D97-AF65-F5344CB8AC3E}">
-        <p14:creationId xmlns:p14="http://schemas.microsoft.com/office/powerpoint/2010/main" val="2228043637"/>
+        <p14:creationId xmlns:p14="http://schemas.microsoft.com/office/powerpoint/2010/main" val="3644560766"/>
       </p:ext>
     </p:extLst>
   </p:cSld>
@@ -11776,7 +11780,7 @@
         <p:spPr>
           <a:xfrm>
             <a:off x="1449177" y="1126380"/>
-            <a:ext cx="5085046" cy="369332"/>
+            <a:ext cx="4984057" cy="369332"/>
           </a:xfrm>
           <a:prstGeom prst="rect">
             <a:avLst/>
@@ -11799,17 +11803,17 @@
             </a:r>
             <a:r>
               <a:rPr lang="en-US" altLang="ko-KR" dirty="0"/>
-              <a:t> – EXTERN VARIABLE </a:t>
+              <a:t> – LOCAL VARIABLE </a:t>
             </a:r>
           </a:p>
         </p:txBody>
       </p:sp>
       <p:pic>
         <p:nvPicPr>
-          <p:cNvPr id="3" name="그림 2">
+          <p:cNvPr id="5" name="그림 4">
             <a:extLst>
               <a:ext uri="{FF2B5EF4-FFF2-40B4-BE49-F238E27FC236}">
-                <a16:creationId xmlns:a16="http://schemas.microsoft.com/office/drawing/2014/main" id="{109B5E2F-72FD-4DF9-BDDC-E2EB7B372913}"/>
+                <a16:creationId xmlns:a16="http://schemas.microsoft.com/office/drawing/2014/main" id="{37A141CA-0D07-4A7F-8DA2-F7B85934E71E}"/>
               </a:ext>
             </a:extLst>
           </p:cNvPr>
@@ -11826,8 +11830,8 @@
         </p:blipFill>
         <p:spPr>
           <a:xfrm>
-            <a:off x="1264751" y="1645058"/>
-            <a:ext cx="7248525" cy="2305050"/>
+            <a:off x="2778008" y="1579019"/>
+            <a:ext cx="3325387" cy="3579343"/>
           </a:xfrm>
           <a:prstGeom prst="rect">
             <a:avLst/>
@@ -11837,7 +11841,7 @@
     </p:spTree>
     <p:extLst>
       <p:ext uri="{BB962C8B-B14F-4D97-AF65-F5344CB8AC3E}">
-        <p14:creationId xmlns:p14="http://schemas.microsoft.com/office/powerpoint/2010/main" val="3644560766"/>
+        <p14:creationId xmlns:p14="http://schemas.microsoft.com/office/powerpoint/2010/main" val="3285976106"/>
       </p:ext>
     </p:extLst>
   </p:cSld>
@@ -12768,7 +12772,7 @@
         <p:spPr>
           <a:xfrm>
             <a:off x="1449177" y="1126380"/>
-            <a:ext cx="4984057" cy="369332"/>
+            <a:ext cx="4523995" cy="369332"/>
           </a:xfrm>
           <a:prstGeom prst="rect">
             <a:avLst/>
@@ -12791,17 +12795,17 @@
             </a:r>
             <a:r>
               <a:rPr lang="en-US" altLang="ko-KR" dirty="0"/>
-              <a:t> – LOCAL VARIABLE </a:t>
+              <a:t> – Get variables </a:t>
             </a:r>
           </a:p>
         </p:txBody>
       </p:sp>
       <p:pic>
         <p:nvPicPr>
-          <p:cNvPr id="5" name="그림 4">
+          <p:cNvPr id="3" name="그림 2">
             <a:extLst>
               <a:ext uri="{FF2B5EF4-FFF2-40B4-BE49-F238E27FC236}">
-                <a16:creationId xmlns:a16="http://schemas.microsoft.com/office/drawing/2014/main" id="{37A141CA-0D07-4A7F-8DA2-F7B85934E71E}"/>
+                <a16:creationId xmlns:a16="http://schemas.microsoft.com/office/drawing/2014/main" id="{D56F4EEB-3B75-4A8F-AF51-B5DF0FA329E7}"/>
               </a:ext>
             </a:extLst>
           </p:cNvPr>
@@ -12818,8 +12822,8 @@
         </p:blipFill>
         <p:spPr>
           <a:xfrm>
-            <a:off x="2778008" y="1579019"/>
-            <a:ext cx="3325387" cy="3579343"/>
+            <a:off x="1383814" y="1923678"/>
+            <a:ext cx="7010400" cy="1562100"/>
           </a:xfrm>
           <a:prstGeom prst="rect">
             <a:avLst/>
@@ -12829,7 +12833,7 @@
     </p:spTree>
     <p:extLst>
       <p:ext uri="{BB962C8B-B14F-4D97-AF65-F5344CB8AC3E}">
-        <p14:creationId xmlns:p14="http://schemas.microsoft.com/office/powerpoint/2010/main" val="3285976106"/>
+        <p14:creationId xmlns:p14="http://schemas.microsoft.com/office/powerpoint/2010/main" val="2779540513"/>
       </p:ext>
     </p:extLst>
   </p:cSld>
@@ -13760,7 +13764,7 @@
         <p:spPr>
           <a:xfrm>
             <a:off x="1449177" y="1126380"/>
-            <a:ext cx="4523995" cy="369332"/>
+            <a:ext cx="6211957" cy="369332"/>
           </a:xfrm>
           <a:prstGeom prst="rect">
             <a:avLst/>
@@ -13783,17 +13787,17 @@
             </a:r>
             <a:r>
               <a:rPr lang="en-US" altLang="ko-KR" dirty="0"/>
-              <a:t> – Get variables </a:t>
+              <a:t> – Creating the frame and socket </a:t>
             </a:r>
           </a:p>
         </p:txBody>
       </p:sp>
       <p:pic>
         <p:nvPicPr>
-          <p:cNvPr id="3" name="그림 2">
+          <p:cNvPr id="5" name="그림 4">
             <a:extLst>
               <a:ext uri="{FF2B5EF4-FFF2-40B4-BE49-F238E27FC236}">
-                <a16:creationId xmlns:a16="http://schemas.microsoft.com/office/drawing/2014/main" id="{D56F4EEB-3B75-4A8F-AF51-B5DF0FA329E7}"/>
+                <a16:creationId xmlns:a16="http://schemas.microsoft.com/office/drawing/2014/main" id="{733F3848-9ECB-40AD-A4EB-705CCD416817}"/>
               </a:ext>
             </a:extLst>
           </p:cNvPr>
@@ -13810,8 +13814,8 @@
         </p:blipFill>
         <p:spPr>
           <a:xfrm>
-            <a:off x="1383814" y="1923678"/>
-            <a:ext cx="7010400" cy="1562100"/>
+            <a:off x="3252697" y="1495712"/>
+            <a:ext cx="3272633" cy="3602093"/>
           </a:xfrm>
           <a:prstGeom prst="rect">
             <a:avLst/>
@@ -13821,7 +13825,7 @@
     </p:spTree>
     <p:extLst>
       <p:ext uri="{BB962C8B-B14F-4D97-AF65-F5344CB8AC3E}">
-        <p14:creationId xmlns:p14="http://schemas.microsoft.com/office/powerpoint/2010/main" val="2779540513"/>
+        <p14:creationId xmlns:p14="http://schemas.microsoft.com/office/powerpoint/2010/main" val="490434104"/>
       </p:ext>
     </p:extLst>
   </p:cSld>
@@ -14752,7 +14756,7 @@
         <p:spPr>
           <a:xfrm>
             <a:off x="1449177" y="1126380"/>
-            <a:ext cx="6211957" cy="369332"/>
+            <a:ext cx="5234125" cy="369332"/>
           </a:xfrm>
           <a:prstGeom prst="rect">
             <a:avLst/>
@@ -14775,17 +14779,25 @@
             </a:r>
             <a:r>
               <a:rPr lang="en-US" altLang="ko-KR" dirty="0"/>
-              <a:t> – Creating the frame and socket </a:t>
+              <a:t> – Setting socket </a:t>
+            </a:r>
+            <a:r>
+              <a:rPr lang="en-US" altLang="ko-KR" dirty="0" err="1"/>
+              <a:t>addr</a:t>
+            </a:r>
+            <a:r>
+              <a:rPr lang="en-US" altLang="ko-KR" dirty="0"/>
+              <a:t>  </a:t>
             </a:r>
           </a:p>
         </p:txBody>
       </p:sp>
       <p:pic>
         <p:nvPicPr>
-          <p:cNvPr id="5" name="그림 4">
+          <p:cNvPr id="3" name="그림 2">
             <a:extLst>
               <a:ext uri="{FF2B5EF4-FFF2-40B4-BE49-F238E27FC236}">
-                <a16:creationId xmlns:a16="http://schemas.microsoft.com/office/drawing/2014/main" id="{733F3848-9ECB-40AD-A4EB-705CCD416817}"/>
+                <a16:creationId xmlns:a16="http://schemas.microsoft.com/office/drawing/2014/main" id="{5E5022A9-FFF6-45DE-81FD-B1AD3A2D2ED4}"/>
               </a:ext>
             </a:extLst>
           </p:cNvPr>
@@ -14802,8 +14814,8 @@
         </p:blipFill>
         <p:spPr>
           <a:xfrm>
-            <a:off x="3252697" y="1495712"/>
-            <a:ext cx="3272633" cy="3602093"/>
+            <a:off x="2266175" y="1568401"/>
+            <a:ext cx="4596556" cy="3575099"/>
           </a:xfrm>
           <a:prstGeom prst="rect">
             <a:avLst/>
@@ -14813,7 +14825,7 @@
     </p:spTree>
     <p:extLst>
       <p:ext uri="{BB962C8B-B14F-4D97-AF65-F5344CB8AC3E}">
-        <p14:creationId xmlns:p14="http://schemas.microsoft.com/office/powerpoint/2010/main" val="490434104"/>
+        <p14:creationId xmlns:p14="http://schemas.microsoft.com/office/powerpoint/2010/main" val="4247063892"/>
       </p:ext>
     </p:extLst>
   </p:cSld>
@@ -15744,7 +15756,7 @@
         <p:spPr>
           <a:xfrm>
             <a:off x="1449177" y="1126380"/>
-            <a:ext cx="5234125" cy="369332"/>
+            <a:ext cx="5489003" cy="369332"/>
           </a:xfrm>
           <a:prstGeom prst="rect">
             <a:avLst/>
@@ -15767,25 +15779,17 @@
             </a:r>
             <a:r>
               <a:rPr lang="en-US" altLang="ko-KR" dirty="0"/>
-              <a:t> – Setting socket </a:t>
-            </a:r>
-            <a:r>
-              <a:rPr lang="en-US" altLang="ko-KR" dirty="0" err="1"/>
-              <a:t>addr</a:t>
-            </a:r>
-            <a:r>
-              <a:rPr lang="en-US" altLang="ko-KR" dirty="0"/>
-              <a:t>  </a:t>
+              <a:t> – Receiving the message </a:t>
             </a:r>
           </a:p>
         </p:txBody>
       </p:sp>
       <p:pic>
         <p:nvPicPr>
-          <p:cNvPr id="3" name="그림 2">
+          <p:cNvPr id="5" name="그림 4">
             <a:extLst>
               <a:ext uri="{FF2B5EF4-FFF2-40B4-BE49-F238E27FC236}">
-                <a16:creationId xmlns:a16="http://schemas.microsoft.com/office/drawing/2014/main" id="{5E5022A9-FFF6-45DE-81FD-B1AD3A2D2ED4}"/>
+                <a16:creationId xmlns:a16="http://schemas.microsoft.com/office/drawing/2014/main" id="{0989A5AA-7520-44B0-BF0E-4B5B38DE9A1C}"/>
               </a:ext>
             </a:extLst>
           </p:cNvPr>
@@ -15802,8 +15806,8 @@
         </p:blipFill>
         <p:spPr>
           <a:xfrm>
-            <a:off x="2266175" y="1568401"/>
-            <a:ext cx="4596556" cy="3575099"/>
+            <a:off x="2460840" y="1517040"/>
+            <a:ext cx="4209003" cy="3626460"/>
           </a:xfrm>
           <a:prstGeom prst="rect">
             <a:avLst/>
@@ -15813,7 +15817,7 @@
     </p:spTree>
     <p:extLst>
       <p:ext uri="{BB962C8B-B14F-4D97-AF65-F5344CB8AC3E}">
-        <p14:creationId xmlns:p14="http://schemas.microsoft.com/office/powerpoint/2010/main" val="4247063892"/>
+        <p14:creationId xmlns:p14="http://schemas.microsoft.com/office/powerpoint/2010/main" val="4291666639"/>
       </p:ext>
     </p:extLst>
   </p:cSld>
@@ -16744,7 +16748,7 @@
         <p:spPr>
           <a:xfrm>
             <a:off x="1449177" y="1126380"/>
-            <a:ext cx="5489003" cy="369332"/>
+            <a:ext cx="4958409" cy="369332"/>
           </a:xfrm>
           <a:prstGeom prst="rect">
             <a:avLst/>
@@ -16763,21 +16767,21 @@
             </a:r>
             <a:r>
               <a:rPr lang="en-US" altLang="ko-KR" dirty="0" err="1"/>
-              <a:t>server.c</a:t>
+              <a:t>setup.c</a:t>
             </a:r>
             <a:r>
               <a:rPr lang="en-US" altLang="ko-KR" dirty="0"/>
-              <a:t> – Receiving the message </a:t>
+              <a:t> – EXTERN VARIABLE</a:t>
             </a:r>
           </a:p>
         </p:txBody>
       </p:sp>
       <p:pic>
         <p:nvPicPr>
-          <p:cNvPr id="5" name="그림 4">
+          <p:cNvPr id="3" name="그림 2">
             <a:extLst>
               <a:ext uri="{FF2B5EF4-FFF2-40B4-BE49-F238E27FC236}">
-                <a16:creationId xmlns:a16="http://schemas.microsoft.com/office/drawing/2014/main" id="{0989A5AA-7520-44B0-BF0E-4B5B38DE9A1C}"/>
+                <a16:creationId xmlns:a16="http://schemas.microsoft.com/office/drawing/2014/main" id="{E1AA078C-8598-4599-ABE6-694CBE23AAF0}"/>
               </a:ext>
             </a:extLst>
           </p:cNvPr>
@@ -16794,8 +16798,8 @@
         </p:blipFill>
         <p:spPr>
           <a:xfrm>
-            <a:off x="2460840" y="1517040"/>
-            <a:ext cx="4209003" cy="3626460"/>
+            <a:off x="1835540" y="1947524"/>
+            <a:ext cx="5457825" cy="2076450"/>
           </a:xfrm>
           <a:prstGeom prst="rect">
             <a:avLst/>
@@ -16805,7 +16809,7 @@
     </p:spTree>
     <p:extLst>
       <p:ext uri="{BB962C8B-B14F-4D97-AF65-F5344CB8AC3E}">
-        <p14:creationId xmlns:p14="http://schemas.microsoft.com/office/powerpoint/2010/main" val="4291666639"/>
+        <p14:creationId xmlns:p14="http://schemas.microsoft.com/office/powerpoint/2010/main" val="4002833095"/>
       </p:ext>
     </p:extLst>
   </p:cSld>
@@ -20244,7 +20248,7 @@
         <p:spPr>
           <a:xfrm>
             <a:off x="1449177" y="1126380"/>
-            <a:ext cx="4958409" cy="369332"/>
+            <a:ext cx="4397358" cy="369332"/>
           </a:xfrm>
           <a:prstGeom prst="rect">
             <a:avLst/>
@@ -20267,17 +20271,17 @@
             </a:r>
             <a:r>
               <a:rPr lang="en-US" altLang="ko-KR" dirty="0"/>
-              <a:t> – EXTERN VARIABLE</a:t>
+              <a:t> – Get variables</a:t>
             </a:r>
           </a:p>
         </p:txBody>
       </p:sp>
       <p:pic>
         <p:nvPicPr>
-          <p:cNvPr id="3" name="그림 2">
+          <p:cNvPr id="5" name="그림 4">
             <a:extLst>
               <a:ext uri="{FF2B5EF4-FFF2-40B4-BE49-F238E27FC236}">
-                <a16:creationId xmlns:a16="http://schemas.microsoft.com/office/drawing/2014/main" id="{E1AA078C-8598-4599-ABE6-694CBE23AAF0}"/>
+                <a16:creationId xmlns:a16="http://schemas.microsoft.com/office/drawing/2014/main" id="{9EFF0FEA-C370-4EBA-95C4-F0955F300B7B}"/>
               </a:ext>
             </a:extLst>
           </p:cNvPr>
@@ -20294,8 +20298,8 @@
         </p:blipFill>
         <p:spPr>
           <a:xfrm>
-            <a:off x="1835540" y="1947524"/>
-            <a:ext cx="5457825" cy="2076450"/>
+            <a:off x="873515" y="2139702"/>
+            <a:ext cx="7381875" cy="1685925"/>
           </a:xfrm>
           <a:prstGeom prst="rect">
             <a:avLst/>
@@ -20305,7 +20309,7 @@
     </p:spTree>
     <p:extLst>
       <p:ext uri="{BB962C8B-B14F-4D97-AF65-F5344CB8AC3E}">
-        <p14:creationId xmlns:p14="http://schemas.microsoft.com/office/powerpoint/2010/main" val="4002833095"/>
+        <p14:creationId xmlns:p14="http://schemas.microsoft.com/office/powerpoint/2010/main" val="3323251132"/>
       </p:ext>
     </p:extLst>
   </p:cSld>
@@ -21236,7 +21240,7 @@
         <p:spPr>
           <a:xfrm>
             <a:off x="1449177" y="1126380"/>
-            <a:ext cx="4397358" cy="369332"/>
+            <a:ext cx="5702202" cy="369332"/>
           </a:xfrm>
           <a:prstGeom prst="rect">
             <a:avLst/>
@@ -21259,17 +21263,17 @@
             </a:r>
             <a:r>
               <a:rPr lang="en-US" altLang="ko-KR" dirty="0"/>
-              <a:t> – Get variables</a:t>
+              <a:t> – Executing the commands</a:t>
             </a:r>
           </a:p>
         </p:txBody>
       </p:sp>
       <p:pic>
         <p:nvPicPr>
-          <p:cNvPr id="5" name="그림 4">
+          <p:cNvPr id="3" name="그림 2">
             <a:extLst>
               <a:ext uri="{FF2B5EF4-FFF2-40B4-BE49-F238E27FC236}">
-                <a16:creationId xmlns:a16="http://schemas.microsoft.com/office/drawing/2014/main" id="{9EFF0FEA-C370-4EBA-95C4-F0955F300B7B}"/>
+                <a16:creationId xmlns:a16="http://schemas.microsoft.com/office/drawing/2014/main" id="{E31F608B-9A7C-446D-BA80-D4AC7F0248FD}"/>
               </a:ext>
             </a:extLst>
           </p:cNvPr>
@@ -21286,8 +21290,8 @@
         </p:blipFill>
         <p:spPr>
           <a:xfrm>
-            <a:off x="873515" y="2139702"/>
-            <a:ext cx="7381875" cy="1685925"/>
+            <a:off x="2132109" y="1569357"/>
+            <a:ext cx="5513809" cy="3396779"/>
           </a:xfrm>
           <a:prstGeom prst="rect">
             <a:avLst/>
@@ -21297,7 +21301,7 @@
     </p:spTree>
     <p:extLst>
       <p:ext uri="{BB962C8B-B14F-4D97-AF65-F5344CB8AC3E}">
-        <p14:creationId xmlns:p14="http://schemas.microsoft.com/office/powerpoint/2010/main" val="3323251132"/>
+        <p14:creationId xmlns:p14="http://schemas.microsoft.com/office/powerpoint/2010/main" val="2237076121"/>
       </p:ext>
     </p:extLst>
   </p:cSld>
@@ -22228,7 +22232,7 @@
         <p:spPr>
           <a:xfrm>
             <a:off x="1449177" y="1126380"/>
-            <a:ext cx="5702202" cy="369332"/>
+            <a:ext cx="3874779" cy="369332"/>
           </a:xfrm>
           <a:prstGeom prst="rect">
             <a:avLst/>
@@ -22243,43 +22247,65 @@
           <a:p>
             <a:r>
               <a:rPr lang="en-US" altLang="ko-KR" dirty="0"/>
-              <a:t>C) Add commands : </a:t>
-            </a:r>
-            <a:r>
-              <a:rPr lang="en-US" altLang="ko-KR" dirty="0" err="1"/>
-              <a:t>setup.c</a:t>
-            </a:r>
-            <a:r>
-              <a:rPr lang="en-US" altLang="ko-KR" dirty="0"/>
-              <a:t> – Executing the commands</a:t>
+              <a:t>D) Test mapping between two boards</a:t>
             </a:r>
           </a:p>
         </p:txBody>
       </p:sp>
       <p:pic>
         <p:nvPicPr>
-          <p:cNvPr id="3" name="그림 2">
-            <a:extLst>
-              <a:ext uri="{FF2B5EF4-FFF2-40B4-BE49-F238E27FC236}">
-                <a16:creationId xmlns:a16="http://schemas.microsoft.com/office/drawing/2014/main" id="{E31F608B-9A7C-446D-BA80-D4AC7F0248FD}"/>
-              </a:ext>
-            </a:extLst>
-          </p:cNvPr>
+          <p:cNvPr id="5" name="Image 4"/>
           <p:cNvPicPr>
             <a:picLocks noChangeAspect="1"/>
           </p:cNvPicPr>
           <p:nvPr/>
         </p:nvPicPr>
         <p:blipFill>
-          <a:blip r:embed="rId2"/>
+          <a:blip r:embed="rId2">
+            <a:extLst>
+              <a:ext uri="{28A0092B-C50C-407E-A947-70E740481C1C}">
+                <a14:useLocalDpi xmlns:a14="http://schemas.microsoft.com/office/drawing/2010/main" val="0"/>
+              </a:ext>
+            </a:extLst>
+          </a:blip>
           <a:stretch>
             <a:fillRect/>
           </a:stretch>
         </p:blipFill>
         <p:spPr>
           <a:xfrm>
-            <a:off x="2132109" y="1569357"/>
-            <a:ext cx="5513809" cy="3396779"/>
+            <a:off x="-7547" y="1563638"/>
+            <a:ext cx="9144000" cy="1585967"/>
+          </a:xfrm>
+          <a:prstGeom prst="rect">
+            <a:avLst/>
+          </a:prstGeom>
+        </p:spPr>
+      </p:pic>
+      <p:pic>
+        <p:nvPicPr>
+          <p:cNvPr id="6" name="Image 5"/>
+          <p:cNvPicPr>
+            <a:picLocks noChangeAspect="1"/>
+          </p:cNvPicPr>
+          <p:nvPr/>
+        </p:nvPicPr>
+        <p:blipFill>
+          <a:blip r:embed="rId3">
+            <a:extLst>
+              <a:ext uri="{28A0092B-C50C-407E-A947-70E740481C1C}">
+                <a14:useLocalDpi xmlns:a14="http://schemas.microsoft.com/office/drawing/2010/main" val="0"/>
+              </a:ext>
+            </a:extLst>
+          </a:blip>
+          <a:stretch>
+            <a:fillRect/>
+          </a:stretch>
+        </p:blipFill>
+        <p:spPr>
+          <a:xfrm>
+            <a:off x="0" y="3363838"/>
+            <a:ext cx="9144000" cy="1001360"/>
           </a:xfrm>
           <a:prstGeom prst="rect">
             <a:avLst/>
@@ -22289,13 +22315,20 @@
     </p:spTree>
     <p:extLst>
       <p:ext uri="{BB962C8B-B14F-4D97-AF65-F5344CB8AC3E}">
-        <p14:creationId xmlns:p14="http://schemas.microsoft.com/office/powerpoint/2010/main" val="2237076121"/>
+        <p14:creationId xmlns:p14="http://schemas.microsoft.com/office/powerpoint/2010/main" val="1240373375"/>
       </p:ext>
     </p:extLst>
   </p:cSld>
   <p:clrMapOvr>
     <a:masterClrMapping/>
   </p:clrMapOvr>
+  <p:timing>
+    <p:tnLst>
+      <p:par>
+        <p:cTn id="1" dur="indefinite" restart="never" nodeType="tmRoot"/>
+      </p:par>
+    </p:tnLst>
+  </p:timing>
 </p:sld>
 </file>
 
@@ -23240,54 +23273,40 @@
           </a:p>
         </p:txBody>
       </p:sp>
-      <p:sp>
-        <p:nvSpPr>
-          <p:cNvPr id="3" name="TextBox 2">
+      <p:pic>
+        <p:nvPicPr>
+          <p:cNvPr id="3" name="Image 2"/>
+          <p:cNvPicPr>
+            <a:picLocks noChangeAspect="1"/>
+          </p:cNvPicPr>
+          <p:nvPr/>
+        </p:nvPicPr>
+        <p:blipFill>
+          <a:blip r:embed="rId2">
             <a:extLst>
-              <a:ext uri="{FF2B5EF4-FFF2-40B4-BE49-F238E27FC236}">
-                <a16:creationId xmlns:a16="http://schemas.microsoft.com/office/drawing/2014/main" id="{53E0C190-87EB-45B0-8FBC-7DC968DC37F9}"/>
+              <a:ext uri="{28A0092B-C50C-407E-A947-70E740481C1C}">
+                <a14:useLocalDpi xmlns:a14="http://schemas.microsoft.com/office/drawing/2010/main" val="0"/>
               </a:ext>
             </a:extLst>
-          </p:cNvPr>
-          <p:cNvSpPr txBox="1"/>
-          <p:nvPr/>
-        </p:nvSpPr>
+          </a:blip>
+          <a:stretch>
+            <a:fillRect/>
+          </a:stretch>
+        </p:blipFill>
         <p:spPr>
           <a:xfrm>
-            <a:off x="1931529" y="2067694"/>
-            <a:ext cx="1342034" cy="646331"/>
+            <a:off x="-7547" y="1707654"/>
+            <a:ext cx="9144000" cy="1163081"/>
           </a:xfrm>
           <a:prstGeom prst="rect">
             <a:avLst/>
           </a:prstGeom>
-          <a:noFill/>
         </p:spPr>
-        <p:txBody>
-          <a:bodyPr wrap="none" rtlCol="0">
-            <a:spAutoFit/>
-          </a:bodyPr>
-          <a:lstStyle/>
-          <a:p>
-            <a:pPr marL="342900" indent="-342900">
-              <a:buAutoNum type="arabicPeriod"/>
-            </a:pPr>
-            <a:r>
-              <a:rPr lang="en-US" altLang="ko-KR" dirty="0"/>
-              <a:t>MAC ping</a:t>
-            </a:r>
-          </a:p>
-          <a:p>
-            <a:pPr marL="342900" indent="-342900">
-              <a:buAutoNum type="arabicPeriod"/>
-            </a:pPr>
-            <a:endParaRPr lang="ko-KR" altLang="en-US" dirty="0"/>
-          </a:p>
-        </p:txBody>
-      </p:sp>
+      </p:pic>
     </p:spTree>
     <p:extLst>
       <p:ext uri="{BB962C8B-B14F-4D97-AF65-F5344CB8AC3E}">
-        <p14:creationId xmlns:p14="http://schemas.microsoft.com/office/powerpoint/2010/main" val="1240373375"/>
+        <p14:creationId xmlns:p14="http://schemas.microsoft.com/office/powerpoint/2010/main" val="3352500654"/>
       </p:ext>
     </p:extLst>
   </p:cSld>
@@ -24218,7 +24237,7 @@
         <p:spPr>
           <a:xfrm>
             <a:off x="1449177" y="1126380"/>
-            <a:ext cx="3874779" cy="369332"/>
+            <a:ext cx="1107996" cy="369332"/>
           </a:xfrm>
           <a:prstGeom prst="rect">
             <a:avLst/>
@@ -24232,16 +24251,495 @@
           <a:lstStyle/>
           <a:p>
             <a:r>
-              <a:rPr lang="en-US" altLang="ko-KR" dirty="0"/>
-              <a:t>D) Test mapping between two boards</a:t>
+              <a:rPr lang="en-US" altLang="ko-KR" dirty="0" smtClean="0"/>
+              <a:t>Problem.</a:t>
             </a:r>
+            <a:endParaRPr lang="en-US" altLang="ko-KR" dirty="0"/>
+          </a:p>
+        </p:txBody>
+      </p:sp>
+      <p:sp>
+        <p:nvSpPr>
+          <p:cNvPr id="3" name="Rectangle 2"/>
+          <p:cNvSpPr/>
+          <p:nvPr/>
+        </p:nvSpPr>
+        <p:spPr>
+          <a:xfrm>
+            <a:off x="1139977" y="2715766"/>
+            <a:ext cx="878796" cy="360040"/>
+          </a:xfrm>
+          <a:prstGeom prst="rect">
+            <a:avLst/>
+          </a:prstGeom>
+          <a:solidFill>
+            <a:schemeClr val="tx1"/>
+          </a:solidFill>
+          <a:ln>
+            <a:noFill/>
+          </a:ln>
+        </p:spPr>
+        <p:style>
+          <a:lnRef idx="2">
+            <a:schemeClr val="accent1">
+              <a:shade val="50000"/>
+            </a:schemeClr>
+          </a:lnRef>
+          <a:fillRef idx="1">
+            <a:schemeClr val="accent1"/>
+          </a:fillRef>
+          <a:effectRef idx="0">
+            <a:schemeClr val="accent1"/>
+          </a:effectRef>
+          <a:fontRef idx="minor">
+            <a:schemeClr val="lt1"/>
+          </a:fontRef>
+        </p:style>
+        <p:txBody>
+          <a:bodyPr rtlCol="0" anchor="ctr"/>
+          <a:lstStyle/>
+          <a:p>
+            <a:pPr algn="ctr"/>
+            <a:r>
+              <a:rPr lang="fr-FR" dirty="0" smtClean="0"/>
+              <a:t>NIC(1)</a:t>
+            </a:r>
+            <a:endParaRPr lang="fr-FR" dirty="0"/>
+          </a:p>
+        </p:txBody>
+      </p:sp>
+      <p:cxnSp>
+        <p:nvCxnSpPr>
+          <p:cNvPr id="6" name="Connecteur droit 5"/>
+          <p:cNvCxnSpPr/>
+          <p:nvPr/>
+        </p:nvCxnSpPr>
+        <p:spPr>
+          <a:xfrm>
+            <a:off x="2195736" y="1779662"/>
+            <a:ext cx="0" cy="2880320"/>
+          </a:xfrm>
+          <a:prstGeom prst="line">
+            <a:avLst/>
+          </a:prstGeom>
+          <a:ln>
+            <a:solidFill>
+              <a:schemeClr val="tx1"/>
+            </a:solidFill>
+          </a:ln>
+        </p:spPr>
+        <p:style>
+          <a:lnRef idx="1">
+            <a:schemeClr val="accent1"/>
+          </a:lnRef>
+          <a:fillRef idx="0">
+            <a:schemeClr val="accent1"/>
+          </a:fillRef>
+          <a:effectRef idx="0">
+            <a:schemeClr val="accent1"/>
+          </a:effectRef>
+          <a:fontRef idx="minor">
+            <a:schemeClr val="tx1"/>
+          </a:fontRef>
+        </p:style>
+      </p:cxnSp>
+      <p:cxnSp>
+        <p:nvCxnSpPr>
+          <p:cNvPr id="18" name="Connecteur droit 17"/>
+          <p:cNvCxnSpPr/>
+          <p:nvPr/>
+        </p:nvCxnSpPr>
+        <p:spPr>
+          <a:xfrm>
+            <a:off x="6301990" y="1779662"/>
+            <a:ext cx="0" cy="2880320"/>
+          </a:xfrm>
+          <a:prstGeom prst="line">
+            <a:avLst/>
+          </a:prstGeom>
+          <a:ln>
+            <a:solidFill>
+              <a:schemeClr val="tx1"/>
+            </a:solidFill>
+          </a:ln>
+        </p:spPr>
+        <p:style>
+          <a:lnRef idx="1">
+            <a:schemeClr val="accent1"/>
+          </a:lnRef>
+          <a:fillRef idx="0">
+            <a:schemeClr val="accent1"/>
+          </a:fillRef>
+          <a:effectRef idx="0">
+            <a:schemeClr val="accent1"/>
+          </a:effectRef>
+          <a:fontRef idx="minor">
+            <a:schemeClr val="tx1"/>
+          </a:fontRef>
+        </p:style>
+      </p:cxnSp>
+      <p:sp>
+        <p:nvSpPr>
+          <p:cNvPr id="7" name="ZoneTexte 6"/>
+          <p:cNvSpPr txBox="1"/>
+          <p:nvPr/>
+        </p:nvSpPr>
+        <p:spPr>
+          <a:xfrm>
+            <a:off x="1931529" y="1460392"/>
+            <a:ext cx="441146" cy="369332"/>
+          </a:xfrm>
+          <a:prstGeom prst="rect">
+            <a:avLst/>
+          </a:prstGeom>
+          <a:noFill/>
+        </p:spPr>
+        <p:txBody>
+          <a:bodyPr wrap="none" rtlCol="0">
+            <a:spAutoFit/>
+          </a:bodyPr>
+          <a:lstStyle/>
+          <a:p>
+            <a:r>
+              <a:rPr lang="fr-FR" dirty="0" err="1" smtClean="0"/>
+              <a:t>Tx</a:t>
+            </a:r>
+            <a:endParaRPr lang="fr-FR" dirty="0"/>
+          </a:p>
+        </p:txBody>
+      </p:sp>
+      <p:sp>
+        <p:nvSpPr>
+          <p:cNvPr id="8" name="ZoneTexte 7"/>
+          <p:cNvSpPr txBox="1"/>
+          <p:nvPr/>
+        </p:nvSpPr>
+        <p:spPr>
+          <a:xfrm>
+            <a:off x="6012160" y="1447090"/>
+            <a:ext cx="466794" cy="369332"/>
+          </a:xfrm>
+          <a:prstGeom prst="rect">
+            <a:avLst/>
+          </a:prstGeom>
+          <a:noFill/>
+        </p:spPr>
+        <p:txBody>
+          <a:bodyPr wrap="none" rtlCol="0">
+            <a:spAutoFit/>
+          </a:bodyPr>
+          <a:lstStyle/>
+          <a:p>
+            <a:r>
+              <a:rPr lang="fr-FR" dirty="0" err="1" smtClean="0"/>
+              <a:t>Rx</a:t>
+            </a:r>
+            <a:endParaRPr lang="fr-FR" dirty="0"/>
+          </a:p>
+        </p:txBody>
+      </p:sp>
+      <p:sp>
+        <p:nvSpPr>
+          <p:cNvPr id="9" name="ZoneTexte 8"/>
+          <p:cNvSpPr txBox="1"/>
+          <p:nvPr/>
+        </p:nvSpPr>
+        <p:spPr>
+          <a:xfrm>
+            <a:off x="2207342" y="1762274"/>
+            <a:ext cx="902811" cy="369332"/>
+          </a:xfrm>
+          <a:prstGeom prst="rect">
+            <a:avLst/>
+          </a:prstGeom>
+          <a:noFill/>
+        </p:spPr>
+        <p:txBody>
+          <a:bodyPr wrap="none" rtlCol="0">
+            <a:spAutoFit/>
+          </a:bodyPr>
+          <a:lstStyle/>
+          <a:p>
+            <a:r>
+              <a:rPr lang="fr-FR" dirty="0" smtClean="0"/>
+              <a:t>./Client</a:t>
+            </a:r>
+            <a:endParaRPr lang="fr-FR" dirty="0"/>
+          </a:p>
+        </p:txBody>
+      </p:sp>
+      <p:sp>
+        <p:nvSpPr>
+          <p:cNvPr id="31" name="ZoneTexte 30"/>
+          <p:cNvSpPr txBox="1"/>
+          <p:nvPr/>
+        </p:nvSpPr>
+        <p:spPr>
+          <a:xfrm>
+            <a:off x="5274682" y="1756847"/>
+            <a:ext cx="992579" cy="369332"/>
+          </a:xfrm>
+          <a:prstGeom prst="rect">
+            <a:avLst/>
+          </a:prstGeom>
+          <a:noFill/>
+        </p:spPr>
+        <p:txBody>
+          <a:bodyPr wrap="none" rtlCol="0">
+            <a:spAutoFit/>
+          </a:bodyPr>
+          <a:lstStyle/>
+          <a:p>
+            <a:r>
+              <a:rPr lang="fr-FR" dirty="0" smtClean="0"/>
+              <a:t>./Server</a:t>
+            </a:r>
+            <a:endParaRPr lang="fr-FR" dirty="0"/>
+          </a:p>
+        </p:txBody>
+      </p:sp>
+      <p:sp>
+        <p:nvSpPr>
+          <p:cNvPr id="5" name="ZoneTexte 4"/>
+          <p:cNvSpPr txBox="1"/>
+          <p:nvPr/>
+        </p:nvSpPr>
+        <p:spPr>
+          <a:xfrm>
+            <a:off x="2854892" y="2379917"/>
+            <a:ext cx="2787943" cy="923330"/>
+          </a:xfrm>
+          <a:prstGeom prst="rect">
+            <a:avLst/>
+          </a:prstGeom>
+          <a:noFill/>
+        </p:spPr>
+        <p:txBody>
+          <a:bodyPr wrap="none" rtlCol="0">
+            <a:spAutoFit/>
+          </a:bodyPr>
+          <a:lstStyle/>
+          <a:p>
+            <a:r>
+              <a:rPr lang="fr-FR" dirty="0" smtClean="0"/>
+              <a:t>User: </a:t>
+            </a:r>
+          </a:p>
+          <a:p>
+            <a:r>
+              <a:rPr lang="fr-FR" dirty="0" smtClean="0"/>
+              <a:t>1) ./setup</a:t>
+            </a:r>
+          </a:p>
+          <a:p>
+            <a:r>
+              <a:rPr lang="fr-FR" dirty="0" smtClean="0"/>
+              <a:t>2) ./nano configuration.txt</a:t>
+            </a:r>
+          </a:p>
+        </p:txBody>
+      </p:sp>
+      <p:sp>
+        <p:nvSpPr>
+          <p:cNvPr id="32" name="Rectangle 31"/>
+          <p:cNvSpPr/>
+          <p:nvPr/>
+        </p:nvSpPr>
+        <p:spPr>
+          <a:xfrm>
+            <a:off x="6475824" y="2725058"/>
+            <a:ext cx="878796" cy="360040"/>
+          </a:xfrm>
+          <a:prstGeom prst="rect">
+            <a:avLst/>
+          </a:prstGeom>
+          <a:solidFill>
+            <a:schemeClr val="tx1"/>
+          </a:solidFill>
+          <a:ln>
+            <a:noFill/>
+          </a:ln>
+        </p:spPr>
+        <p:style>
+          <a:lnRef idx="2">
+            <a:schemeClr val="accent1">
+              <a:shade val="50000"/>
+            </a:schemeClr>
+          </a:lnRef>
+          <a:fillRef idx="1">
+            <a:schemeClr val="accent1"/>
+          </a:fillRef>
+          <a:effectRef idx="0">
+            <a:schemeClr val="accent1"/>
+          </a:effectRef>
+          <a:fontRef idx="minor">
+            <a:schemeClr val="lt1"/>
+          </a:fontRef>
+        </p:style>
+        <p:txBody>
+          <a:bodyPr rtlCol="0" anchor="ctr"/>
+          <a:lstStyle/>
+          <a:p>
+            <a:pPr algn="ctr"/>
+            <a:r>
+              <a:rPr lang="fr-FR" dirty="0" smtClean="0"/>
+              <a:t>NIC(2)</a:t>
+            </a:r>
+            <a:endParaRPr lang="fr-FR" dirty="0"/>
+          </a:p>
+        </p:txBody>
+      </p:sp>
+      <p:sp>
+        <p:nvSpPr>
+          <p:cNvPr id="11" name="ZoneTexte 10"/>
+          <p:cNvSpPr txBox="1"/>
+          <p:nvPr/>
+        </p:nvSpPr>
+        <p:spPr>
+          <a:xfrm>
+            <a:off x="722551" y="3118581"/>
+            <a:ext cx="1802764" cy="369332"/>
+          </a:xfrm>
+          <a:prstGeom prst="rect">
+            <a:avLst/>
+          </a:prstGeom>
+          <a:noFill/>
+        </p:spPr>
+        <p:txBody>
+          <a:bodyPr wrap="square" rtlCol="0">
+            <a:spAutoFit/>
+          </a:bodyPr>
+          <a:lstStyle/>
+          <a:p>
+            <a:r>
+              <a:rPr lang="fr-FR" dirty="0" err="1" smtClean="0"/>
+              <a:t>MAC_sender</a:t>
+            </a:r>
+            <a:endParaRPr lang="fr-FR" dirty="0"/>
+          </a:p>
+        </p:txBody>
+      </p:sp>
+      <p:sp>
+        <p:nvSpPr>
+          <p:cNvPr id="12" name="ZoneTexte 11"/>
+          <p:cNvSpPr txBox="1"/>
+          <p:nvPr/>
+        </p:nvSpPr>
+        <p:spPr>
+          <a:xfrm>
+            <a:off x="6308244" y="3118581"/>
+            <a:ext cx="1646605" cy="369332"/>
+          </a:xfrm>
+          <a:prstGeom prst="rect">
+            <a:avLst/>
+          </a:prstGeom>
+          <a:noFill/>
+        </p:spPr>
+        <p:txBody>
+          <a:bodyPr wrap="none" rtlCol="0">
+            <a:spAutoFit/>
+          </a:bodyPr>
+          <a:lstStyle/>
+          <a:p>
+            <a:r>
+              <a:rPr lang="fr-FR" dirty="0" err="1" smtClean="0"/>
+              <a:t>MAC_receiver</a:t>
+            </a:r>
+            <a:endParaRPr lang="fr-FR" dirty="0"/>
+          </a:p>
+        </p:txBody>
+      </p:sp>
+      <p:sp>
+        <p:nvSpPr>
+          <p:cNvPr id="13" name="ZoneTexte 12"/>
+          <p:cNvSpPr txBox="1"/>
+          <p:nvPr/>
+        </p:nvSpPr>
+        <p:spPr>
+          <a:xfrm>
+            <a:off x="3266481" y="3392688"/>
+            <a:ext cx="2121093" cy="646331"/>
+          </a:xfrm>
+          <a:prstGeom prst="rect">
+            <a:avLst/>
+          </a:prstGeom>
+          <a:noFill/>
+        </p:spPr>
+        <p:txBody>
+          <a:bodyPr wrap="none" rtlCol="0">
+            <a:spAutoFit/>
+          </a:bodyPr>
+          <a:lstStyle/>
+          <a:p>
+            <a:r>
+              <a:rPr lang="fr-FR" dirty="0" err="1" smtClean="0"/>
+              <a:t>Add</a:t>
+            </a:r>
+            <a:r>
+              <a:rPr lang="fr-FR" dirty="0" smtClean="0"/>
+              <a:t> </a:t>
+            </a:r>
+            <a:r>
+              <a:rPr lang="fr-FR" dirty="0" err="1" smtClean="0"/>
+              <a:t>MAC_sender</a:t>
+            </a:r>
+            <a:endParaRPr lang="fr-FR" dirty="0" smtClean="0"/>
+          </a:p>
+          <a:p>
+            <a:r>
+              <a:rPr lang="fr-FR" dirty="0" err="1" smtClean="0"/>
+              <a:t>Add</a:t>
+            </a:r>
+            <a:r>
+              <a:rPr lang="fr-FR" dirty="0" smtClean="0"/>
+              <a:t> </a:t>
+            </a:r>
+            <a:r>
+              <a:rPr lang="fr-FR" dirty="0" err="1" smtClean="0"/>
+              <a:t>MAC_receiver</a:t>
+            </a:r>
+            <a:endParaRPr lang="fr-FR" dirty="0"/>
+          </a:p>
+        </p:txBody>
+      </p:sp>
+      <p:sp>
+        <p:nvSpPr>
+          <p:cNvPr id="14" name="ZoneTexte 13"/>
+          <p:cNvSpPr txBox="1"/>
+          <p:nvPr/>
+        </p:nvSpPr>
+        <p:spPr>
+          <a:xfrm>
+            <a:off x="3486825" y="1761475"/>
+            <a:ext cx="1479892" cy="369332"/>
+          </a:xfrm>
+          <a:prstGeom prst="rect">
+            <a:avLst/>
+          </a:prstGeom>
+          <a:solidFill>
+            <a:schemeClr val="bg1">
+              <a:lumMod val="85000"/>
+            </a:schemeClr>
+          </a:solidFill>
+        </p:spPr>
+        <p:txBody>
+          <a:bodyPr wrap="none" rtlCol="0">
+            <a:spAutoFit/>
+          </a:bodyPr>
+          <a:lstStyle/>
+          <a:p>
+            <a:r>
+              <a:rPr lang="fr-FR" dirty="0" smtClean="0"/>
+              <a:t>Normal case</a:t>
+            </a:r>
+            <a:endParaRPr lang="fr-FR" dirty="0"/>
           </a:p>
         </p:txBody>
       </p:sp>
     </p:spTree>
     <p:extLst>
       <p:ext uri="{BB962C8B-B14F-4D97-AF65-F5344CB8AC3E}">
-        <p14:creationId xmlns:p14="http://schemas.microsoft.com/office/powerpoint/2010/main" val="3352500654"/>
+        <p14:creationId xmlns:p14="http://schemas.microsoft.com/office/powerpoint/2010/main" val="1083875809"/>
       </p:ext>
     </p:extLst>
   </p:cSld>
@@ -24252,6 +24750,4593 @@
 </file>
 
 <file path=ppt/slides/slide25.xml><?xml version="1.0" encoding="utf-8"?>
+<p:sld xmlns:a="http://schemas.openxmlformats.org/drawingml/2006/main" xmlns:r="http://schemas.openxmlformats.org/officeDocument/2006/relationships" xmlns:p="http://schemas.openxmlformats.org/presentationml/2006/main">
+  <p:cSld>
+    <p:spTree>
+      <p:nvGrpSpPr>
+        <p:cNvPr id="1" name=""/>
+        <p:cNvGrpSpPr/>
+        <p:nvPr/>
+      </p:nvGrpSpPr>
+      <p:grpSpPr>
+        <a:xfrm>
+          <a:off x="0" y="0"/>
+          <a:ext cx="0" cy="0"/>
+          <a:chOff x="0" y="0"/>
+          <a:chExt cx="0" cy="0"/>
+        </a:xfrm>
+      </p:grpSpPr>
+      <p:sp>
+        <p:nvSpPr>
+          <p:cNvPr id="4" name="Rectangle 3"/>
+          <p:cNvSpPr/>
+          <p:nvPr/>
+        </p:nvSpPr>
+        <p:spPr>
+          <a:xfrm>
+            <a:off x="1612453" y="1049521"/>
+            <a:ext cx="5904000" cy="72000"/>
+          </a:xfrm>
+          <a:prstGeom prst="rect">
+            <a:avLst/>
+          </a:prstGeom>
+          <a:solidFill>
+            <a:schemeClr val="accent1"/>
+          </a:solidFill>
+          <a:ln>
+            <a:noFill/>
+          </a:ln>
+        </p:spPr>
+        <p:style>
+          <a:lnRef idx="2">
+            <a:schemeClr val="accent1">
+              <a:shade val="50000"/>
+            </a:schemeClr>
+          </a:lnRef>
+          <a:fillRef idx="1">
+            <a:schemeClr val="accent1"/>
+          </a:fillRef>
+          <a:effectRef idx="0">
+            <a:schemeClr val="accent1"/>
+          </a:effectRef>
+          <a:fontRef idx="minor">
+            <a:schemeClr val="lt1"/>
+          </a:fontRef>
+        </p:style>
+        <p:txBody>
+          <a:bodyPr rot="0" spcFirstLastPara="0" vertOverflow="overflow" horzOverflow="overflow" vert="horz" wrap="square" lIns="91440" tIns="45720" rIns="91440" bIns="45720" numCol="1" spcCol="0" rtlCol="0" fromWordArt="0" anchor="ctr" anchorCtr="0" forceAA="0" compatLnSpc="1">
+            <a:prstTxWarp prst="textNoShape">
+              <a:avLst/>
+            </a:prstTxWarp>
+            <a:noAutofit/>
+          </a:bodyPr>
+          <a:lstStyle/>
+          <a:p>
+            <a:pPr algn="ctr"/>
+            <a:endParaRPr lang="ko-KR" altLang="en-US"/>
+          </a:p>
+        </p:txBody>
+      </p:sp>
+      <p:grpSp>
+        <p:nvGrpSpPr>
+          <p:cNvPr id="22" name="그룹 21">
+            <a:extLst>
+              <a:ext uri="{FF2B5EF4-FFF2-40B4-BE49-F238E27FC236}">
+                <a16:creationId xmlns:a16="http://schemas.microsoft.com/office/drawing/2014/main" id="{49A8CCBF-C11D-432B-ADCA-004921E0F306}"/>
+              </a:ext>
+            </a:extLst>
+          </p:cNvPr>
+          <p:cNvGrpSpPr/>
+          <p:nvPr/>
+        </p:nvGrpSpPr>
+        <p:grpSpPr>
+          <a:xfrm>
+            <a:off x="1449177" y="62634"/>
+            <a:ext cx="6552728" cy="914400"/>
+            <a:chOff x="2267744" y="1059582"/>
+            <a:chExt cx="6552728" cy="914400"/>
+          </a:xfrm>
+        </p:grpSpPr>
+        <p:grpSp>
+          <p:nvGrpSpPr>
+            <p:cNvPr id="23" name="Group 3">
+              <a:extLst>
+                <a:ext uri="{FF2B5EF4-FFF2-40B4-BE49-F238E27FC236}">
+                  <a16:creationId xmlns:a16="http://schemas.microsoft.com/office/drawing/2014/main" id="{5828ADA1-7A7D-4412-ADE9-4BDCE89A2BAA}"/>
+                </a:ext>
+              </a:extLst>
+            </p:cNvPr>
+            <p:cNvGrpSpPr/>
+            <p:nvPr/>
+          </p:nvGrpSpPr>
+          <p:grpSpPr>
+            <a:xfrm>
+              <a:off x="2267744" y="1059582"/>
+              <a:ext cx="6552728" cy="914400"/>
+              <a:chOff x="1151472" y="3187501"/>
+              <a:chExt cx="6552728" cy="914400"/>
+            </a:xfrm>
+          </p:grpSpPr>
+          <p:sp>
+            <p:nvSpPr>
+              <p:cNvPr id="28" name="Pentagon 4">
+                <a:extLst>
+                  <a:ext uri="{FF2B5EF4-FFF2-40B4-BE49-F238E27FC236}">
+                    <a16:creationId xmlns:a16="http://schemas.microsoft.com/office/drawing/2014/main" id="{D7188859-F32A-4D58-A325-5D6D3193D407}"/>
+                  </a:ext>
+                </a:extLst>
+              </p:cNvPr>
+              <p:cNvSpPr/>
+              <p:nvPr/>
+            </p:nvSpPr>
+            <p:spPr>
+              <a:xfrm>
+                <a:off x="1633824" y="3347030"/>
+                <a:ext cx="6070376" cy="720000"/>
+              </a:xfrm>
+              <a:prstGeom prst="homePlate">
+                <a:avLst/>
+              </a:prstGeom>
+              <a:solidFill>
+                <a:schemeClr val="accent1"/>
+              </a:solidFill>
+              <a:ln>
+                <a:noFill/>
+              </a:ln>
+            </p:spPr>
+            <p:style>
+              <a:lnRef idx="2">
+                <a:schemeClr val="accent1">
+                  <a:shade val="50000"/>
+                </a:schemeClr>
+              </a:lnRef>
+              <a:fillRef idx="1">
+                <a:schemeClr val="accent1"/>
+              </a:fillRef>
+              <a:effectRef idx="0">
+                <a:schemeClr val="accent1"/>
+              </a:effectRef>
+              <a:fontRef idx="minor">
+                <a:schemeClr val="lt1"/>
+              </a:fontRef>
+            </p:style>
+            <p:txBody>
+              <a:bodyPr rot="0" spcFirstLastPara="0" vertOverflow="overflow" horzOverflow="overflow" vert="horz" wrap="square" lIns="91440" tIns="45720" rIns="91440" bIns="45720" numCol="1" spcCol="0" rtlCol="0" fromWordArt="0" anchor="ctr" anchorCtr="0" forceAA="0" compatLnSpc="1">
+                <a:prstTxWarp prst="textNoShape">
+                  <a:avLst/>
+                </a:prstTxWarp>
+                <a:noAutofit/>
+              </a:bodyPr>
+              <a:lstStyle/>
+              <a:p>
+                <a:pPr algn="ctr"/>
+                <a:endParaRPr lang="ko-KR" altLang="en-US"/>
+              </a:p>
+            </p:txBody>
+          </p:sp>
+          <p:sp>
+            <p:nvSpPr>
+              <p:cNvPr id="29" name="Pentagon 5">
+                <a:extLst>
+                  <a:ext uri="{FF2B5EF4-FFF2-40B4-BE49-F238E27FC236}">
+                    <a16:creationId xmlns:a16="http://schemas.microsoft.com/office/drawing/2014/main" id="{59081497-96A5-4CBE-8BBF-BD6B10C2EAB8}"/>
+                  </a:ext>
+                </a:extLst>
+              </p:cNvPr>
+              <p:cNvSpPr/>
+              <p:nvPr/>
+            </p:nvSpPr>
+            <p:spPr>
+              <a:xfrm>
+                <a:off x="1633824" y="3284701"/>
+                <a:ext cx="5914970" cy="720000"/>
+              </a:xfrm>
+              <a:prstGeom prst="homePlate">
+                <a:avLst/>
+              </a:prstGeom>
+              <a:solidFill>
+                <a:schemeClr val="bg1"/>
+              </a:solidFill>
+              <a:ln w="38100">
+                <a:solidFill>
+                  <a:schemeClr val="accent1"/>
+                </a:solidFill>
+              </a:ln>
+            </p:spPr>
+            <p:style>
+              <a:lnRef idx="2">
+                <a:schemeClr val="accent1">
+                  <a:shade val="50000"/>
+                </a:schemeClr>
+              </a:lnRef>
+              <a:fillRef idx="1">
+                <a:schemeClr val="accent1"/>
+              </a:fillRef>
+              <a:effectRef idx="0">
+                <a:schemeClr val="accent1"/>
+              </a:effectRef>
+              <a:fontRef idx="minor">
+                <a:schemeClr val="lt1"/>
+              </a:fontRef>
+            </p:style>
+            <p:txBody>
+              <a:bodyPr rot="0" spcFirstLastPara="0" vertOverflow="overflow" horzOverflow="overflow" vert="horz" wrap="square" lIns="91440" tIns="45720" rIns="91440" bIns="45720" numCol="1" spcCol="0" rtlCol="0" fromWordArt="0" anchor="ctr" anchorCtr="0" forceAA="0" compatLnSpc="1">
+                <a:prstTxWarp prst="textNoShape">
+                  <a:avLst/>
+                </a:prstTxWarp>
+                <a:noAutofit/>
+              </a:bodyPr>
+              <a:lstStyle/>
+              <a:p>
+                <a:pPr algn="ctr"/>
+                <a:endParaRPr lang="ko-KR" altLang="en-US"/>
+              </a:p>
+            </p:txBody>
+          </p:sp>
+          <p:sp>
+            <p:nvSpPr>
+              <p:cNvPr id="30" name="Diamond 6">
+                <a:extLst>
+                  <a:ext uri="{FF2B5EF4-FFF2-40B4-BE49-F238E27FC236}">
+                    <a16:creationId xmlns:a16="http://schemas.microsoft.com/office/drawing/2014/main" id="{4C2D9227-D31D-4640-BD6C-507FDC5A94DA}"/>
+                  </a:ext>
+                </a:extLst>
+              </p:cNvPr>
+              <p:cNvSpPr/>
+              <p:nvPr/>
+            </p:nvSpPr>
+            <p:spPr>
+              <a:xfrm>
+                <a:off x="1151472" y="3187501"/>
+                <a:ext cx="914400" cy="914400"/>
+              </a:xfrm>
+              <a:prstGeom prst="diamond">
+                <a:avLst/>
+              </a:prstGeom>
+              <a:solidFill>
+                <a:schemeClr val="accent1"/>
+              </a:solidFill>
+              <a:ln>
+                <a:noFill/>
+              </a:ln>
+            </p:spPr>
+            <p:style>
+              <a:lnRef idx="2">
+                <a:schemeClr val="accent1">
+                  <a:shade val="50000"/>
+                </a:schemeClr>
+              </a:lnRef>
+              <a:fillRef idx="1">
+                <a:schemeClr val="accent1"/>
+              </a:fillRef>
+              <a:effectRef idx="0">
+                <a:schemeClr val="accent1"/>
+              </a:effectRef>
+              <a:fontRef idx="minor">
+                <a:schemeClr val="lt1"/>
+              </a:fontRef>
+            </p:style>
+            <p:txBody>
+              <a:bodyPr rot="0" spcFirstLastPara="0" vertOverflow="overflow" horzOverflow="overflow" vert="horz" wrap="square" lIns="91440" tIns="45720" rIns="91440" bIns="45720" numCol="1" spcCol="0" rtlCol="0" fromWordArt="0" anchor="ctr" anchorCtr="0" forceAA="0" compatLnSpc="1">
+                <a:prstTxWarp prst="textNoShape">
+                  <a:avLst/>
+                </a:prstTxWarp>
+                <a:noAutofit/>
+              </a:bodyPr>
+              <a:lstStyle/>
+              <a:p>
+                <a:pPr algn="ctr"/>
+                <a:endParaRPr lang="ko-KR" altLang="en-US" dirty="0"/>
+              </a:p>
+            </p:txBody>
+          </p:sp>
+        </p:grpSp>
+        <p:sp>
+          <p:nvSpPr>
+            <p:cNvPr id="24" name="직사각형 39">
+              <a:extLst>
+                <a:ext uri="{FF2B5EF4-FFF2-40B4-BE49-F238E27FC236}">
+                  <a16:creationId xmlns:a16="http://schemas.microsoft.com/office/drawing/2014/main" id="{8ED612A0-6EC0-44BB-8F75-EE9B4423AA68}"/>
+                </a:ext>
+              </a:extLst>
+            </p:cNvPr>
+            <p:cNvSpPr/>
+            <p:nvPr/>
+          </p:nvSpPr>
+          <p:spPr>
+            <a:xfrm>
+              <a:off x="2509438" y="1262927"/>
+              <a:ext cx="403184" cy="523220"/>
+            </a:xfrm>
+            <a:prstGeom prst="rect">
+              <a:avLst/>
+            </a:prstGeom>
+          </p:spPr>
+          <p:txBody>
+            <a:bodyPr wrap="square" anchor="ctr">
+              <a:spAutoFit/>
+            </a:bodyPr>
+            <a:lstStyle>
+              <a:defPPr>
+                <a:defRPr lang="ko-KR"/>
+              </a:defPPr>
+              <a:lvl1pPr marL="0" algn="l" defTabSz="914400" rtl="0" eaLnBrk="1" latinLnBrk="1" hangingPunct="1">
+                <a:defRPr sz="1800" kern="1200">
+                  <a:solidFill>
+                    <a:schemeClr val="tx1"/>
+                  </a:solidFill>
+                  <a:latin typeface="+mn-lt"/>
+                  <a:ea typeface="+mn-ea"/>
+                  <a:cs typeface="+mn-cs"/>
+                </a:defRPr>
+              </a:lvl1pPr>
+              <a:lvl2pPr marL="457200" algn="l" defTabSz="914400" rtl="0" eaLnBrk="1" latinLnBrk="1" hangingPunct="1">
+                <a:defRPr sz="1800" kern="1200">
+                  <a:solidFill>
+                    <a:schemeClr val="tx1"/>
+                  </a:solidFill>
+                  <a:latin typeface="+mn-lt"/>
+                  <a:ea typeface="+mn-ea"/>
+                  <a:cs typeface="+mn-cs"/>
+                </a:defRPr>
+              </a:lvl2pPr>
+              <a:lvl3pPr marL="914400" algn="l" defTabSz="914400" rtl="0" eaLnBrk="1" latinLnBrk="1" hangingPunct="1">
+                <a:defRPr sz="1800" kern="1200">
+                  <a:solidFill>
+                    <a:schemeClr val="tx1"/>
+                  </a:solidFill>
+                  <a:latin typeface="+mn-lt"/>
+                  <a:ea typeface="+mn-ea"/>
+                  <a:cs typeface="+mn-cs"/>
+                </a:defRPr>
+              </a:lvl3pPr>
+              <a:lvl4pPr marL="1371600" algn="l" defTabSz="914400" rtl="0" eaLnBrk="1" latinLnBrk="1" hangingPunct="1">
+                <a:defRPr sz="1800" kern="1200">
+                  <a:solidFill>
+                    <a:schemeClr val="tx1"/>
+                  </a:solidFill>
+                  <a:latin typeface="+mn-lt"/>
+                  <a:ea typeface="+mn-ea"/>
+                  <a:cs typeface="+mn-cs"/>
+                </a:defRPr>
+              </a:lvl4pPr>
+              <a:lvl5pPr marL="1828800" algn="l" defTabSz="914400" rtl="0" eaLnBrk="1" latinLnBrk="1" hangingPunct="1">
+                <a:defRPr sz="1800" kern="1200">
+                  <a:solidFill>
+                    <a:schemeClr val="tx1"/>
+                  </a:solidFill>
+                  <a:latin typeface="+mn-lt"/>
+                  <a:ea typeface="+mn-ea"/>
+                  <a:cs typeface="+mn-cs"/>
+                </a:defRPr>
+              </a:lvl5pPr>
+              <a:lvl6pPr marL="2286000" algn="l" defTabSz="914400" rtl="0" eaLnBrk="1" latinLnBrk="1" hangingPunct="1">
+                <a:defRPr sz="1800" kern="1200">
+                  <a:solidFill>
+                    <a:schemeClr val="tx1"/>
+                  </a:solidFill>
+                  <a:latin typeface="+mn-lt"/>
+                  <a:ea typeface="+mn-ea"/>
+                  <a:cs typeface="+mn-cs"/>
+                </a:defRPr>
+              </a:lvl6pPr>
+              <a:lvl7pPr marL="2743200" algn="l" defTabSz="914400" rtl="0" eaLnBrk="1" latinLnBrk="1" hangingPunct="1">
+                <a:defRPr sz="1800" kern="1200">
+                  <a:solidFill>
+                    <a:schemeClr val="tx1"/>
+                  </a:solidFill>
+                  <a:latin typeface="+mn-lt"/>
+                  <a:ea typeface="+mn-ea"/>
+                  <a:cs typeface="+mn-cs"/>
+                </a:defRPr>
+              </a:lvl7pPr>
+              <a:lvl8pPr marL="3200400" algn="l" defTabSz="914400" rtl="0" eaLnBrk="1" latinLnBrk="1" hangingPunct="1">
+                <a:defRPr sz="1800" kern="1200">
+                  <a:solidFill>
+                    <a:schemeClr val="tx1"/>
+                  </a:solidFill>
+                  <a:latin typeface="+mn-lt"/>
+                  <a:ea typeface="+mn-ea"/>
+                  <a:cs typeface="+mn-cs"/>
+                </a:defRPr>
+              </a:lvl8pPr>
+              <a:lvl9pPr marL="3657600" algn="l" defTabSz="914400" rtl="0" eaLnBrk="1" latinLnBrk="1" hangingPunct="1">
+                <a:defRPr sz="1800" kern="1200">
+                  <a:solidFill>
+                    <a:schemeClr val="tx1"/>
+                  </a:solidFill>
+                  <a:latin typeface="+mn-lt"/>
+                  <a:ea typeface="+mn-ea"/>
+                  <a:cs typeface="+mn-cs"/>
+                </a:defRPr>
+              </a:lvl9pPr>
+            </a:lstStyle>
+            <a:p>
+              <a:pPr algn="ctr">
+                <a:defRPr/>
+              </a:pPr>
+              <a:r>
+                <a:rPr lang="en-US" altLang="ko-KR" sz="2800" b="1" dirty="0">
+                  <a:solidFill>
+                    <a:schemeClr val="bg1"/>
+                  </a:solidFill>
+                  <a:cs typeface="Arial" pitchFamily="34" charset="0"/>
+                </a:rPr>
+                <a:t>1 </a:t>
+              </a:r>
+              <a:endParaRPr lang="ko-KR" altLang="en-US" sz="2800" dirty="0">
+                <a:solidFill>
+                  <a:schemeClr val="bg1"/>
+                </a:solidFill>
+              </a:endParaRPr>
+            </a:p>
+          </p:txBody>
+        </p:sp>
+        <p:grpSp>
+          <p:nvGrpSpPr>
+            <p:cNvPr id="25" name="Group 8">
+              <a:extLst>
+                <a:ext uri="{FF2B5EF4-FFF2-40B4-BE49-F238E27FC236}">
+                  <a16:creationId xmlns:a16="http://schemas.microsoft.com/office/drawing/2014/main" id="{E9F43EDB-A2E2-4546-918E-9485EA8E6293}"/>
+                </a:ext>
+              </a:extLst>
+            </p:cNvPr>
+            <p:cNvGrpSpPr/>
+            <p:nvPr/>
+          </p:nvGrpSpPr>
+          <p:grpSpPr>
+            <a:xfrm>
+              <a:off x="3382961" y="1239623"/>
+              <a:ext cx="4752528" cy="546274"/>
+              <a:chOff x="2299400" y="1781114"/>
+              <a:chExt cx="4576856" cy="546274"/>
+            </a:xfrm>
+          </p:grpSpPr>
+          <p:sp>
+            <p:nvSpPr>
+              <p:cNvPr id="26" name="TextBox 10">
+                <a:extLst>
+                  <a:ext uri="{FF2B5EF4-FFF2-40B4-BE49-F238E27FC236}">
+                    <a16:creationId xmlns:a16="http://schemas.microsoft.com/office/drawing/2014/main" id="{1FC3283C-FBC7-4C2E-A16D-C5167086383E}"/>
+                  </a:ext>
+                </a:extLst>
+              </p:cNvPr>
+              <p:cNvSpPr txBox="1"/>
+              <p:nvPr/>
+            </p:nvSpPr>
+            <p:spPr bwMode="auto">
+              <a:xfrm>
+                <a:off x="2299400" y="1781114"/>
+                <a:ext cx="4576856" cy="307777"/>
+              </a:xfrm>
+              <a:prstGeom prst="rect">
+                <a:avLst/>
+              </a:prstGeom>
+              <a:noFill/>
+              <a:effectLst/>
+            </p:spPr>
+            <p:txBody>
+              <a:bodyPr wrap="square">
+                <a:spAutoFit/>
+              </a:bodyPr>
+              <a:lstStyle>
+                <a:defPPr>
+                  <a:defRPr lang="ko-KR"/>
+                </a:defPPr>
+                <a:lvl1pPr marL="0" algn="l" defTabSz="914400" rtl="0" eaLnBrk="1" latinLnBrk="1" hangingPunct="1">
+                  <a:defRPr sz="1800" kern="1200">
+                    <a:solidFill>
+                      <a:schemeClr val="tx1"/>
+                    </a:solidFill>
+                    <a:latin typeface="+mn-lt"/>
+                    <a:ea typeface="+mn-ea"/>
+                    <a:cs typeface="+mn-cs"/>
+                  </a:defRPr>
+                </a:lvl1pPr>
+                <a:lvl2pPr marL="457200" algn="l" defTabSz="914400" rtl="0" eaLnBrk="1" latinLnBrk="1" hangingPunct="1">
+                  <a:defRPr sz="1800" kern="1200">
+                    <a:solidFill>
+                      <a:schemeClr val="tx1"/>
+                    </a:solidFill>
+                    <a:latin typeface="+mn-lt"/>
+                    <a:ea typeface="+mn-ea"/>
+                    <a:cs typeface="+mn-cs"/>
+                  </a:defRPr>
+                </a:lvl2pPr>
+                <a:lvl3pPr marL="914400" algn="l" defTabSz="914400" rtl="0" eaLnBrk="1" latinLnBrk="1" hangingPunct="1">
+                  <a:defRPr sz="1800" kern="1200">
+                    <a:solidFill>
+                      <a:schemeClr val="tx1"/>
+                    </a:solidFill>
+                    <a:latin typeface="+mn-lt"/>
+                    <a:ea typeface="+mn-ea"/>
+                    <a:cs typeface="+mn-cs"/>
+                  </a:defRPr>
+                </a:lvl3pPr>
+                <a:lvl4pPr marL="1371600" algn="l" defTabSz="914400" rtl="0" eaLnBrk="1" latinLnBrk="1" hangingPunct="1">
+                  <a:defRPr sz="1800" kern="1200">
+                    <a:solidFill>
+                      <a:schemeClr val="tx1"/>
+                    </a:solidFill>
+                    <a:latin typeface="+mn-lt"/>
+                    <a:ea typeface="+mn-ea"/>
+                    <a:cs typeface="+mn-cs"/>
+                  </a:defRPr>
+                </a:lvl4pPr>
+                <a:lvl5pPr marL="1828800" algn="l" defTabSz="914400" rtl="0" eaLnBrk="1" latinLnBrk="1" hangingPunct="1">
+                  <a:defRPr sz="1800" kern="1200">
+                    <a:solidFill>
+                      <a:schemeClr val="tx1"/>
+                    </a:solidFill>
+                    <a:latin typeface="+mn-lt"/>
+                    <a:ea typeface="+mn-ea"/>
+                    <a:cs typeface="+mn-cs"/>
+                  </a:defRPr>
+                </a:lvl5pPr>
+                <a:lvl6pPr marL="2286000" algn="l" defTabSz="914400" rtl="0" eaLnBrk="1" latinLnBrk="1" hangingPunct="1">
+                  <a:defRPr sz="1800" kern="1200">
+                    <a:solidFill>
+                      <a:schemeClr val="tx1"/>
+                    </a:solidFill>
+                    <a:latin typeface="+mn-lt"/>
+                    <a:ea typeface="+mn-ea"/>
+                    <a:cs typeface="+mn-cs"/>
+                  </a:defRPr>
+                </a:lvl6pPr>
+                <a:lvl7pPr marL="2743200" algn="l" defTabSz="914400" rtl="0" eaLnBrk="1" latinLnBrk="1" hangingPunct="1">
+                  <a:defRPr sz="1800" kern="1200">
+                    <a:solidFill>
+                      <a:schemeClr val="tx1"/>
+                    </a:solidFill>
+                    <a:latin typeface="+mn-lt"/>
+                    <a:ea typeface="+mn-ea"/>
+                    <a:cs typeface="+mn-cs"/>
+                  </a:defRPr>
+                </a:lvl7pPr>
+                <a:lvl8pPr marL="3200400" algn="l" defTabSz="914400" rtl="0" eaLnBrk="1" latinLnBrk="1" hangingPunct="1">
+                  <a:defRPr sz="1800" kern="1200">
+                    <a:solidFill>
+                      <a:schemeClr val="tx1"/>
+                    </a:solidFill>
+                    <a:latin typeface="+mn-lt"/>
+                    <a:ea typeface="+mn-ea"/>
+                    <a:cs typeface="+mn-cs"/>
+                  </a:defRPr>
+                </a:lvl8pPr>
+                <a:lvl9pPr marL="3657600" algn="l" defTabSz="914400" rtl="0" eaLnBrk="1" latinLnBrk="1" hangingPunct="1">
+                  <a:defRPr sz="1800" kern="1200">
+                    <a:solidFill>
+                      <a:schemeClr val="tx1"/>
+                    </a:solidFill>
+                    <a:latin typeface="+mn-lt"/>
+                    <a:ea typeface="+mn-ea"/>
+                    <a:cs typeface="+mn-cs"/>
+                  </a:defRPr>
+                </a:lvl9pPr>
+              </a:lstStyle>
+              <a:p>
+                <a:pPr>
+                  <a:defRPr/>
+                </a:pPr>
+                <a:r>
+                  <a:rPr lang="en-US" altLang="ko-KR" sz="1200" b="1" dirty="0">
+                    <a:solidFill>
+                      <a:schemeClr val="tx1">
+                        <a:lumMod val="75000"/>
+                        <a:lumOff val="25000"/>
+                      </a:schemeClr>
+                    </a:solidFill>
+                    <a:cs typeface="Arial" pitchFamily="34" charset="0"/>
+                  </a:rPr>
+                  <a:t>6</a:t>
+                </a:r>
+                <a:r>
+                  <a:rPr lang="en-US" altLang="ko-KR" sz="1200" b="1" baseline="30000" dirty="0">
+                    <a:solidFill>
+                      <a:schemeClr val="tx1">
+                        <a:lumMod val="75000"/>
+                        <a:lumOff val="25000"/>
+                      </a:schemeClr>
+                    </a:solidFill>
+                    <a:cs typeface="Arial" pitchFamily="34" charset="0"/>
+                  </a:rPr>
+                  <a:t>th</a:t>
+                </a:r>
+                <a:r>
+                  <a:rPr lang="en-US" altLang="ko-KR" sz="1200" b="1" dirty="0">
+                    <a:solidFill>
+                      <a:schemeClr val="tx1">
+                        <a:lumMod val="75000"/>
+                        <a:lumOff val="25000"/>
+                      </a:schemeClr>
+                    </a:solidFill>
+                    <a:cs typeface="Arial" pitchFamily="34" charset="0"/>
+                  </a:rPr>
+                  <a:t> </a:t>
+                </a:r>
+                <a:r>
+                  <a:rPr lang="en-US" altLang="ko-KR" sz="1400" b="1" dirty="0">
+                    <a:solidFill>
+                      <a:schemeClr val="tx1">
+                        <a:lumMod val="75000"/>
+                        <a:lumOff val="25000"/>
+                      </a:schemeClr>
+                    </a:solidFill>
+                    <a:cs typeface="Arial" pitchFamily="34" charset="0"/>
+                  </a:rPr>
+                  <a:t>week</a:t>
+                </a:r>
+                <a:r>
+                  <a:rPr lang="en-US" altLang="ko-KR" sz="1200" b="1" dirty="0">
+                    <a:solidFill>
+                      <a:schemeClr val="tx1">
+                        <a:lumMod val="75000"/>
+                        <a:lumOff val="25000"/>
+                      </a:schemeClr>
+                    </a:solidFill>
+                    <a:cs typeface="Arial" pitchFamily="34" charset="0"/>
+                  </a:rPr>
+                  <a:t> </a:t>
+                </a:r>
+              </a:p>
+            </p:txBody>
+          </p:sp>
+          <p:sp>
+            <p:nvSpPr>
+              <p:cNvPr id="27" name="TextBox 12">
+                <a:extLst>
+                  <a:ext uri="{FF2B5EF4-FFF2-40B4-BE49-F238E27FC236}">
+                    <a16:creationId xmlns:a16="http://schemas.microsoft.com/office/drawing/2014/main" id="{5146C00F-AE21-49D3-9FDE-1D66C4E8C569}"/>
+                  </a:ext>
+                </a:extLst>
+              </p:cNvPr>
+              <p:cNvSpPr txBox="1"/>
+              <p:nvPr/>
+            </p:nvSpPr>
+            <p:spPr bwMode="auto">
+              <a:xfrm>
+                <a:off x="2299400" y="2050389"/>
+                <a:ext cx="4576856" cy="276999"/>
+              </a:xfrm>
+              <a:prstGeom prst="rect">
+                <a:avLst/>
+              </a:prstGeom>
+              <a:noFill/>
+              <a:effectLst/>
+            </p:spPr>
+            <p:txBody>
+              <a:bodyPr wrap="square">
+                <a:spAutoFit/>
+              </a:bodyPr>
+              <a:lstStyle>
+                <a:defPPr>
+                  <a:defRPr lang="ko-KR"/>
+                </a:defPPr>
+                <a:lvl1pPr marL="0" algn="l" defTabSz="914400" rtl="0" eaLnBrk="1" latinLnBrk="1" hangingPunct="1">
+                  <a:defRPr sz="1800" kern="1200">
+                    <a:solidFill>
+                      <a:schemeClr val="tx1"/>
+                    </a:solidFill>
+                    <a:latin typeface="+mn-lt"/>
+                    <a:ea typeface="+mn-ea"/>
+                    <a:cs typeface="+mn-cs"/>
+                  </a:defRPr>
+                </a:lvl1pPr>
+                <a:lvl2pPr marL="457200" algn="l" defTabSz="914400" rtl="0" eaLnBrk="1" latinLnBrk="1" hangingPunct="1">
+                  <a:defRPr sz="1800" kern="1200">
+                    <a:solidFill>
+                      <a:schemeClr val="tx1"/>
+                    </a:solidFill>
+                    <a:latin typeface="+mn-lt"/>
+                    <a:ea typeface="+mn-ea"/>
+                    <a:cs typeface="+mn-cs"/>
+                  </a:defRPr>
+                </a:lvl2pPr>
+                <a:lvl3pPr marL="914400" algn="l" defTabSz="914400" rtl="0" eaLnBrk="1" latinLnBrk="1" hangingPunct="1">
+                  <a:defRPr sz="1800" kern="1200">
+                    <a:solidFill>
+                      <a:schemeClr val="tx1"/>
+                    </a:solidFill>
+                    <a:latin typeface="+mn-lt"/>
+                    <a:ea typeface="+mn-ea"/>
+                    <a:cs typeface="+mn-cs"/>
+                  </a:defRPr>
+                </a:lvl3pPr>
+                <a:lvl4pPr marL="1371600" algn="l" defTabSz="914400" rtl="0" eaLnBrk="1" latinLnBrk="1" hangingPunct="1">
+                  <a:defRPr sz="1800" kern="1200">
+                    <a:solidFill>
+                      <a:schemeClr val="tx1"/>
+                    </a:solidFill>
+                    <a:latin typeface="+mn-lt"/>
+                    <a:ea typeface="+mn-ea"/>
+                    <a:cs typeface="+mn-cs"/>
+                  </a:defRPr>
+                </a:lvl4pPr>
+                <a:lvl5pPr marL="1828800" algn="l" defTabSz="914400" rtl="0" eaLnBrk="1" latinLnBrk="1" hangingPunct="1">
+                  <a:defRPr sz="1800" kern="1200">
+                    <a:solidFill>
+                      <a:schemeClr val="tx1"/>
+                    </a:solidFill>
+                    <a:latin typeface="+mn-lt"/>
+                    <a:ea typeface="+mn-ea"/>
+                    <a:cs typeface="+mn-cs"/>
+                  </a:defRPr>
+                </a:lvl5pPr>
+                <a:lvl6pPr marL="2286000" algn="l" defTabSz="914400" rtl="0" eaLnBrk="1" latinLnBrk="1" hangingPunct="1">
+                  <a:defRPr sz="1800" kern="1200">
+                    <a:solidFill>
+                      <a:schemeClr val="tx1"/>
+                    </a:solidFill>
+                    <a:latin typeface="+mn-lt"/>
+                    <a:ea typeface="+mn-ea"/>
+                    <a:cs typeface="+mn-cs"/>
+                  </a:defRPr>
+                </a:lvl6pPr>
+                <a:lvl7pPr marL="2743200" algn="l" defTabSz="914400" rtl="0" eaLnBrk="1" latinLnBrk="1" hangingPunct="1">
+                  <a:defRPr sz="1800" kern="1200">
+                    <a:solidFill>
+                      <a:schemeClr val="tx1"/>
+                    </a:solidFill>
+                    <a:latin typeface="+mn-lt"/>
+                    <a:ea typeface="+mn-ea"/>
+                    <a:cs typeface="+mn-cs"/>
+                  </a:defRPr>
+                </a:lvl7pPr>
+                <a:lvl8pPr marL="3200400" algn="l" defTabSz="914400" rtl="0" eaLnBrk="1" latinLnBrk="1" hangingPunct="1">
+                  <a:defRPr sz="1800" kern="1200">
+                    <a:solidFill>
+                      <a:schemeClr val="tx1"/>
+                    </a:solidFill>
+                    <a:latin typeface="+mn-lt"/>
+                    <a:ea typeface="+mn-ea"/>
+                    <a:cs typeface="+mn-cs"/>
+                  </a:defRPr>
+                </a:lvl8pPr>
+                <a:lvl9pPr marL="3657600" algn="l" defTabSz="914400" rtl="0" eaLnBrk="1" latinLnBrk="1" hangingPunct="1">
+                  <a:defRPr sz="1800" kern="1200">
+                    <a:solidFill>
+                      <a:schemeClr val="tx1"/>
+                    </a:solidFill>
+                    <a:latin typeface="+mn-lt"/>
+                    <a:ea typeface="+mn-ea"/>
+                    <a:cs typeface="+mn-cs"/>
+                  </a:defRPr>
+                </a:lvl9pPr>
+              </a:lstStyle>
+              <a:p>
+                <a:pPr>
+                  <a:defRPr/>
+                </a:pPr>
+                <a:r>
+                  <a:rPr lang="en-US" altLang="ko-KR" sz="1200" dirty="0">
+                    <a:solidFill>
+                      <a:schemeClr val="tx1">
+                        <a:lumMod val="75000"/>
+                        <a:lumOff val="25000"/>
+                      </a:schemeClr>
+                    </a:solidFill>
+                    <a:cs typeface="Arial" pitchFamily="34" charset="0"/>
+                  </a:rPr>
+                  <a:t>Revising and Refactoring codes</a:t>
+                </a:r>
+                <a:endParaRPr lang="ko-KR" altLang="en-US" sz="1200" dirty="0">
+                  <a:solidFill>
+                    <a:schemeClr val="tx1">
+                      <a:lumMod val="75000"/>
+                      <a:lumOff val="25000"/>
+                    </a:schemeClr>
+                  </a:solidFill>
+                  <a:cs typeface="Arial" pitchFamily="34" charset="0"/>
+                </a:endParaRPr>
+              </a:p>
+            </p:txBody>
+          </p:sp>
+        </p:grpSp>
+      </p:grpSp>
+      <p:sp>
+        <p:nvSpPr>
+          <p:cNvPr id="33" name="Trapezoid 13">
+            <a:extLst>
+              <a:ext uri="{FF2B5EF4-FFF2-40B4-BE49-F238E27FC236}">
+                <a16:creationId xmlns:a16="http://schemas.microsoft.com/office/drawing/2014/main" id="{47CB8A74-88CC-4C5E-A769-E1E44B2F8FFE}"/>
+              </a:ext>
+            </a:extLst>
+          </p:cNvPr>
+          <p:cNvSpPr/>
+          <p:nvPr/>
+        </p:nvSpPr>
+        <p:spPr>
+          <a:xfrm>
+            <a:off x="5940152" y="429025"/>
+            <a:ext cx="361838" cy="305956"/>
+          </a:xfrm>
+          <a:custGeom>
+            <a:avLst/>
+            <a:gdLst/>
+            <a:ahLst/>
+            <a:cxnLst/>
+            <a:rect l="l" t="t" r="r" b="b"/>
+            <a:pathLst>
+              <a:path w="2736304" h="2313707">
+                <a:moveTo>
+                  <a:pt x="1046195" y="1945901"/>
+                </a:moveTo>
+                <a:lnTo>
+                  <a:pt x="998316" y="2093032"/>
+                </a:lnTo>
+                <a:lnTo>
+                  <a:pt x="1737988" y="2093032"/>
+                </a:lnTo>
+                <a:lnTo>
+                  <a:pt x="1690109" y="1945901"/>
+                </a:lnTo>
+                <a:close/>
+                <a:moveTo>
+                  <a:pt x="396044" y="89541"/>
+                </a:moveTo>
+                <a:lnTo>
+                  <a:pt x="396044" y="1241668"/>
+                </a:lnTo>
+                <a:lnTo>
+                  <a:pt x="2340260" y="1241668"/>
+                </a:lnTo>
+                <a:lnTo>
+                  <a:pt x="2340260" y="89541"/>
+                </a:lnTo>
+                <a:close/>
+                <a:moveTo>
+                  <a:pt x="252028" y="0"/>
+                </a:moveTo>
+                <a:lnTo>
+                  <a:pt x="2484276" y="0"/>
+                </a:lnTo>
+                <a:lnTo>
+                  <a:pt x="2484276" y="1331208"/>
+                </a:lnTo>
+                <a:lnTo>
+                  <a:pt x="2484679" y="1331208"/>
+                </a:lnTo>
+                <a:lnTo>
+                  <a:pt x="2736304" y="2195304"/>
+                </a:lnTo>
+                <a:lnTo>
+                  <a:pt x="2736304" y="2313707"/>
+                </a:lnTo>
+                <a:lnTo>
+                  <a:pt x="0" y="2313707"/>
+                </a:lnTo>
+                <a:lnTo>
+                  <a:pt x="0" y="2195304"/>
+                </a:lnTo>
+                <a:lnTo>
+                  <a:pt x="251625" y="1331208"/>
+                </a:lnTo>
+                <a:lnTo>
+                  <a:pt x="252028" y="1331208"/>
+                </a:lnTo>
+                <a:close/>
+              </a:path>
+            </a:pathLst>
+          </a:custGeom>
+          <a:solidFill>
+            <a:schemeClr val="accent1"/>
+          </a:solidFill>
+          <a:ln>
+            <a:noFill/>
+          </a:ln>
+        </p:spPr>
+        <p:style>
+          <a:lnRef idx="2">
+            <a:schemeClr val="accent1">
+              <a:shade val="50000"/>
+            </a:schemeClr>
+          </a:lnRef>
+          <a:fillRef idx="1">
+            <a:schemeClr val="accent1"/>
+          </a:fillRef>
+          <a:effectRef idx="0">
+            <a:schemeClr val="accent1"/>
+          </a:effectRef>
+          <a:fontRef idx="minor">
+            <a:schemeClr val="lt1"/>
+          </a:fontRef>
+        </p:style>
+        <p:txBody>
+          <a:bodyPr rot="0" spcFirstLastPara="0" vertOverflow="overflow" horzOverflow="overflow" vert="horz" wrap="square" lIns="91440" tIns="45720" rIns="91440" bIns="45720" numCol="1" spcCol="0" rtlCol="0" fromWordArt="0" anchor="ctr" anchorCtr="0" forceAA="0" compatLnSpc="1">
+            <a:prstTxWarp prst="textNoShape">
+              <a:avLst/>
+            </a:prstTxWarp>
+            <a:noAutofit/>
+          </a:bodyPr>
+          <a:lstStyle/>
+          <a:p>
+            <a:pPr algn="ctr"/>
+            <a:endParaRPr lang="ko-KR" altLang="en-US"/>
+          </a:p>
+        </p:txBody>
+      </p:sp>
+      <p:sp>
+        <p:nvSpPr>
+          <p:cNvPr id="2" name="TextBox 1">
+            <a:extLst>
+              <a:ext uri="{FF2B5EF4-FFF2-40B4-BE49-F238E27FC236}">
+                <a16:creationId xmlns:a16="http://schemas.microsoft.com/office/drawing/2014/main" id="{83BC19C8-743A-4F16-B286-B48EEBBF6439}"/>
+              </a:ext>
+            </a:extLst>
+          </p:cNvPr>
+          <p:cNvSpPr txBox="1"/>
+          <p:nvPr/>
+        </p:nvSpPr>
+        <p:spPr>
+          <a:xfrm>
+            <a:off x="1449177" y="1126380"/>
+            <a:ext cx="1107996" cy="369332"/>
+          </a:xfrm>
+          <a:prstGeom prst="rect">
+            <a:avLst/>
+          </a:prstGeom>
+          <a:noFill/>
+        </p:spPr>
+        <p:txBody>
+          <a:bodyPr wrap="none" rtlCol="0">
+            <a:spAutoFit/>
+          </a:bodyPr>
+          <a:lstStyle/>
+          <a:p>
+            <a:r>
+              <a:rPr lang="en-US" altLang="ko-KR" dirty="0" smtClean="0"/>
+              <a:t>Problem.</a:t>
+            </a:r>
+            <a:endParaRPr lang="en-US" altLang="ko-KR" dirty="0"/>
+          </a:p>
+        </p:txBody>
+      </p:sp>
+      <p:sp>
+        <p:nvSpPr>
+          <p:cNvPr id="3" name="Rectangle 2"/>
+          <p:cNvSpPr/>
+          <p:nvPr/>
+        </p:nvSpPr>
+        <p:spPr>
+          <a:xfrm>
+            <a:off x="1139977" y="2715766"/>
+            <a:ext cx="878796" cy="360040"/>
+          </a:xfrm>
+          <a:prstGeom prst="rect">
+            <a:avLst/>
+          </a:prstGeom>
+          <a:solidFill>
+            <a:schemeClr val="tx1"/>
+          </a:solidFill>
+          <a:ln>
+            <a:noFill/>
+          </a:ln>
+        </p:spPr>
+        <p:style>
+          <a:lnRef idx="2">
+            <a:schemeClr val="accent1">
+              <a:shade val="50000"/>
+            </a:schemeClr>
+          </a:lnRef>
+          <a:fillRef idx="1">
+            <a:schemeClr val="accent1"/>
+          </a:fillRef>
+          <a:effectRef idx="0">
+            <a:schemeClr val="accent1"/>
+          </a:effectRef>
+          <a:fontRef idx="minor">
+            <a:schemeClr val="lt1"/>
+          </a:fontRef>
+        </p:style>
+        <p:txBody>
+          <a:bodyPr rtlCol="0" anchor="ctr"/>
+          <a:lstStyle/>
+          <a:p>
+            <a:pPr algn="ctr"/>
+            <a:r>
+              <a:rPr lang="fr-FR" dirty="0" smtClean="0"/>
+              <a:t>NIC(1)</a:t>
+            </a:r>
+            <a:endParaRPr lang="fr-FR" dirty="0"/>
+          </a:p>
+        </p:txBody>
+      </p:sp>
+      <p:cxnSp>
+        <p:nvCxnSpPr>
+          <p:cNvPr id="6" name="Connecteur droit 5"/>
+          <p:cNvCxnSpPr/>
+          <p:nvPr/>
+        </p:nvCxnSpPr>
+        <p:spPr>
+          <a:xfrm>
+            <a:off x="2195736" y="1779662"/>
+            <a:ext cx="0" cy="2880320"/>
+          </a:xfrm>
+          <a:prstGeom prst="line">
+            <a:avLst/>
+          </a:prstGeom>
+          <a:ln>
+            <a:solidFill>
+              <a:schemeClr val="tx1"/>
+            </a:solidFill>
+          </a:ln>
+        </p:spPr>
+        <p:style>
+          <a:lnRef idx="1">
+            <a:schemeClr val="accent1"/>
+          </a:lnRef>
+          <a:fillRef idx="0">
+            <a:schemeClr val="accent1"/>
+          </a:fillRef>
+          <a:effectRef idx="0">
+            <a:schemeClr val="accent1"/>
+          </a:effectRef>
+          <a:fontRef idx="minor">
+            <a:schemeClr val="tx1"/>
+          </a:fontRef>
+        </p:style>
+      </p:cxnSp>
+      <p:cxnSp>
+        <p:nvCxnSpPr>
+          <p:cNvPr id="18" name="Connecteur droit 17"/>
+          <p:cNvCxnSpPr/>
+          <p:nvPr/>
+        </p:nvCxnSpPr>
+        <p:spPr>
+          <a:xfrm>
+            <a:off x="6301990" y="1779662"/>
+            <a:ext cx="0" cy="2880320"/>
+          </a:xfrm>
+          <a:prstGeom prst="line">
+            <a:avLst/>
+          </a:prstGeom>
+          <a:ln>
+            <a:solidFill>
+              <a:schemeClr val="tx1"/>
+            </a:solidFill>
+          </a:ln>
+        </p:spPr>
+        <p:style>
+          <a:lnRef idx="1">
+            <a:schemeClr val="accent1"/>
+          </a:lnRef>
+          <a:fillRef idx="0">
+            <a:schemeClr val="accent1"/>
+          </a:fillRef>
+          <a:effectRef idx="0">
+            <a:schemeClr val="accent1"/>
+          </a:effectRef>
+          <a:fontRef idx="minor">
+            <a:schemeClr val="tx1"/>
+          </a:fontRef>
+        </p:style>
+      </p:cxnSp>
+      <p:sp>
+        <p:nvSpPr>
+          <p:cNvPr id="7" name="ZoneTexte 6"/>
+          <p:cNvSpPr txBox="1"/>
+          <p:nvPr/>
+        </p:nvSpPr>
+        <p:spPr>
+          <a:xfrm>
+            <a:off x="1931529" y="1460392"/>
+            <a:ext cx="441146" cy="369332"/>
+          </a:xfrm>
+          <a:prstGeom prst="rect">
+            <a:avLst/>
+          </a:prstGeom>
+          <a:noFill/>
+        </p:spPr>
+        <p:txBody>
+          <a:bodyPr wrap="none" rtlCol="0">
+            <a:spAutoFit/>
+          </a:bodyPr>
+          <a:lstStyle/>
+          <a:p>
+            <a:r>
+              <a:rPr lang="fr-FR" dirty="0" err="1" smtClean="0"/>
+              <a:t>Tx</a:t>
+            </a:r>
+            <a:endParaRPr lang="fr-FR" dirty="0"/>
+          </a:p>
+        </p:txBody>
+      </p:sp>
+      <p:sp>
+        <p:nvSpPr>
+          <p:cNvPr id="8" name="ZoneTexte 7"/>
+          <p:cNvSpPr txBox="1"/>
+          <p:nvPr/>
+        </p:nvSpPr>
+        <p:spPr>
+          <a:xfrm>
+            <a:off x="6012160" y="1447090"/>
+            <a:ext cx="466794" cy="369332"/>
+          </a:xfrm>
+          <a:prstGeom prst="rect">
+            <a:avLst/>
+          </a:prstGeom>
+          <a:noFill/>
+        </p:spPr>
+        <p:txBody>
+          <a:bodyPr wrap="none" rtlCol="0">
+            <a:spAutoFit/>
+          </a:bodyPr>
+          <a:lstStyle/>
+          <a:p>
+            <a:r>
+              <a:rPr lang="fr-FR" dirty="0" err="1" smtClean="0"/>
+              <a:t>Rx</a:t>
+            </a:r>
+            <a:endParaRPr lang="fr-FR" dirty="0"/>
+          </a:p>
+        </p:txBody>
+      </p:sp>
+      <p:sp>
+        <p:nvSpPr>
+          <p:cNvPr id="9" name="ZoneTexte 8"/>
+          <p:cNvSpPr txBox="1"/>
+          <p:nvPr/>
+        </p:nvSpPr>
+        <p:spPr>
+          <a:xfrm>
+            <a:off x="2207342" y="1762274"/>
+            <a:ext cx="902811" cy="369332"/>
+          </a:xfrm>
+          <a:prstGeom prst="rect">
+            <a:avLst/>
+          </a:prstGeom>
+          <a:noFill/>
+        </p:spPr>
+        <p:txBody>
+          <a:bodyPr wrap="none" rtlCol="0">
+            <a:spAutoFit/>
+          </a:bodyPr>
+          <a:lstStyle/>
+          <a:p>
+            <a:r>
+              <a:rPr lang="fr-FR" dirty="0" smtClean="0"/>
+              <a:t>./Client</a:t>
+            </a:r>
+            <a:endParaRPr lang="fr-FR" dirty="0"/>
+          </a:p>
+        </p:txBody>
+      </p:sp>
+      <p:sp>
+        <p:nvSpPr>
+          <p:cNvPr id="31" name="ZoneTexte 30"/>
+          <p:cNvSpPr txBox="1"/>
+          <p:nvPr/>
+        </p:nvSpPr>
+        <p:spPr>
+          <a:xfrm>
+            <a:off x="5274682" y="1756847"/>
+            <a:ext cx="992579" cy="369332"/>
+          </a:xfrm>
+          <a:prstGeom prst="rect">
+            <a:avLst/>
+          </a:prstGeom>
+          <a:noFill/>
+        </p:spPr>
+        <p:txBody>
+          <a:bodyPr wrap="none" rtlCol="0">
+            <a:spAutoFit/>
+          </a:bodyPr>
+          <a:lstStyle/>
+          <a:p>
+            <a:r>
+              <a:rPr lang="fr-FR" dirty="0" smtClean="0"/>
+              <a:t>./Server</a:t>
+            </a:r>
+            <a:endParaRPr lang="fr-FR" dirty="0"/>
+          </a:p>
+        </p:txBody>
+      </p:sp>
+      <p:sp>
+        <p:nvSpPr>
+          <p:cNvPr id="5" name="ZoneTexte 4"/>
+          <p:cNvSpPr txBox="1"/>
+          <p:nvPr/>
+        </p:nvSpPr>
+        <p:spPr>
+          <a:xfrm>
+            <a:off x="2854892" y="2379917"/>
+            <a:ext cx="2787943" cy="923330"/>
+          </a:xfrm>
+          <a:prstGeom prst="rect">
+            <a:avLst/>
+          </a:prstGeom>
+          <a:noFill/>
+        </p:spPr>
+        <p:txBody>
+          <a:bodyPr wrap="none" rtlCol="0">
+            <a:spAutoFit/>
+          </a:bodyPr>
+          <a:lstStyle/>
+          <a:p>
+            <a:r>
+              <a:rPr lang="fr-FR" dirty="0" smtClean="0"/>
+              <a:t>User: </a:t>
+            </a:r>
+          </a:p>
+          <a:p>
+            <a:r>
+              <a:rPr lang="fr-FR" dirty="0" smtClean="0"/>
+              <a:t>1) ./setup</a:t>
+            </a:r>
+          </a:p>
+          <a:p>
+            <a:r>
+              <a:rPr lang="fr-FR" dirty="0" smtClean="0"/>
+              <a:t>2) ./nano configuration.txt</a:t>
+            </a:r>
+          </a:p>
+        </p:txBody>
+      </p:sp>
+      <p:sp>
+        <p:nvSpPr>
+          <p:cNvPr id="32" name="Rectangle 31"/>
+          <p:cNvSpPr/>
+          <p:nvPr/>
+        </p:nvSpPr>
+        <p:spPr>
+          <a:xfrm>
+            <a:off x="6475824" y="2725058"/>
+            <a:ext cx="878796" cy="360040"/>
+          </a:xfrm>
+          <a:prstGeom prst="rect">
+            <a:avLst/>
+          </a:prstGeom>
+          <a:solidFill>
+            <a:schemeClr val="tx1"/>
+          </a:solidFill>
+          <a:ln>
+            <a:noFill/>
+          </a:ln>
+        </p:spPr>
+        <p:style>
+          <a:lnRef idx="2">
+            <a:schemeClr val="accent1">
+              <a:shade val="50000"/>
+            </a:schemeClr>
+          </a:lnRef>
+          <a:fillRef idx="1">
+            <a:schemeClr val="accent1"/>
+          </a:fillRef>
+          <a:effectRef idx="0">
+            <a:schemeClr val="accent1"/>
+          </a:effectRef>
+          <a:fontRef idx="minor">
+            <a:schemeClr val="lt1"/>
+          </a:fontRef>
+        </p:style>
+        <p:txBody>
+          <a:bodyPr rtlCol="0" anchor="ctr"/>
+          <a:lstStyle/>
+          <a:p>
+            <a:pPr algn="ctr"/>
+            <a:r>
+              <a:rPr lang="fr-FR" dirty="0" smtClean="0"/>
+              <a:t>NIC(2)</a:t>
+            </a:r>
+            <a:endParaRPr lang="fr-FR" dirty="0"/>
+          </a:p>
+        </p:txBody>
+      </p:sp>
+      <p:sp>
+        <p:nvSpPr>
+          <p:cNvPr id="11" name="ZoneTexte 10"/>
+          <p:cNvSpPr txBox="1"/>
+          <p:nvPr/>
+        </p:nvSpPr>
+        <p:spPr>
+          <a:xfrm>
+            <a:off x="722551" y="3118581"/>
+            <a:ext cx="1802764" cy="369332"/>
+          </a:xfrm>
+          <a:prstGeom prst="rect">
+            <a:avLst/>
+          </a:prstGeom>
+          <a:noFill/>
+        </p:spPr>
+        <p:txBody>
+          <a:bodyPr wrap="square" rtlCol="0">
+            <a:spAutoFit/>
+          </a:bodyPr>
+          <a:lstStyle/>
+          <a:p>
+            <a:r>
+              <a:rPr lang="fr-FR" dirty="0" err="1" smtClean="0"/>
+              <a:t>MAC_sender</a:t>
+            </a:r>
+            <a:endParaRPr lang="fr-FR" dirty="0"/>
+          </a:p>
+        </p:txBody>
+      </p:sp>
+      <p:sp>
+        <p:nvSpPr>
+          <p:cNvPr id="12" name="ZoneTexte 11"/>
+          <p:cNvSpPr txBox="1"/>
+          <p:nvPr/>
+        </p:nvSpPr>
+        <p:spPr>
+          <a:xfrm>
+            <a:off x="6308244" y="3118581"/>
+            <a:ext cx="1646605" cy="369332"/>
+          </a:xfrm>
+          <a:prstGeom prst="rect">
+            <a:avLst/>
+          </a:prstGeom>
+          <a:noFill/>
+        </p:spPr>
+        <p:txBody>
+          <a:bodyPr wrap="none" rtlCol="0">
+            <a:spAutoFit/>
+          </a:bodyPr>
+          <a:lstStyle/>
+          <a:p>
+            <a:r>
+              <a:rPr lang="fr-FR" dirty="0" err="1" smtClean="0"/>
+              <a:t>MAC_receiver</a:t>
+            </a:r>
+            <a:endParaRPr lang="fr-FR" dirty="0"/>
+          </a:p>
+        </p:txBody>
+      </p:sp>
+      <p:sp>
+        <p:nvSpPr>
+          <p:cNvPr id="13" name="ZoneTexte 12"/>
+          <p:cNvSpPr txBox="1"/>
+          <p:nvPr/>
+        </p:nvSpPr>
+        <p:spPr>
+          <a:xfrm>
+            <a:off x="2714606" y="3389203"/>
+            <a:ext cx="3297554" cy="1200329"/>
+          </a:xfrm>
+          <a:prstGeom prst="rect">
+            <a:avLst/>
+          </a:prstGeom>
+          <a:noFill/>
+        </p:spPr>
+        <p:txBody>
+          <a:bodyPr wrap="square" rtlCol="0">
+            <a:spAutoFit/>
+          </a:bodyPr>
+          <a:lstStyle/>
+          <a:p>
+            <a:r>
+              <a:rPr lang="fr-FR" dirty="0" err="1" smtClean="0"/>
+              <a:t>Add</a:t>
+            </a:r>
+            <a:r>
+              <a:rPr lang="fr-FR" dirty="0" smtClean="0"/>
+              <a:t> </a:t>
+            </a:r>
+            <a:r>
+              <a:rPr lang="fr-FR" dirty="0" err="1" smtClean="0"/>
+              <a:t>MAC_sender</a:t>
+            </a:r>
+            <a:r>
+              <a:rPr lang="fr-FR" dirty="0" smtClean="0"/>
+              <a:t> as </a:t>
+            </a:r>
+            <a:r>
+              <a:rPr lang="fr-FR" dirty="0" smtClean="0">
+                <a:solidFill>
+                  <a:srgbClr val="FF0000"/>
+                </a:solidFill>
+              </a:rPr>
+              <a:t>MAC_A</a:t>
+            </a:r>
+          </a:p>
+          <a:p>
+            <a:r>
+              <a:rPr lang="fr-FR" dirty="0" err="1" smtClean="0"/>
+              <a:t>Add</a:t>
+            </a:r>
+            <a:r>
+              <a:rPr lang="fr-FR" dirty="0" smtClean="0"/>
+              <a:t> </a:t>
+            </a:r>
+            <a:r>
+              <a:rPr lang="fr-FR" dirty="0" err="1" smtClean="0"/>
+              <a:t>MAC_receiver</a:t>
+            </a:r>
+            <a:r>
+              <a:rPr lang="fr-FR" dirty="0" smtClean="0"/>
+              <a:t> as </a:t>
+            </a:r>
+            <a:r>
+              <a:rPr lang="fr-FR" dirty="0" smtClean="0">
+                <a:solidFill>
+                  <a:srgbClr val="FF0000"/>
+                </a:solidFill>
+              </a:rPr>
+              <a:t>MAC_B</a:t>
+            </a:r>
+          </a:p>
+          <a:p>
+            <a:endParaRPr lang="fr-FR" dirty="0">
+              <a:solidFill>
+                <a:srgbClr val="FF0000"/>
+              </a:solidFill>
+            </a:endParaRPr>
+          </a:p>
+          <a:p>
+            <a:r>
+              <a:rPr lang="fr-FR" dirty="0" smtClean="0">
+                <a:solidFill>
+                  <a:srgbClr val="FF0000"/>
+                </a:solidFill>
+              </a:rPr>
+              <a:t> IT STILL WORKING.</a:t>
+            </a:r>
+            <a:endParaRPr lang="fr-FR" dirty="0">
+              <a:solidFill>
+                <a:srgbClr val="FF0000"/>
+              </a:solidFill>
+            </a:endParaRPr>
+          </a:p>
+        </p:txBody>
+      </p:sp>
+      <p:sp>
+        <p:nvSpPr>
+          <p:cNvPr id="14" name="ZoneTexte 13"/>
+          <p:cNvSpPr txBox="1"/>
+          <p:nvPr/>
+        </p:nvSpPr>
+        <p:spPr>
+          <a:xfrm>
+            <a:off x="3486825" y="1761475"/>
+            <a:ext cx="1146468" cy="369332"/>
+          </a:xfrm>
+          <a:prstGeom prst="rect">
+            <a:avLst/>
+          </a:prstGeom>
+          <a:solidFill>
+            <a:schemeClr val="bg1">
+              <a:lumMod val="85000"/>
+            </a:schemeClr>
+          </a:solidFill>
+        </p:spPr>
+        <p:txBody>
+          <a:bodyPr wrap="none" rtlCol="0">
+            <a:spAutoFit/>
+          </a:bodyPr>
+          <a:lstStyle/>
+          <a:p>
+            <a:r>
+              <a:rPr lang="fr-FR" dirty="0" smtClean="0"/>
+              <a:t>Bad case</a:t>
+            </a:r>
+            <a:endParaRPr lang="fr-FR" dirty="0"/>
+          </a:p>
+        </p:txBody>
+      </p:sp>
+    </p:spTree>
+    <p:extLst>
+      <p:ext uri="{BB962C8B-B14F-4D97-AF65-F5344CB8AC3E}">
+        <p14:creationId xmlns:p14="http://schemas.microsoft.com/office/powerpoint/2010/main" val="1294173004"/>
+      </p:ext>
+    </p:extLst>
+  </p:cSld>
+  <p:clrMapOvr>
+    <a:masterClrMapping/>
+  </p:clrMapOvr>
+</p:sld>
+</file>
+
+<file path=ppt/slides/slide26.xml><?xml version="1.0" encoding="utf-8"?>
+<p:sld xmlns:a="http://schemas.openxmlformats.org/drawingml/2006/main" xmlns:r="http://schemas.openxmlformats.org/officeDocument/2006/relationships" xmlns:p="http://schemas.openxmlformats.org/presentationml/2006/main">
+  <p:cSld>
+    <p:spTree>
+      <p:nvGrpSpPr>
+        <p:cNvPr id="1" name=""/>
+        <p:cNvGrpSpPr/>
+        <p:nvPr/>
+      </p:nvGrpSpPr>
+      <p:grpSpPr>
+        <a:xfrm>
+          <a:off x="0" y="0"/>
+          <a:ext cx="0" cy="0"/>
+          <a:chOff x="0" y="0"/>
+          <a:chExt cx="0" cy="0"/>
+        </a:xfrm>
+      </p:grpSpPr>
+      <p:sp>
+        <p:nvSpPr>
+          <p:cNvPr id="4" name="Rectangle 3"/>
+          <p:cNvSpPr/>
+          <p:nvPr/>
+        </p:nvSpPr>
+        <p:spPr>
+          <a:xfrm>
+            <a:off x="1612453" y="1049521"/>
+            <a:ext cx="5904000" cy="72000"/>
+          </a:xfrm>
+          <a:prstGeom prst="rect">
+            <a:avLst/>
+          </a:prstGeom>
+          <a:solidFill>
+            <a:schemeClr val="accent1"/>
+          </a:solidFill>
+          <a:ln>
+            <a:noFill/>
+          </a:ln>
+        </p:spPr>
+        <p:style>
+          <a:lnRef idx="2">
+            <a:schemeClr val="accent1">
+              <a:shade val="50000"/>
+            </a:schemeClr>
+          </a:lnRef>
+          <a:fillRef idx="1">
+            <a:schemeClr val="accent1"/>
+          </a:fillRef>
+          <a:effectRef idx="0">
+            <a:schemeClr val="accent1"/>
+          </a:effectRef>
+          <a:fontRef idx="minor">
+            <a:schemeClr val="lt1"/>
+          </a:fontRef>
+        </p:style>
+        <p:txBody>
+          <a:bodyPr rot="0" spcFirstLastPara="0" vertOverflow="overflow" horzOverflow="overflow" vert="horz" wrap="square" lIns="91440" tIns="45720" rIns="91440" bIns="45720" numCol="1" spcCol="0" rtlCol="0" fromWordArt="0" anchor="ctr" anchorCtr="0" forceAA="0" compatLnSpc="1">
+            <a:prstTxWarp prst="textNoShape">
+              <a:avLst/>
+            </a:prstTxWarp>
+            <a:noAutofit/>
+          </a:bodyPr>
+          <a:lstStyle/>
+          <a:p>
+            <a:pPr algn="ctr"/>
+            <a:endParaRPr lang="ko-KR" altLang="en-US"/>
+          </a:p>
+        </p:txBody>
+      </p:sp>
+      <p:grpSp>
+        <p:nvGrpSpPr>
+          <p:cNvPr id="22" name="그룹 21">
+            <a:extLst>
+              <a:ext uri="{FF2B5EF4-FFF2-40B4-BE49-F238E27FC236}">
+                <a16:creationId xmlns:a16="http://schemas.microsoft.com/office/drawing/2014/main" id="{49A8CCBF-C11D-432B-ADCA-004921E0F306}"/>
+              </a:ext>
+            </a:extLst>
+          </p:cNvPr>
+          <p:cNvGrpSpPr/>
+          <p:nvPr/>
+        </p:nvGrpSpPr>
+        <p:grpSpPr>
+          <a:xfrm>
+            <a:off x="1449177" y="62634"/>
+            <a:ext cx="6552728" cy="914400"/>
+            <a:chOff x="2267744" y="1059582"/>
+            <a:chExt cx="6552728" cy="914400"/>
+          </a:xfrm>
+        </p:grpSpPr>
+        <p:grpSp>
+          <p:nvGrpSpPr>
+            <p:cNvPr id="23" name="Group 3">
+              <a:extLst>
+                <a:ext uri="{FF2B5EF4-FFF2-40B4-BE49-F238E27FC236}">
+                  <a16:creationId xmlns:a16="http://schemas.microsoft.com/office/drawing/2014/main" id="{5828ADA1-7A7D-4412-ADE9-4BDCE89A2BAA}"/>
+                </a:ext>
+              </a:extLst>
+            </p:cNvPr>
+            <p:cNvGrpSpPr/>
+            <p:nvPr/>
+          </p:nvGrpSpPr>
+          <p:grpSpPr>
+            <a:xfrm>
+              <a:off x="2267744" y="1059582"/>
+              <a:ext cx="6552728" cy="914400"/>
+              <a:chOff x="1151472" y="3187501"/>
+              <a:chExt cx="6552728" cy="914400"/>
+            </a:xfrm>
+          </p:grpSpPr>
+          <p:sp>
+            <p:nvSpPr>
+              <p:cNvPr id="28" name="Pentagon 4">
+                <a:extLst>
+                  <a:ext uri="{FF2B5EF4-FFF2-40B4-BE49-F238E27FC236}">
+                    <a16:creationId xmlns:a16="http://schemas.microsoft.com/office/drawing/2014/main" id="{D7188859-F32A-4D58-A325-5D6D3193D407}"/>
+                  </a:ext>
+                </a:extLst>
+              </p:cNvPr>
+              <p:cNvSpPr/>
+              <p:nvPr/>
+            </p:nvSpPr>
+            <p:spPr>
+              <a:xfrm>
+                <a:off x="1633824" y="3347030"/>
+                <a:ext cx="6070376" cy="720000"/>
+              </a:xfrm>
+              <a:prstGeom prst="homePlate">
+                <a:avLst/>
+              </a:prstGeom>
+              <a:solidFill>
+                <a:schemeClr val="accent1"/>
+              </a:solidFill>
+              <a:ln>
+                <a:noFill/>
+              </a:ln>
+            </p:spPr>
+            <p:style>
+              <a:lnRef idx="2">
+                <a:schemeClr val="accent1">
+                  <a:shade val="50000"/>
+                </a:schemeClr>
+              </a:lnRef>
+              <a:fillRef idx="1">
+                <a:schemeClr val="accent1"/>
+              </a:fillRef>
+              <a:effectRef idx="0">
+                <a:schemeClr val="accent1"/>
+              </a:effectRef>
+              <a:fontRef idx="minor">
+                <a:schemeClr val="lt1"/>
+              </a:fontRef>
+            </p:style>
+            <p:txBody>
+              <a:bodyPr rot="0" spcFirstLastPara="0" vertOverflow="overflow" horzOverflow="overflow" vert="horz" wrap="square" lIns="91440" tIns="45720" rIns="91440" bIns="45720" numCol="1" spcCol="0" rtlCol="0" fromWordArt="0" anchor="ctr" anchorCtr="0" forceAA="0" compatLnSpc="1">
+                <a:prstTxWarp prst="textNoShape">
+                  <a:avLst/>
+                </a:prstTxWarp>
+                <a:noAutofit/>
+              </a:bodyPr>
+              <a:lstStyle/>
+              <a:p>
+                <a:pPr algn="ctr"/>
+                <a:endParaRPr lang="ko-KR" altLang="en-US"/>
+              </a:p>
+            </p:txBody>
+          </p:sp>
+          <p:sp>
+            <p:nvSpPr>
+              <p:cNvPr id="29" name="Pentagon 5">
+                <a:extLst>
+                  <a:ext uri="{FF2B5EF4-FFF2-40B4-BE49-F238E27FC236}">
+                    <a16:creationId xmlns:a16="http://schemas.microsoft.com/office/drawing/2014/main" id="{59081497-96A5-4CBE-8BBF-BD6B10C2EAB8}"/>
+                  </a:ext>
+                </a:extLst>
+              </p:cNvPr>
+              <p:cNvSpPr/>
+              <p:nvPr/>
+            </p:nvSpPr>
+            <p:spPr>
+              <a:xfrm>
+                <a:off x="1633824" y="3284701"/>
+                <a:ext cx="5914970" cy="720000"/>
+              </a:xfrm>
+              <a:prstGeom prst="homePlate">
+                <a:avLst/>
+              </a:prstGeom>
+              <a:solidFill>
+                <a:schemeClr val="bg1"/>
+              </a:solidFill>
+              <a:ln w="38100">
+                <a:solidFill>
+                  <a:schemeClr val="accent1"/>
+                </a:solidFill>
+              </a:ln>
+            </p:spPr>
+            <p:style>
+              <a:lnRef idx="2">
+                <a:schemeClr val="accent1">
+                  <a:shade val="50000"/>
+                </a:schemeClr>
+              </a:lnRef>
+              <a:fillRef idx="1">
+                <a:schemeClr val="accent1"/>
+              </a:fillRef>
+              <a:effectRef idx="0">
+                <a:schemeClr val="accent1"/>
+              </a:effectRef>
+              <a:fontRef idx="minor">
+                <a:schemeClr val="lt1"/>
+              </a:fontRef>
+            </p:style>
+            <p:txBody>
+              <a:bodyPr rot="0" spcFirstLastPara="0" vertOverflow="overflow" horzOverflow="overflow" vert="horz" wrap="square" lIns="91440" tIns="45720" rIns="91440" bIns="45720" numCol="1" spcCol="0" rtlCol="0" fromWordArt="0" anchor="ctr" anchorCtr="0" forceAA="0" compatLnSpc="1">
+                <a:prstTxWarp prst="textNoShape">
+                  <a:avLst/>
+                </a:prstTxWarp>
+                <a:noAutofit/>
+              </a:bodyPr>
+              <a:lstStyle/>
+              <a:p>
+                <a:pPr algn="ctr"/>
+                <a:endParaRPr lang="ko-KR" altLang="en-US"/>
+              </a:p>
+            </p:txBody>
+          </p:sp>
+          <p:sp>
+            <p:nvSpPr>
+              <p:cNvPr id="30" name="Diamond 6">
+                <a:extLst>
+                  <a:ext uri="{FF2B5EF4-FFF2-40B4-BE49-F238E27FC236}">
+                    <a16:creationId xmlns:a16="http://schemas.microsoft.com/office/drawing/2014/main" id="{4C2D9227-D31D-4640-BD6C-507FDC5A94DA}"/>
+                  </a:ext>
+                </a:extLst>
+              </p:cNvPr>
+              <p:cNvSpPr/>
+              <p:nvPr/>
+            </p:nvSpPr>
+            <p:spPr>
+              <a:xfrm>
+                <a:off x="1151472" y="3187501"/>
+                <a:ext cx="914400" cy="914400"/>
+              </a:xfrm>
+              <a:prstGeom prst="diamond">
+                <a:avLst/>
+              </a:prstGeom>
+              <a:solidFill>
+                <a:schemeClr val="accent1"/>
+              </a:solidFill>
+              <a:ln>
+                <a:noFill/>
+              </a:ln>
+            </p:spPr>
+            <p:style>
+              <a:lnRef idx="2">
+                <a:schemeClr val="accent1">
+                  <a:shade val="50000"/>
+                </a:schemeClr>
+              </a:lnRef>
+              <a:fillRef idx="1">
+                <a:schemeClr val="accent1"/>
+              </a:fillRef>
+              <a:effectRef idx="0">
+                <a:schemeClr val="accent1"/>
+              </a:effectRef>
+              <a:fontRef idx="minor">
+                <a:schemeClr val="lt1"/>
+              </a:fontRef>
+            </p:style>
+            <p:txBody>
+              <a:bodyPr rot="0" spcFirstLastPara="0" vertOverflow="overflow" horzOverflow="overflow" vert="horz" wrap="square" lIns="91440" tIns="45720" rIns="91440" bIns="45720" numCol="1" spcCol="0" rtlCol="0" fromWordArt="0" anchor="ctr" anchorCtr="0" forceAA="0" compatLnSpc="1">
+                <a:prstTxWarp prst="textNoShape">
+                  <a:avLst/>
+                </a:prstTxWarp>
+                <a:noAutofit/>
+              </a:bodyPr>
+              <a:lstStyle/>
+              <a:p>
+                <a:pPr algn="ctr"/>
+                <a:endParaRPr lang="ko-KR" altLang="en-US" dirty="0"/>
+              </a:p>
+            </p:txBody>
+          </p:sp>
+        </p:grpSp>
+        <p:sp>
+          <p:nvSpPr>
+            <p:cNvPr id="24" name="직사각형 39">
+              <a:extLst>
+                <a:ext uri="{FF2B5EF4-FFF2-40B4-BE49-F238E27FC236}">
+                  <a16:creationId xmlns:a16="http://schemas.microsoft.com/office/drawing/2014/main" id="{8ED612A0-6EC0-44BB-8F75-EE9B4423AA68}"/>
+                </a:ext>
+              </a:extLst>
+            </p:cNvPr>
+            <p:cNvSpPr/>
+            <p:nvPr/>
+          </p:nvSpPr>
+          <p:spPr>
+            <a:xfrm>
+              <a:off x="2509438" y="1262927"/>
+              <a:ext cx="403184" cy="523220"/>
+            </a:xfrm>
+            <a:prstGeom prst="rect">
+              <a:avLst/>
+            </a:prstGeom>
+          </p:spPr>
+          <p:txBody>
+            <a:bodyPr wrap="square" anchor="ctr">
+              <a:spAutoFit/>
+            </a:bodyPr>
+            <a:lstStyle>
+              <a:defPPr>
+                <a:defRPr lang="ko-KR"/>
+              </a:defPPr>
+              <a:lvl1pPr marL="0" algn="l" defTabSz="914400" rtl="0" eaLnBrk="1" latinLnBrk="1" hangingPunct="1">
+                <a:defRPr sz="1800" kern="1200">
+                  <a:solidFill>
+                    <a:schemeClr val="tx1"/>
+                  </a:solidFill>
+                  <a:latin typeface="+mn-lt"/>
+                  <a:ea typeface="+mn-ea"/>
+                  <a:cs typeface="+mn-cs"/>
+                </a:defRPr>
+              </a:lvl1pPr>
+              <a:lvl2pPr marL="457200" algn="l" defTabSz="914400" rtl="0" eaLnBrk="1" latinLnBrk="1" hangingPunct="1">
+                <a:defRPr sz="1800" kern="1200">
+                  <a:solidFill>
+                    <a:schemeClr val="tx1"/>
+                  </a:solidFill>
+                  <a:latin typeface="+mn-lt"/>
+                  <a:ea typeface="+mn-ea"/>
+                  <a:cs typeface="+mn-cs"/>
+                </a:defRPr>
+              </a:lvl2pPr>
+              <a:lvl3pPr marL="914400" algn="l" defTabSz="914400" rtl="0" eaLnBrk="1" latinLnBrk="1" hangingPunct="1">
+                <a:defRPr sz="1800" kern="1200">
+                  <a:solidFill>
+                    <a:schemeClr val="tx1"/>
+                  </a:solidFill>
+                  <a:latin typeface="+mn-lt"/>
+                  <a:ea typeface="+mn-ea"/>
+                  <a:cs typeface="+mn-cs"/>
+                </a:defRPr>
+              </a:lvl3pPr>
+              <a:lvl4pPr marL="1371600" algn="l" defTabSz="914400" rtl="0" eaLnBrk="1" latinLnBrk="1" hangingPunct="1">
+                <a:defRPr sz="1800" kern="1200">
+                  <a:solidFill>
+                    <a:schemeClr val="tx1"/>
+                  </a:solidFill>
+                  <a:latin typeface="+mn-lt"/>
+                  <a:ea typeface="+mn-ea"/>
+                  <a:cs typeface="+mn-cs"/>
+                </a:defRPr>
+              </a:lvl4pPr>
+              <a:lvl5pPr marL="1828800" algn="l" defTabSz="914400" rtl="0" eaLnBrk="1" latinLnBrk="1" hangingPunct="1">
+                <a:defRPr sz="1800" kern="1200">
+                  <a:solidFill>
+                    <a:schemeClr val="tx1"/>
+                  </a:solidFill>
+                  <a:latin typeface="+mn-lt"/>
+                  <a:ea typeface="+mn-ea"/>
+                  <a:cs typeface="+mn-cs"/>
+                </a:defRPr>
+              </a:lvl5pPr>
+              <a:lvl6pPr marL="2286000" algn="l" defTabSz="914400" rtl="0" eaLnBrk="1" latinLnBrk="1" hangingPunct="1">
+                <a:defRPr sz="1800" kern="1200">
+                  <a:solidFill>
+                    <a:schemeClr val="tx1"/>
+                  </a:solidFill>
+                  <a:latin typeface="+mn-lt"/>
+                  <a:ea typeface="+mn-ea"/>
+                  <a:cs typeface="+mn-cs"/>
+                </a:defRPr>
+              </a:lvl6pPr>
+              <a:lvl7pPr marL="2743200" algn="l" defTabSz="914400" rtl="0" eaLnBrk="1" latinLnBrk="1" hangingPunct="1">
+                <a:defRPr sz="1800" kern="1200">
+                  <a:solidFill>
+                    <a:schemeClr val="tx1"/>
+                  </a:solidFill>
+                  <a:latin typeface="+mn-lt"/>
+                  <a:ea typeface="+mn-ea"/>
+                  <a:cs typeface="+mn-cs"/>
+                </a:defRPr>
+              </a:lvl7pPr>
+              <a:lvl8pPr marL="3200400" algn="l" defTabSz="914400" rtl="0" eaLnBrk="1" latinLnBrk="1" hangingPunct="1">
+                <a:defRPr sz="1800" kern="1200">
+                  <a:solidFill>
+                    <a:schemeClr val="tx1"/>
+                  </a:solidFill>
+                  <a:latin typeface="+mn-lt"/>
+                  <a:ea typeface="+mn-ea"/>
+                  <a:cs typeface="+mn-cs"/>
+                </a:defRPr>
+              </a:lvl8pPr>
+              <a:lvl9pPr marL="3657600" algn="l" defTabSz="914400" rtl="0" eaLnBrk="1" latinLnBrk="1" hangingPunct="1">
+                <a:defRPr sz="1800" kern="1200">
+                  <a:solidFill>
+                    <a:schemeClr val="tx1"/>
+                  </a:solidFill>
+                  <a:latin typeface="+mn-lt"/>
+                  <a:ea typeface="+mn-ea"/>
+                  <a:cs typeface="+mn-cs"/>
+                </a:defRPr>
+              </a:lvl9pPr>
+            </a:lstStyle>
+            <a:p>
+              <a:pPr algn="ctr">
+                <a:defRPr/>
+              </a:pPr>
+              <a:r>
+                <a:rPr lang="en-US" altLang="ko-KR" sz="2800" b="1" dirty="0">
+                  <a:solidFill>
+                    <a:schemeClr val="bg1"/>
+                  </a:solidFill>
+                  <a:cs typeface="Arial" pitchFamily="34" charset="0"/>
+                </a:rPr>
+                <a:t>1 </a:t>
+              </a:r>
+              <a:endParaRPr lang="ko-KR" altLang="en-US" sz="2800" dirty="0">
+                <a:solidFill>
+                  <a:schemeClr val="bg1"/>
+                </a:solidFill>
+              </a:endParaRPr>
+            </a:p>
+          </p:txBody>
+        </p:sp>
+        <p:grpSp>
+          <p:nvGrpSpPr>
+            <p:cNvPr id="25" name="Group 8">
+              <a:extLst>
+                <a:ext uri="{FF2B5EF4-FFF2-40B4-BE49-F238E27FC236}">
+                  <a16:creationId xmlns:a16="http://schemas.microsoft.com/office/drawing/2014/main" id="{E9F43EDB-A2E2-4546-918E-9485EA8E6293}"/>
+                </a:ext>
+              </a:extLst>
+            </p:cNvPr>
+            <p:cNvGrpSpPr/>
+            <p:nvPr/>
+          </p:nvGrpSpPr>
+          <p:grpSpPr>
+            <a:xfrm>
+              <a:off x="3382961" y="1239623"/>
+              <a:ext cx="4752528" cy="546274"/>
+              <a:chOff x="2299400" y="1781114"/>
+              <a:chExt cx="4576856" cy="546274"/>
+            </a:xfrm>
+          </p:grpSpPr>
+          <p:sp>
+            <p:nvSpPr>
+              <p:cNvPr id="26" name="TextBox 10">
+                <a:extLst>
+                  <a:ext uri="{FF2B5EF4-FFF2-40B4-BE49-F238E27FC236}">
+                    <a16:creationId xmlns:a16="http://schemas.microsoft.com/office/drawing/2014/main" id="{1FC3283C-FBC7-4C2E-A16D-C5167086383E}"/>
+                  </a:ext>
+                </a:extLst>
+              </p:cNvPr>
+              <p:cNvSpPr txBox="1"/>
+              <p:nvPr/>
+            </p:nvSpPr>
+            <p:spPr bwMode="auto">
+              <a:xfrm>
+                <a:off x="2299400" y="1781114"/>
+                <a:ext cx="4576856" cy="307777"/>
+              </a:xfrm>
+              <a:prstGeom prst="rect">
+                <a:avLst/>
+              </a:prstGeom>
+              <a:noFill/>
+              <a:effectLst/>
+            </p:spPr>
+            <p:txBody>
+              <a:bodyPr wrap="square">
+                <a:spAutoFit/>
+              </a:bodyPr>
+              <a:lstStyle>
+                <a:defPPr>
+                  <a:defRPr lang="ko-KR"/>
+                </a:defPPr>
+                <a:lvl1pPr marL="0" algn="l" defTabSz="914400" rtl="0" eaLnBrk="1" latinLnBrk="1" hangingPunct="1">
+                  <a:defRPr sz="1800" kern="1200">
+                    <a:solidFill>
+                      <a:schemeClr val="tx1"/>
+                    </a:solidFill>
+                    <a:latin typeface="+mn-lt"/>
+                    <a:ea typeface="+mn-ea"/>
+                    <a:cs typeface="+mn-cs"/>
+                  </a:defRPr>
+                </a:lvl1pPr>
+                <a:lvl2pPr marL="457200" algn="l" defTabSz="914400" rtl="0" eaLnBrk="1" latinLnBrk="1" hangingPunct="1">
+                  <a:defRPr sz="1800" kern="1200">
+                    <a:solidFill>
+                      <a:schemeClr val="tx1"/>
+                    </a:solidFill>
+                    <a:latin typeface="+mn-lt"/>
+                    <a:ea typeface="+mn-ea"/>
+                    <a:cs typeface="+mn-cs"/>
+                  </a:defRPr>
+                </a:lvl2pPr>
+                <a:lvl3pPr marL="914400" algn="l" defTabSz="914400" rtl="0" eaLnBrk="1" latinLnBrk="1" hangingPunct="1">
+                  <a:defRPr sz="1800" kern="1200">
+                    <a:solidFill>
+                      <a:schemeClr val="tx1"/>
+                    </a:solidFill>
+                    <a:latin typeface="+mn-lt"/>
+                    <a:ea typeface="+mn-ea"/>
+                    <a:cs typeface="+mn-cs"/>
+                  </a:defRPr>
+                </a:lvl3pPr>
+                <a:lvl4pPr marL="1371600" algn="l" defTabSz="914400" rtl="0" eaLnBrk="1" latinLnBrk="1" hangingPunct="1">
+                  <a:defRPr sz="1800" kern="1200">
+                    <a:solidFill>
+                      <a:schemeClr val="tx1"/>
+                    </a:solidFill>
+                    <a:latin typeface="+mn-lt"/>
+                    <a:ea typeface="+mn-ea"/>
+                    <a:cs typeface="+mn-cs"/>
+                  </a:defRPr>
+                </a:lvl4pPr>
+                <a:lvl5pPr marL="1828800" algn="l" defTabSz="914400" rtl="0" eaLnBrk="1" latinLnBrk="1" hangingPunct="1">
+                  <a:defRPr sz="1800" kern="1200">
+                    <a:solidFill>
+                      <a:schemeClr val="tx1"/>
+                    </a:solidFill>
+                    <a:latin typeface="+mn-lt"/>
+                    <a:ea typeface="+mn-ea"/>
+                    <a:cs typeface="+mn-cs"/>
+                  </a:defRPr>
+                </a:lvl5pPr>
+                <a:lvl6pPr marL="2286000" algn="l" defTabSz="914400" rtl="0" eaLnBrk="1" latinLnBrk="1" hangingPunct="1">
+                  <a:defRPr sz="1800" kern="1200">
+                    <a:solidFill>
+                      <a:schemeClr val="tx1"/>
+                    </a:solidFill>
+                    <a:latin typeface="+mn-lt"/>
+                    <a:ea typeface="+mn-ea"/>
+                    <a:cs typeface="+mn-cs"/>
+                  </a:defRPr>
+                </a:lvl6pPr>
+                <a:lvl7pPr marL="2743200" algn="l" defTabSz="914400" rtl="0" eaLnBrk="1" latinLnBrk="1" hangingPunct="1">
+                  <a:defRPr sz="1800" kern="1200">
+                    <a:solidFill>
+                      <a:schemeClr val="tx1"/>
+                    </a:solidFill>
+                    <a:latin typeface="+mn-lt"/>
+                    <a:ea typeface="+mn-ea"/>
+                    <a:cs typeface="+mn-cs"/>
+                  </a:defRPr>
+                </a:lvl7pPr>
+                <a:lvl8pPr marL="3200400" algn="l" defTabSz="914400" rtl="0" eaLnBrk="1" latinLnBrk="1" hangingPunct="1">
+                  <a:defRPr sz="1800" kern="1200">
+                    <a:solidFill>
+                      <a:schemeClr val="tx1"/>
+                    </a:solidFill>
+                    <a:latin typeface="+mn-lt"/>
+                    <a:ea typeface="+mn-ea"/>
+                    <a:cs typeface="+mn-cs"/>
+                  </a:defRPr>
+                </a:lvl8pPr>
+                <a:lvl9pPr marL="3657600" algn="l" defTabSz="914400" rtl="0" eaLnBrk="1" latinLnBrk="1" hangingPunct="1">
+                  <a:defRPr sz="1800" kern="1200">
+                    <a:solidFill>
+                      <a:schemeClr val="tx1"/>
+                    </a:solidFill>
+                    <a:latin typeface="+mn-lt"/>
+                    <a:ea typeface="+mn-ea"/>
+                    <a:cs typeface="+mn-cs"/>
+                  </a:defRPr>
+                </a:lvl9pPr>
+              </a:lstStyle>
+              <a:p>
+                <a:pPr>
+                  <a:defRPr/>
+                </a:pPr>
+                <a:r>
+                  <a:rPr lang="en-US" altLang="ko-KR" sz="1200" b="1" dirty="0">
+                    <a:solidFill>
+                      <a:schemeClr val="tx1">
+                        <a:lumMod val="75000"/>
+                        <a:lumOff val="25000"/>
+                      </a:schemeClr>
+                    </a:solidFill>
+                    <a:cs typeface="Arial" pitchFamily="34" charset="0"/>
+                  </a:rPr>
+                  <a:t>6</a:t>
+                </a:r>
+                <a:r>
+                  <a:rPr lang="en-US" altLang="ko-KR" sz="1200" b="1" baseline="30000" dirty="0">
+                    <a:solidFill>
+                      <a:schemeClr val="tx1">
+                        <a:lumMod val="75000"/>
+                        <a:lumOff val="25000"/>
+                      </a:schemeClr>
+                    </a:solidFill>
+                    <a:cs typeface="Arial" pitchFamily="34" charset="0"/>
+                  </a:rPr>
+                  <a:t>th</a:t>
+                </a:r>
+                <a:r>
+                  <a:rPr lang="en-US" altLang="ko-KR" sz="1200" b="1" dirty="0">
+                    <a:solidFill>
+                      <a:schemeClr val="tx1">
+                        <a:lumMod val="75000"/>
+                        <a:lumOff val="25000"/>
+                      </a:schemeClr>
+                    </a:solidFill>
+                    <a:cs typeface="Arial" pitchFamily="34" charset="0"/>
+                  </a:rPr>
+                  <a:t> </a:t>
+                </a:r>
+                <a:r>
+                  <a:rPr lang="en-US" altLang="ko-KR" sz="1400" b="1" dirty="0">
+                    <a:solidFill>
+                      <a:schemeClr val="tx1">
+                        <a:lumMod val="75000"/>
+                        <a:lumOff val="25000"/>
+                      </a:schemeClr>
+                    </a:solidFill>
+                    <a:cs typeface="Arial" pitchFamily="34" charset="0"/>
+                  </a:rPr>
+                  <a:t>week</a:t>
+                </a:r>
+                <a:r>
+                  <a:rPr lang="en-US" altLang="ko-KR" sz="1200" b="1" dirty="0">
+                    <a:solidFill>
+                      <a:schemeClr val="tx1">
+                        <a:lumMod val="75000"/>
+                        <a:lumOff val="25000"/>
+                      </a:schemeClr>
+                    </a:solidFill>
+                    <a:cs typeface="Arial" pitchFamily="34" charset="0"/>
+                  </a:rPr>
+                  <a:t> </a:t>
+                </a:r>
+              </a:p>
+            </p:txBody>
+          </p:sp>
+          <p:sp>
+            <p:nvSpPr>
+              <p:cNvPr id="27" name="TextBox 12">
+                <a:extLst>
+                  <a:ext uri="{FF2B5EF4-FFF2-40B4-BE49-F238E27FC236}">
+                    <a16:creationId xmlns:a16="http://schemas.microsoft.com/office/drawing/2014/main" id="{5146C00F-AE21-49D3-9FDE-1D66C4E8C569}"/>
+                  </a:ext>
+                </a:extLst>
+              </p:cNvPr>
+              <p:cNvSpPr txBox="1"/>
+              <p:nvPr/>
+            </p:nvSpPr>
+            <p:spPr bwMode="auto">
+              <a:xfrm>
+                <a:off x="2299400" y="2050389"/>
+                <a:ext cx="4576856" cy="276999"/>
+              </a:xfrm>
+              <a:prstGeom prst="rect">
+                <a:avLst/>
+              </a:prstGeom>
+              <a:noFill/>
+              <a:effectLst/>
+            </p:spPr>
+            <p:txBody>
+              <a:bodyPr wrap="square">
+                <a:spAutoFit/>
+              </a:bodyPr>
+              <a:lstStyle>
+                <a:defPPr>
+                  <a:defRPr lang="ko-KR"/>
+                </a:defPPr>
+                <a:lvl1pPr marL="0" algn="l" defTabSz="914400" rtl="0" eaLnBrk="1" latinLnBrk="1" hangingPunct="1">
+                  <a:defRPr sz="1800" kern="1200">
+                    <a:solidFill>
+                      <a:schemeClr val="tx1"/>
+                    </a:solidFill>
+                    <a:latin typeface="+mn-lt"/>
+                    <a:ea typeface="+mn-ea"/>
+                    <a:cs typeface="+mn-cs"/>
+                  </a:defRPr>
+                </a:lvl1pPr>
+                <a:lvl2pPr marL="457200" algn="l" defTabSz="914400" rtl="0" eaLnBrk="1" latinLnBrk="1" hangingPunct="1">
+                  <a:defRPr sz="1800" kern="1200">
+                    <a:solidFill>
+                      <a:schemeClr val="tx1"/>
+                    </a:solidFill>
+                    <a:latin typeface="+mn-lt"/>
+                    <a:ea typeface="+mn-ea"/>
+                    <a:cs typeface="+mn-cs"/>
+                  </a:defRPr>
+                </a:lvl2pPr>
+                <a:lvl3pPr marL="914400" algn="l" defTabSz="914400" rtl="0" eaLnBrk="1" latinLnBrk="1" hangingPunct="1">
+                  <a:defRPr sz="1800" kern="1200">
+                    <a:solidFill>
+                      <a:schemeClr val="tx1"/>
+                    </a:solidFill>
+                    <a:latin typeface="+mn-lt"/>
+                    <a:ea typeface="+mn-ea"/>
+                    <a:cs typeface="+mn-cs"/>
+                  </a:defRPr>
+                </a:lvl3pPr>
+                <a:lvl4pPr marL="1371600" algn="l" defTabSz="914400" rtl="0" eaLnBrk="1" latinLnBrk="1" hangingPunct="1">
+                  <a:defRPr sz="1800" kern="1200">
+                    <a:solidFill>
+                      <a:schemeClr val="tx1"/>
+                    </a:solidFill>
+                    <a:latin typeface="+mn-lt"/>
+                    <a:ea typeface="+mn-ea"/>
+                    <a:cs typeface="+mn-cs"/>
+                  </a:defRPr>
+                </a:lvl4pPr>
+                <a:lvl5pPr marL="1828800" algn="l" defTabSz="914400" rtl="0" eaLnBrk="1" latinLnBrk="1" hangingPunct="1">
+                  <a:defRPr sz="1800" kern="1200">
+                    <a:solidFill>
+                      <a:schemeClr val="tx1"/>
+                    </a:solidFill>
+                    <a:latin typeface="+mn-lt"/>
+                    <a:ea typeface="+mn-ea"/>
+                    <a:cs typeface="+mn-cs"/>
+                  </a:defRPr>
+                </a:lvl5pPr>
+                <a:lvl6pPr marL="2286000" algn="l" defTabSz="914400" rtl="0" eaLnBrk="1" latinLnBrk="1" hangingPunct="1">
+                  <a:defRPr sz="1800" kern="1200">
+                    <a:solidFill>
+                      <a:schemeClr val="tx1"/>
+                    </a:solidFill>
+                    <a:latin typeface="+mn-lt"/>
+                    <a:ea typeface="+mn-ea"/>
+                    <a:cs typeface="+mn-cs"/>
+                  </a:defRPr>
+                </a:lvl6pPr>
+                <a:lvl7pPr marL="2743200" algn="l" defTabSz="914400" rtl="0" eaLnBrk="1" latinLnBrk="1" hangingPunct="1">
+                  <a:defRPr sz="1800" kern="1200">
+                    <a:solidFill>
+                      <a:schemeClr val="tx1"/>
+                    </a:solidFill>
+                    <a:latin typeface="+mn-lt"/>
+                    <a:ea typeface="+mn-ea"/>
+                    <a:cs typeface="+mn-cs"/>
+                  </a:defRPr>
+                </a:lvl7pPr>
+                <a:lvl8pPr marL="3200400" algn="l" defTabSz="914400" rtl="0" eaLnBrk="1" latinLnBrk="1" hangingPunct="1">
+                  <a:defRPr sz="1800" kern="1200">
+                    <a:solidFill>
+                      <a:schemeClr val="tx1"/>
+                    </a:solidFill>
+                    <a:latin typeface="+mn-lt"/>
+                    <a:ea typeface="+mn-ea"/>
+                    <a:cs typeface="+mn-cs"/>
+                  </a:defRPr>
+                </a:lvl8pPr>
+                <a:lvl9pPr marL="3657600" algn="l" defTabSz="914400" rtl="0" eaLnBrk="1" latinLnBrk="1" hangingPunct="1">
+                  <a:defRPr sz="1800" kern="1200">
+                    <a:solidFill>
+                      <a:schemeClr val="tx1"/>
+                    </a:solidFill>
+                    <a:latin typeface="+mn-lt"/>
+                    <a:ea typeface="+mn-ea"/>
+                    <a:cs typeface="+mn-cs"/>
+                  </a:defRPr>
+                </a:lvl9pPr>
+              </a:lstStyle>
+              <a:p>
+                <a:pPr>
+                  <a:defRPr/>
+                </a:pPr>
+                <a:r>
+                  <a:rPr lang="en-US" altLang="ko-KR" sz="1200" dirty="0">
+                    <a:solidFill>
+                      <a:schemeClr val="tx1">
+                        <a:lumMod val="75000"/>
+                        <a:lumOff val="25000"/>
+                      </a:schemeClr>
+                    </a:solidFill>
+                    <a:cs typeface="Arial" pitchFamily="34" charset="0"/>
+                  </a:rPr>
+                  <a:t>Revising and Refactoring codes</a:t>
+                </a:r>
+                <a:endParaRPr lang="ko-KR" altLang="en-US" sz="1200" dirty="0">
+                  <a:solidFill>
+                    <a:schemeClr val="tx1">
+                      <a:lumMod val="75000"/>
+                      <a:lumOff val="25000"/>
+                    </a:schemeClr>
+                  </a:solidFill>
+                  <a:cs typeface="Arial" pitchFamily="34" charset="0"/>
+                </a:endParaRPr>
+              </a:p>
+            </p:txBody>
+          </p:sp>
+        </p:grpSp>
+      </p:grpSp>
+      <p:sp>
+        <p:nvSpPr>
+          <p:cNvPr id="33" name="Trapezoid 13">
+            <a:extLst>
+              <a:ext uri="{FF2B5EF4-FFF2-40B4-BE49-F238E27FC236}">
+                <a16:creationId xmlns:a16="http://schemas.microsoft.com/office/drawing/2014/main" id="{47CB8A74-88CC-4C5E-A769-E1E44B2F8FFE}"/>
+              </a:ext>
+            </a:extLst>
+          </p:cNvPr>
+          <p:cNvSpPr/>
+          <p:nvPr/>
+        </p:nvSpPr>
+        <p:spPr>
+          <a:xfrm>
+            <a:off x="5940152" y="429025"/>
+            <a:ext cx="361838" cy="305956"/>
+          </a:xfrm>
+          <a:custGeom>
+            <a:avLst/>
+            <a:gdLst/>
+            <a:ahLst/>
+            <a:cxnLst/>
+            <a:rect l="l" t="t" r="r" b="b"/>
+            <a:pathLst>
+              <a:path w="2736304" h="2313707">
+                <a:moveTo>
+                  <a:pt x="1046195" y="1945901"/>
+                </a:moveTo>
+                <a:lnTo>
+                  <a:pt x="998316" y="2093032"/>
+                </a:lnTo>
+                <a:lnTo>
+                  <a:pt x="1737988" y="2093032"/>
+                </a:lnTo>
+                <a:lnTo>
+                  <a:pt x="1690109" y="1945901"/>
+                </a:lnTo>
+                <a:close/>
+                <a:moveTo>
+                  <a:pt x="396044" y="89541"/>
+                </a:moveTo>
+                <a:lnTo>
+                  <a:pt x="396044" y="1241668"/>
+                </a:lnTo>
+                <a:lnTo>
+                  <a:pt x="2340260" y="1241668"/>
+                </a:lnTo>
+                <a:lnTo>
+                  <a:pt x="2340260" y="89541"/>
+                </a:lnTo>
+                <a:close/>
+                <a:moveTo>
+                  <a:pt x="252028" y="0"/>
+                </a:moveTo>
+                <a:lnTo>
+                  <a:pt x="2484276" y="0"/>
+                </a:lnTo>
+                <a:lnTo>
+                  <a:pt x="2484276" y="1331208"/>
+                </a:lnTo>
+                <a:lnTo>
+                  <a:pt x="2484679" y="1331208"/>
+                </a:lnTo>
+                <a:lnTo>
+                  <a:pt x="2736304" y="2195304"/>
+                </a:lnTo>
+                <a:lnTo>
+                  <a:pt x="2736304" y="2313707"/>
+                </a:lnTo>
+                <a:lnTo>
+                  <a:pt x="0" y="2313707"/>
+                </a:lnTo>
+                <a:lnTo>
+                  <a:pt x="0" y="2195304"/>
+                </a:lnTo>
+                <a:lnTo>
+                  <a:pt x="251625" y="1331208"/>
+                </a:lnTo>
+                <a:lnTo>
+                  <a:pt x="252028" y="1331208"/>
+                </a:lnTo>
+                <a:close/>
+              </a:path>
+            </a:pathLst>
+          </a:custGeom>
+          <a:solidFill>
+            <a:schemeClr val="accent1"/>
+          </a:solidFill>
+          <a:ln>
+            <a:noFill/>
+          </a:ln>
+        </p:spPr>
+        <p:style>
+          <a:lnRef idx="2">
+            <a:schemeClr val="accent1">
+              <a:shade val="50000"/>
+            </a:schemeClr>
+          </a:lnRef>
+          <a:fillRef idx="1">
+            <a:schemeClr val="accent1"/>
+          </a:fillRef>
+          <a:effectRef idx="0">
+            <a:schemeClr val="accent1"/>
+          </a:effectRef>
+          <a:fontRef idx="minor">
+            <a:schemeClr val="lt1"/>
+          </a:fontRef>
+        </p:style>
+        <p:txBody>
+          <a:bodyPr rot="0" spcFirstLastPara="0" vertOverflow="overflow" horzOverflow="overflow" vert="horz" wrap="square" lIns="91440" tIns="45720" rIns="91440" bIns="45720" numCol="1" spcCol="0" rtlCol="0" fromWordArt="0" anchor="ctr" anchorCtr="0" forceAA="0" compatLnSpc="1">
+            <a:prstTxWarp prst="textNoShape">
+              <a:avLst/>
+            </a:prstTxWarp>
+            <a:noAutofit/>
+          </a:bodyPr>
+          <a:lstStyle/>
+          <a:p>
+            <a:pPr algn="ctr"/>
+            <a:endParaRPr lang="ko-KR" altLang="en-US"/>
+          </a:p>
+        </p:txBody>
+      </p:sp>
+      <p:sp>
+        <p:nvSpPr>
+          <p:cNvPr id="2" name="TextBox 1">
+            <a:extLst>
+              <a:ext uri="{FF2B5EF4-FFF2-40B4-BE49-F238E27FC236}">
+                <a16:creationId xmlns:a16="http://schemas.microsoft.com/office/drawing/2014/main" id="{83BC19C8-743A-4F16-B286-B48EEBBF6439}"/>
+              </a:ext>
+            </a:extLst>
+          </p:cNvPr>
+          <p:cNvSpPr txBox="1"/>
+          <p:nvPr/>
+        </p:nvSpPr>
+        <p:spPr>
+          <a:xfrm>
+            <a:off x="1449177" y="1126380"/>
+            <a:ext cx="1107996" cy="369332"/>
+          </a:xfrm>
+          <a:prstGeom prst="rect">
+            <a:avLst/>
+          </a:prstGeom>
+          <a:noFill/>
+        </p:spPr>
+        <p:txBody>
+          <a:bodyPr wrap="none" rtlCol="0">
+            <a:spAutoFit/>
+          </a:bodyPr>
+          <a:lstStyle/>
+          <a:p>
+            <a:r>
+              <a:rPr lang="en-US" altLang="ko-KR" dirty="0" smtClean="0"/>
+              <a:t>Problem.</a:t>
+            </a:r>
+            <a:endParaRPr lang="en-US" altLang="ko-KR" dirty="0"/>
+          </a:p>
+        </p:txBody>
+      </p:sp>
+      <p:sp>
+        <p:nvSpPr>
+          <p:cNvPr id="3" name="Rectangle 2"/>
+          <p:cNvSpPr/>
+          <p:nvPr/>
+        </p:nvSpPr>
+        <p:spPr>
+          <a:xfrm>
+            <a:off x="1139977" y="2715766"/>
+            <a:ext cx="878796" cy="360040"/>
+          </a:xfrm>
+          <a:prstGeom prst="rect">
+            <a:avLst/>
+          </a:prstGeom>
+          <a:solidFill>
+            <a:schemeClr val="tx1"/>
+          </a:solidFill>
+          <a:ln>
+            <a:noFill/>
+          </a:ln>
+        </p:spPr>
+        <p:style>
+          <a:lnRef idx="2">
+            <a:schemeClr val="accent1">
+              <a:shade val="50000"/>
+            </a:schemeClr>
+          </a:lnRef>
+          <a:fillRef idx="1">
+            <a:schemeClr val="accent1"/>
+          </a:fillRef>
+          <a:effectRef idx="0">
+            <a:schemeClr val="accent1"/>
+          </a:effectRef>
+          <a:fontRef idx="minor">
+            <a:schemeClr val="lt1"/>
+          </a:fontRef>
+        </p:style>
+        <p:txBody>
+          <a:bodyPr rtlCol="0" anchor="ctr"/>
+          <a:lstStyle/>
+          <a:p>
+            <a:pPr algn="ctr"/>
+            <a:r>
+              <a:rPr lang="fr-FR" dirty="0" smtClean="0"/>
+              <a:t>NIC(1)</a:t>
+            </a:r>
+            <a:endParaRPr lang="fr-FR" dirty="0"/>
+          </a:p>
+        </p:txBody>
+      </p:sp>
+      <p:cxnSp>
+        <p:nvCxnSpPr>
+          <p:cNvPr id="6" name="Connecteur droit 5"/>
+          <p:cNvCxnSpPr/>
+          <p:nvPr/>
+        </p:nvCxnSpPr>
+        <p:spPr>
+          <a:xfrm>
+            <a:off x="2195736" y="1779662"/>
+            <a:ext cx="0" cy="2880320"/>
+          </a:xfrm>
+          <a:prstGeom prst="line">
+            <a:avLst/>
+          </a:prstGeom>
+          <a:ln>
+            <a:solidFill>
+              <a:schemeClr val="tx1"/>
+            </a:solidFill>
+          </a:ln>
+        </p:spPr>
+        <p:style>
+          <a:lnRef idx="1">
+            <a:schemeClr val="accent1"/>
+          </a:lnRef>
+          <a:fillRef idx="0">
+            <a:schemeClr val="accent1"/>
+          </a:fillRef>
+          <a:effectRef idx="0">
+            <a:schemeClr val="accent1"/>
+          </a:effectRef>
+          <a:fontRef idx="minor">
+            <a:schemeClr val="tx1"/>
+          </a:fontRef>
+        </p:style>
+      </p:cxnSp>
+      <p:cxnSp>
+        <p:nvCxnSpPr>
+          <p:cNvPr id="18" name="Connecteur droit 17"/>
+          <p:cNvCxnSpPr/>
+          <p:nvPr/>
+        </p:nvCxnSpPr>
+        <p:spPr>
+          <a:xfrm>
+            <a:off x="6301990" y="1779662"/>
+            <a:ext cx="0" cy="2880320"/>
+          </a:xfrm>
+          <a:prstGeom prst="line">
+            <a:avLst/>
+          </a:prstGeom>
+          <a:ln>
+            <a:solidFill>
+              <a:schemeClr val="tx1"/>
+            </a:solidFill>
+          </a:ln>
+        </p:spPr>
+        <p:style>
+          <a:lnRef idx="1">
+            <a:schemeClr val="accent1"/>
+          </a:lnRef>
+          <a:fillRef idx="0">
+            <a:schemeClr val="accent1"/>
+          </a:fillRef>
+          <a:effectRef idx="0">
+            <a:schemeClr val="accent1"/>
+          </a:effectRef>
+          <a:fontRef idx="minor">
+            <a:schemeClr val="tx1"/>
+          </a:fontRef>
+        </p:style>
+      </p:cxnSp>
+      <p:sp>
+        <p:nvSpPr>
+          <p:cNvPr id="7" name="ZoneTexte 6"/>
+          <p:cNvSpPr txBox="1"/>
+          <p:nvPr/>
+        </p:nvSpPr>
+        <p:spPr>
+          <a:xfrm>
+            <a:off x="1931529" y="1460392"/>
+            <a:ext cx="441146" cy="369332"/>
+          </a:xfrm>
+          <a:prstGeom prst="rect">
+            <a:avLst/>
+          </a:prstGeom>
+          <a:noFill/>
+        </p:spPr>
+        <p:txBody>
+          <a:bodyPr wrap="none" rtlCol="0">
+            <a:spAutoFit/>
+          </a:bodyPr>
+          <a:lstStyle/>
+          <a:p>
+            <a:r>
+              <a:rPr lang="fr-FR" dirty="0" err="1" smtClean="0"/>
+              <a:t>Tx</a:t>
+            </a:r>
+            <a:endParaRPr lang="fr-FR" dirty="0"/>
+          </a:p>
+        </p:txBody>
+      </p:sp>
+      <p:sp>
+        <p:nvSpPr>
+          <p:cNvPr id="8" name="ZoneTexte 7"/>
+          <p:cNvSpPr txBox="1"/>
+          <p:nvPr/>
+        </p:nvSpPr>
+        <p:spPr>
+          <a:xfrm>
+            <a:off x="6012160" y="1447090"/>
+            <a:ext cx="466794" cy="369332"/>
+          </a:xfrm>
+          <a:prstGeom prst="rect">
+            <a:avLst/>
+          </a:prstGeom>
+          <a:noFill/>
+        </p:spPr>
+        <p:txBody>
+          <a:bodyPr wrap="none" rtlCol="0">
+            <a:spAutoFit/>
+          </a:bodyPr>
+          <a:lstStyle/>
+          <a:p>
+            <a:r>
+              <a:rPr lang="fr-FR" dirty="0" err="1" smtClean="0"/>
+              <a:t>Rx</a:t>
+            </a:r>
+            <a:endParaRPr lang="fr-FR" dirty="0"/>
+          </a:p>
+        </p:txBody>
+      </p:sp>
+      <p:sp>
+        <p:nvSpPr>
+          <p:cNvPr id="9" name="ZoneTexte 8"/>
+          <p:cNvSpPr txBox="1"/>
+          <p:nvPr/>
+        </p:nvSpPr>
+        <p:spPr>
+          <a:xfrm>
+            <a:off x="2207342" y="1762274"/>
+            <a:ext cx="902811" cy="369332"/>
+          </a:xfrm>
+          <a:prstGeom prst="rect">
+            <a:avLst/>
+          </a:prstGeom>
+          <a:noFill/>
+        </p:spPr>
+        <p:txBody>
+          <a:bodyPr wrap="none" rtlCol="0">
+            <a:spAutoFit/>
+          </a:bodyPr>
+          <a:lstStyle/>
+          <a:p>
+            <a:r>
+              <a:rPr lang="fr-FR" dirty="0" smtClean="0"/>
+              <a:t>./Client</a:t>
+            </a:r>
+            <a:endParaRPr lang="fr-FR" dirty="0"/>
+          </a:p>
+        </p:txBody>
+      </p:sp>
+      <p:sp>
+        <p:nvSpPr>
+          <p:cNvPr id="31" name="ZoneTexte 30"/>
+          <p:cNvSpPr txBox="1"/>
+          <p:nvPr/>
+        </p:nvSpPr>
+        <p:spPr>
+          <a:xfrm>
+            <a:off x="5274682" y="1756847"/>
+            <a:ext cx="992579" cy="369332"/>
+          </a:xfrm>
+          <a:prstGeom prst="rect">
+            <a:avLst/>
+          </a:prstGeom>
+          <a:noFill/>
+        </p:spPr>
+        <p:txBody>
+          <a:bodyPr wrap="none" rtlCol="0">
+            <a:spAutoFit/>
+          </a:bodyPr>
+          <a:lstStyle/>
+          <a:p>
+            <a:r>
+              <a:rPr lang="fr-FR" dirty="0" smtClean="0"/>
+              <a:t>./Server</a:t>
+            </a:r>
+            <a:endParaRPr lang="fr-FR" dirty="0"/>
+          </a:p>
+        </p:txBody>
+      </p:sp>
+      <p:sp>
+        <p:nvSpPr>
+          <p:cNvPr id="32" name="Rectangle 31"/>
+          <p:cNvSpPr/>
+          <p:nvPr/>
+        </p:nvSpPr>
+        <p:spPr>
+          <a:xfrm>
+            <a:off x="6475824" y="2725058"/>
+            <a:ext cx="878796" cy="360040"/>
+          </a:xfrm>
+          <a:prstGeom prst="rect">
+            <a:avLst/>
+          </a:prstGeom>
+          <a:solidFill>
+            <a:schemeClr val="tx1"/>
+          </a:solidFill>
+          <a:ln>
+            <a:noFill/>
+          </a:ln>
+        </p:spPr>
+        <p:style>
+          <a:lnRef idx="2">
+            <a:schemeClr val="accent1">
+              <a:shade val="50000"/>
+            </a:schemeClr>
+          </a:lnRef>
+          <a:fillRef idx="1">
+            <a:schemeClr val="accent1"/>
+          </a:fillRef>
+          <a:effectRef idx="0">
+            <a:schemeClr val="accent1"/>
+          </a:effectRef>
+          <a:fontRef idx="minor">
+            <a:schemeClr val="lt1"/>
+          </a:fontRef>
+        </p:style>
+        <p:txBody>
+          <a:bodyPr rtlCol="0" anchor="ctr"/>
+          <a:lstStyle/>
+          <a:p>
+            <a:pPr algn="ctr"/>
+            <a:r>
+              <a:rPr lang="fr-FR" dirty="0" smtClean="0"/>
+              <a:t>NIC(2)</a:t>
+            </a:r>
+            <a:endParaRPr lang="fr-FR" dirty="0"/>
+          </a:p>
+        </p:txBody>
+      </p:sp>
+      <p:sp>
+        <p:nvSpPr>
+          <p:cNvPr id="11" name="ZoneTexte 10"/>
+          <p:cNvSpPr txBox="1"/>
+          <p:nvPr/>
+        </p:nvSpPr>
+        <p:spPr>
+          <a:xfrm>
+            <a:off x="722551" y="3118581"/>
+            <a:ext cx="1802764" cy="369332"/>
+          </a:xfrm>
+          <a:prstGeom prst="rect">
+            <a:avLst/>
+          </a:prstGeom>
+          <a:noFill/>
+        </p:spPr>
+        <p:txBody>
+          <a:bodyPr wrap="square" rtlCol="0">
+            <a:spAutoFit/>
+          </a:bodyPr>
+          <a:lstStyle/>
+          <a:p>
+            <a:r>
+              <a:rPr lang="fr-FR" dirty="0" err="1" smtClean="0"/>
+              <a:t>MAC_sender</a:t>
+            </a:r>
+            <a:endParaRPr lang="fr-FR" dirty="0"/>
+          </a:p>
+        </p:txBody>
+      </p:sp>
+      <p:sp>
+        <p:nvSpPr>
+          <p:cNvPr id="12" name="ZoneTexte 11"/>
+          <p:cNvSpPr txBox="1"/>
+          <p:nvPr/>
+        </p:nvSpPr>
+        <p:spPr>
+          <a:xfrm>
+            <a:off x="6308244" y="3118581"/>
+            <a:ext cx="1646605" cy="369332"/>
+          </a:xfrm>
+          <a:prstGeom prst="rect">
+            <a:avLst/>
+          </a:prstGeom>
+          <a:noFill/>
+        </p:spPr>
+        <p:txBody>
+          <a:bodyPr wrap="none" rtlCol="0">
+            <a:spAutoFit/>
+          </a:bodyPr>
+          <a:lstStyle/>
+          <a:p>
+            <a:r>
+              <a:rPr lang="fr-FR" dirty="0" err="1" smtClean="0"/>
+              <a:t>MAC_receiver</a:t>
+            </a:r>
+            <a:endParaRPr lang="fr-FR" dirty="0"/>
+          </a:p>
+        </p:txBody>
+      </p:sp>
+      <p:sp>
+        <p:nvSpPr>
+          <p:cNvPr id="14" name="ZoneTexte 13"/>
+          <p:cNvSpPr txBox="1"/>
+          <p:nvPr/>
+        </p:nvSpPr>
+        <p:spPr>
+          <a:xfrm>
+            <a:off x="3486825" y="1761475"/>
+            <a:ext cx="1146468" cy="369332"/>
+          </a:xfrm>
+          <a:prstGeom prst="rect">
+            <a:avLst/>
+          </a:prstGeom>
+          <a:solidFill>
+            <a:schemeClr val="bg1">
+              <a:lumMod val="85000"/>
+            </a:schemeClr>
+          </a:solidFill>
+        </p:spPr>
+        <p:txBody>
+          <a:bodyPr wrap="none" rtlCol="0">
+            <a:spAutoFit/>
+          </a:bodyPr>
+          <a:lstStyle/>
+          <a:p>
+            <a:r>
+              <a:rPr lang="fr-FR" dirty="0" smtClean="0"/>
+              <a:t>Bad case</a:t>
+            </a:r>
+            <a:endParaRPr lang="fr-FR" dirty="0"/>
+          </a:p>
+        </p:txBody>
+      </p:sp>
+      <p:sp>
+        <p:nvSpPr>
+          <p:cNvPr id="10" name="Ellipse 9"/>
+          <p:cNvSpPr/>
+          <p:nvPr/>
+        </p:nvSpPr>
+        <p:spPr>
+          <a:xfrm>
+            <a:off x="2249879" y="2364982"/>
+            <a:ext cx="1257162" cy="576064"/>
+          </a:xfrm>
+          <a:prstGeom prst="ellipse">
+            <a:avLst/>
+          </a:prstGeom>
+          <a:solidFill>
+            <a:srgbClr val="9AD3E9"/>
+          </a:solidFill>
+          <a:ln>
+            <a:noFill/>
+          </a:ln>
+        </p:spPr>
+        <p:style>
+          <a:lnRef idx="2">
+            <a:schemeClr val="accent1">
+              <a:shade val="50000"/>
+            </a:schemeClr>
+          </a:lnRef>
+          <a:fillRef idx="1">
+            <a:schemeClr val="accent1"/>
+          </a:fillRef>
+          <a:effectRef idx="0">
+            <a:schemeClr val="accent1"/>
+          </a:effectRef>
+          <a:fontRef idx="minor">
+            <a:schemeClr val="lt1"/>
+          </a:fontRef>
+        </p:style>
+        <p:txBody>
+          <a:bodyPr rtlCol="0" anchor="ctr"/>
+          <a:lstStyle/>
+          <a:p>
+            <a:pPr algn="ctr"/>
+            <a:r>
+              <a:rPr lang="fr-FR" dirty="0" smtClean="0"/>
+              <a:t>Client</a:t>
+            </a:r>
+            <a:endParaRPr lang="fr-FR" dirty="0"/>
+          </a:p>
+        </p:txBody>
+      </p:sp>
+      <p:sp>
+        <p:nvSpPr>
+          <p:cNvPr id="34" name="Ellipse 33"/>
+          <p:cNvSpPr/>
+          <p:nvPr/>
+        </p:nvSpPr>
+        <p:spPr>
+          <a:xfrm>
+            <a:off x="4994393" y="2329014"/>
+            <a:ext cx="1257162" cy="576064"/>
+          </a:xfrm>
+          <a:prstGeom prst="ellipse">
+            <a:avLst/>
+          </a:prstGeom>
+          <a:solidFill>
+            <a:srgbClr val="9AD3E9"/>
+          </a:solidFill>
+          <a:ln>
+            <a:noFill/>
+          </a:ln>
+        </p:spPr>
+        <p:style>
+          <a:lnRef idx="2">
+            <a:schemeClr val="accent1">
+              <a:shade val="50000"/>
+            </a:schemeClr>
+          </a:lnRef>
+          <a:fillRef idx="1">
+            <a:schemeClr val="accent1"/>
+          </a:fillRef>
+          <a:effectRef idx="0">
+            <a:schemeClr val="accent1"/>
+          </a:effectRef>
+          <a:fontRef idx="minor">
+            <a:schemeClr val="lt1"/>
+          </a:fontRef>
+        </p:style>
+        <p:txBody>
+          <a:bodyPr rtlCol="0" anchor="ctr"/>
+          <a:lstStyle/>
+          <a:p>
+            <a:pPr algn="ctr"/>
+            <a:r>
+              <a:rPr lang="fr-FR" dirty="0" smtClean="0"/>
+              <a:t>Server</a:t>
+            </a:r>
+            <a:endParaRPr lang="fr-FR" dirty="0"/>
+          </a:p>
+        </p:txBody>
+      </p:sp>
+      <p:sp>
+        <p:nvSpPr>
+          <p:cNvPr id="15" name="Double flèche horizontale 14"/>
+          <p:cNvSpPr/>
+          <p:nvPr/>
+        </p:nvSpPr>
+        <p:spPr>
+          <a:xfrm>
+            <a:off x="3666138" y="2441618"/>
+            <a:ext cx="1147584" cy="422792"/>
+          </a:xfrm>
+          <a:prstGeom prst="leftRightArrow">
+            <a:avLst/>
+          </a:prstGeom>
+          <a:solidFill>
+            <a:srgbClr val="9AD3E9"/>
+          </a:solidFill>
+          <a:ln>
+            <a:noFill/>
+          </a:ln>
+        </p:spPr>
+        <p:style>
+          <a:lnRef idx="2">
+            <a:schemeClr val="accent1">
+              <a:shade val="50000"/>
+            </a:schemeClr>
+          </a:lnRef>
+          <a:fillRef idx="1">
+            <a:schemeClr val="accent1"/>
+          </a:fillRef>
+          <a:effectRef idx="0">
+            <a:schemeClr val="accent1"/>
+          </a:effectRef>
+          <a:fontRef idx="minor">
+            <a:schemeClr val="lt1"/>
+          </a:fontRef>
+        </p:style>
+        <p:txBody>
+          <a:bodyPr rtlCol="0" anchor="ctr"/>
+          <a:lstStyle/>
+          <a:p>
+            <a:pPr algn="ctr"/>
+            <a:endParaRPr lang="fr-FR"/>
+          </a:p>
+        </p:txBody>
+      </p:sp>
+      <p:sp>
+        <p:nvSpPr>
+          <p:cNvPr id="16" name="ZoneTexte 15"/>
+          <p:cNvSpPr txBox="1"/>
+          <p:nvPr/>
+        </p:nvSpPr>
+        <p:spPr>
+          <a:xfrm>
+            <a:off x="2299252" y="3014544"/>
+            <a:ext cx="1830950" cy="461665"/>
+          </a:xfrm>
+          <a:prstGeom prst="rect">
+            <a:avLst/>
+          </a:prstGeom>
+          <a:noFill/>
+        </p:spPr>
+        <p:txBody>
+          <a:bodyPr wrap="none" rtlCol="0">
+            <a:spAutoFit/>
+          </a:bodyPr>
+          <a:lstStyle/>
+          <a:p>
+            <a:r>
+              <a:rPr lang="fr-FR" sz="1200" dirty="0" err="1" smtClean="0"/>
+              <a:t>Sending</a:t>
+            </a:r>
+            <a:r>
+              <a:rPr lang="fr-FR" sz="1200" dirty="0" smtClean="0"/>
+              <a:t> data to MAC_B</a:t>
+            </a:r>
+          </a:p>
+          <a:p>
+            <a:r>
+              <a:rPr lang="fr-FR" sz="1200" dirty="0" err="1" smtClean="0"/>
+              <a:t>From</a:t>
+            </a:r>
+            <a:r>
+              <a:rPr lang="fr-FR" sz="1200" dirty="0" smtClean="0"/>
+              <a:t> MAC_A</a:t>
+            </a:r>
+            <a:endParaRPr lang="fr-FR" sz="1200" dirty="0"/>
+          </a:p>
+        </p:txBody>
+      </p:sp>
+    </p:spTree>
+    <p:extLst>
+      <p:ext uri="{BB962C8B-B14F-4D97-AF65-F5344CB8AC3E}">
+        <p14:creationId xmlns:p14="http://schemas.microsoft.com/office/powerpoint/2010/main" val="621641590"/>
+      </p:ext>
+    </p:extLst>
+  </p:cSld>
+  <p:clrMapOvr>
+    <a:masterClrMapping/>
+  </p:clrMapOvr>
+  <p:timing>
+    <p:tnLst>
+      <p:par>
+        <p:cTn id="1" dur="indefinite" restart="never" nodeType="tmRoot"/>
+      </p:par>
+    </p:tnLst>
+  </p:timing>
+</p:sld>
+</file>
+
+<file path=ppt/slides/slide27.xml><?xml version="1.0" encoding="utf-8"?>
+<p:sld xmlns:a="http://schemas.openxmlformats.org/drawingml/2006/main" xmlns:r="http://schemas.openxmlformats.org/officeDocument/2006/relationships" xmlns:p="http://schemas.openxmlformats.org/presentationml/2006/main">
+  <p:cSld>
+    <p:spTree>
+      <p:nvGrpSpPr>
+        <p:cNvPr id="1" name=""/>
+        <p:cNvGrpSpPr/>
+        <p:nvPr/>
+      </p:nvGrpSpPr>
+      <p:grpSpPr>
+        <a:xfrm>
+          <a:off x="0" y="0"/>
+          <a:ext cx="0" cy="0"/>
+          <a:chOff x="0" y="0"/>
+          <a:chExt cx="0" cy="0"/>
+        </a:xfrm>
+      </p:grpSpPr>
+      <p:sp>
+        <p:nvSpPr>
+          <p:cNvPr id="4" name="Rectangle 3"/>
+          <p:cNvSpPr/>
+          <p:nvPr/>
+        </p:nvSpPr>
+        <p:spPr>
+          <a:xfrm>
+            <a:off x="1612453" y="1049521"/>
+            <a:ext cx="5904000" cy="72000"/>
+          </a:xfrm>
+          <a:prstGeom prst="rect">
+            <a:avLst/>
+          </a:prstGeom>
+          <a:solidFill>
+            <a:schemeClr val="accent1"/>
+          </a:solidFill>
+          <a:ln>
+            <a:noFill/>
+          </a:ln>
+        </p:spPr>
+        <p:style>
+          <a:lnRef idx="2">
+            <a:schemeClr val="accent1">
+              <a:shade val="50000"/>
+            </a:schemeClr>
+          </a:lnRef>
+          <a:fillRef idx="1">
+            <a:schemeClr val="accent1"/>
+          </a:fillRef>
+          <a:effectRef idx="0">
+            <a:schemeClr val="accent1"/>
+          </a:effectRef>
+          <a:fontRef idx="minor">
+            <a:schemeClr val="lt1"/>
+          </a:fontRef>
+        </p:style>
+        <p:txBody>
+          <a:bodyPr rot="0" spcFirstLastPara="0" vertOverflow="overflow" horzOverflow="overflow" vert="horz" wrap="square" lIns="91440" tIns="45720" rIns="91440" bIns="45720" numCol="1" spcCol="0" rtlCol="0" fromWordArt="0" anchor="ctr" anchorCtr="0" forceAA="0" compatLnSpc="1">
+            <a:prstTxWarp prst="textNoShape">
+              <a:avLst/>
+            </a:prstTxWarp>
+            <a:noAutofit/>
+          </a:bodyPr>
+          <a:lstStyle/>
+          <a:p>
+            <a:pPr algn="ctr"/>
+            <a:endParaRPr lang="ko-KR" altLang="en-US"/>
+          </a:p>
+        </p:txBody>
+      </p:sp>
+      <p:grpSp>
+        <p:nvGrpSpPr>
+          <p:cNvPr id="22" name="그룹 21">
+            <a:extLst>
+              <a:ext uri="{FF2B5EF4-FFF2-40B4-BE49-F238E27FC236}">
+                <a16:creationId xmlns:a16="http://schemas.microsoft.com/office/drawing/2014/main" id="{49A8CCBF-C11D-432B-ADCA-004921E0F306}"/>
+              </a:ext>
+            </a:extLst>
+          </p:cNvPr>
+          <p:cNvGrpSpPr/>
+          <p:nvPr/>
+        </p:nvGrpSpPr>
+        <p:grpSpPr>
+          <a:xfrm>
+            <a:off x="1449177" y="62634"/>
+            <a:ext cx="6552728" cy="914400"/>
+            <a:chOff x="2267744" y="1059582"/>
+            <a:chExt cx="6552728" cy="914400"/>
+          </a:xfrm>
+        </p:grpSpPr>
+        <p:grpSp>
+          <p:nvGrpSpPr>
+            <p:cNvPr id="23" name="Group 3">
+              <a:extLst>
+                <a:ext uri="{FF2B5EF4-FFF2-40B4-BE49-F238E27FC236}">
+                  <a16:creationId xmlns:a16="http://schemas.microsoft.com/office/drawing/2014/main" id="{5828ADA1-7A7D-4412-ADE9-4BDCE89A2BAA}"/>
+                </a:ext>
+              </a:extLst>
+            </p:cNvPr>
+            <p:cNvGrpSpPr/>
+            <p:nvPr/>
+          </p:nvGrpSpPr>
+          <p:grpSpPr>
+            <a:xfrm>
+              <a:off x="2267744" y="1059582"/>
+              <a:ext cx="6552728" cy="914400"/>
+              <a:chOff x="1151472" y="3187501"/>
+              <a:chExt cx="6552728" cy="914400"/>
+            </a:xfrm>
+          </p:grpSpPr>
+          <p:sp>
+            <p:nvSpPr>
+              <p:cNvPr id="28" name="Pentagon 4">
+                <a:extLst>
+                  <a:ext uri="{FF2B5EF4-FFF2-40B4-BE49-F238E27FC236}">
+                    <a16:creationId xmlns:a16="http://schemas.microsoft.com/office/drawing/2014/main" id="{D7188859-F32A-4D58-A325-5D6D3193D407}"/>
+                  </a:ext>
+                </a:extLst>
+              </p:cNvPr>
+              <p:cNvSpPr/>
+              <p:nvPr/>
+            </p:nvSpPr>
+            <p:spPr>
+              <a:xfrm>
+                <a:off x="1633824" y="3347030"/>
+                <a:ext cx="6070376" cy="720000"/>
+              </a:xfrm>
+              <a:prstGeom prst="homePlate">
+                <a:avLst/>
+              </a:prstGeom>
+              <a:solidFill>
+                <a:schemeClr val="accent1"/>
+              </a:solidFill>
+              <a:ln>
+                <a:noFill/>
+              </a:ln>
+            </p:spPr>
+            <p:style>
+              <a:lnRef idx="2">
+                <a:schemeClr val="accent1">
+                  <a:shade val="50000"/>
+                </a:schemeClr>
+              </a:lnRef>
+              <a:fillRef idx="1">
+                <a:schemeClr val="accent1"/>
+              </a:fillRef>
+              <a:effectRef idx="0">
+                <a:schemeClr val="accent1"/>
+              </a:effectRef>
+              <a:fontRef idx="minor">
+                <a:schemeClr val="lt1"/>
+              </a:fontRef>
+            </p:style>
+            <p:txBody>
+              <a:bodyPr rot="0" spcFirstLastPara="0" vertOverflow="overflow" horzOverflow="overflow" vert="horz" wrap="square" lIns="91440" tIns="45720" rIns="91440" bIns="45720" numCol="1" spcCol="0" rtlCol="0" fromWordArt="0" anchor="ctr" anchorCtr="0" forceAA="0" compatLnSpc="1">
+                <a:prstTxWarp prst="textNoShape">
+                  <a:avLst/>
+                </a:prstTxWarp>
+                <a:noAutofit/>
+              </a:bodyPr>
+              <a:lstStyle/>
+              <a:p>
+                <a:pPr algn="ctr"/>
+                <a:endParaRPr lang="ko-KR" altLang="en-US"/>
+              </a:p>
+            </p:txBody>
+          </p:sp>
+          <p:sp>
+            <p:nvSpPr>
+              <p:cNvPr id="29" name="Pentagon 5">
+                <a:extLst>
+                  <a:ext uri="{FF2B5EF4-FFF2-40B4-BE49-F238E27FC236}">
+                    <a16:creationId xmlns:a16="http://schemas.microsoft.com/office/drawing/2014/main" id="{59081497-96A5-4CBE-8BBF-BD6B10C2EAB8}"/>
+                  </a:ext>
+                </a:extLst>
+              </p:cNvPr>
+              <p:cNvSpPr/>
+              <p:nvPr/>
+            </p:nvSpPr>
+            <p:spPr>
+              <a:xfrm>
+                <a:off x="1633824" y="3284701"/>
+                <a:ext cx="5914970" cy="720000"/>
+              </a:xfrm>
+              <a:prstGeom prst="homePlate">
+                <a:avLst/>
+              </a:prstGeom>
+              <a:solidFill>
+                <a:schemeClr val="bg1"/>
+              </a:solidFill>
+              <a:ln w="38100">
+                <a:solidFill>
+                  <a:schemeClr val="accent1"/>
+                </a:solidFill>
+              </a:ln>
+            </p:spPr>
+            <p:style>
+              <a:lnRef idx="2">
+                <a:schemeClr val="accent1">
+                  <a:shade val="50000"/>
+                </a:schemeClr>
+              </a:lnRef>
+              <a:fillRef idx="1">
+                <a:schemeClr val="accent1"/>
+              </a:fillRef>
+              <a:effectRef idx="0">
+                <a:schemeClr val="accent1"/>
+              </a:effectRef>
+              <a:fontRef idx="minor">
+                <a:schemeClr val="lt1"/>
+              </a:fontRef>
+            </p:style>
+            <p:txBody>
+              <a:bodyPr rot="0" spcFirstLastPara="0" vertOverflow="overflow" horzOverflow="overflow" vert="horz" wrap="square" lIns="91440" tIns="45720" rIns="91440" bIns="45720" numCol="1" spcCol="0" rtlCol="0" fromWordArt="0" anchor="ctr" anchorCtr="0" forceAA="0" compatLnSpc="1">
+                <a:prstTxWarp prst="textNoShape">
+                  <a:avLst/>
+                </a:prstTxWarp>
+                <a:noAutofit/>
+              </a:bodyPr>
+              <a:lstStyle/>
+              <a:p>
+                <a:pPr algn="ctr"/>
+                <a:endParaRPr lang="ko-KR" altLang="en-US"/>
+              </a:p>
+            </p:txBody>
+          </p:sp>
+          <p:sp>
+            <p:nvSpPr>
+              <p:cNvPr id="30" name="Diamond 6">
+                <a:extLst>
+                  <a:ext uri="{FF2B5EF4-FFF2-40B4-BE49-F238E27FC236}">
+                    <a16:creationId xmlns:a16="http://schemas.microsoft.com/office/drawing/2014/main" id="{4C2D9227-D31D-4640-BD6C-507FDC5A94DA}"/>
+                  </a:ext>
+                </a:extLst>
+              </p:cNvPr>
+              <p:cNvSpPr/>
+              <p:nvPr/>
+            </p:nvSpPr>
+            <p:spPr>
+              <a:xfrm>
+                <a:off x="1151472" y="3187501"/>
+                <a:ext cx="914400" cy="914400"/>
+              </a:xfrm>
+              <a:prstGeom prst="diamond">
+                <a:avLst/>
+              </a:prstGeom>
+              <a:solidFill>
+                <a:schemeClr val="accent1"/>
+              </a:solidFill>
+              <a:ln>
+                <a:noFill/>
+              </a:ln>
+            </p:spPr>
+            <p:style>
+              <a:lnRef idx="2">
+                <a:schemeClr val="accent1">
+                  <a:shade val="50000"/>
+                </a:schemeClr>
+              </a:lnRef>
+              <a:fillRef idx="1">
+                <a:schemeClr val="accent1"/>
+              </a:fillRef>
+              <a:effectRef idx="0">
+                <a:schemeClr val="accent1"/>
+              </a:effectRef>
+              <a:fontRef idx="minor">
+                <a:schemeClr val="lt1"/>
+              </a:fontRef>
+            </p:style>
+            <p:txBody>
+              <a:bodyPr rot="0" spcFirstLastPara="0" vertOverflow="overflow" horzOverflow="overflow" vert="horz" wrap="square" lIns="91440" tIns="45720" rIns="91440" bIns="45720" numCol="1" spcCol="0" rtlCol="0" fromWordArt="0" anchor="ctr" anchorCtr="0" forceAA="0" compatLnSpc="1">
+                <a:prstTxWarp prst="textNoShape">
+                  <a:avLst/>
+                </a:prstTxWarp>
+                <a:noAutofit/>
+              </a:bodyPr>
+              <a:lstStyle/>
+              <a:p>
+                <a:pPr algn="ctr"/>
+                <a:endParaRPr lang="ko-KR" altLang="en-US" dirty="0"/>
+              </a:p>
+            </p:txBody>
+          </p:sp>
+        </p:grpSp>
+        <p:sp>
+          <p:nvSpPr>
+            <p:cNvPr id="24" name="직사각형 39">
+              <a:extLst>
+                <a:ext uri="{FF2B5EF4-FFF2-40B4-BE49-F238E27FC236}">
+                  <a16:creationId xmlns:a16="http://schemas.microsoft.com/office/drawing/2014/main" id="{8ED612A0-6EC0-44BB-8F75-EE9B4423AA68}"/>
+                </a:ext>
+              </a:extLst>
+            </p:cNvPr>
+            <p:cNvSpPr/>
+            <p:nvPr/>
+          </p:nvSpPr>
+          <p:spPr>
+            <a:xfrm>
+              <a:off x="2509438" y="1262927"/>
+              <a:ext cx="403184" cy="523220"/>
+            </a:xfrm>
+            <a:prstGeom prst="rect">
+              <a:avLst/>
+            </a:prstGeom>
+          </p:spPr>
+          <p:txBody>
+            <a:bodyPr wrap="square" anchor="ctr">
+              <a:spAutoFit/>
+            </a:bodyPr>
+            <a:lstStyle>
+              <a:defPPr>
+                <a:defRPr lang="ko-KR"/>
+              </a:defPPr>
+              <a:lvl1pPr marL="0" algn="l" defTabSz="914400" rtl="0" eaLnBrk="1" latinLnBrk="1" hangingPunct="1">
+                <a:defRPr sz="1800" kern="1200">
+                  <a:solidFill>
+                    <a:schemeClr val="tx1"/>
+                  </a:solidFill>
+                  <a:latin typeface="+mn-lt"/>
+                  <a:ea typeface="+mn-ea"/>
+                  <a:cs typeface="+mn-cs"/>
+                </a:defRPr>
+              </a:lvl1pPr>
+              <a:lvl2pPr marL="457200" algn="l" defTabSz="914400" rtl="0" eaLnBrk="1" latinLnBrk="1" hangingPunct="1">
+                <a:defRPr sz="1800" kern="1200">
+                  <a:solidFill>
+                    <a:schemeClr val="tx1"/>
+                  </a:solidFill>
+                  <a:latin typeface="+mn-lt"/>
+                  <a:ea typeface="+mn-ea"/>
+                  <a:cs typeface="+mn-cs"/>
+                </a:defRPr>
+              </a:lvl2pPr>
+              <a:lvl3pPr marL="914400" algn="l" defTabSz="914400" rtl="0" eaLnBrk="1" latinLnBrk="1" hangingPunct="1">
+                <a:defRPr sz="1800" kern="1200">
+                  <a:solidFill>
+                    <a:schemeClr val="tx1"/>
+                  </a:solidFill>
+                  <a:latin typeface="+mn-lt"/>
+                  <a:ea typeface="+mn-ea"/>
+                  <a:cs typeface="+mn-cs"/>
+                </a:defRPr>
+              </a:lvl3pPr>
+              <a:lvl4pPr marL="1371600" algn="l" defTabSz="914400" rtl="0" eaLnBrk="1" latinLnBrk="1" hangingPunct="1">
+                <a:defRPr sz="1800" kern="1200">
+                  <a:solidFill>
+                    <a:schemeClr val="tx1"/>
+                  </a:solidFill>
+                  <a:latin typeface="+mn-lt"/>
+                  <a:ea typeface="+mn-ea"/>
+                  <a:cs typeface="+mn-cs"/>
+                </a:defRPr>
+              </a:lvl4pPr>
+              <a:lvl5pPr marL="1828800" algn="l" defTabSz="914400" rtl="0" eaLnBrk="1" latinLnBrk="1" hangingPunct="1">
+                <a:defRPr sz="1800" kern="1200">
+                  <a:solidFill>
+                    <a:schemeClr val="tx1"/>
+                  </a:solidFill>
+                  <a:latin typeface="+mn-lt"/>
+                  <a:ea typeface="+mn-ea"/>
+                  <a:cs typeface="+mn-cs"/>
+                </a:defRPr>
+              </a:lvl5pPr>
+              <a:lvl6pPr marL="2286000" algn="l" defTabSz="914400" rtl="0" eaLnBrk="1" latinLnBrk="1" hangingPunct="1">
+                <a:defRPr sz="1800" kern="1200">
+                  <a:solidFill>
+                    <a:schemeClr val="tx1"/>
+                  </a:solidFill>
+                  <a:latin typeface="+mn-lt"/>
+                  <a:ea typeface="+mn-ea"/>
+                  <a:cs typeface="+mn-cs"/>
+                </a:defRPr>
+              </a:lvl6pPr>
+              <a:lvl7pPr marL="2743200" algn="l" defTabSz="914400" rtl="0" eaLnBrk="1" latinLnBrk="1" hangingPunct="1">
+                <a:defRPr sz="1800" kern="1200">
+                  <a:solidFill>
+                    <a:schemeClr val="tx1"/>
+                  </a:solidFill>
+                  <a:latin typeface="+mn-lt"/>
+                  <a:ea typeface="+mn-ea"/>
+                  <a:cs typeface="+mn-cs"/>
+                </a:defRPr>
+              </a:lvl7pPr>
+              <a:lvl8pPr marL="3200400" algn="l" defTabSz="914400" rtl="0" eaLnBrk="1" latinLnBrk="1" hangingPunct="1">
+                <a:defRPr sz="1800" kern="1200">
+                  <a:solidFill>
+                    <a:schemeClr val="tx1"/>
+                  </a:solidFill>
+                  <a:latin typeface="+mn-lt"/>
+                  <a:ea typeface="+mn-ea"/>
+                  <a:cs typeface="+mn-cs"/>
+                </a:defRPr>
+              </a:lvl8pPr>
+              <a:lvl9pPr marL="3657600" algn="l" defTabSz="914400" rtl="0" eaLnBrk="1" latinLnBrk="1" hangingPunct="1">
+                <a:defRPr sz="1800" kern="1200">
+                  <a:solidFill>
+                    <a:schemeClr val="tx1"/>
+                  </a:solidFill>
+                  <a:latin typeface="+mn-lt"/>
+                  <a:ea typeface="+mn-ea"/>
+                  <a:cs typeface="+mn-cs"/>
+                </a:defRPr>
+              </a:lvl9pPr>
+            </a:lstStyle>
+            <a:p>
+              <a:pPr algn="ctr">
+                <a:defRPr/>
+              </a:pPr>
+              <a:r>
+                <a:rPr lang="en-US" altLang="ko-KR" sz="2800" b="1" dirty="0">
+                  <a:solidFill>
+                    <a:schemeClr val="bg1"/>
+                  </a:solidFill>
+                  <a:cs typeface="Arial" pitchFamily="34" charset="0"/>
+                </a:rPr>
+                <a:t>1 </a:t>
+              </a:r>
+              <a:endParaRPr lang="ko-KR" altLang="en-US" sz="2800" dirty="0">
+                <a:solidFill>
+                  <a:schemeClr val="bg1"/>
+                </a:solidFill>
+              </a:endParaRPr>
+            </a:p>
+          </p:txBody>
+        </p:sp>
+        <p:grpSp>
+          <p:nvGrpSpPr>
+            <p:cNvPr id="25" name="Group 8">
+              <a:extLst>
+                <a:ext uri="{FF2B5EF4-FFF2-40B4-BE49-F238E27FC236}">
+                  <a16:creationId xmlns:a16="http://schemas.microsoft.com/office/drawing/2014/main" id="{E9F43EDB-A2E2-4546-918E-9485EA8E6293}"/>
+                </a:ext>
+              </a:extLst>
+            </p:cNvPr>
+            <p:cNvGrpSpPr/>
+            <p:nvPr/>
+          </p:nvGrpSpPr>
+          <p:grpSpPr>
+            <a:xfrm>
+              <a:off x="3382961" y="1239623"/>
+              <a:ext cx="4752528" cy="546274"/>
+              <a:chOff x="2299400" y="1781114"/>
+              <a:chExt cx="4576856" cy="546274"/>
+            </a:xfrm>
+          </p:grpSpPr>
+          <p:sp>
+            <p:nvSpPr>
+              <p:cNvPr id="26" name="TextBox 10">
+                <a:extLst>
+                  <a:ext uri="{FF2B5EF4-FFF2-40B4-BE49-F238E27FC236}">
+                    <a16:creationId xmlns:a16="http://schemas.microsoft.com/office/drawing/2014/main" id="{1FC3283C-FBC7-4C2E-A16D-C5167086383E}"/>
+                  </a:ext>
+                </a:extLst>
+              </p:cNvPr>
+              <p:cNvSpPr txBox="1"/>
+              <p:nvPr/>
+            </p:nvSpPr>
+            <p:spPr bwMode="auto">
+              <a:xfrm>
+                <a:off x="2299400" y="1781114"/>
+                <a:ext cx="4576856" cy="307777"/>
+              </a:xfrm>
+              <a:prstGeom prst="rect">
+                <a:avLst/>
+              </a:prstGeom>
+              <a:noFill/>
+              <a:effectLst/>
+            </p:spPr>
+            <p:txBody>
+              <a:bodyPr wrap="square">
+                <a:spAutoFit/>
+              </a:bodyPr>
+              <a:lstStyle>
+                <a:defPPr>
+                  <a:defRPr lang="ko-KR"/>
+                </a:defPPr>
+                <a:lvl1pPr marL="0" algn="l" defTabSz="914400" rtl="0" eaLnBrk="1" latinLnBrk="1" hangingPunct="1">
+                  <a:defRPr sz="1800" kern="1200">
+                    <a:solidFill>
+                      <a:schemeClr val="tx1"/>
+                    </a:solidFill>
+                    <a:latin typeface="+mn-lt"/>
+                    <a:ea typeface="+mn-ea"/>
+                    <a:cs typeface="+mn-cs"/>
+                  </a:defRPr>
+                </a:lvl1pPr>
+                <a:lvl2pPr marL="457200" algn="l" defTabSz="914400" rtl="0" eaLnBrk="1" latinLnBrk="1" hangingPunct="1">
+                  <a:defRPr sz="1800" kern="1200">
+                    <a:solidFill>
+                      <a:schemeClr val="tx1"/>
+                    </a:solidFill>
+                    <a:latin typeface="+mn-lt"/>
+                    <a:ea typeface="+mn-ea"/>
+                    <a:cs typeface="+mn-cs"/>
+                  </a:defRPr>
+                </a:lvl2pPr>
+                <a:lvl3pPr marL="914400" algn="l" defTabSz="914400" rtl="0" eaLnBrk="1" latinLnBrk="1" hangingPunct="1">
+                  <a:defRPr sz="1800" kern="1200">
+                    <a:solidFill>
+                      <a:schemeClr val="tx1"/>
+                    </a:solidFill>
+                    <a:latin typeface="+mn-lt"/>
+                    <a:ea typeface="+mn-ea"/>
+                    <a:cs typeface="+mn-cs"/>
+                  </a:defRPr>
+                </a:lvl3pPr>
+                <a:lvl4pPr marL="1371600" algn="l" defTabSz="914400" rtl="0" eaLnBrk="1" latinLnBrk="1" hangingPunct="1">
+                  <a:defRPr sz="1800" kern="1200">
+                    <a:solidFill>
+                      <a:schemeClr val="tx1"/>
+                    </a:solidFill>
+                    <a:latin typeface="+mn-lt"/>
+                    <a:ea typeface="+mn-ea"/>
+                    <a:cs typeface="+mn-cs"/>
+                  </a:defRPr>
+                </a:lvl4pPr>
+                <a:lvl5pPr marL="1828800" algn="l" defTabSz="914400" rtl="0" eaLnBrk="1" latinLnBrk="1" hangingPunct="1">
+                  <a:defRPr sz="1800" kern="1200">
+                    <a:solidFill>
+                      <a:schemeClr val="tx1"/>
+                    </a:solidFill>
+                    <a:latin typeface="+mn-lt"/>
+                    <a:ea typeface="+mn-ea"/>
+                    <a:cs typeface="+mn-cs"/>
+                  </a:defRPr>
+                </a:lvl5pPr>
+                <a:lvl6pPr marL="2286000" algn="l" defTabSz="914400" rtl="0" eaLnBrk="1" latinLnBrk="1" hangingPunct="1">
+                  <a:defRPr sz="1800" kern="1200">
+                    <a:solidFill>
+                      <a:schemeClr val="tx1"/>
+                    </a:solidFill>
+                    <a:latin typeface="+mn-lt"/>
+                    <a:ea typeface="+mn-ea"/>
+                    <a:cs typeface="+mn-cs"/>
+                  </a:defRPr>
+                </a:lvl6pPr>
+                <a:lvl7pPr marL="2743200" algn="l" defTabSz="914400" rtl="0" eaLnBrk="1" latinLnBrk="1" hangingPunct="1">
+                  <a:defRPr sz="1800" kern="1200">
+                    <a:solidFill>
+                      <a:schemeClr val="tx1"/>
+                    </a:solidFill>
+                    <a:latin typeface="+mn-lt"/>
+                    <a:ea typeface="+mn-ea"/>
+                    <a:cs typeface="+mn-cs"/>
+                  </a:defRPr>
+                </a:lvl7pPr>
+                <a:lvl8pPr marL="3200400" algn="l" defTabSz="914400" rtl="0" eaLnBrk="1" latinLnBrk="1" hangingPunct="1">
+                  <a:defRPr sz="1800" kern="1200">
+                    <a:solidFill>
+                      <a:schemeClr val="tx1"/>
+                    </a:solidFill>
+                    <a:latin typeface="+mn-lt"/>
+                    <a:ea typeface="+mn-ea"/>
+                    <a:cs typeface="+mn-cs"/>
+                  </a:defRPr>
+                </a:lvl8pPr>
+                <a:lvl9pPr marL="3657600" algn="l" defTabSz="914400" rtl="0" eaLnBrk="1" latinLnBrk="1" hangingPunct="1">
+                  <a:defRPr sz="1800" kern="1200">
+                    <a:solidFill>
+                      <a:schemeClr val="tx1"/>
+                    </a:solidFill>
+                    <a:latin typeface="+mn-lt"/>
+                    <a:ea typeface="+mn-ea"/>
+                    <a:cs typeface="+mn-cs"/>
+                  </a:defRPr>
+                </a:lvl9pPr>
+              </a:lstStyle>
+              <a:p>
+                <a:pPr>
+                  <a:defRPr/>
+                </a:pPr>
+                <a:r>
+                  <a:rPr lang="en-US" altLang="ko-KR" sz="1200" b="1" dirty="0">
+                    <a:solidFill>
+                      <a:schemeClr val="tx1">
+                        <a:lumMod val="75000"/>
+                        <a:lumOff val="25000"/>
+                      </a:schemeClr>
+                    </a:solidFill>
+                    <a:cs typeface="Arial" pitchFamily="34" charset="0"/>
+                  </a:rPr>
+                  <a:t>6</a:t>
+                </a:r>
+                <a:r>
+                  <a:rPr lang="en-US" altLang="ko-KR" sz="1200" b="1" baseline="30000" dirty="0">
+                    <a:solidFill>
+                      <a:schemeClr val="tx1">
+                        <a:lumMod val="75000"/>
+                        <a:lumOff val="25000"/>
+                      </a:schemeClr>
+                    </a:solidFill>
+                    <a:cs typeface="Arial" pitchFamily="34" charset="0"/>
+                  </a:rPr>
+                  <a:t>th</a:t>
+                </a:r>
+                <a:r>
+                  <a:rPr lang="en-US" altLang="ko-KR" sz="1200" b="1" dirty="0">
+                    <a:solidFill>
+                      <a:schemeClr val="tx1">
+                        <a:lumMod val="75000"/>
+                        <a:lumOff val="25000"/>
+                      </a:schemeClr>
+                    </a:solidFill>
+                    <a:cs typeface="Arial" pitchFamily="34" charset="0"/>
+                  </a:rPr>
+                  <a:t> </a:t>
+                </a:r>
+                <a:r>
+                  <a:rPr lang="en-US" altLang="ko-KR" sz="1400" b="1" dirty="0">
+                    <a:solidFill>
+                      <a:schemeClr val="tx1">
+                        <a:lumMod val="75000"/>
+                        <a:lumOff val="25000"/>
+                      </a:schemeClr>
+                    </a:solidFill>
+                    <a:cs typeface="Arial" pitchFamily="34" charset="0"/>
+                  </a:rPr>
+                  <a:t>week</a:t>
+                </a:r>
+                <a:r>
+                  <a:rPr lang="en-US" altLang="ko-KR" sz="1200" b="1" dirty="0">
+                    <a:solidFill>
+                      <a:schemeClr val="tx1">
+                        <a:lumMod val="75000"/>
+                        <a:lumOff val="25000"/>
+                      </a:schemeClr>
+                    </a:solidFill>
+                    <a:cs typeface="Arial" pitchFamily="34" charset="0"/>
+                  </a:rPr>
+                  <a:t> </a:t>
+                </a:r>
+              </a:p>
+            </p:txBody>
+          </p:sp>
+          <p:sp>
+            <p:nvSpPr>
+              <p:cNvPr id="27" name="TextBox 12">
+                <a:extLst>
+                  <a:ext uri="{FF2B5EF4-FFF2-40B4-BE49-F238E27FC236}">
+                    <a16:creationId xmlns:a16="http://schemas.microsoft.com/office/drawing/2014/main" id="{5146C00F-AE21-49D3-9FDE-1D66C4E8C569}"/>
+                  </a:ext>
+                </a:extLst>
+              </p:cNvPr>
+              <p:cNvSpPr txBox="1"/>
+              <p:nvPr/>
+            </p:nvSpPr>
+            <p:spPr bwMode="auto">
+              <a:xfrm>
+                <a:off x="2299400" y="2050389"/>
+                <a:ext cx="4576856" cy="276999"/>
+              </a:xfrm>
+              <a:prstGeom prst="rect">
+                <a:avLst/>
+              </a:prstGeom>
+              <a:noFill/>
+              <a:effectLst/>
+            </p:spPr>
+            <p:txBody>
+              <a:bodyPr wrap="square">
+                <a:spAutoFit/>
+              </a:bodyPr>
+              <a:lstStyle>
+                <a:defPPr>
+                  <a:defRPr lang="ko-KR"/>
+                </a:defPPr>
+                <a:lvl1pPr marL="0" algn="l" defTabSz="914400" rtl="0" eaLnBrk="1" latinLnBrk="1" hangingPunct="1">
+                  <a:defRPr sz="1800" kern="1200">
+                    <a:solidFill>
+                      <a:schemeClr val="tx1"/>
+                    </a:solidFill>
+                    <a:latin typeface="+mn-lt"/>
+                    <a:ea typeface="+mn-ea"/>
+                    <a:cs typeface="+mn-cs"/>
+                  </a:defRPr>
+                </a:lvl1pPr>
+                <a:lvl2pPr marL="457200" algn="l" defTabSz="914400" rtl="0" eaLnBrk="1" latinLnBrk="1" hangingPunct="1">
+                  <a:defRPr sz="1800" kern="1200">
+                    <a:solidFill>
+                      <a:schemeClr val="tx1"/>
+                    </a:solidFill>
+                    <a:latin typeface="+mn-lt"/>
+                    <a:ea typeface="+mn-ea"/>
+                    <a:cs typeface="+mn-cs"/>
+                  </a:defRPr>
+                </a:lvl2pPr>
+                <a:lvl3pPr marL="914400" algn="l" defTabSz="914400" rtl="0" eaLnBrk="1" latinLnBrk="1" hangingPunct="1">
+                  <a:defRPr sz="1800" kern="1200">
+                    <a:solidFill>
+                      <a:schemeClr val="tx1"/>
+                    </a:solidFill>
+                    <a:latin typeface="+mn-lt"/>
+                    <a:ea typeface="+mn-ea"/>
+                    <a:cs typeface="+mn-cs"/>
+                  </a:defRPr>
+                </a:lvl3pPr>
+                <a:lvl4pPr marL="1371600" algn="l" defTabSz="914400" rtl="0" eaLnBrk="1" latinLnBrk="1" hangingPunct="1">
+                  <a:defRPr sz="1800" kern="1200">
+                    <a:solidFill>
+                      <a:schemeClr val="tx1"/>
+                    </a:solidFill>
+                    <a:latin typeface="+mn-lt"/>
+                    <a:ea typeface="+mn-ea"/>
+                    <a:cs typeface="+mn-cs"/>
+                  </a:defRPr>
+                </a:lvl4pPr>
+                <a:lvl5pPr marL="1828800" algn="l" defTabSz="914400" rtl="0" eaLnBrk="1" latinLnBrk="1" hangingPunct="1">
+                  <a:defRPr sz="1800" kern="1200">
+                    <a:solidFill>
+                      <a:schemeClr val="tx1"/>
+                    </a:solidFill>
+                    <a:latin typeface="+mn-lt"/>
+                    <a:ea typeface="+mn-ea"/>
+                    <a:cs typeface="+mn-cs"/>
+                  </a:defRPr>
+                </a:lvl5pPr>
+                <a:lvl6pPr marL="2286000" algn="l" defTabSz="914400" rtl="0" eaLnBrk="1" latinLnBrk="1" hangingPunct="1">
+                  <a:defRPr sz="1800" kern="1200">
+                    <a:solidFill>
+                      <a:schemeClr val="tx1"/>
+                    </a:solidFill>
+                    <a:latin typeface="+mn-lt"/>
+                    <a:ea typeface="+mn-ea"/>
+                    <a:cs typeface="+mn-cs"/>
+                  </a:defRPr>
+                </a:lvl6pPr>
+                <a:lvl7pPr marL="2743200" algn="l" defTabSz="914400" rtl="0" eaLnBrk="1" latinLnBrk="1" hangingPunct="1">
+                  <a:defRPr sz="1800" kern="1200">
+                    <a:solidFill>
+                      <a:schemeClr val="tx1"/>
+                    </a:solidFill>
+                    <a:latin typeface="+mn-lt"/>
+                    <a:ea typeface="+mn-ea"/>
+                    <a:cs typeface="+mn-cs"/>
+                  </a:defRPr>
+                </a:lvl7pPr>
+                <a:lvl8pPr marL="3200400" algn="l" defTabSz="914400" rtl="0" eaLnBrk="1" latinLnBrk="1" hangingPunct="1">
+                  <a:defRPr sz="1800" kern="1200">
+                    <a:solidFill>
+                      <a:schemeClr val="tx1"/>
+                    </a:solidFill>
+                    <a:latin typeface="+mn-lt"/>
+                    <a:ea typeface="+mn-ea"/>
+                    <a:cs typeface="+mn-cs"/>
+                  </a:defRPr>
+                </a:lvl8pPr>
+                <a:lvl9pPr marL="3657600" algn="l" defTabSz="914400" rtl="0" eaLnBrk="1" latinLnBrk="1" hangingPunct="1">
+                  <a:defRPr sz="1800" kern="1200">
+                    <a:solidFill>
+                      <a:schemeClr val="tx1"/>
+                    </a:solidFill>
+                    <a:latin typeface="+mn-lt"/>
+                    <a:ea typeface="+mn-ea"/>
+                    <a:cs typeface="+mn-cs"/>
+                  </a:defRPr>
+                </a:lvl9pPr>
+              </a:lstStyle>
+              <a:p>
+                <a:pPr>
+                  <a:defRPr/>
+                </a:pPr>
+                <a:r>
+                  <a:rPr lang="en-US" altLang="ko-KR" sz="1200" dirty="0">
+                    <a:solidFill>
+                      <a:schemeClr val="tx1">
+                        <a:lumMod val="75000"/>
+                        <a:lumOff val="25000"/>
+                      </a:schemeClr>
+                    </a:solidFill>
+                    <a:cs typeface="Arial" pitchFamily="34" charset="0"/>
+                  </a:rPr>
+                  <a:t>Revising and Refactoring codes</a:t>
+                </a:r>
+                <a:endParaRPr lang="ko-KR" altLang="en-US" sz="1200" dirty="0">
+                  <a:solidFill>
+                    <a:schemeClr val="tx1">
+                      <a:lumMod val="75000"/>
+                      <a:lumOff val="25000"/>
+                    </a:schemeClr>
+                  </a:solidFill>
+                  <a:cs typeface="Arial" pitchFamily="34" charset="0"/>
+                </a:endParaRPr>
+              </a:p>
+            </p:txBody>
+          </p:sp>
+        </p:grpSp>
+      </p:grpSp>
+      <p:sp>
+        <p:nvSpPr>
+          <p:cNvPr id="33" name="Trapezoid 13">
+            <a:extLst>
+              <a:ext uri="{FF2B5EF4-FFF2-40B4-BE49-F238E27FC236}">
+                <a16:creationId xmlns:a16="http://schemas.microsoft.com/office/drawing/2014/main" id="{47CB8A74-88CC-4C5E-A769-E1E44B2F8FFE}"/>
+              </a:ext>
+            </a:extLst>
+          </p:cNvPr>
+          <p:cNvSpPr/>
+          <p:nvPr/>
+        </p:nvSpPr>
+        <p:spPr>
+          <a:xfrm>
+            <a:off x="5940152" y="429025"/>
+            <a:ext cx="361838" cy="305956"/>
+          </a:xfrm>
+          <a:custGeom>
+            <a:avLst/>
+            <a:gdLst/>
+            <a:ahLst/>
+            <a:cxnLst/>
+            <a:rect l="l" t="t" r="r" b="b"/>
+            <a:pathLst>
+              <a:path w="2736304" h="2313707">
+                <a:moveTo>
+                  <a:pt x="1046195" y="1945901"/>
+                </a:moveTo>
+                <a:lnTo>
+                  <a:pt x="998316" y="2093032"/>
+                </a:lnTo>
+                <a:lnTo>
+                  <a:pt x="1737988" y="2093032"/>
+                </a:lnTo>
+                <a:lnTo>
+                  <a:pt x="1690109" y="1945901"/>
+                </a:lnTo>
+                <a:close/>
+                <a:moveTo>
+                  <a:pt x="396044" y="89541"/>
+                </a:moveTo>
+                <a:lnTo>
+                  <a:pt x="396044" y="1241668"/>
+                </a:lnTo>
+                <a:lnTo>
+                  <a:pt x="2340260" y="1241668"/>
+                </a:lnTo>
+                <a:lnTo>
+                  <a:pt x="2340260" y="89541"/>
+                </a:lnTo>
+                <a:close/>
+                <a:moveTo>
+                  <a:pt x="252028" y="0"/>
+                </a:moveTo>
+                <a:lnTo>
+                  <a:pt x="2484276" y="0"/>
+                </a:lnTo>
+                <a:lnTo>
+                  <a:pt x="2484276" y="1331208"/>
+                </a:lnTo>
+                <a:lnTo>
+                  <a:pt x="2484679" y="1331208"/>
+                </a:lnTo>
+                <a:lnTo>
+                  <a:pt x="2736304" y="2195304"/>
+                </a:lnTo>
+                <a:lnTo>
+                  <a:pt x="2736304" y="2313707"/>
+                </a:lnTo>
+                <a:lnTo>
+                  <a:pt x="0" y="2313707"/>
+                </a:lnTo>
+                <a:lnTo>
+                  <a:pt x="0" y="2195304"/>
+                </a:lnTo>
+                <a:lnTo>
+                  <a:pt x="251625" y="1331208"/>
+                </a:lnTo>
+                <a:lnTo>
+                  <a:pt x="252028" y="1331208"/>
+                </a:lnTo>
+                <a:close/>
+              </a:path>
+            </a:pathLst>
+          </a:custGeom>
+          <a:solidFill>
+            <a:schemeClr val="accent1"/>
+          </a:solidFill>
+          <a:ln>
+            <a:noFill/>
+          </a:ln>
+        </p:spPr>
+        <p:style>
+          <a:lnRef idx="2">
+            <a:schemeClr val="accent1">
+              <a:shade val="50000"/>
+            </a:schemeClr>
+          </a:lnRef>
+          <a:fillRef idx="1">
+            <a:schemeClr val="accent1"/>
+          </a:fillRef>
+          <a:effectRef idx="0">
+            <a:schemeClr val="accent1"/>
+          </a:effectRef>
+          <a:fontRef idx="minor">
+            <a:schemeClr val="lt1"/>
+          </a:fontRef>
+        </p:style>
+        <p:txBody>
+          <a:bodyPr rot="0" spcFirstLastPara="0" vertOverflow="overflow" horzOverflow="overflow" vert="horz" wrap="square" lIns="91440" tIns="45720" rIns="91440" bIns="45720" numCol="1" spcCol="0" rtlCol="0" fromWordArt="0" anchor="ctr" anchorCtr="0" forceAA="0" compatLnSpc="1">
+            <a:prstTxWarp prst="textNoShape">
+              <a:avLst/>
+            </a:prstTxWarp>
+            <a:noAutofit/>
+          </a:bodyPr>
+          <a:lstStyle/>
+          <a:p>
+            <a:pPr algn="ctr"/>
+            <a:endParaRPr lang="ko-KR" altLang="en-US"/>
+          </a:p>
+        </p:txBody>
+      </p:sp>
+      <p:sp>
+        <p:nvSpPr>
+          <p:cNvPr id="2" name="TextBox 1">
+            <a:extLst>
+              <a:ext uri="{FF2B5EF4-FFF2-40B4-BE49-F238E27FC236}">
+                <a16:creationId xmlns:a16="http://schemas.microsoft.com/office/drawing/2014/main" id="{83BC19C8-743A-4F16-B286-B48EEBBF6439}"/>
+              </a:ext>
+            </a:extLst>
+          </p:cNvPr>
+          <p:cNvSpPr txBox="1"/>
+          <p:nvPr/>
+        </p:nvSpPr>
+        <p:spPr>
+          <a:xfrm>
+            <a:off x="1449177" y="1126380"/>
+            <a:ext cx="1107996" cy="369332"/>
+          </a:xfrm>
+          <a:prstGeom prst="rect">
+            <a:avLst/>
+          </a:prstGeom>
+          <a:noFill/>
+        </p:spPr>
+        <p:txBody>
+          <a:bodyPr wrap="none" rtlCol="0">
+            <a:spAutoFit/>
+          </a:bodyPr>
+          <a:lstStyle/>
+          <a:p>
+            <a:r>
+              <a:rPr lang="en-US" altLang="ko-KR" dirty="0" smtClean="0"/>
+              <a:t>Problem.</a:t>
+            </a:r>
+            <a:endParaRPr lang="en-US" altLang="ko-KR" dirty="0"/>
+          </a:p>
+        </p:txBody>
+      </p:sp>
+      <p:sp>
+        <p:nvSpPr>
+          <p:cNvPr id="3" name="Rectangle 2"/>
+          <p:cNvSpPr/>
+          <p:nvPr/>
+        </p:nvSpPr>
+        <p:spPr>
+          <a:xfrm>
+            <a:off x="1139977" y="2715766"/>
+            <a:ext cx="878796" cy="360040"/>
+          </a:xfrm>
+          <a:prstGeom prst="rect">
+            <a:avLst/>
+          </a:prstGeom>
+          <a:solidFill>
+            <a:schemeClr val="tx1"/>
+          </a:solidFill>
+          <a:ln>
+            <a:noFill/>
+          </a:ln>
+        </p:spPr>
+        <p:style>
+          <a:lnRef idx="2">
+            <a:schemeClr val="accent1">
+              <a:shade val="50000"/>
+            </a:schemeClr>
+          </a:lnRef>
+          <a:fillRef idx="1">
+            <a:schemeClr val="accent1"/>
+          </a:fillRef>
+          <a:effectRef idx="0">
+            <a:schemeClr val="accent1"/>
+          </a:effectRef>
+          <a:fontRef idx="minor">
+            <a:schemeClr val="lt1"/>
+          </a:fontRef>
+        </p:style>
+        <p:txBody>
+          <a:bodyPr rtlCol="0" anchor="ctr"/>
+          <a:lstStyle/>
+          <a:p>
+            <a:pPr algn="ctr"/>
+            <a:r>
+              <a:rPr lang="fr-FR" dirty="0" smtClean="0"/>
+              <a:t>NIC(1)</a:t>
+            </a:r>
+            <a:endParaRPr lang="fr-FR" dirty="0"/>
+          </a:p>
+        </p:txBody>
+      </p:sp>
+      <p:cxnSp>
+        <p:nvCxnSpPr>
+          <p:cNvPr id="6" name="Connecteur droit 5"/>
+          <p:cNvCxnSpPr/>
+          <p:nvPr/>
+        </p:nvCxnSpPr>
+        <p:spPr>
+          <a:xfrm>
+            <a:off x="2195736" y="1779662"/>
+            <a:ext cx="0" cy="2880320"/>
+          </a:xfrm>
+          <a:prstGeom prst="line">
+            <a:avLst/>
+          </a:prstGeom>
+          <a:ln>
+            <a:solidFill>
+              <a:schemeClr val="tx1"/>
+            </a:solidFill>
+          </a:ln>
+        </p:spPr>
+        <p:style>
+          <a:lnRef idx="1">
+            <a:schemeClr val="accent1"/>
+          </a:lnRef>
+          <a:fillRef idx="0">
+            <a:schemeClr val="accent1"/>
+          </a:fillRef>
+          <a:effectRef idx="0">
+            <a:schemeClr val="accent1"/>
+          </a:effectRef>
+          <a:fontRef idx="minor">
+            <a:schemeClr val="tx1"/>
+          </a:fontRef>
+        </p:style>
+      </p:cxnSp>
+      <p:cxnSp>
+        <p:nvCxnSpPr>
+          <p:cNvPr id="18" name="Connecteur droit 17"/>
+          <p:cNvCxnSpPr/>
+          <p:nvPr/>
+        </p:nvCxnSpPr>
+        <p:spPr>
+          <a:xfrm>
+            <a:off x="6301990" y="1779662"/>
+            <a:ext cx="0" cy="2880320"/>
+          </a:xfrm>
+          <a:prstGeom prst="line">
+            <a:avLst/>
+          </a:prstGeom>
+          <a:ln>
+            <a:solidFill>
+              <a:schemeClr val="tx1"/>
+            </a:solidFill>
+          </a:ln>
+        </p:spPr>
+        <p:style>
+          <a:lnRef idx="1">
+            <a:schemeClr val="accent1"/>
+          </a:lnRef>
+          <a:fillRef idx="0">
+            <a:schemeClr val="accent1"/>
+          </a:fillRef>
+          <a:effectRef idx="0">
+            <a:schemeClr val="accent1"/>
+          </a:effectRef>
+          <a:fontRef idx="minor">
+            <a:schemeClr val="tx1"/>
+          </a:fontRef>
+        </p:style>
+      </p:cxnSp>
+      <p:sp>
+        <p:nvSpPr>
+          <p:cNvPr id="7" name="ZoneTexte 6"/>
+          <p:cNvSpPr txBox="1"/>
+          <p:nvPr/>
+        </p:nvSpPr>
+        <p:spPr>
+          <a:xfrm>
+            <a:off x="1931529" y="1460392"/>
+            <a:ext cx="441146" cy="369332"/>
+          </a:xfrm>
+          <a:prstGeom prst="rect">
+            <a:avLst/>
+          </a:prstGeom>
+          <a:noFill/>
+        </p:spPr>
+        <p:txBody>
+          <a:bodyPr wrap="none" rtlCol="0">
+            <a:spAutoFit/>
+          </a:bodyPr>
+          <a:lstStyle/>
+          <a:p>
+            <a:r>
+              <a:rPr lang="fr-FR" dirty="0" err="1" smtClean="0"/>
+              <a:t>Tx</a:t>
+            </a:r>
+            <a:endParaRPr lang="fr-FR" dirty="0"/>
+          </a:p>
+        </p:txBody>
+      </p:sp>
+      <p:sp>
+        <p:nvSpPr>
+          <p:cNvPr id="8" name="ZoneTexte 7"/>
+          <p:cNvSpPr txBox="1"/>
+          <p:nvPr/>
+        </p:nvSpPr>
+        <p:spPr>
+          <a:xfrm>
+            <a:off x="6012160" y="1447090"/>
+            <a:ext cx="466794" cy="369332"/>
+          </a:xfrm>
+          <a:prstGeom prst="rect">
+            <a:avLst/>
+          </a:prstGeom>
+          <a:noFill/>
+        </p:spPr>
+        <p:txBody>
+          <a:bodyPr wrap="none" rtlCol="0">
+            <a:spAutoFit/>
+          </a:bodyPr>
+          <a:lstStyle/>
+          <a:p>
+            <a:r>
+              <a:rPr lang="fr-FR" dirty="0" err="1" smtClean="0"/>
+              <a:t>Rx</a:t>
+            </a:r>
+            <a:endParaRPr lang="fr-FR" dirty="0"/>
+          </a:p>
+        </p:txBody>
+      </p:sp>
+      <p:sp>
+        <p:nvSpPr>
+          <p:cNvPr id="9" name="ZoneTexte 8"/>
+          <p:cNvSpPr txBox="1"/>
+          <p:nvPr/>
+        </p:nvSpPr>
+        <p:spPr>
+          <a:xfrm>
+            <a:off x="2207342" y="1762274"/>
+            <a:ext cx="902811" cy="369332"/>
+          </a:xfrm>
+          <a:prstGeom prst="rect">
+            <a:avLst/>
+          </a:prstGeom>
+          <a:noFill/>
+        </p:spPr>
+        <p:txBody>
+          <a:bodyPr wrap="none" rtlCol="0">
+            <a:spAutoFit/>
+          </a:bodyPr>
+          <a:lstStyle/>
+          <a:p>
+            <a:r>
+              <a:rPr lang="fr-FR" dirty="0" smtClean="0"/>
+              <a:t>./Client</a:t>
+            </a:r>
+            <a:endParaRPr lang="fr-FR" dirty="0"/>
+          </a:p>
+        </p:txBody>
+      </p:sp>
+      <p:sp>
+        <p:nvSpPr>
+          <p:cNvPr id="31" name="ZoneTexte 30"/>
+          <p:cNvSpPr txBox="1"/>
+          <p:nvPr/>
+        </p:nvSpPr>
+        <p:spPr>
+          <a:xfrm>
+            <a:off x="5274682" y="1756847"/>
+            <a:ext cx="992579" cy="369332"/>
+          </a:xfrm>
+          <a:prstGeom prst="rect">
+            <a:avLst/>
+          </a:prstGeom>
+          <a:noFill/>
+        </p:spPr>
+        <p:txBody>
+          <a:bodyPr wrap="none" rtlCol="0">
+            <a:spAutoFit/>
+          </a:bodyPr>
+          <a:lstStyle/>
+          <a:p>
+            <a:r>
+              <a:rPr lang="fr-FR" dirty="0" smtClean="0"/>
+              <a:t>./Server</a:t>
+            </a:r>
+            <a:endParaRPr lang="fr-FR" dirty="0"/>
+          </a:p>
+        </p:txBody>
+      </p:sp>
+      <p:sp>
+        <p:nvSpPr>
+          <p:cNvPr id="32" name="Rectangle 31"/>
+          <p:cNvSpPr/>
+          <p:nvPr/>
+        </p:nvSpPr>
+        <p:spPr>
+          <a:xfrm>
+            <a:off x="6475824" y="2725058"/>
+            <a:ext cx="878796" cy="360040"/>
+          </a:xfrm>
+          <a:prstGeom prst="rect">
+            <a:avLst/>
+          </a:prstGeom>
+          <a:solidFill>
+            <a:schemeClr val="tx1"/>
+          </a:solidFill>
+          <a:ln>
+            <a:noFill/>
+          </a:ln>
+        </p:spPr>
+        <p:style>
+          <a:lnRef idx="2">
+            <a:schemeClr val="accent1">
+              <a:shade val="50000"/>
+            </a:schemeClr>
+          </a:lnRef>
+          <a:fillRef idx="1">
+            <a:schemeClr val="accent1"/>
+          </a:fillRef>
+          <a:effectRef idx="0">
+            <a:schemeClr val="accent1"/>
+          </a:effectRef>
+          <a:fontRef idx="minor">
+            <a:schemeClr val="lt1"/>
+          </a:fontRef>
+        </p:style>
+        <p:txBody>
+          <a:bodyPr rtlCol="0" anchor="ctr"/>
+          <a:lstStyle/>
+          <a:p>
+            <a:pPr algn="ctr"/>
+            <a:r>
+              <a:rPr lang="fr-FR" dirty="0" smtClean="0"/>
+              <a:t>NIC(2)</a:t>
+            </a:r>
+            <a:endParaRPr lang="fr-FR" dirty="0"/>
+          </a:p>
+        </p:txBody>
+      </p:sp>
+      <p:sp>
+        <p:nvSpPr>
+          <p:cNvPr id="11" name="ZoneTexte 10"/>
+          <p:cNvSpPr txBox="1"/>
+          <p:nvPr/>
+        </p:nvSpPr>
+        <p:spPr>
+          <a:xfrm>
+            <a:off x="722551" y="3118581"/>
+            <a:ext cx="1802764" cy="369332"/>
+          </a:xfrm>
+          <a:prstGeom prst="rect">
+            <a:avLst/>
+          </a:prstGeom>
+          <a:noFill/>
+        </p:spPr>
+        <p:txBody>
+          <a:bodyPr wrap="square" rtlCol="0">
+            <a:spAutoFit/>
+          </a:bodyPr>
+          <a:lstStyle/>
+          <a:p>
+            <a:r>
+              <a:rPr lang="fr-FR" dirty="0" err="1" smtClean="0"/>
+              <a:t>MAC_sender</a:t>
+            </a:r>
+            <a:endParaRPr lang="fr-FR" dirty="0"/>
+          </a:p>
+        </p:txBody>
+      </p:sp>
+      <p:sp>
+        <p:nvSpPr>
+          <p:cNvPr id="12" name="ZoneTexte 11"/>
+          <p:cNvSpPr txBox="1"/>
+          <p:nvPr/>
+        </p:nvSpPr>
+        <p:spPr>
+          <a:xfrm>
+            <a:off x="6308244" y="3118581"/>
+            <a:ext cx="1646605" cy="369332"/>
+          </a:xfrm>
+          <a:prstGeom prst="rect">
+            <a:avLst/>
+          </a:prstGeom>
+          <a:noFill/>
+        </p:spPr>
+        <p:txBody>
+          <a:bodyPr wrap="none" rtlCol="0">
+            <a:spAutoFit/>
+          </a:bodyPr>
+          <a:lstStyle/>
+          <a:p>
+            <a:r>
+              <a:rPr lang="fr-FR" dirty="0" err="1" smtClean="0"/>
+              <a:t>MAC_receiver</a:t>
+            </a:r>
+            <a:endParaRPr lang="fr-FR" dirty="0"/>
+          </a:p>
+        </p:txBody>
+      </p:sp>
+      <p:sp>
+        <p:nvSpPr>
+          <p:cNvPr id="14" name="ZoneTexte 13"/>
+          <p:cNvSpPr txBox="1"/>
+          <p:nvPr/>
+        </p:nvSpPr>
+        <p:spPr>
+          <a:xfrm>
+            <a:off x="3486825" y="1761475"/>
+            <a:ext cx="1146468" cy="369332"/>
+          </a:xfrm>
+          <a:prstGeom prst="rect">
+            <a:avLst/>
+          </a:prstGeom>
+          <a:solidFill>
+            <a:schemeClr val="bg1">
+              <a:lumMod val="85000"/>
+            </a:schemeClr>
+          </a:solidFill>
+        </p:spPr>
+        <p:txBody>
+          <a:bodyPr wrap="none" rtlCol="0">
+            <a:spAutoFit/>
+          </a:bodyPr>
+          <a:lstStyle/>
+          <a:p>
+            <a:r>
+              <a:rPr lang="fr-FR" dirty="0" smtClean="0"/>
+              <a:t>Bad case</a:t>
+            </a:r>
+            <a:endParaRPr lang="fr-FR" dirty="0"/>
+          </a:p>
+        </p:txBody>
+      </p:sp>
+      <p:sp>
+        <p:nvSpPr>
+          <p:cNvPr id="10" name="Ellipse 9"/>
+          <p:cNvSpPr/>
+          <p:nvPr/>
+        </p:nvSpPr>
+        <p:spPr>
+          <a:xfrm>
+            <a:off x="2249879" y="2364982"/>
+            <a:ext cx="1257162" cy="576064"/>
+          </a:xfrm>
+          <a:prstGeom prst="ellipse">
+            <a:avLst/>
+          </a:prstGeom>
+          <a:solidFill>
+            <a:srgbClr val="9AD3E9"/>
+          </a:solidFill>
+          <a:ln>
+            <a:noFill/>
+          </a:ln>
+        </p:spPr>
+        <p:style>
+          <a:lnRef idx="2">
+            <a:schemeClr val="accent1">
+              <a:shade val="50000"/>
+            </a:schemeClr>
+          </a:lnRef>
+          <a:fillRef idx="1">
+            <a:schemeClr val="accent1"/>
+          </a:fillRef>
+          <a:effectRef idx="0">
+            <a:schemeClr val="accent1"/>
+          </a:effectRef>
+          <a:fontRef idx="minor">
+            <a:schemeClr val="lt1"/>
+          </a:fontRef>
+        </p:style>
+        <p:txBody>
+          <a:bodyPr rtlCol="0" anchor="ctr"/>
+          <a:lstStyle/>
+          <a:p>
+            <a:pPr algn="ctr"/>
+            <a:r>
+              <a:rPr lang="fr-FR" dirty="0" smtClean="0"/>
+              <a:t>Client</a:t>
+            </a:r>
+            <a:endParaRPr lang="fr-FR" dirty="0"/>
+          </a:p>
+        </p:txBody>
+      </p:sp>
+      <p:sp>
+        <p:nvSpPr>
+          <p:cNvPr id="34" name="Ellipse 33"/>
+          <p:cNvSpPr/>
+          <p:nvPr/>
+        </p:nvSpPr>
+        <p:spPr>
+          <a:xfrm>
+            <a:off x="4994393" y="2329014"/>
+            <a:ext cx="1257162" cy="576064"/>
+          </a:xfrm>
+          <a:prstGeom prst="ellipse">
+            <a:avLst/>
+          </a:prstGeom>
+          <a:solidFill>
+            <a:srgbClr val="9AD3E9"/>
+          </a:solidFill>
+          <a:ln>
+            <a:noFill/>
+          </a:ln>
+        </p:spPr>
+        <p:style>
+          <a:lnRef idx="2">
+            <a:schemeClr val="accent1">
+              <a:shade val="50000"/>
+            </a:schemeClr>
+          </a:lnRef>
+          <a:fillRef idx="1">
+            <a:schemeClr val="accent1"/>
+          </a:fillRef>
+          <a:effectRef idx="0">
+            <a:schemeClr val="accent1"/>
+          </a:effectRef>
+          <a:fontRef idx="minor">
+            <a:schemeClr val="lt1"/>
+          </a:fontRef>
+        </p:style>
+        <p:txBody>
+          <a:bodyPr rtlCol="0" anchor="ctr"/>
+          <a:lstStyle/>
+          <a:p>
+            <a:pPr algn="ctr"/>
+            <a:r>
+              <a:rPr lang="fr-FR" dirty="0" smtClean="0"/>
+              <a:t>Server</a:t>
+            </a:r>
+            <a:endParaRPr lang="fr-FR" dirty="0"/>
+          </a:p>
+        </p:txBody>
+      </p:sp>
+      <p:sp>
+        <p:nvSpPr>
+          <p:cNvPr id="15" name="Double flèche horizontale 14"/>
+          <p:cNvSpPr/>
+          <p:nvPr/>
+        </p:nvSpPr>
+        <p:spPr>
+          <a:xfrm>
+            <a:off x="3666138" y="2441618"/>
+            <a:ext cx="1147584" cy="422792"/>
+          </a:xfrm>
+          <a:prstGeom prst="leftRightArrow">
+            <a:avLst/>
+          </a:prstGeom>
+          <a:solidFill>
+            <a:srgbClr val="9AD3E9"/>
+          </a:solidFill>
+          <a:ln>
+            <a:noFill/>
+          </a:ln>
+        </p:spPr>
+        <p:style>
+          <a:lnRef idx="2">
+            <a:schemeClr val="accent1">
+              <a:shade val="50000"/>
+            </a:schemeClr>
+          </a:lnRef>
+          <a:fillRef idx="1">
+            <a:schemeClr val="accent1"/>
+          </a:fillRef>
+          <a:effectRef idx="0">
+            <a:schemeClr val="accent1"/>
+          </a:effectRef>
+          <a:fontRef idx="minor">
+            <a:schemeClr val="lt1"/>
+          </a:fontRef>
+        </p:style>
+        <p:txBody>
+          <a:bodyPr rtlCol="0" anchor="ctr"/>
+          <a:lstStyle/>
+          <a:p>
+            <a:pPr algn="ctr"/>
+            <a:endParaRPr lang="fr-FR"/>
+          </a:p>
+        </p:txBody>
+      </p:sp>
+      <p:sp>
+        <p:nvSpPr>
+          <p:cNvPr id="16" name="ZoneTexte 15"/>
+          <p:cNvSpPr txBox="1"/>
+          <p:nvPr/>
+        </p:nvSpPr>
+        <p:spPr>
+          <a:xfrm>
+            <a:off x="4015432" y="3023915"/>
+            <a:ext cx="2199641" cy="830997"/>
+          </a:xfrm>
+          <a:prstGeom prst="rect">
+            <a:avLst/>
+          </a:prstGeom>
+          <a:noFill/>
+        </p:spPr>
+        <p:txBody>
+          <a:bodyPr wrap="none" rtlCol="0">
+            <a:spAutoFit/>
+          </a:bodyPr>
+          <a:lstStyle/>
+          <a:p>
+            <a:r>
+              <a:rPr lang="fr-FR" sz="1200" dirty="0" err="1" smtClean="0"/>
+              <a:t>Receiving</a:t>
+            </a:r>
+            <a:r>
+              <a:rPr lang="fr-FR" sz="1200" dirty="0" smtClean="0"/>
+              <a:t> data </a:t>
+            </a:r>
+            <a:r>
+              <a:rPr lang="fr-FR" sz="1200" dirty="0" err="1" smtClean="0"/>
+              <a:t>from</a:t>
+            </a:r>
+            <a:r>
+              <a:rPr lang="fr-FR" sz="1200" dirty="0" smtClean="0"/>
+              <a:t> MAC_A</a:t>
+            </a:r>
+          </a:p>
+          <a:p>
+            <a:r>
+              <a:rPr lang="fr-FR" sz="1200" dirty="0" err="1" smtClean="0"/>
+              <a:t>After</a:t>
+            </a:r>
+            <a:r>
+              <a:rPr lang="fr-FR" sz="1200" dirty="0" smtClean="0"/>
+              <a:t> </a:t>
+            </a:r>
+            <a:r>
+              <a:rPr lang="fr-FR" sz="1200" dirty="0" err="1" smtClean="0"/>
+              <a:t>checking</a:t>
+            </a:r>
+            <a:r>
+              <a:rPr lang="fr-FR" sz="1200" dirty="0" smtClean="0"/>
+              <a:t> if the </a:t>
+            </a:r>
+            <a:r>
+              <a:rPr lang="fr-FR" sz="1200" dirty="0" err="1" smtClean="0"/>
+              <a:t>sender</a:t>
+            </a:r>
+            <a:r>
+              <a:rPr lang="fr-FR" sz="1200" dirty="0" smtClean="0"/>
+              <a:t> </a:t>
+            </a:r>
+            <a:r>
+              <a:rPr lang="fr-FR" sz="1200" dirty="0" err="1" smtClean="0"/>
+              <a:t>is</a:t>
+            </a:r>
+            <a:endParaRPr lang="fr-FR" sz="1200" dirty="0" smtClean="0"/>
+          </a:p>
+          <a:p>
+            <a:r>
+              <a:rPr lang="fr-FR" sz="1200" dirty="0" err="1" smtClean="0"/>
+              <a:t>MAC_a</a:t>
+            </a:r>
+            <a:endParaRPr lang="fr-FR" sz="1200" dirty="0" smtClean="0"/>
+          </a:p>
+          <a:p>
+            <a:endParaRPr lang="fr-FR" sz="1200" dirty="0" smtClean="0"/>
+          </a:p>
+        </p:txBody>
+      </p:sp>
+    </p:spTree>
+    <p:extLst>
+      <p:ext uri="{BB962C8B-B14F-4D97-AF65-F5344CB8AC3E}">
+        <p14:creationId xmlns:p14="http://schemas.microsoft.com/office/powerpoint/2010/main" val="1130335009"/>
+      </p:ext>
+    </p:extLst>
+  </p:cSld>
+  <p:clrMapOvr>
+    <a:masterClrMapping/>
+  </p:clrMapOvr>
+  <p:timing>
+    <p:tnLst>
+      <p:par>
+        <p:cTn id="1" dur="indefinite" restart="never" nodeType="tmRoot"/>
+      </p:par>
+    </p:tnLst>
+  </p:timing>
+</p:sld>
+</file>
+
+<file path=ppt/slides/slide28.xml><?xml version="1.0" encoding="utf-8"?>
 <p:sld xmlns:a="http://schemas.openxmlformats.org/drawingml/2006/main" xmlns:r="http://schemas.openxmlformats.org/officeDocument/2006/relationships" xmlns:p="http://schemas.openxmlformats.org/presentationml/2006/main">
   <p:cSld>
     <p:spTree>
@@ -24970,10 +30055,1747 @@
   <p:clrMapOvr>
     <a:masterClrMapping/>
   </p:clrMapOvr>
+  <p:timing>
+    <p:tnLst>
+      <p:par>
+        <p:cTn id="1" dur="indefinite" restart="never" nodeType="tmRoot"/>
+      </p:par>
+    </p:tnLst>
+  </p:timing>
 </p:sld>
 </file>
 
-<file path=ppt/slides/slide26.xml><?xml version="1.0" encoding="utf-8"?>
+<file path=ppt/slides/slide29.xml><?xml version="1.0" encoding="utf-8"?>
+<p:sld xmlns:a="http://schemas.openxmlformats.org/drawingml/2006/main" xmlns:r="http://schemas.openxmlformats.org/officeDocument/2006/relationships" xmlns:p="http://schemas.openxmlformats.org/presentationml/2006/main">
+  <p:cSld>
+    <p:spTree>
+      <p:nvGrpSpPr>
+        <p:cNvPr id="1" name=""/>
+        <p:cNvGrpSpPr/>
+        <p:nvPr/>
+      </p:nvGrpSpPr>
+      <p:grpSpPr>
+        <a:xfrm>
+          <a:off x="0" y="0"/>
+          <a:ext cx="0" cy="0"/>
+          <a:chOff x="0" y="0"/>
+          <a:chExt cx="0" cy="0"/>
+        </a:xfrm>
+      </p:grpSpPr>
+      <p:sp>
+        <p:nvSpPr>
+          <p:cNvPr id="4" name="Rectangle 3"/>
+          <p:cNvSpPr/>
+          <p:nvPr/>
+        </p:nvSpPr>
+        <p:spPr>
+          <a:xfrm>
+            <a:off x="1612453" y="1049521"/>
+            <a:ext cx="5904000" cy="72000"/>
+          </a:xfrm>
+          <a:prstGeom prst="rect">
+            <a:avLst/>
+          </a:prstGeom>
+          <a:solidFill>
+            <a:schemeClr val="accent2">
+              <a:lumMod val="60000"/>
+              <a:lumOff val="40000"/>
+            </a:schemeClr>
+          </a:solidFill>
+          <a:ln>
+            <a:noFill/>
+          </a:ln>
+        </p:spPr>
+        <p:style>
+          <a:lnRef idx="2">
+            <a:schemeClr val="accent1">
+              <a:shade val="50000"/>
+            </a:schemeClr>
+          </a:lnRef>
+          <a:fillRef idx="1">
+            <a:schemeClr val="accent1"/>
+          </a:fillRef>
+          <a:effectRef idx="0">
+            <a:schemeClr val="accent1"/>
+          </a:effectRef>
+          <a:fontRef idx="minor">
+            <a:schemeClr val="lt1"/>
+          </a:fontRef>
+        </p:style>
+        <p:txBody>
+          <a:bodyPr rot="0" spcFirstLastPara="0" vertOverflow="overflow" horzOverflow="overflow" vert="horz" wrap="square" lIns="91440" tIns="45720" rIns="91440" bIns="45720" numCol="1" spcCol="0" rtlCol="0" fromWordArt="0" anchor="ctr" anchorCtr="0" forceAA="0" compatLnSpc="1">
+            <a:prstTxWarp prst="textNoShape">
+              <a:avLst/>
+            </a:prstTxWarp>
+            <a:noAutofit/>
+          </a:bodyPr>
+          <a:lstStyle/>
+          <a:p>
+            <a:pPr algn="ctr"/>
+            <a:endParaRPr lang="ko-KR" altLang="en-US"/>
+          </a:p>
+        </p:txBody>
+      </p:sp>
+      <p:grpSp>
+        <p:nvGrpSpPr>
+          <p:cNvPr id="15" name="그룹 14">
+            <a:extLst>
+              <a:ext uri="{FF2B5EF4-FFF2-40B4-BE49-F238E27FC236}">
+                <a16:creationId xmlns:a16="http://schemas.microsoft.com/office/drawing/2014/main" id="{E00A1191-BA40-4CC7-988D-39FD2FC26884}"/>
+              </a:ext>
+            </a:extLst>
+          </p:cNvPr>
+          <p:cNvGrpSpPr/>
+          <p:nvPr/>
+        </p:nvGrpSpPr>
+        <p:grpSpPr>
+          <a:xfrm>
+            <a:off x="1403648" y="51470"/>
+            <a:ext cx="6552728" cy="914400"/>
+            <a:chOff x="2264738" y="1982609"/>
+            <a:chExt cx="6552728" cy="914400"/>
+          </a:xfrm>
+        </p:grpSpPr>
+        <p:grpSp>
+          <p:nvGrpSpPr>
+            <p:cNvPr id="16" name="Group 11">
+              <a:extLst>
+                <a:ext uri="{FF2B5EF4-FFF2-40B4-BE49-F238E27FC236}">
+                  <a16:creationId xmlns:a16="http://schemas.microsoft.com/office/drawing/2014/main" id="{4A6AF869-FC64-4E16-94EF-A4711365B526}"/>
+                </a:ext>
+              </a:extLst>
+            </p:cNvPr>
+            <p:cNvGrpSpPr/>
+            <p:nvPr/>
+          </p:nvGrpSpPr>
+          <p:grpSpPr>
+            <a:xfrm>
+              <a:off x="2264738" y="1982609"/>
+              <a:ext cx="6552728" cy="914400"/>
+              <a:chOff x="1151472" y="3187501"/>
+              <a:chExt cx="6552728" cy="914400"/>
+            </a:xfrm>
+          </p:grpSpPr>
+          <p:sp>
+            <p:nvSpPr>
+              <p:cNvPr id="21" name="Pentagon 12">
+                <a:extLst>
+                  <a:ext uri="{FF2B5EF4-FFF2-40B4-BE49-F238E27FC236}">
+                    <a16:creationId xmlns:a16="http://schemas.microsoft.com/office/drawing/2014/main" id="{D9427616-4131-4301-848E-38DA2801B0C3}"/>
+                  </a:ext>
+                </a:extLst>
+              </p:cNvPr>
+              <p:cNvSpPr/>
+              <p:nvPr/>
+            </p:nvSpPr>
+            <p:spPr>
+              <a:xfrm>
+                <a:off x="1633824" y="3347030"/>
+                <a:ext cx="6070376" cy="720000"/>
+              </a:xfrm>
+              <a:prstGeom prst="homePlate">
+                <a:avLst/>
+              </a:prstGeom>
+              <a:solidFill>
+                <a:schemeClr val="accent2"/>
+              </a:solidFill>
+              <a:ln>
+                <a:noFill/>
+              </a:ln>
+            </p:spPr>
+            <p:style>
+              <a:lnRef idx="2">
+                <a:schemeClr val="accent1">
+                  <a:shade val="50000"/>
+                </a:schemeClr>
+              </a:lnRef>
+              <a:fillRef idx="1">
+                <a:schemeClr val="accent1"/>
+              </a:fillRef>
+              <a:effectRef idx="0">
+                <a:schemeClr val="accent1"/>
+              </a:effectRef>
+              <a:fontRef idx="minor">
+                <a:schemeClr val="lt1"/>
+              </a:fontRef>
+            </p:style>
+            <p:txBody>
+              <a:bodyPr rot="0" spcFirstLastPara="0" vertOverflow="overflow" horzOverflow="overflow" vert="horz" wrap="square" lIns="91440" tIns="45720" rIns="91440" bIns="45720" numCol="1" spcCol="0" rtlCol="0" fromWordArt="0" anchor="ctr" anchorCtr="0" forceAA="0" compatLnSpc="1">
+                <a:prstTxWarp prst="textNoShape">
+                  <a:avLst/>
+                </a:prstTxWarp>
+                <a:noAutofit/>
+              </a:bodyPr>
+              <a:lstStyle/>
+              <a:p>
+                <a:pPr algn="ctr"/>
+                <a:endParaRPr lang="ko-KR" altLang="en-US"/>
+              </a:p>
+            </p:txBody>
+          </p:sp>
+          <p:sp>
+            <p:nvSpPr>
+              <p:cNvPr id="31" name="Pentagon 13">
+                <a:extLst>
+                  <a:ext uri="{FF2B5EF4-FFF2-40B4-BE49-F238E27FC236}">
+                    <a16:creationId xmlns:a16="http://schemas.microsoft.com/office/drawing/2014/main" id="{3405F5E3-A2DB-4323-9EED-860BDA2984F4}"/>
+                  </a:ext>
+                </a:extLst>
+              </p:cNvPr>
+              <p:cNvSpPr/>
+              <p:nvPr/>
+            </p:nvSpPr>
+            <p:spPr>
+              <a:xfrm>
+                <a:off x="1633824" y="3284701"/>
+                <a:ext cx="5914970" cy="720000"/>
+              </a:xfrm>
+              <a:prstGeom prst="homePlate">
+                <a:avLst/>
+              </a:prstGeom>
+              <a:solidFill>
+                <a:schemeClr val="bg1"/>
+              </a:solidFill>
+              <a:ln w="38100">
+                <a:solidFill>
+                  <a:schemeClr val="accent2"/>
+                </a:solidFill>
+              </a:ln>
+            </p:spPr>
+            <p:style>
+              <a:lnRef idx="2">
+                <a:schemeClr val="accent1">
+                  <a:shade val="50000"/>
+                </a:schemeClr>
+              </a:lnRef>
+              <a:fillRef idx="1">
+                <a:schemeClr val="accent1"/>
+              </a:fillRef>
+              <a:effectRef idx="0">
+                <a:schemeClr val="accent1"/>
+              </a:effectRef>
+              <a:fontRef idx="minor">
+                <a:schemeClr val="lt1"/>
+              </a:fontRef>
+            </p:style>
+            <p:txBody>
+              <a:bodyPr rot="0" spcFirstLastPara="0" vertOverflow="overflow" horzOverflow="overflow" vert="horz" wrap="square" lIns="91440" tIns="45720" rIns="91440" bIns="45720" numCol="1" spcCol="0" rtlCol="0" fromWordArt="0" anchor="ctr" anchorCtr="0" forceAA="0" compatLnSpc="1">
+                <a:prstTxWarp prst="textNoShape">
+                  <a:avLst/>
+                </a:prstTxWarp>
+                <a:noAutofit/>
+              </a:bodyPr>
+              <a:lstStyle/>
+              <a:p>
+                <a:pPr algn="ctr"/>
+                <a:endParaRPr lang="ko-KR" altLang="en-US"/>
+              </a:p>
+            </p:txBody>
+          </p:sp>
+          <p:sp>
+            <p:nvSpPr>
+              <p:cNvPr id="32" name="Diamond 14">
+                <a:extLst>
+                  <a:ext uri="{FF2B5EF4-FFF2-40B4-BE49-F238E27FC236}">
+                    <a16:creationId xmlns:a16="http://schemas.microsoft.com/office/drawing/2014/main" id="{632DB3B4-07D2-41FB-918D-FFF11E04200F}"/>
+                  </a:ext>
+                </a:extLst>
+              </p:cNvPr>
+              <p:cNvSpPr/>
+              <p:nvPr/>
+            </p:nvSpPr>
+            <p:spPr>
+              <a:xfrm>
+                <a:off x="1151472" y="3187501"/>
+                <a:ext cx="914400" cy="914400"/>
+              </a:xfrm>
+              <a:prstGeom prst="diamond">
+                <a:avLst/>
+              </a:prstGeom>
+              <a:solidFill>
+                <a:schemeClr val="accent2"/>
+              </a:solidFill>
+              <a:ln>
+                <a:noFill/>
+              </a:ln>
+            </p:spPr>
+            <p:style>
+              <a:lnRef idx="2">
+                <a:schemeClr val="accent1">
+                  <a:shade val="50000"/>
+                </a:schemeClr>
+              </a:lnRef>
+              <a:fillRef idx="1">
+                <a:schemeClr val="accent1"/>
+              </a:fillRef>
+              <a:effectRef idx="0">
+                <a:schemeClr val="accent1"/>
+              </a:effectRef>
+              <a:fontRef idx="minor">
+                <a:schemeClr val="lt1"/>
+              </a:fontRef>
+            </p:style>
+            <p:txBody>
+              <a:bodyPr rot="0" spcFirstLastPara="0" vertOverflow="overflow" horzOverflow="overflow" vert="horz" wrap="square" lIns="91440" tIns="45720" rIns="91440" bIns="45720" numCol="1" spcCol="0" rtlCol="0" fromWordArt="0" anchor="ctr" anchorCtr="0" forceAA="0" compatLnSpc="1">
+                <a:prstTxWarp prst="textNoShape">
+                  <a:avLst/>
+                </a:prstTxWarp>
+                <a:noAutofit/>
+              </a:bodyPr>
+              <a:lstStyle/>
+              <a:p>
+                <a:pPr algn="ctr"/>
+                <a:endParaRPr lang="ko-KR" altLang="en-US"/>
+              </a:p>
+            </p:txBody>
+          </p:sp>
+        </p:grpSp>
+        <p:sp>
+          <p:nvSpPr>
+            <p:cNvPr id="17" name="직사각형 39">
+              <a:extLst>
+                <a:ext uri="{FF2B5EF4-FFF2-40B4-BE49-F238E27FC236}">
+                  <a16:creationId xmlns:a16="http://schemas.microsoft.com/office/drawing/2014/main" id="{56324AB4-79F6-4D14-92F9-EFED02E85404}"/>
+                </a:ext>
+              </a:extLst>
+            </p:cNvPr>
+            <p:cNvSpPr/>
+            <p:nvPr/>
+          </p:nvSpPr>
+          <p:spPr>
+            <a:xfrm>
+              <a:off x="2509438" y="2187449"/>
+              <a:ext cx="403184" cy="523220"/>
+            </a:xfrm>
+            <a:prstGeom prst="rect">
+              <a:avLst/>
+            </a:prstGeom>
+          </p:spPr>
+          <p:txBody>
+            <a:bodyPr wrap="square" anchor="ctr">
+              <a:spAutoFit/>
+            </a:bodyPr>
+            <a:lstStyle>
+              <a:defPPr>
+                <a:defRPr lang="ko-KR"/>
+              </a:defPPr>
+              <a:lvl1pPr marL="0" algn="l" defTabSz="914400" rtl="0" eaLnBrk="1" latinLnBrk="1" hangingPunct="1">
+                <a:defRPr sz="1800" kern="1200">
+                  <a:solidFill>
+                    <a:schemeClr val="tx1"/>
+                  </a:solidFill>
+                  <a:latin typeface="+mn-lt"/>
+                  <a:ea typeface="+mn-ea"/>
+                  <a:cs typeface="+mn-cs"/>
+                </a:defRPr>
+              </a:lvl1pPr>
+              <a:lvl2pPr marL="457200" algn="l" defTabSz="914400" rtl="0" eaLnBrk="1" latinLnBrk="1" hangingPunct="1">
+                <a:defRPr sz="1800" kern="1200">
+                  <a:solidFill>
+                    <a:schemeClr val="tx1"/>
+                  </a:solidFill>
+                  <a:latin typeface="+mn-lt"/>
+                  <a:ea typeface="+mn-ea"/>
+                  <a:cs typeface="+mn-cs"/>
+                </a:defRPr>
+              </a:lvl2pPr>
+              <a:lvl3pPr marL="914400" algn="l" defTabSz="914400" rtl="0" eaLnBrk="1" latinLnBrk="1" hangingPunct="1">
+                <a:defRPr sz="1800" kern="1200">
+                  <a:solidFill>
+                    <a:schemeClr val="tx1"/>
+                  </a:solidFill>
+                  <a:latin typeface="+mn-lt"/>
+                  <a:ea typeface="+mn-ea"/>
+                  <a:cs typeface="+mn-cs"/>
+                </a:defRPr>
+              </a:lvl3pPr>
+              <a:lvl4pPr marL="1371600" algn="l" defTabSz="914400" rtl="0" eaLnBrk="1" latinLnBrk="1" hangingPunct="1">
+                <a:defRPr sz="1800" kern="1200">
+                  <a:solidFill>
+                    <a:schemeClr val="tx1"/>
+                  </a:solidFill>
+                  <a:latin typeface="+mn-lt"/>
+                  <a:ea typeface="+mn-ea"/>
+                  <a:cs typeface="+mn-cs"/>
+                </a:defRPr>
+              </a:lvl4pPr>
+              <a:lvl5pPr marL="1828800" algn="l" defTabSz="914400" rtl="0" eaLnBrk="1" latinLnBrk="1" hangingPunct="1">
+                <a:defRPr sz="1800" kern="1200">
+                  <a:solidFill>
+                    <a:schemeClr val="tx1"/>
+                  </a:solidFill>
+                  <a:latin typeface="+mn-lt"/>
+                  <a:ea typeface="+mn-ea"/>
+                  <a:cs typeface="+mn-cs"/>
+                </a:defRPr>
+              </a:lvl5pPr>
+              <a:lvl6pPr marL="2286000" algn="l" defTabSz="914400" rtl="0" eaLnBrk="1" latinLnBrk="1" hangingPunct="1">
+                <a:defRPr sz="1800" kern="1200">
+                  <a:solidFill>
+                    <a:schemeClr val="tx1"/>
+                  </a:solidFill>
+                  <a:latin typeface="+mn-lt"/>
+                  <a:ea typeface="+mn-ea"/>
+                  <a:cs typeface="+mn-cs"/>
+                </a:defRPr>
+              </a:lvl6pPr>
+              <a:lvl7pPr marL="2743200" algn="l" defTabSz="914400" rtl="0" eaLnBrk="1" latinLnBrk="1" hangingPunct="1">
+                <a:defRPr sz="1800" kern="1200">
+                  <a:solidFill>
+                    <a:schemeClr val="tx1"/>
+                  </a:solidFill>
+                  <a:latin typeface="+mn-lt"/>
+                  <a:ea typeface="+mn-ea"/>
+                  <a:cs typeface="+mn-cs"/>
+                </a:defRPr>
+              </a:lvl7pPr>
+              <a:lvl8pPr marL="3200400" algn="l" defTabSz="914400" rtl="0" eaLnBrk="1" latinLnBrk="1" hangingPunct="1">
+                <a:defRPr sz="1800" kern="1200">
+                  <a:solidFill>
+                    <a:schemeClr val="tx1"/>
+                  </a:solidFill>
+                  <a:latin typeface="+mn-lt"/>
+                  <a:ea typeface="+mn-ea"/>
+                  <a:cs typeface="+mn-cs"/>
+                </a:defRPr>
+              </a:lvl8pPr>
+              <a:lvl9pPr marL="3657600" algn="l" defTabSz="914400" rtl="0" eaLnBrk="1" latinLnBrk="1" hangingPunct="1">
+                <a:defRPr sz="1800" kern="1200">
+                  <a:solidFill>
+                    <a:schemeClr val="tx1"/>
+                  </a:solidFill>
+                  <a:latin typeface="+mn-lt"/>
+                  <a:ea typeface="+mn-ea"/>
+                  <a:cs typeface="+mn-cs"/>
+                </a:defRPr>
+              </a:lvl9pPr>
+            </a:lstStyle>
+            <a:p>
+              <a:pPr algn="ctr">
+                <a:defRPr/>
+              </a:pPr>
+              <a:r>
+                <a:rPr lang="en-US" altLang="ko-KR" sz="2800" b="1" dirty="0">
+                  <a:solidFill>
+                    <a:schemeClr val="bg1"/>
+                  </a:solidFill>
+                  <a:cs typeface="Arial" pitchFamily="34" charset="0"/>
+                </a:rPr>
+                <a:t>2 </a:t>
+              </a:r>
+              <a:endParaRPr lang="ko-KR" altLang="en-US" sz="2800" dirty="0">
+                <a:solidFill>
+                  <a:schemeClr val="bg1"/>
+                </a:solidFill>
+              </a:endParaRPr>
+            </a:p>
+          </p:txBody>
+        </p:sp>
+        <p:grpSp>
+          <p:nvGrpSpPr>
+            <p:cNvPr id="18" name="Group 24">
+              <a:extLst>
+                <a:ext uri="{FF2B5EF4-FFF2-40B4-BE49-F238E27FC236}">
+                  <a16:creationId xmlns:a16="http://schemas.microsoft.com/office/drawing/2014/main" id="{E6E534C5-FE12-4396-AF06-1A16DB604483}"/>
+                </a:ext>
+              </a:extLst>
+            </p:cNvPr>
+            <p:cNvGrpSpPr/>
+            <p:nvPr/>
+          </p:nvGrpSpPr>
+          <p:grpSpPr>
+            <a:xfrm>
+              <a:off x="3382961" y="2164145"/>
+              <a:ext cx="4752529" cy="546274"/>
+              <a:chOff x="2299400" y="1781114"/>
+              <a:chExt cx="4576857" cy="546274"/>
+            </a:xfrm>
+          </p:grpSpPr>
+          <p:sp>
+            <p:nvSpPr>
+              <p:cNvPr id="19" name="TextBox 10">
+                <a:extLst>
+                  <a:ext uri="{FF2B5EF4-FFF2-40B4-BE49-F238E27FC236}">
+                    <a16:creationId xmlns:a16="http://schemas.microsoft.com/office/drawing/2014/main" id="{A249F397-548F-4F0C-800F-487323A699CF}"/>
+                  </a:ext>
+                </a:extLst>
+              </p:cNvPr>
+              <p:cNvSpPr txBox="1"/>
+              <p:nvPr/>
+            </p:nvSpPr>
+            <p:spPr bwMode="auto">
+              <a:xfrm>
+                <a:off x="2299401" y="1781114"/>
+                <a:ext cx="4576856" cy="276999"/>
+              </a:xfrm>
+              <a:prstGeom prst="rect">
+                <a:avLst/>
+              </a:prstGeom>
+              <a:noFill/>
+              <a:effectLst/>
+            </p:spPr>
+            <p:txBody>
+              <a:bodyPr wrap="square">
+                <a:spAutoFit/>
+              </a:bodyPr>
+              <a:lstStyle>
+                <a:defPPr>
+                  <a:defRPr lang="ko-KR"/>
+                </a:defPPr>
+                <a:lvl1pPr marL="0" algn="l" defTabSz="914400" rtl="0" eaLnBrk="1" latinLnBrk="1" hangingPunct="1">
+                  <a:defRPr sz="1800" kern="1200">
+                    <a:solidFill>
+                      <a:schemeClr val="tx1"/>
+                    </a:solidFill>
+                    <a:latin typeface="+mn-lt"/>
+                    <a:ea typeface="+mn-ea"/>
+                    <a:cs typeface="+mn-cs"/>
+                  </a:defRPr>
+                </a:lvl1pPr>
+                <a:lvl2pPr marL="457200" algn="l" defTabSz="914400" rtl="0" eaLnBrk="1" latinLnBrk="1" hangingPunct="1">
+                  <a:defRPr sz="1800" kern="1200">
+                    <a:solidFill>
+                      <a:schemeClr val="tx1"/>
+                    </a:solidFill>
+                    <a:latin typeface="+mn-lt"/>
+                    <a:ea typeface="+mn-ea"/>
+                    <a:cs typeface="+mn-cs"/>
+                  </a:defRPr>
+                </a:lvl2pPr>
+                <a:lvl3pPr marL="914400" algn="l" defTabSz="914400" rtl="0" eaLnBrk="1" latinLnBrk="1" hangingPunct="1">
+                  <a:defRPr sz="1800" kern="1200">
+                    <a:solidFill>
+                      <a:schemeClr val="tx1"/>
+                    </a:solidFill>
+                    <a:latin typeface="+mn-lt"/>
+                    <a:ea typeface="+mn-ea"/>
+                    <a:cs typeface="+mn-cs"/>
+                  </a:defRPr>
+                </a:lvl3pPr>
+                <a:lvl4pPr marL="1371600" algn="l" defTabSz="914400" rtl="0" eaLnBrk="1" latinLnBrk="1" hangingPunct="1">
+                  <a:defRPr sz="1800" kern="1200">
+                    <a:solidFill>
+                      <a:schemeClr val="tx1"/>
+                    </a:solidFill>
+                    <a:latin typeface="+mn-lt"/>
+                    <a:ea typeface="+mn-ea"/>
+                    <a:cs typeface="+mn-cs"/>
+                  </a:defRPr>
+                </a:lvl4pPr>
+                <a:lvl5pPr marL="1828800" algn="l" defTabSz="914400" rtl="0" eaLnBrk="1" latinLnBrk="1" hangingPunct="1">
+                  <a:defRPr sz="1800" kern="1200">
+                    <a:solidFill>
+                      <a:schemeClr val="tx1"/>
+                    </a:solidFill>
+                    <a:latin typeface="+mn-lt"/>
+                    <a:ea typeface="+mn-ea"/>
+                    <a:cs typeface="+mn-cs"/>
+                  </a:defRPr>
+                </a:lvl5pPr>
+                <a:lvl6pPr marL="2286000" algn="l" defTabSz="914400" rtl="0" eaLnBrk="1" latinLnBrk="1" hangingPunct="1">
+                  <a:defRPr sz="1800" kern="1200">
+                    <a:solidFill>
+                      <a:schemeClr val="tx1"/>
+                    </a:solidFill>
+                    <a:latin typeface="+mn-lt"/>
+                    <a:ea typeface="+mn-ea"/>
+                    <a:cs typeface="+mn-cs"/>
+                  </a:defRPr>
+                </a:lvl6pPr>
+                <a:lvl7pPr marL="2743200" algn="l" defTabSz="914400" rtl="0" eaLnBrk="1" latinLnBrk="1" hangingPunct="1">
+                  <a:defRPr sz="1800" kern="1200">
+                    <a:solidFill>
+                      <a:schemeClr val="tx1"/>
+                    </a:solidFill>
+                    <a:latin typeface="+mn-lt"/>
+                    <a:ea typeface="+mn-ea"/>
+                    <a:cs typeface="+mn-cs"/>
+                  </a:defRPr>
+                </a:lvl7pPr>
+                <a:lvl8pPr marL="3200400" algn="l" defTabSz="914400" rtl="0" eaLnBrk="1" latinLnBrk="1" hangingPunct="1">
+                  <a:defRPr sz="1800" kern="1200">
+                    <a:solidFill>
+                      <a:schemeClr val="tx1"/>
+                    </a:solidFill>
+                    <a:latin typeface="+mn-lt"/>
+                    <a:ea typeface="+mn-ea"/>
+                    <a:cs typeface="+mn-cs"/>
+                  </a:defRPr>
+                </a:lvl8pPr>
+                <a:lvl9pPr marL="3657600" algn="l" defTabSz="914400" rtl="0" eaLnBrk="1" latinLnBrk="1" hangingPunct="1">
+                  <a:defRPr sz="1800" kern="1200">
+                    <a:solidFill>
+                      <a:schemeClr val="tx1"/>
+                    </a:solidFill>
+                    <a:latin typeface="+mn-lt"/>
+                    <a:ea typeface="+mn-ea"/>
+                    <a:cs typeface="+mn-cs"/>
+                  </a:defRPr>
+                </a:lvl9pPr>
+              </a:lstStyle>
+              <a:p>
+                <a:pPr>
+                  <a:defRPr/>
+                </a:pPr>
+                <a:r>
+                  <a:rPr lang="en-US" altLang="ko-KR" sz="1200" b="1" dirty="0">
+                    <a:solidFill>
+                      <a:schemeClr val="tx1">
+                        <a:lumMod val="75000"/>
+                        <a:lumOff val="25000"/>
+                      </a:schemeClr>
+                    </a:solidFill>
+                    <a:cs typeface="Arial" pitchFamily="34" charset="0"/>
+                  </a:rPr>
+                  <a:t>7</a:t>
+                </a:r>
+                <a:r>
+                  <a:rPr lang="en-US" altLang="ko-KR" sz="1200" b="1" baseline="30000" dirty="0">
+                    <a:solidFill>
+                      <a:schemeClr val="tx1">
+                        <a:lumMod val="75000"/>
+                        <a:lumOff val="25000"/>
+                      </a:schemeClr>
+                    </a:solidFill>
+                    <a:cs typeface="Arial" pitchFamily="34" charset="0"/>
+                  </a:rPr>
+                  <a:t>th</a:t>
+                </a:r>
+                <a:r>
+                  <a:rPr lang="en-US" altLang="ko-KR" sz="1200" b="1" dirty="0">
+                    <a:solidFill>
+                      <a:schemeClr val="tx1">
+                        <a:lumMod val="75000"/>
+                        <a:lumOff val="25000"/>
+                      </a:schemeClr>
+                    </a:solidFill>
+                    <a:cs typeface="Arial" pitchFamily="34" charset="0"/>
+                  </a:rPr>
+                  <a:t> week</a:t>
+                </a:r>
+              </a:p>
+            </p:txBody>
+          </p:sp>
+          <p:sp>
+            <p:nvSpPr>
+              <p:cNvPr id="20" name="TextBox 12">
+                <a:extLst>
+                  <a:ext uri="{FF2B5EF4-FFF2-40B4-BE49-F238E27FC236}">
+                    <a16:creationId xmlns:a16="http://schemas.microsoft.com/office/drawing/2014/main" id="{AEF7970A-9F80-4493-81C2-A404CD7F28D9}"/>
+                  </a:ext>
+                </a:extLst>
+              </p:cNvPr>
+              <p:cNvSpPr txBox="1"/>
+              <p:nvPr/>
+            </p:nvSpPr>
+            <p:spPr bwMode="auto">
+              <a:xfrm>
+                <a:off x="2299400" y="2050389"/>
+                <a:ext cx="4576856" cy="276999"/>
+              </a:xfrm>
+              <a:prstGeom prst="rect">
+                <a:avLst/>
+              </a:prstGeom>
+              <a:noFill/>
+              <a:effectLst/>
+            </p:spPr>
+            <p:txBody>
+              <a:bodyPr wrap="square">
+                <a:spAutoFit/>
+              </a:bodyPr>
+              <a:lstStyle>
+                <a:defPPr>
+                  <a:defRPr lang="ko-KR"/>
+                </a:defPPr>
+                <a:lvl1pPr marL="0" algn="l" defTabSz="914400" rtl="0" eaLnBrk="1" latinLnBrk="1" hangingPunct="1">
+                  <a:defRPr sz="1800" kern="1200">
+                    <a:solidFill>
+                      <a:schemeClr val="tx1"/>
+                    </a:solidFill>
+                    <a:latin typeface="+mn-lt"/>
+                    <a:ea typeface="+mn-ea"/>
+                    <a:cs typeface="+mn-cs"/>
+                  </a:defRPr>
+                </a:lvl1pPr>
+                <a:lvl2pPr marL="457200" algn="l" defTabSz="914400" rtl="0" eaLnBrk="1" latinLnBrk="1" hangingPunct="1">
+                  <a:defRPr sz="1800" kern="1200">
+                    <a:solidFill>
+                      <a:schemeClr val="tx1"/>
+                    </a:solidFill>
+                    <a:latin typeface="+mn-lt"/>
+                    <a:ea typeface="+mn-ea"/>
+                    <a:cs typeface="+mn-cs"/>
+                  </a:defRPr>
+                </a:lvl2pPr>
+                <a:lvl3pPr marL="914400" algn="l" defTabSz="914400" rtl="0" eaLnBrk="1" latinLnBrk="1" hangingPunct="1">
+                  <a:defRPr sz="1800" kern="1200">
+                    <a:solidFill>
+                      <a:schemeClr val="tx1"/>
+                    </a:solidFill>
+                    <a:latin typeface="+mn-lt"/>
+                    <a:ea typeface="+mn-ea"/>
+                    <a:cs typeface="+mn-cs"/>
+                  </a:defRPr>
+                </a:lvl3pPr>
+                <a:lvl4pPr marL="1371600" algn="l" defTabSz="914400" rtl="0" eaLnBrk="1" latinLnBrk="1" hangingPunct="1">
+                  <a:defRPr sz="1800" kern="1200">
+                    <a:solidFill>
+                      <a:schemeClr val="tx1"/>
+                    </a:solidFill>
+                    <a:latin typeface="+mn-lt"/>
+                    <a:ea typeface="+mn-ea"/>
+                    <a:cs typeface="+mn-cs"/>
+                  </a:defRPr>
+                </a:lvl4pPr>
+                <a:lvl5pPr marL="1828800" algn="l" defTabSz="914400" rtl="0" eaLnBrk="1" latinLnBrk="1" hangingPunct="1">
+                  <a:defRPr sz="1800" kern="1200">
+                    <a:solidFill>
+                      <a:schemeClr val="tx1"/>
+                    </a:solidFill>
+                    <a:latin typeface="+mn-lt"/>
+                    <a:ea typeface="+mn-ea"/>
+                    <a:cs typeface="+mn-cs"/>
+                  </a:defRPr>
+                </a:lvl5pPr>
+                <a:lvl6pPr marL="2286000" algn="l" defTabSz="914400" rtl="0" eaLnBrk="1" latinLnBrk="1" hangingPunct="1">
+                  <a:defRPr sz="1800" kern="1200">
+                    <a:solidFill>
+                      <a:schemeClr val="tx1"/>
+                    </a:solidFill>
+                    <a:latin typeface="+mn-lt"/>
+                    <a:ea typeface="+mn-ea"/>
+                    <a:cs typeface="+mn-cs"/>
+                  </a:defRPr>
+                </a:lvl6pPr>
+                <a:lvl7pPr marL="2743200" algn="l" defTabSz="914400" rtl="0" eaLnBrk="1" latinLnBrk="1" hangingPunct="1">
+                  <a:defRPr sz="1800" kern="1200">
+                    <a:solidFill>
+                      <a:schemeClr val="tx1"/>
+                    </a:solidFill>
+                    <a:latin typeface="+mn-lt"/>
+                    <a:ea typeface="+mn-ea"/>
+                    <a:cs typeface="+mn-cs"/>
+                  </a:defRPr>
+                </a:lvl7pPr>
+                <a:lvl8pPr marL="3200400" algn="l" defTabSz="914400" rtl="0" eaLnBrk="1" latinLnBrk="1" hangingPunct="1">
+                  <a:defRPr sz="1800" kern="1200">
+                    <a:solidFill>
+                      <a:schemeClr val="tx1"/>
+                    </a:solidFill>
+                    <a:latin typeface="+mn-lt"/>
+                    <a:ea typeface="+mn-ea"/>
+                    <a:cs typeface="+mn-cs"/>
+                  </a:defRPr>
+                </a:lvl8pPr>
+                <a:lvl9pPr marL="3657600" algn="l" defTabSz="914400" rtl="0" eaLnBrk="1" latinLnBrk="1" hangingPunct="1">
+                  <a:defRPr sz="1800" kern="1200">
+                    <a:solidFill>
+                      <a:schemeClr val="tx1"/>
+                    </a:solidFill>
+                    <a:latin typeface="+mn-lt"/>
+                    <a:ea typeface="+mn-ea"/>
+                    <a:cs typeface="+mn-cs"/>
+                  </a:defRPr>
+                </a:lvl9pPr>
+              </a:lstStyle>
+              <a:p>
+                <a:pPr>
+                  <a:defRPr/>
+                </a:pPr>
+                <a:r>
+                  <a:rPr lang="en-US" altLang="ko-KR" sz="1200" dirty="0">
+                    <a:solidFill>
+                      <a:schemeClr val="tx1">
+                        <a:lumMod val="75000"/>
+                        <a:lumOff val="25000"/>
+                      </a:schemeClr>
+                    </a:solidFill>
+                    <a:cs typeface="Arial" pitchFamily="34" charset="0"/>
+                  </a:rPr>
+                  <a:t>Testing on two boards and analyzing results</a:t>
+                </a:r>
+                <a:endParaRPr lang="ko-KR" altLang="en-US" sz="1200" dirty="0">
+                  <a:solidFill>
+                    <a:schemeClr val="tx1">
+                      <a:lumMod val="75000"/>
+                      <a:lumOff val="25000"/>
+                    </a:schemeClr>
+                  </a:solidFill>
+                  <a:cs typeface="Arial" pitchFamily="34" charset="0"/>
+                </a:endParaRPr>
+              </a:p>
+            </p:txBody>
+          </p:sp>
+        </p:grpSp>
+      </p:grpSp>
+      <p:sp>
+        <p:nvSpPr>
+          <p:cNvPr id="34" name="Rectangle 7">
+            <a:extLst>
+              <a:ext uri="{FF2B5EF4-FFF2-40B4-BE49-F238E27FC236}">
+                <a16:creationId xmlns:a16="http://schemas.microsoft.com/office/drawing/2014/main" id="{26269EE2-C4A6-471E-9B43-69933D07A557}"/>
+              </a:ext>
+            </a:extLst>
+          </p:cNvPr>
+          <p:cNvSpPr/>
+          <p:nvPr/>
+        </p:nvSpPr>
+        <p:spPr>
+          <a:xfrm rot="18900000">
+            <a:off x="6471014" y="417097"/>
+            <a:ext cx="154109" cy="343323"/>
+          </a:xfrm>
+          <a:custGeom>
+            <a:avLst/>
+            <a:gdLst/>
+            <a:ahLst/>
+            <a:cxnLst/>
+            <a:rect l="l" t="t" r="r" b="b"/>
+            <a:pathLst>
+              <a:path w="154109" h="343323">
+                <a:moveTo>
+                  <a:pt x="102909" y="313772"/>
+                </a:moveTo>
+                <a:lnTo>
+                  <a:pt x="102909" y="328547"/>
+                </a:lnTo>
+                <a:cubicBezTo>
+                  <a:pt x="102909" y="336708"/>
+                  <a:pt x="96294" y="343322"/>
+                  <a:pt x="88133" y="343323"/>
+                </a:cubicBezTo>
+                <a:lnTo>
+                  <a:pt x="65975" y="343322"/>
+                </a:lnTo>
+                <a:cubicBezTo>
+                  <a:pt x="57814" y="343322"/>
+                  <a:pt x="51199" y="336708"/>
+                  <a:pt x="51199" y="328547"/>
+                </a:cubicBezTo>
+                <a:cubicBezTo>
+                  <a:pt x="51199" y="323622"/>
+                  <a:pt x="51200" y="318696"/>
+                  <a:pt x="51200" y="313771"/>
+                </a:cubicBezTo>
+                <a:close/>
+                <a:moveTo>
+                  <a:pt x="123327" y="15459"/>
+                </a:moveTo>
+                <a:cubicBezTo>
+                  <a:pt x="141678" y="29245"/>
+                  <a:pt x="152926" y="50497"/>
+                  <a:pt x="154008" y="73425"/>
+                </a:cubicBezTo>
+                <a:cubicBezTo>
+                  <a:pt x="155089" y="96353"/>
+                  <a:pt x="145890" y="118568"/>
+                  <a:pt x="128916" y="134021"/>
+                </a:cubicBezTo>
+                <a:lnTo>
+                  <a:pt x="119294" y="123450"/>
+                </a:lnTo>
+                <a:cubicBezTo>
+                  <a:pt x="133118" y="110865"/>
+                  <a:pt x="140611" y="92772"/>
+                  <a:pt x="139730" y="74098"/>
+                </a:cubicBezTo>
+                <a:cubicBezTo>
+                  <a:pt x="138850" y="55424"/>
+                  <a:pt x="129689" y="38115"/>
+                  <a:pt x="114743" y="26887"/>
+                </a:cubicBezTo>
+                <a:close/>
+                <a:moveTo>
+                  <a:pt x="136698" y="17411"/>
+                </a:moveTo>
+                <a:cubicBezTo>
+                  <a:pt x="103758" y="-15529"/>
+                  <a:pt x="50351" y="-15529"/>
+                  <a:pt x="17412" y="17411"/>
+                </a:cubicBezTo>
+                <a:cubicBezTo>
+                  <a:pt x="-15528" y="50351"/>
+                  <a:pt x="-15528" y="103757"/>
+                  <a:pt x="17412" y="136697"/>
+                </a:cubicBezTo>
+                <a:cubicBezTo>
+                  <a:pt x="50351" y="169637"/>
+                  <a:pt x="103758" y="169637"/>
+                  <a:pt x="136698" y="136697"/>
+                </a:cubicBezTo>
+                <a:cubicBezTo>
+                  <a:pt x="169637" y="103757"/>
+                  <a:pt x="169637" y="50351"/>
+                  <a:pt x="136698" y="17411"/>
+                </a:cubicBezTo>
+                <a:close/>
+                <a:moveTo>
+                  <a:pt x="154109" y="0"/>
+                </a:moveTo>
+                <a:cubicBezTo>
+                  <a:pt x="196665" y="42556"/>
+                  <a:pt x="196665" y="111552"/>
+                  <a:pt x="154109" y="154108"/>
+                </a:cubicBezTo>
+                <a:cubicBezTo>
+                  <a:pt x="139576" y="168641"/>
+                  <a:pt x="121959" y="178211"/>
+                  <a:pt x="102912" y="180994"/>
+                </a:cubicBezTo>
+                <a:lnTo>
+                  <a:pt x="102912" y="308310"/>
+                </a:lnTo>
+                <a:lnTo>
+                  <a:pt x="51197" y="308310"/>
+                </a:lnTo>
+                <a:lnTo>
+                  <a:pt x="51197" y="180994"/>
+                </a:lnTo>
+                <a:cubicBezTo>
+                  <a:pt x="32150" y="178211"/>
+                  <a:pt x="14534" y="168641"/>
+                  <a:pt x="0" y="154108"/>
+                </a:cubicBezTo>
+                <a:cubicBezTo>
+                  <a:pt x="-42555" y="111552"/>
+                  <a:pt x="-42555" y="42556"/>
+                  <a:pt x="0" y="0"/>
+                </a:cubicBezTo>
+                <a:cubicBezTo>
+                  <a:pt x="42556" y="-42556"/>
+                  <a:pt x="111553" y="-42556"/>
+                  <a:pt x="154109" y="0"/>
+                </a:cubicBezTo>
+                <a:close/>
+              </a:path>
+            </a:pathLst>
+          </a:custGeom>
+          <a:solidFill>
+            <a:schemeClr val="accent2">
+              <a:lumMod val="75000"/>
+            </a:schemeClr>
+          </a:solidFill>
+          <a:ln>
+            <a:noFill/>
+          </a:ln>
+        </p:spPr>
+        <p:style>
+          <a:lnRef idx="2">
+            <a:schemeClr val="accent1">
+              <a:shade val="50000"/>
+            </a:schemeClr>
+          </a:lnRef>
+          <a:fillRef idx="1">
+            <a:schemeClr val="accent1"/>
+          </a:fillRef>
+          <a:effectRef idx="0">
+            <a:schemeClr val="accent1"/>
+          </a:effectRef>
+          <a:fontRef idx="minor">
+            <a:schemeClr val="lt1"/>
+          </a:fontRef>
+        </p:style>
+        <p:txBody>
+          <a:bodyPr rot="0" spcFirstLastPara="0" vertOverflow="overflow" horzOverflow="overflow" vert="horz" wrap="square" lIns="91440" tIns="45720" rIns="91440" bIns="45720" numCol="1" spcCol="0" rtlCol="0" fromWordArt="0" anchor="ctr" anchorCtr="0" forceAA="0" compatLnSpc="1">
+            <a:prstTxWarp prst="textNoShape">
+              <a:avLst/>
+            </a:prstTxWarp>
+            <a:noAutofit/>
+          </a:bodyPr>
+          <a:lstStyle/>
+          <a:p>
+            <a:pPr algn="ctr"/>
+            <a:endParaRPr lang="ko-KR" altLang="en-US"/>
+          </a:p>
+        </p:txBody>
+      </p:sp>
+      <p:sp>
+        <p:nvSpPr>
+          <p:cNvPr id="3" name="ZoneTexte 2"/>
+          <p:cNvSpPr txBox="1"/>
+          <p:nvPr/>
+        </p:nvSpPr>
+        <p:spPr>
+          <a:xfrm>
+            <a:off x="2123728" y="1419622"/>
+            <a:ext cx="2710999" cy="646331"/>
+          </a:xfrm>
+          <a:prstGeom prst="rect">
+            <a:avLst/>
+          </a:prstGeom>
+          <a:noFill/>
+        </p:spPr>
+        <p:txBody>
+          <a:bodyPr wrap="none" rtlCol="0">
+            <a:spAutoFit/>
+          </a:bodyPr>
+          <a:lstStyle/>
+          <a:p>
+            <a:pPr marL="342900" indent="-342900">
+              <a:buAutoNum type="arabicPeriod"/>
+            </a:pPr>
+            <a:r>
+              <a:rPr lang="fr-FR" dirty="0" err="1" smtClean="0"/>
+              <a:t>Hackbench</a:t>
+            </a:r>
+            <a:endParaRPr lang="fr-FR" dirty="0" smtClean="0"/>
+          </a:p>
+          <a:p>
+            <a:r>
+              <a:rPr lang="fr-FR" dirty="0" smtClean="0"/>
+              <a:t>2. </a:t>
+            </a:r>
+            <a:r>
+              <a:rPr lang="fr-FR" dirty="0" err="1" smtClean="0"/>
+              <a:t>Clock_monotonic_raw</a:t>
+            </a:r>
+            <a:endParaRPr lang="fr-FR" dirty="0"/>
+          </a:p>
+        </p:txBody>
+      </p:sp>
+    </p:spTree>
+    <p:extLst>
+      <p:ext uri="{BB962C8B-B14F-4D97-AF65-F5344CB8AC3E}">
+        <p14:creationId xmlns:p14="http://schemas.microsoft.com/office/powerpoint/2010/main" val="3246606708"/>
+      </p:ext>
+    </p:extLst>
+  </p:cSld>
+  <p:clrMapOvr>
+    <a:masterClrMapping/>
+  </p:clrMapOvr>
+  <p:timing>
+    <p:tnLst>
+      <p:par>
+        <p:cTn id="1" dur="indefinite" restart="never" nodeType="tmRoot"/>
+      </p:par>
+    </p:tnLst>
+  </p:timing>
+</p:sld>
+</file>
+
+<file path=ppt/slides/slide3.xml><?xml version="1.0" encoding="utf-8"?>
+<p:sld xmlns:a="http://schemas.openxmlformats.org/drawingml/2006/main" xmlns:r="http://schemas.openxmlformats.org/officeDocument/2006/relationships" xmlns:p="http://schemas.openxmlformats.org/presentationml/2006/main">
+  <p:cSld>
+    <p:spTree>
+      <p:nvGrpSpPr>
+        <p:cNvPr id="1" name=""/>
+        <p:cNvGrpSpPr/>
+        <p:nvPr/>
+      </p:nvGrpSpPr>
+      <p:grpSpPr>
+        <a:xfrm>
+          <a:off x="0" y="0"/>
+          <a:ext cx="0" cy="0"/>
+          <a:chOff x="0" y="0"/>
+          <a:chExt cx="0" cy="0"/>
+        </a:xfrm>
+      </p:grpSpPr>
+      <p:grpSp>
+        <p:nvGrpSpPr>
+          <p:cNvPr id="9" name="그룹 8">
+            <a:extLst>
+              <a:ext uri="{FF2B5EF4-FFF2-40B4-BE49-F238E27FC236}">
+                <a16:creationId xmlns:a16="http://schemas.microsoft.com/office/drawing/2014/main" id="{947719E0-E8B9-4F66-A728-7243B67D0B6D}"/>
+              </a:ext>
+            </a:extLst>
+          </p:cNvPr>
+          <p:cNvGrpSpPr/>
+          <p:nvPr/>
+        </p:nvGrpSpPr>
+        <p:grpSpPr>
+          <a:xfrm>
+            <a:off x="1907704" y="2114550"/>
+            <a:ext cx="6552728" cy="914400"/>
+            <a:chOff x="2267744" y="1059582"/>
+            <a:chExt cx="6552728" cy="914400"/>
+          </a:xfrm>
+        </p:grpSpPr>
+        <p:grpSp>
+          <p:nvGrpSpPr>
+            <p:cNvPr id="10" name="Group 3">
+              <a:extLst>
+                <a:ext uri="{FF2B5EF4-FFF2-40B4-BE49-F238E27FC236}">
+                  <a16:creationId xmlns:a16="http://schemas.microsoft.com/office/drawing/2014/main" id="{AAFD339F-09EE-41D5-B1BB-5D9B4B49A53B}"/>
+                </a:ext>
+              </a:extLst>
+            </p:cNvPr>
+            <p:cNvGrpSpPr/>
+            <p:nvPr/>
+          </p:nvGrpSpPr>
+          <p:grpSpPr>
+            <a:xfrm>
+              <a:off x="2267744" y="1059582"/>
+              <a:ext cx="6552728" cy="914400"/>
+              <a:chOff x="1151472" y="3187501"/>
+              <a:chExt cx="6552728" cy="914400"/>
+            </a:xfrm>
+          </p:grpSpPr>
+          <p:sp>
+            <p:nvSpPr>
+              <p:cNvPr id="15" name="Pentagon 4">
+                <a:extLst>
+                  <a:ext uri="{FF2B5EF4-FFF2-40B4-BE49-F238E27FC236}">
+                    <a16:creationId xmlns:a16="http://schemas.microsoft.com/office/drawing/2014/main" id="{AF72AF8A-CB33-4349-9811-64725C43C6A1}"/>
+                  </a:ext>
+                </a:extLst>
+              </p:cNvPr>
+              <p:cNvSpPr/>
+              <p:nvPr/>
+            </p:nvSpPr>
+            <p:spPr>
+              <a:xfrm>
+                <a:off x="1633824" y="3347030"/>
+                <a:ext cx="6070376" cy="720000"/>
+              </a:xfrm>
+              <a:prstGeom prst="homePlate">
+                <a:avLst/>
+              </a:prstGeom>
+              <a:solidFill>
+                <a:schemeClr val="accent1"/>
+              </a:solidFill>
+              <a:ln>
+                <a:noFill/>
+              </a:ln>
+            </p:spPr>
+            <p:style>
+              <a:lnRef idx="2">
+                <a:schemeClr val="accent1">
+                  <a:shade val="50000"/>
+                </a:schemeClr>
+              </a:lnRef>
+              <a:fillRef idx="1">
+                <a:schemeClr val="accent1"/>
+              </a:fillRef>
+              <a:effectRef idx="0">
+                <a:schemeClr val="accent1"/>
+              </a:effectRef>
+              <a:fontRef idx="minor">
+                <a:schemeClr val="lt1"/>
+              </a:fontRef>
+            </p:style>
+            <p:txBody>
+              <a:bodyPr rot="0" spcFirstLastPara="0" vertOverflow="overflow" horzOverflow="overflow" vert="horz" wrap="square" lIns="91440" tIns="45720" rIns="91440" bIns="45720" numCol="1" spcCol="0" rtlCol="0" fromWordArt="0" anchor="ctr" anchorCtr="0" forceAA="0" compatLnSpc="1">
+                <a:prstTxWarp prst="textNoShape">
+                  <a:avLst/>
+                </a:prstTxWarp>
+                <a:noAutofit/>
+              </a:bodyPr>
+              <a:lstStyle/>
+              <a:p>
+                <a:pPr algn="ctr"/>
+                <a:endParaRPr lang="ko-KR" altLang="en-US"/>
+              </a:p>
+            </p:txBody>
+          </p:sp>
+          <p:sp>
+            <p:nvSpPr>
+              <p:cNvPr id="16" name="Pentagon 5">
+                <a:extLst>
+                  <a:ext uri="{FF2B5EF4-FFF2-40B4-BE49-F238E27FC236}">
+                    <a16:creationId xmlns:a16="http://schemas.microsoft.com/office/drawing/2014/main" id="{5AE3B9A4-03A1-479D-912E-31B82B93BE83}"/>
+                  </a:ext>
+                </a:extLst>
+              </p:cNvPr>
+              <p:cNvSpPr/>
+              <p:nvPr/>
+            </p:nvSpPr>
+            <p:spPr>
+              <a:xfrm>
+                <a:off x="1633824" y="3284701"/>
+                <a:ext cx="5914970" cy="720000"/>
+              </a:xfrm>
+              <a:prstGeom prst="homePlate">
+                <a:avLst/>
+              </a:prstGeom>
+              <a:solidFill>
+                <a:schemeClr val="bg1"/>
+              </a:solidFill>
+              <a:ln w="38100">
+                <a:solidFill>
+                  <a:schemeClr val="accent1"/>
+                </a:solidFill>
+              </a:ln>
+            </p:spPr>
+            <p:style>
+              <a:lnRef idx="2">
+                <a:schemeClr val="accent1">
+                  <a:shade val="50000"/>
+                </a:schemeClr>
+              </a:lnRef>
+              <a:fillRef idx="1">
+                <a:schemeClr val="accent1"/>
+              </a:fillRef>
+              <a:effectRef idx="0">
+                <a:schemeClr val="accent1"/>
+              </a:effectRef>
+              <a:fontRef idx="minor">
+                <a:schemeClr val="lt1"/>
+              </a:fontRef>
+            </p:style>
+            <p:txBody>
+              <a:bodyPr rot="0" spcFirstLastPara="0" vertOverflow="overflow" horzOverflow="overflow" vert="horz" wrap="square" lIns="91440" tIns="45720" rIns="91440" bIns="45720" numCol="1" spcCol="0" rtlCol="0" fromWordArt="0" anchor="ctr" anchorCtr="0" forceAA="0" compatLnSpc="1">
+                <a:prstTxWarp prst="textNoShape">
+                  <a:avLst/>
+                </a:prstTxWarp>
+                <a:noAutofit/>
+              </a:bodyPr>
+              <a:lstStyle/>
+              <a:p>
+                <a:pPr algn="ctr"/>
+                <a:endParaRPr lang="ko-KR" altLang="en-US"/>
+              </a:p>
+            </p:txBody>
+          </p:sp>
+          <p:sp>
+            <p:nvSpPr>
+              <p:cNvPr id="17" name="Diamond 6">
+                <a:extLst>
+                  <a:ext uri="{FF2B5EF4-FFF2-40B4-BE49-F238E27FC236}">
+                    <a16:creationId xmlns:a16="http://schemas.microsoft.com/office/drawing/2014/main" id="{A3DAA220-134F-44B2-8B20-58A5CC693CE5}"/>
+                  </a:ext>
+                </a:extLst>
+              </p:cNvPr>
+              <p:cNvSpPr/>
+              <p:nvPr/>
+            </p:nvSpPr>
+            <p:spPr>
+              <a:xfrm>
+                <a:off x="1151472" y="3187501"/>
+                <a:ext cx="914400" cy="914400"/>
+              </a:xfrm>
+              <a:prstGeom prst="diamond">
+                <a:avLst/>
+              </a:prstGeom>
+              <a:solidFill>
+                <a:schemeClr val="accent1"/>
+              </a:solidFill>
+              <a:ln>
+                <a:noFill/>
+              </a:ln>
+            </p:spPr>
+            <p:style>
+              <a:lnRef idx="2">
+                <a:schemeClr val="accent1">
+                  <a:shade val="50000"/>
+                </a:schemeClr>
+              </a:lnRef>
+              <a:fillRef idx="1">
+                <a:schemeClr val="accent1"/>
+              </a:fillRef>
+              <a:effectRef idx="0">
+                <a:schemeClr val="accent1"/>
+              </a:effectRef>
+              <a:fontRef idx="minor">
+                <a:schemeClr val="lt1"/>
+              </a:fontRef>
+            </p:style>
+            <p:txBody>
+              <a:bodyPr rot="0" spcFirstLastPara="0" vertOverflow="overflow" horzOverflow="overflow" vert="horz" wrap="square" lIns="91440" tIns="45720" rIns="91440" bIns="45720" numCol="1" spcCol="0" rtlCol="0" fromWordArt="0" anchor="ctr" anchorCtr="0" forceAA="0" compatLnSpc="1">
+                <a:prstTxWarp prst="textNoShape">
+                  <a:avLst/>
+                </a:prstTxWarp>
+                <a:noAutofit/>
+              </a:bodyPr>
+              <a:lstStyle/>
+              <a:p>
+                <a:pPr algn="ctr"/>
+                <a:endParaRPr lang="ko-KR" altLang="en-US" dirty="0"/>
+              </a:p>
+            </p:txBody>
+          </p:sp>
+        </p:grpSp>
+        <p:sp>
+          <p:nvSpPr>
+            <p:cNvPr id="11" name="직사각형 39">
+              <a:extLst>
+                <a:ext uri="{FF2B5EF4-FFF2-40B4-BE49-F238E27FC236}">
+                  <a16:creationId xmlns:a16="http://schemas.microsoft.com/office/drawing/2014/main" id="{402308A2-C6E3-4A0E-AAFB-510E2F7E5214}"/>
+                </a:ext>
+              </a:extLst>
+            </p:cNvPr>
+            <p:cNvSpPr/>
+            <p:nvPr/>
+          </p:nvSpPr>
+          <p:spPr>
+            <a:xfrm>
+              <a:off x="2509438" y="1262927"/>
+              <a:ext cx="403184" cy="523220"/>
+            </a:xfrm>
+            <a:prstGeom prst="rect">
+              <a:avLst/>
+            </a:prstGeom>
+          </p:spPr>
+          <p:txBody>
+            <a:bodyPr wrap="square" anchor="ctr">
+              <a:spAutoFit/>
+            </a:bodyPr>
+            <a:lstStyle>
+              <a:defPPr>
+                <a:defRPr lang="ko-KR"/>
+              </a:defPPr>
+              <a:lvl1pPr marL="0" algn="l" defTabSz="914400" rtl="0" eaLnBrk="1" latinLnBrk="1" hangingPunct="1">
+                <a:defRPr sz="1800" kern="1200">
+                  <a:solidFill>
+                    <a:schemeClr val="tx1"/>
+                  </a:solidFill>
+                  <a:latin typeface="+mn-lt"/>
+                  <a:ea typeface="+mn-ea"/>
+                  <a:cs typeface="+mn-cs"/>
+                </a:defRPr>
+              </a:lvl1pPr>
+              <a:lvl2pPr marL="457200" algn="l" defTabSz="914400" rtl="0" eaLnBrk="1" latinLnBrk="1" hangingPunct="1">
+                <a:defRPr sz="1800" kern="1200">
+                  <a:solidFill>
+                    <a:schemeClr val="tx1"/>
+                  </a:solidFill>
+                  <a:latin typeface="+mn-lt"/>
+                  <a:ea typeface="+mn-ea"/>
+                  <a:cs typeface="+mn-cs"/>
+                </a:defRPr>
+              </a:lvl2pPr>
+              <a:lvl3pPr marL="914400" algn="l" defTabSz="914400" rtl="0" eaLnBrk="1" latinLnBrk="1" hangingPunct="1">
+                <a:defRPr sz="1800" kern="1200">
+                  <a:solidFill>
+                    <a:schemeClr val="tx1"/>
+                  </a:solidFill>
+                  <a:latin typeface="+mn-lt"/>
+                  <a:ea typeface="+mn-ea"/>
+                  <a:cs typeface="+mn-cs"/>
+                </a:defRPr>
+              </a:lvl3pPr>
+              <a:lvl4pPr marL="1371600" algn="l" defTabSz="914400" rtl="0" eaLnBrk="1" latinLnBrk="1" hangingPunct="1">
+                <a:defRPr sz="1800" kern="1200">
+                  <a:solidFill>
+                    <a:schemeClr val="tx1"/>
+                  </a:solidFill>
+                  <a:latin typeface="+mn-lt"/>
+                  <a:ea typeface="+mn-ea"/>
+                  <a:cs typeface="+mn-cs"/>
+                </a:defRPr>
+              </a:lvl4pPr>
+              <a:lvl5pPr marL="1828800" algn="l" defTabSz="914400" rtl="0" eaLnBrk="1" latinLnBrk="1" hangingPunct="1">
+                <a:defRPr sz="1800" kern="1200">
+                  <a:solidFill>
+                    <a:schemeClr val="tx1"/>
+                  </a:solidFill>
+                  <a:latin typeface="+mn-lt"/>
+                  <a:ea typeface="+mn-ea"/>
+                  <a:cs typeface="+mn-cs"/>
+                </a:defRPr>
+              </a:lvl5pPr>
+              <a:lvl6pPr marL="2286000" algn="l" defTabSz="914400" rtl="0" eaLnBrk="1" latinLnBrk="1" hangingPunct="1">
+                <a:defRPr sz="1800" kern="1200">
+                  <a:solidFill>
+                    <a:schemeClr val="tx1"/>
+                  </a:solidFill>
+                  <a:latin typeface="+mn-lt"/>
+                  <a:ea typeface="+mn-ea"/>
+                  <a:cs typeface="+mn-cs"/>
+                </a:defRPr>
+              </a:lvl6pPr>
+              <a:lvl7pPr marL="2743200" algn="l" defTabSz="914400" rtl="0" eaLnBrk="1" latinLnBrk="1" hangingPunct="1">
+                <a:defRPr sz="1800" kern="1200">
+                  <a:solidFill>
+                    <a:schemeClr val="tx1"/>
+                  </a:solidFill>
+                  <a:latin typeface="+mn-lt"/>
+                  <a:ea typeface="+mn-ea"/>
+                  <a:cs typeface="+mn-cs"/>
+                </a:defRPr>
+              </a:lvl7pPr>
+              <a:lvl8pPr marL="3200400" algn="l" defTabSz="914400" rtl="0" eaLnBrk="1" latinLnBrk="1" hangingPunct="1">
+                <a:defRPr sz="1800" kern="1200">
+                  <a:solidFill>
+                    <a:schemeClr val="tx1"/>
+                  </a:solidFill>
+                  <a:latin typeface="+mn-lt"/>
+                  <a:ea typeface="+mn-ea"/>
+                  <a:cs typeface="+mn-cs"/>
+                </a:defRPr>
+              </a:lvl8pPr>
+              <a:lvl9pPr marL="3657600" algn="l" defTabSz="914400" rtl="0" eaLnBrk="1" latinLnBrk="1" hangingPunct="1">
+                <a:defRPr sz="1800" kern="1200">
+                  <a:solidFill>
+                    <a:schemeClr val="tx1"/>
+                  </a:solidFill>
+                  <a:latin typeface="+mn-lt"/>
+                  <a:ea typeface="+mn-ea"/>
+                  <a:cs typeface="+mn-cs"/>
+                </a:defRPr>
+              </a:lvl9pPr>
+            </a:lstStyle>
+            <a:p>
+              <a:pPr algn="ctr">
+                <a:defRPr/>
+              </a:pPr>
+              <a:r>
+                <a:rPr lang="en-US" altLang="ko-KR" sz="2800" b="1" dirty="0">
+                  <a:solidFill>
+                    <a:schemeClr val="bg1"/>
+                  </a:solidFill>
+                  <a:cs typeface="Arial" pitchFamily="34" charset="0"/>
+                </a:rPr>
+                <a:t>1 </a:t>
+              </a:r>
+              <a:endParaRPr lang="ko-KR" altLang="en-US" sz="2800" dirty="0">
+                <a:solidFill>
+                  <a:schemeClr val="bg1"/>
+                </a:solidFill>
+              </a:endParaRPr>
+            </a:p>
+          </p:txBody>
+        </p:sp>
+        <p:grpSp>
+          <p:nvGrpSpPr>
+            <p:cNvPr id="12" name="Group 8">
+              <a:extLst>
+                <a:ext uri="{FF2B5EF4-FFF2-40B4-BE49-F238E27FC236}">
+                  <a16:creationId xmlns:a16="http://schemas.microsoft.com/office/drawing/2014/main" id="{D20C0DBB-E21A-4051-B743-12A0DD7B2B81}"/>
+                </a:ext>
+              </a:extLst>
+            </p:cNvPr>
+            <p:cNvGrpSpPr/>
+            <p:nvPr/>
+          </p:nvGrpSpPr>
+          <p:grpSpPr>
+            <a:xfrm>
+              <a:off x="3203848" y="1219458"/>
+              <a:ext cx="4931641" cy="566439"/>
+              <a:chOff x="2126908" y="1760949"/>
+              <a:chExt cx="4749348" cy="566439"/>
+            </a:xfrm>
+          </p:grpSpPr>
+          <p:sp>
+            <p:nvSpPr>
+              <p:cNvPr id="13" name="TextBox 10">
+                <a:extLst>
+                  <a:ext uri="{FF2B5EF4-FFF2-40B4-BE49-F238E27FC236}">
+                    <a16:creationId xmlns:a16="http://schemas.microsoft.com/office/drawing/2014/main" id="{8D2F6DE8-1CB4-434A-B85E-CE33DA03E823}"/>
+                  </a:ext>
+                </a:extLst>
+              </p:cNvPr>
+              <p:cNvSpPr txBox="1"/>
+              <p:nvPr/>
+            </p:nvSpPr>
+            <p:spPr bwMode="auto">
+              <a:xfrm>
+                <a:off x="2126908" y="1760949"/>
+                <a:ext cx="4576856" cy="369332"/>
+              </a:xfrm>
+              <a:prstGeom prst="rect">
+                <a:avLst/>
+              </a:prstGeom>
+              <a:noFill/>
+              <a:effectLst/>
+            </p:spPr>
+            <p:txBody>
+              <a:bodyPr wrap="square">
+                <a:spAutoFit/>
+              </a:bodyPr>
+              <a:lstStyle>
+                <a:defPPr>
+                  <a:defRPr lang="ko-KR"/>
+                </a:defPPr>
+                <a:lvl1pPr marL="0" algn="l" defTabSz="914400" rtl="0" eaLnBrk="1" latinLnBrk="1" hangingPunct="1">
+                  <a:defRPr sz="1800" kern="1200">
+                    <a:solidFill>
+                      <a:schemeClr val="tx1"/>
+                    </a:solidFill>
+                    <a:latin typeface="+mn-lt"/>
+                    <a:ea typeface="+mn-ea"/>
+                    <a:cs typeface="+mn-cs"/>
+                  </a:defRPr>
+                </a:lvl1pPr>
+                <a:lvl2pPr marL="457200" algn="l" defTabSz="914400" rtl="0" eaLnBrk="1" latinLnBrk="1" hangingPunct="1">
+                  <a:defRPr sz="1800" kern="1200">
+                    <a:solidFill>
+                      <a:schemeClr val="tx1"/>
+                    </a:solidFill>
+                    <a:latin typeface="+mn-lt"/>
+                    <a:ea typeface="+mn-ea"/>
+                    <a:cs typeface="+mn-cs"/>
+                  </a:defRPr>
+                </a:lvl2pPr>
+                <a:lvl3pPr marL="914400" algn="l" defTabSz="914400" rtl="0" eaLnBrk="1" latinLnBrk="1" hangingPunct="1">
+                  <a:defRPr sz="1800" kern="1200">
+                    <a:solidFill>
+                      <a:schemeClr val="tx1"/>
+                    </a:solidFill>
+                    <a:latin typeface="+mn-lt"/>
+                    <a:ea typeface="+mn-ea"/>
+                    <a:cs typeface="+mn-cs"/>
+                  </a:defRPr>
+                </a:lvl3pPr>
+                <a:lvl4pPr marL="1371600" algn="l" defTabSz="914400" rtl="0" eaLnBrk="1" latinLnBrk="1" hangingPunct="1">
+                  <a:defRPr sz="1800" kern="1200">
+                    <a:solidFill>
+                      <a:schemeClr val="tx1"/>
+                    </a:solidFill>
+                    <a:latin typeface="+mn-lt"/>
+                    <a:ea typeface="+mn-ea"/>
+                    <a:cs typeface="+mn-cs"/>
+                  </a:defRPr>
+                </a:lvl4pPr>
+                <a:lvl5pPr marL="1828800" algn="l" defTabSz="914400" rtl="0" eaLnBrk="1" latinLnBrk="1" hangingPunct="1">
+                  <a:defRPr sz="1800" kern="1200">
+                    <a:solidFill>
+                      <a:schemeClr val="tx1"/>
+                    </a:solidFill>
+                    <a:latin typeface="+mn-lt"/>
+                    <a:ea typeface="+mn-ea"/>
+                    <a:cs typeface="+mn-cs"/>
+                  </a:defRPr>
+                </a:lvl5pPr>
+                <a:lvl6pPr marL="2286000" algn="l" defTabSz="914400" rtl="0" eaLnBrk="1" latinLnBrk="1" hangingPunct="1">
+                  <a:defRPr sz="1800" kern="1200">
+                    <a:solidFill>
+                      <a:schemeClr val="tx1"/>
+                    </a:solidFill>
+                    <a:latin typeface="+mn-lt"/>
+                    <a:ea typeface="+mn-ea"/>
+                    <a:cs typeface="+mn-cs"/>
+                  </a:defRPr>
+                </a:lvl6pPr>
+                <a:lvl7pPr marL="2743200" algn="l" defTabSz="914400" rtl="0" eaLnBrk="1" latinLnBrk="1" hangingPunct="1">
+                  <a:defRPr sz="1800" kern="1200">
+                    <a:solidFill>
+                      <a:schemeClr val="tx1"/>
+                    </a:solidFill>
+                    <a:latin typeface="+mn-lt"/>
+                    <a:ea typeface="+mn-ea"/>
+                    <a:cs typeface="+mn-cs"/>
+                  </a:defRPr>
+                </a:lvl7pPr>
+                <a:lvl8pPr marL="3200400" algn="l" defTabSz="914400" rtl="0" eaLnBrk="1" latinLnBrk="1" hangingPunct="1">
+                  <a:defRPr sz="1800" kern="1200">
+                    <a:solidFill>
+                      <a:schemeClr val="tx1"/>
+                    </a:solidFill>
+                    <a:latin typeface="+mn-lt"/>
+                    <a:ea typeface="+mn-ea"/>
+                    <a:cs typeface="+mn-cs"/>
+                  </a:defRPr>
+                </a:lvl8pPr>
+                <a:lvl9pPr marL="3657600" algn="l" defTabSz="914400" rtl="0" eaLnBrk="1" latinLnBrk="1" hangingPunct="1">
+                  <a:defRPr sz="1800" kern="1200">
+                    <a:solidFill>
+                      <a:schemeClr val="tx1"/>
+                    </a:solidFill>
+                    <a:latin typeface="+mn-lt"/>
+                    <a:ea typeface="+mn-ea"/>
+                    <a:cs typeface="+mn-cs"/>
+                  </a:defRPr>
+                </a:lvl9pPr>
+              </a:lstStyle>
+              <a:p>
+                <a:pPr>
+                  <a:defRPr/>
+                </a:pPr>
+                <a:r>
+                  <a:rPr lang="en-US" altLang="ko-KR" b="1" dirty="0">
+                    <a:solidFill>
+                      <a:schemeClr val="tx1">
+                        <a:lumMod val="75000"/>
+                        <a:lumOff val="25000"/>
+                      </a:schemeClr>
+                    </a:solidFill>
+                    <a:cs typeface="Arial" pitchFamily="34" charset="0"/>
+                  </a:rPr>
+                  <a:t>6</a:t>
+                </a:r>
+                <a:r>
+                  <a:rPr lang="en-US" altLang="ko-KR" b="1" baseline="30000" dirty="0">
+                    <a:solidFill>
+                      <a:schemeClr val="tx1">
+                        <a:lumMod val="75000"/>
+                        <a:lumOff val="25000"/>
+                      </a:schemeClr>
+                    </a:solidFill>
+                    <a:cs typeface="Arial" pitchFamily="34" charset="0"/>
+                  </a:rPr>
+                  <a:t>th</a:t>
+                </a:r>
+                <a:r>
+                  <a:rPr lang="en-US" altLang="ko-KR" b="1" dirty="0">
+                    <a:solidFill>
+                      <a:schemeClr val="tx1">
+                        <a:lumMod val="75000"/>
+                        <a:lumOff val="25000"/>
+                      </a:schemeClr>
+                    </a:solidFill>
+                    <a:cs typeface="Arial" pitchFamily="34" charset="0"/>
+                  </a:rPr>
+                  <a:t> week </a:t>
+                </a:r>
+              </a:p>
+            </p:txBody>
+          </p:sp>
+          <p:sp>
+            <p:nvSpPr>
+              <p:cNvPr id="14" name="TextBox 12">
+                <a:extLst>
+                  <a:ext uri="{FF2B5EF4-FFF2-40B4-BE49-F238E27FC236}">
+                    <a16:creationId xmlns:a16="http://schemas.microsoft.com/office/drawing/2014/main" id="{C96942D5-489F-4B41-BAF0-570D67FD9DEF}"/>
+                  </a:ext>
+                </a:extLst>
+              </p:cNvPr>
+              <p:cNvSpPr txBox="1"/>
+              <p:nvPr/>
+            </p:nvSpPr>
+            <p:spPr bwMode="auto">
+              <a:xfrm>
+                <a:off x="2299400" y="2050389"/>
+                <a:ext cx="4576856" cy="276999"/>
+              </a:xfrm>
+              <a:prstGeom prst="rect">
+                <a:avLst/>
+              </a:prstGeom>
+              <a:noFill/>
+              <a:effectLst/>
+            </p:spPr>
+            <p:txBody>
+              <a:bodyPr wrap="square">
+                <a:spAutoFit/>
+              </a:bodyPr>
+              <a:lstStyle>
+                <a:defPPr>
+                  <a:defRPr lang="ko-KR"/>
+                </a:defPPr>
+                <a:lvl1pPr marL="0" algn="l" defTabSz="914400" rtl="0" eaLnBrk="1" latinLnBrk="1" hangingPunct="1">
+                  <a:defRPr sz="1800" kern="1200">
+                    <a:solidFill>
+                      <a:schemeClr val="tx1"/>
+                    </a:solidFill>
+                    <a:latin typeface="+mn-lt"/>
+                    <a:ea typeface="+mn-ea"/>
+                    <a:cs typeface="+mn-cs"/>
+                  </a:defRPr>
+                </a:lvl1pPr>
+                <a:lvl2pPr marL="457200" algn="l" defTabSz="914400" rtl="0" eaLnBrk="1" latinLnBrk="1" hangingPunct="1">
+                  <a:defRPr sz="1800" kern="1200">
+                    <a:solidFill>
+                      <a:schemeClr val="tx1"/>
+                    </a:solidFill>
+                    <a:latin typeface="+mn-lt"/>
+                    <a:ea typeface="+mn-ea"/>
+                    <a:cs typeface="+mn-cs"/>
+                  </a:defRPr>
+                </a:lvl2pPr>
+                <a:lvl3pPr marL="914400" algn="l" defTabSz="914400" rtl="0" eaLnBrk="1" latinLnBrk="1" hangingPunct="1">
+                  <a:defRPr sz="1800" kern="1200">
+                    <a:solidFill>
+                      <a:schemeClr val="tx1"/>
+                    </a:solidFill>
+                    <a:latin typeface="+mn-lt"/>
+                    <a:ea typeface="+mn-ea"/>
+                    <a:cs typeface="+mn-cs"/>
+                  </a:defRPr>
+                </a:lvl3pPr>
+                <a:lvl4pPr marL="1371600" algn="l" defTabSz="914400" rtl="0" eaLnBrk="1" latinLnBrk="1" hangingPunct="1">
+                  <a:defRPr sz="1800" kern="1200">
+                    <a:solidFill>
+                      <a:schemeClr val="tx1"/>
+                    </a:solidFill>
+                    <a:latin typeface="+mn-lt"/>
+                    <a:ea typeface="+mn-ea"/>
+                    <a:cs typeface="+mn-cs"/>
+                  </a:defRPr>
+                </a:lvl4pPr>
+                <a:lvl5pPr marL="1828800" algn="l" defTabSz="914400" rtl="0" eaLnBrk="1" latinLnBrk="1" hangingPunct="1">
+                  <a:defRPr sz="1800" kern="1200">
+                    <a:solidFill>
+                      <a:schemeClr val="tx1"/>
+                    </a:solidFill>
+                    <a:latin typeface="+mn-lt"/>
+                    <a:ea typeface="+mn-ea"/>
+                    <a:cs typeface="+mn-cs"/>
+                  </a:defRPr>
+                </a:lvl5pPr>
+                <a:lvl6pPr marL="2286000" algn="l" defTabSz="914400" rtl="0" eaLnBrk="1" latinLnBrk="1" hangingPunct="1">
+                  <a:defRPr sz="1800" kern="1200">
+                    <a:solidFill>
+                      <a:schemeClr val="tx1"/>
+                    </a:solidFill>
+                    <a:latin typeface="+mn-lt"/>
+                    <a:ea typeface="+mn-ea"/>
+                    <a:cs typeface="+mn-cs"/>
+                  </a:defRPr>
+                </a:lvl6pPr>
+                <a:lvl7pPr marL="2743200" algn="l" defTabSz="914400" rtl="0" eaLnBrk="1" latinLnBrk="1" hangingPunct="1">
+                  <a:defRPr sz="1800" kern="1200">
+                    <a:solidFill>
+                      <a:schemeClr val="tx1"/>
+                    </a:solidFill>
+                    <a:latin typeface="+mn-lt"/>
+                    <a:ea typeface="+mn-ea"/>
+                    <a:cs typeface="+mn-cs"/>
+                  </a:defRPr>
+                </a:lvl7pPr>
+                <a:lvl8pPr marL="3200400" algn="l" defTabSz="914400" rtl="0" eaLnBrk="1" latinLnBrk="1" hangingPunct="1">
+                  <a:defRPr sz="1800" kern="1200">
+                    <a:solidFill>
+                      <a:schemeClr val="tx1"/>
+                    </a:solidFill>
+                    <a:latin typeface="+mn-lt"/>
+                    <a:ea typeface="+mn-ea"/>
+                    <a:cs typeface="+mn-cs"/>
+                  </a:defRPr>
+                </a:lvl8pPr>
+                <a:lvl9pPr marL="3657600" algn="l" defTabSz="914400" rtl="0" eaLnBrk="1" latinLnBrk="1" hangingPunct="1">
+                  <a:defRPr sz="1800" kern="1200">
+                    <a:solidFill>
+                      <a:schemeClr val="tx1"/>
+                    </a:solidFill>
+                    <a:latin typeface="+mn-lt"/>
+                    <a:ea typeface="+mn-ea"/>
+                    <a:cs typeface="+mn-cs"/>
+                  </a:defRPr>
+                </a:lvl9pPr>
+              </a:lstStyle>
+              <a:p>
+                <a:pPr>
+                  <a:defRPr/>
+                </a:pPr>
+                <a:r>
+                  <a:rPr lang="en-US" altLang="ko-KR" sz="1200" dirty="0">
+                    <a:solidFill>
+                      <a:schemeClr val="tx1">
+                        <a:lumMod val="75000"/>
+                        <a:lumOff val="25000"/>
+                      </a:schemeClr>
+                    </a:solidFill>
+                    <a:cs typeface="Arial" pitchFamily="34" charset="0"/>
+                  </a:rPr>
+                  <a:t>Revising and Refactoring codes</a:t>
+                </a:r>
+                <a:endParaRPr lang="ko-KR" altLang="en-US" sz="1200" dirty="0">
+                  <a:solidFill>
+                    <a:schemeClr val="tx1">
+                      <a:lumMod val="75000"/>
+                      <a:lumOff val="25000"/>
+                    </a:schemeClr>
+                  </a:solidFill>
+                  <a:cs typeface="Arial" pitchFamily="34" charset="0"/>
+                </a:endParaRPr>
+              </a:p>
+            </p:txBody>
+          </p:sp>
+        </p:grpSp>
+      </p:grpSp>
+    </p:spTree>
+    <p:extLst>
+      <p:ext uri="{BB962C8B-B14F-4D97-AF65-F5344CB8AC3E}">
+        <p14:creationId xmlns:p14="http://schemas.microsoft.com/office/powerpoint/2010/main" val="3756553589"/>
+      </p:ext>
+    </p:extLst>
+  </p:cSld>
+  <p:clrMapOvr>
+    <a:masterClrMapping/>
+  </p:clrMapOvr>
+</p:sld>
+</file>
+
+<file path=ppt/slides/slide30.xml><?xml version="1.0" encoding="utf-8"?>
 <p:sld xmlns:a="http://schemas.openxmlformats.org/drawingml/2006/main" xmlns:r="http://schemas.openxmlformats.org/officeDocument/2006/relationships" xmlns:p="http://schemas.openxmlformats.org/presentationml/2006/main">
   <p:cSld>
     <p:spTree>
@@ -26328,7 +33150,7 @@
 </p:sld>
 </file>
 
-<file path=ppt/slides/slide27.xml><?xml version="1.0" encoding="utf-8"?>
+<file path=ppt/slides/slide31.xml><?xml version="1.0" encoding="utf-8"?>
 <p:sld xmlns:a="http://schemas.openxmlformats.org/drawingml/2006/main" xmlns:r="http://schemas.openxmlformats.org/officeDocument/2006/relationships" xmlns:p="http://schemas.openxmlformats.org/presentationml/2006/main">
   <p:cSld>
     <p:spTree>
@@ -27282,10 +34104,17 @@
   <p:clrMapOvr>
     <a:masterClrMapping/>
   </p:clrMapOvr>
+  <p:timing>
+    <p:tnLst>
+      <p:par>
+        <p:cTn id="1" dur="indefinite" restart="never" nodeType="tmRoot"/>
+      </p:par>
+    </p:tnLst>
+  </p:timing>
 </p:sld>
 </file>
 
-<file path=ppt/slides/slide28.xml><?xml version="1.0" encoding="utf-8"?>
+<file path=ppt/slides/slide32.xml><?xml version="1.0" encoding="utf-8"?>
 <p:sld xmlns:a="http://schemas.openxmlformats.org/drawingml/2006/main" xmlns:r="http://schemas.openxmlformats.org/officeDocument/2006/relationships" xmlns:p="http://schemas.openxmlformats.org/presentationml/2006/main">
   <p:cSld>
     <p:spTree>
@@ -28021,10 +34850,17 @@
   <p:clrMapOvr>
     <a:masterClrMapping/>
   </p:clrMapOvr>
+  <p:timing>
+    <p:tnLst>
+      <p:par>
+        <p:cTn id="1" dur="indefinite" restart="never" nodeType="tmRoot"/>
+      </p:par>
+    </p:tnLst>
+  </p:timing>
 </p:sld>
 </file>
 
-<file path=ppt/slides/slide29.xml><?xml version="1.0" encoding="utf-8"?>
+<file path=ppt/slides/slide33.xml><?xml version="1.0" encoding="utf-8"?>
 <p:sld xmlns:a="http://schemas.openxmlformats.org/drawingml/2006/main" xmlns:r="http://schemas.openxmlformats.org/officeDocument/2006/relationships" xmlns:p="http://schemas.openxmlformats.org/presentationml/2006/main">
   <p:cSld>
     <p:spTree>
@@ -29749,732 +36585,17 @@
   <p:clrMapOvr>
     <a:masterClrMapping/>
   </p:clrMapOvr>
+  <p:timing>
+    <p:tnLst>
+      <p:par>
+        <p:cTn id="1" dur="indefinite" restart="never" nodeType="tmRoot"/>
+      </p:par>
+    </p:tnLst>
+  </p:timing>
 </p:sld>
 </file>
 
-<file path=ppt/slides/slide3.xml><?xml version="1.0" encoding="utf-8"?>
-<p:sld xmlns:a="http://schemas.openxmlformats.org/drawingml/2006/main" xmlns:r="http://schemas.openxmlformats.org/officeDocument/2006/relationships" xmlns:p="http://schemas.openxmlformats.org/presentationml/2006/main">
-  <p:cSld>
-    <p:spTree>
-      <p:nvGrpSpPr>
-        <p:cNvPr id="1" name=""/>
-        <p:cNvGrpSpPr/>
-        <p:nvPr/>
-      </p:nvGrpSpPr>
-      <p:grpSpPr>
-        <a:xfrm>
-          <a:off x="0" y="0"/>
-          <a:ext cx="0" cy="0"/>
-          <a:chOff x="0" y="0"/>
-          <a:chExt cx="0" cy="0"/>
-        </a:xfrm>
-      </p:grpSpPr>
-      <p:grpSp>
-        <p:nvGrpSpPr>
-          <p:cNvPr id="9" name="그룹 8">
-            <a:extLst>
-              <a:ext uri="{FF2B5EF4-FFF2-40B4-BE49-F238E27FC236}">
-                <a16:creationId xmlns:a16="http://schemas.microsoft.com/office/drawing/2014/main" id="{947719E0-E8B9-4F66-A728-7243B67D0B6D}"/>
-              </a:ext>
-            </a:extLst>
-          </p:cNvPr>
-          <p:cNvGrpSpPr/>
-          <p:nvPr/>
-        </p:nvGrpSpPr>
-        <p:grpSpPr>
-          <a:xfrm>
-            <a:off x="1907704" y="2114550"/>
-            <a:ext cx="6552728" cy="914400"/>
-            <a:chOff x="2267744" y="1059582"/>
-            <a:chExt cx="6552728" cy="914400"/>
-          </a:xfrm>
-        </p:grpSpPr>
-        <p:grpSp>
-          <p:nvGrpSpPr>
-            <p:cNvPr id="10" name="Group 3">
-              <a:extLst>
-                <a:ext uri="{FF2B5EF4-FFF2-40B4-BE49-F238E27FC236}">
-                  <a16:creationId xmlns:a16="http://schemas.microsoft.com/office/drawing/2014/main" id="{AAFD339F-09EE-41D5-B1BB-5D9B4B49A53B}"/>
-                </a:ext>
-              </a:extLst>
-            </p:cNvPr>
-            <p:cNvGrpSpPr/>
-            <p:nvPr/>
-          </p:nvGrpSpPr>
-          <p:grpSpPr>
-            <a:xfrm>
-              <a:off x="2267744" y="1059582"/>
-              <a:ext cx="6552728" cy="914400"/>
-              <a:chOff x="1151472" y="3187501"/>
-              <a:chExt cx="6552728" cy="914400"/>
-            </a:xfrm>
-          </p:grpSpPr>
-          <p:sp>
-            <p:nvSpPr>
-              <p:cNvPr id="15" name="Pentagon 4">
-                <a:extLst>
-                  <a:ext uri="{FF2B5EF4-FFF2-40B4-BE49-F238E27FC236}">
-                    <a16:creationId xmlns:a16="http://schemas.microsoft.com/office/drawing/2014/main" id="{AF72AF8A-CB33-4349-9811-64725C43C6A1}"/>
-                  </a:ext>
-                </a:extLst>
-              </p:cNvPr>
-              <p:cNvSpPr/>
-              <p:nvPr/>
-            </p:nvSpPr>
-            <p:spPr>
-              <a:xfrm>
-                <a:off x="1633824" y="3347030"/>
-                <a:ext cx="6070376" cy="720000"/>
-              </a:xfrm>
-              <a:prstGeom prst="homePlate">
-                <a:avLst/>
-              </a:prstGeom>
-              <a:solidFill>
-                <a:schemeClr val="accent1"/>
-              </a:solidFill>
-              <a:ln>
-                <a:noFill/>
-              </a:ln>
-            </p:spPr>
-            <p:style>
-              <a:lnRef idx="2">
-                <a:schemeClr val="accent1">
-                  <a:shade val="50000"/>
-                </a:schemeClr>
-              </a:lnRef>
-              <a:fillRef idx="1">
-                <a:schemeClr val="accent1"/>
-              </a:fillRef>
-              <a:effectRef idx="0">
-                <a:schemeClr val="accent1"/>
-              </a:effectRef>
-              <a:fontRef idx="minor">
-                <a:schemeClr val="lt1"/>
-              </a:fontRef>
-            </p:style>
-            <p:txBody>
-              <a:bodyPr rot="0" spcFirstLastPara="0" vertOverflow="overflow" horzOverflow="overflow" vert="horz" wrap="square" lIns="91440" tIns="45720" rIns="91440" bIns="45720" numCol="1" spcCol="0" rtlCol="0" fromWordArt="0" anchor="ctr" anchorCtr="0" forceAA="0" compatLnSpc="1">
-                <a:prstTxWarp prst="textNoShape">
-                  <a:avLst/>
-                </a:prstTxWarp>
-                <a:noAutofit/>
-              </a:bodyPr>
-              <a:lstStyle/>
-              <a:p>
-                <a:pPr algn="ctr"/>
-                <a:endParaRPr lang="ko-KR" altLang="en-US"/>
-              </a:p>
-            </p:txBody>
-          </p:sp>
-          <p:sp>
-            <p:nvSpPr>
-              <p:cNvPr id="16" name="Pentagon 5">
-                <a:extLst>
-                  <a:ext uri="{FF2B5EF4-FFF2-40B4-BE49-F238E27FC236}">
-                    <a16:creationId xmlns:a16="http://schemas.microsoft.com/office/drawing/2014/main" id="{5AE3B9A4-03A1-479D-912E-31B82B93BE83}"/>
-                  </a:ext>
-                </a:extLst>
-              </p:cNvPr>
-              <p:cNvSpPr/>
-              <p:nvPr/>
-            </p:nvSpPr>
-            <p:spPr>
-              <a:xfrm>
-                <a:off x="1633824" y="3284701"/>
-                <a:ext cx="5914970" cy="720000"/>
-              </a:xfrm>
-              <a:prstGeom prst="homePlate">
-                <a:avLst/>
-              </a:prstGeom>
-              <a:solidFill>
-                <a:schemeClr val="bg1"/>
-              </a:solidFill>
-              <a:ln w="38100">
-                <a:solidFill>
-                  <a:schemeClr val="accent1"/>
-                </a:solidFill>
-              </a:ln>
-            </p:spPr>
-            <p:style>
-              <a:lnRef idx="2">
-                <a:schemeClr val="accent1">
-                  <a:shade val="50000"/>
-                </a:schemeClr>
-              </a:lnRef>
-              <a:fillRef idx="1">
-                <a:schemeClr val="accent1"/>
-              </a:fillRef>
-              <a:effectRef idx="0">
-                <a:schemeClr val="accent1"/>
-              </a:effectRef>
-              <a:fontRef idx="minor">
-                <a:schemeClr val="lt1"/>
-              </a:fontRef>
-            </p:style>
-            <p:txBody>
-              <a:bodyPr rot="0" spcFirstLastPara="0" vertOverflow="overflow" horzOverflow="overflow" vert="horz" wrap="square" lIns="91440" tIns="45720" rIns="91440" bIns="45720" numCol="1" spcCol="0" rtlCol="0" fromWordArt="0" anchor="ctr" anchorCtr="0" forceAA="0" compatLnSpc="1">
-                <a:prstTxWarp prst="textNoShape">
-                  <a:avLst/>
-                </a:prstTxWarp>
-                <a:noAutofit/>
-              </a:bodyPr>
-              <a:lstStyle/>
-              <a:p>
-                <a:pPr algn="ctr"/>
-                <a:endParaRPr lang="ko-KR" altLang="en-US"/>
-              </a:p>
-            </p:txBody>
-          </p:sp>
-          <p:sp>
-            <p:nvSpPr>
-              <p:cNvPr id="17" name="Diamond 6">
-                <a:extLst>
-                  <a:ext uri="{FF2B5EF4-FFF2-40B4-BE49-F238E27FC236}">
-                    <a16:creationId xmlns:a16="http://schemas.microsoft.com/office/drawing/2014/main" id="{A3DAA220-134F-44B2-8B20-58A5CC693CE5}"/>
-                  </a:ext>
-                </a:extLst>
-              </p:cNvPr>
-              <p:cNvSpPr/>
-              <p:nvPr/>
-            </p:nvSpPr>
-            <p:spPr>
-              <a:xfrm>
-                <a:off x="1151472" y="3187501"/>
-                <a:ext cx="914400" cy="914400"/>
-              </a:xfrm>
-              <a:prstGeom prst="diamond">
-                <a:avLst/>
-              </a:prstGeom>
-              <a:solidFill>
-                <a:schemeClr val="accent1"/>
-              </a:solidFill>
-              <a:ln>
-                <a:noFill/>
-              </a:ln>
-            </p:spPr>
-            <p:style>
-              <a:lnRef idx="2">
-                <a:schemeClr val="accent1">
-                  <a:shade val="50000"/>
-                </a:schemeClr>
-              </a:lnRef>
-              <a:fillRef idx="1">
-                <a:schemeClr val="accent1"/>
-              </a:fillRef>
-              <a:effectRef idx="0">
-                <a:schemeClr val="accent1"/>
-              </a:effectRef>
-              <a:fontRef idx="minor">
-                <a:schemeClr val="lt1"/>
-              </a:fontRef>
-            </p:style>
-            <p:txBody>
-              <a:bodyPr rot="0" spcFirstLastPara="0" vertOverflow="overflow" horzOverflow="overflow" vert="horz" wrap="square" lIns="91440" tIns="45720" rIns="91440" bIns="45720" numCol="1" spcCol="0" rtlCol="0" fromWordArt="0" anchor="ctr" anchorCtr="0" forceAA="0" compatLnSpc="1">
-                <a:prstTxWarp prst="textNoShape">
-                  <a:avLst/>
-                </a:prstTxWarp>
-                <a:noAutofit/>
-              </a:bodyPr>
-              <a:lstStyle/>
-              <a:p>
-                <a:pPr algn="ctr"/>
-                <a:endParaRPr lang="ko-KR" altLang="en-US" dirty="0"/>
-              </a:p>
-            </p:txBody>
-          </p:sp>
-        </p:grpSp>
-        <p:sp>
-          <p:nvSpPr>
-            <p:cNvPr id="11" name="직사각형 39">
-              <a:extLst>
-                <a:ext uri="{FF2B5EF4-FFF2-40B4-BE49-F238E27FC236}">
-                  <a16:creationId xmlns:a16="http://schemas.microsoft.com/office/drawing/2014/main" id="{402308A2-C6E3-4A0E-AAFB-510E2F7E5214}"/>
-                </a:ext>
-              </a:extLst>
-            </p:cNvPr>
-            <p:cNvSpPr/>
-            <p:nvPr/>
-          </p:nvSpPr>
-          <p:spPr>
-            <a:xfrm>
-              <a:off x="2509438" y="1262927"/>
-              <a:ext cx="403184" cy="523220"/>
-            </a:xfrm>
-            <a:prstGeom prst="rect">
-              <a:avLst/>
-            </a:prstGeom>
-          </p:spPr>
-          <p:txBody>
-            <a:bodyPr wrap="square" anchor="ctr">
-              <a:spAutoFit/>
-            </a:bodyPr>
-            <a:lstStyle>
-              <a:defPPr>
-                <a:defRPr lang="ko-KR"/>
-              </a:defPPr>
-              <a:lvl1pPr marL="0" algn="l" defTabSz="914400" rtl="0" eaLnBrk="1" latinLnBrk="1" hangingPunct="1">
-                <a:defRPr sz="1800" kern="1200">
-                  <a:solidFill>
-                    <a:schemeClr val="tx1"/>
-                  </a:solidFill>
-                  <a:latin typeface="+mn-lt"/>
-                  <a:ea typeface="+mn-ea"/>
-                  <a:cs typeface="+mn-cs"/>
-                </a:defRPr>
-              </a:lvl1pPr>
-              <a:lvl2pPr marL="457200" algn="l" defTabSz="914400" rtl="0" eaLnBrk="1" latinLnBrk="1" hangingPunct="1">
-                <a:defRPr sz="1800" kern="1200">
-                  <a:solidFill>
-                    <a:schemeClr val="tx1"/>
-                  </a:solidFill>
-                  <a:latin typeface="+mn-lt"/>
-                  <a:ea typeface="+mn-ea"/>
-                  <a:cs typeface="+mn-cs"/>
-                </a:defRPr>
-              </a:lvl2pPr>
-              <a:lvl3pPr marL="914400" algn="l" defTabSz="914400" rtl="0" eaLnBrk="1" latinLnBrk="1" hangingPunct="1">
-                <a:defRPr sz="1800" kern="1200">
-                  <a:solidFill>
-                    <a:schemeClr val="tx1"/>
-                  </a:solidFill>
-                  <a:latin typeface="+mn-lt"/>
-                  <a:ea typeface="+mn-ea"/>
-                  <a:cs typeface="+mn-cs"/>
-                </a:defRPr>
-              </a:lvl3pPr>
-              <a:lvl4pPr marL="1371600" algn="l" defTabSz="914400" rtl="0" eaLnBrk="1" latinLnBrk="1" hangingPunct="1">
-                <a:defRPr sz="1800" kern="1200">
-                  <a:solidFill>
-                    <a:schemeClr val="tx1"/>
-                  </a:solidFill>
-                  <a:latin typeface="+mn-lt"/>
-                  <a:ea typeface="+mn-ea"/>
-                  <a:cs typeface="+mn-cs"/>
-                </a:defRPr>
-              </a:lvl4pPr>
-              <a:lvl5pPr marL="1828800" algn="l" defTabSz="914400" rtl="0" eaLnBrk="1" latinLnBrk="1" hangingPunct="1">
-                <a:defRPr sz="1800" kern="1200">
-                  <a:solidFill>
-                    <a:schemeClr val="tx1"/>
-                  </a:solidFill>
-                  <a:latin typeface="+mn-lt"/>
-                  <a:ea typeface="+mn-ea"/>
-                  <a:cs typeface="+mn-cs"/>
-                </a:defRPr>
-              </a:lvl5pPr>
-              <a:lvl6pPr marL="2286000" algn="l" defTabSz="914400" rtl="0" eaLnBrk="1" latinLnBrk="1" hangingPunct="1">
-                <a:defRPr sz="1800" kern="1200">
-                  <a:solidFill>
-                    <a:schemeClr val="tx1"/>
-                  </a:solidFill>
-                  <a:latin typeface="+mn-lt"/>
-                  <a:ea typeface="+mn-ea"/>
-                  <a:cs typeface="+mn-cs"/>
-                </a:defRPr>
-              </a:lvl6pPr>
-              <a:lvl7pPr marL="2743200" algn="l" defTabSz="914400" rtl="0" eaLnBrk="1" latinLnBrk="1" hangingPunct="1">
-                <a:defRPr sz="1800" kern="1200">
-                  <a:solidFill>
-                    <a:schemeClr val="tx1"/>
-                  </a:solidFill>
-                  <a:latin typeface="+mn-lt"/>
-                  <a:ea typeface="+mn-ea"/>
-                  <a:cs typeface="+mn-cs"/>
-                </a:defRPr>
-              </a:lvl7pPr>
-              <a:lvl8pPr marL="3200400" algn="l" defTabSz="914400" rtl="0" eaLnBrk="1" latinLnBrk="1" hangingPunct="1">
-                <a:defRPr sz="1800" kern="1200">
-                  <a:solidFill>
-                    <a:schemeClr val="tx1"/>
-                  </a:solidFill>
-                  <a:latin typeface="+mn-lt"/>
-                  <a:ea typeface="+mn-ea"/>
-                  <a:cs typeface="+mn-cs"/>
-                </a:defRPr>
-              </a:lvl8pPr>
-              <a:lvl9pPr marL="3657600" algn="l" defTabSz="914400" rtl="0" eaLnBrk="1" latinLnBrk="1" hangingPunct="1">
-                <a:defRPr sz="1800" kern="1200">
-                  <a:solidFill>
-                    <a:schemeClr val="tx1"/>
-                  </a:solidFill>
-                  <a:latin typeface="+mn-lt"/>
-                  <a:ea typeface="+mn-ea"/>
-                  <a:cs typeface="+mn-cs"/>
-                </a:defRPr>
-              </a:lvl9pPr>
-            </a:lstStyle>
-            <a:p>
-              <a:pPr algn="ctr">
-                <a:defRPr/>
-              </a:pPr>
-              <a:r>
-                <a:rPr lang="en-US" altLang="ko-KR" sz="2800" b="1" dirty="0">
-                  <a:solidFill>
-                    <a:schemeClr val="bg1"/>
-                  </a:solidFill>
-                  <a:cs typeface="Arial" pitchFamily="34" charset="0"/>
-                </a:rPr>
-                <a:t>1 </a:t>
-              </a:r>
-              <a:endParaRPr lang="ko-KR" altLang="en-US" sz="2800" dirty="0">
-                <a:solidFill>
-                  <a:schemeClr val="bg1"/>
-                </a:solidFill>
-              </a:endParaRPr>
-            </a:p>
-          </p:txBody>
-        </p:sp>
-        <p:grpSp>
-          <p:nvGrpSpPr>
-            <p:cNvPr id="12" name="Group 8">
-              <a:extLst>
-                <a:ext uri="{FF2B5EF4-FFF2-40B4-BE49-F238E27FC236}">
-                  <a16:creationId xmlns:a16="http://schemas.microsoft.com/office/drawing/2014/main" id="{D20C0DBB-E21A-4051-B743-12A0DD7B2B81}"/>
-                </a:ext>
-              </a:extLst>
-            </p:cNvPr>
-            <p:cNvGrpSpPr/>
-            <p:nvPr/>
-          </p:nvGrpSpPr>
-          <p:grpSpPr>
-            <a:xfrm>
-              <a:off x="3203848" y="1219458"/>
-              <a:ext cx="4931641" cy="566439"/>
-              <a:chOff x="2126908" y="1760949"/>
-              <a:chExt cx="4749348" cy="566439"/>
-            </a:xfrm>
-          </p:grpSpPr>
-          <p:sp>
-            <p:nvSpPr>
-              <p:cNvPr id="13" name="TextBox 10">
-                <a:extLst>
-                  <a:ext uri="{FF2B5EF4-FFF2-40B4-BE49-F238E27FC236}">
-                    <a16:creationId xmlns:a16="http://schemas.microsoft.com/office/drawing/2014/main" id="{8D2F6DE8-1CB4-434A-B85E-CE33DA03E823}"/>
-                  </a:ext>
-                </a:extLst>
-              </p:cNvPr>
-              <p:cNvSpPr txBox="1"/>
-              <p:nvPr/>
-            </p:nvSpPr>
-            <p:spPr bwMode="auto">
-              <a:xfrm>
-                <a:off x="2126908" y="1760949"/>
-                <a:ext cx="4576856" cy="369332"/>
-              </a:xfrm>
-              <a:prstGeom prst="rect">
-                <a:avLst/>
-              </a:prstGeom>
-              <a:noFill/>
-              <a:effectLst/>
-            </p:spPr>
-            <p:txBody>
-              <a:bodyPr wrap="square">
-                <a:spAutoFit/>
-              </a:bodyPr>
-              <a:lstStyle>
-                <a:defPPr>
-                  <a:defRPr lang="ko-KR"/>
-                </a:defPPr>
-                <a:lvl1pPr marL="0" algn="l" defTabSz="914400" rtl="0" eaLnBrk="1" latinLnBrk="1" hangingPunct="1">
-                  <a:defRPr sz="1800" kern="1200">
-                    <a:solidFill>
-                      <a:schemeClr val="tx1"/>
-                    </a:solidFill>
-                    <a:latin typeface="+mn-lt"/>
-                    <a:ea typeface="+mn-ea"/>
-                    <a:cs typeface="+mn-cs"/>
-                  </a:defRPr>
-                </a:lvl1pPr>
-                <a:lvl2pPr marL="457200" algn="l" defTabSz="914400" rtl="0" eaLnBrk="1" latinLnBrk="1" hangingPunct="1">
-                  <a:defRPr sz="1800" kern="1200">
-                    <a:solidFill>
-                      <a:schemeClr val="tx1"/>
-                    </a:solidFill>
-                    <a:latin typeface="+mn-lt"/>
-                    <a:ea typeface="+mn-ea"/>
-                    <a:cs typeface="+mn-cs"/>
-                  </a:defRPr>
-                </a:lvl2pPr>
-                <a:lvl3pPr marL="914400" algn="l" defTabSz="914400" rtl="0" eaLnBrk="1" latinLnBrk="1" hangingPunct="1">
-                  <a:defRPr sz="1800" kern="1200">
-                    <a:solidFill>
-                      <a:schemeClr val="tx1"/>
-                    </a:solidFill>
-                    <a:latin typeface="+mn-lt"/>
-                    <a:ea typeface="+mn-ea"/>
-                    <a:cs typeface="+mn-cs"/>
-                  </a:defRPr>
-                </a:lvl3pPr>
-                <a:lvl4pPr marL="1371600" algn="l" defTabSz="914400" rtl="0" eaLnBrk="1" latinLnBrk="1" hangingPunct="1">
-                  <a:defRPr sz="1800" kern="1200">
-                    <a:solidFill>
-                      <a:schemeClr val="tx1"/>
-                    </a:solidFill>
-                    <a:latin typeface="+mn-lt"/>
-                    <a:ea typeface="+mn-ea"/>
-                    <a:cs typeface="+mn-cs"/>
-                  </a:defRPr>
-                </a:lvl4pPr>
-                <a:lvl5pPr marL="1828800" algn="l" defTabSz="914400" rtl="0" eaLnBrk="1" latinLnBrk="1" hangingPunct="1">
-                  <a:defRPr sz="1800" kern="1200">
-                    <a:solidFill>
-                      <a:schemeClr val="tx1"/>
-                    </a:solidFill>
-                    <a:latin typeface="+mn-lt"/>
-                    <a:ea typeface="+mn-ea"/>
-                    <a:cs typeface="+mn-cs"/>
-                  </a:defRPr>
-                </a:lvl5pPr>
-                <a:lvl6pPr marL="2286000" algn="l" defTabSz="914400" rtl="0" eaLnBrk="1" latinLnBrk="1" hangingPunct="1">
-                  <a:defRPr sz="1800" kern="1200">
-                    <a:solidFill>
-                      <a:schemeClr val="tx1"/>
-                    </a:solidFill>
-                    <a:latin typeface="+mn-lt"/>
-                    <a:ea typeface="+mn-ea"/>
-                    <a:cs typeface="+mn-cs"/>
-                  </a:defRPr>
-                </a:lvl6pPr>
-                <a:lvl7pPr marL="2743200" algn="l" defTabSz="914400" rtl="0" eaLnBrk="1" latinLnBrk="1" hangingPunct="1">
-                  <a:defRPr sz="1800" kern="1200">
-                    <a:solidFill>
-                      <a:schemeClr val="tx1"/>
-                    </a:solidFill>
-                    <a:latin typeface="+mn-lt"/>
-                    <a:ea typeface="+mn-ea"/>
-                    <a:cs typeface="+mn-cs"/>
-                  </a:defRPr>
-                </a:lvl7pPr>
-                <a:lvl8pPr marL="3200400" algn="l" defTabSz="914400" rtl="0" eaLnBrk="1" latinLnBrk="1" hangingPunct="1">
-                  <a:defRPr sz="1800" kern="1200">
-                    <a:solidFill>
-                      <a:schemeClr val="tx1"/>
-                    </a:solidFill>
-                    <a:latin typeface="+mn-lt"/>
-                    <a:ea typeface="+mn-ea"/>
-                    <a:cs typeface="+mn-cs"/>
-                  </a:defRPr>
-                </a:lvl8pPr>
-                <a:lvl9pPr marL="3657600" algn="l" defTabSz="914400" rtl="0" eaLnBrk="1" latinLnBrk="1" hangingPunct="1">
-                  <a:defRPr sz="1800" kern="1200">
-                    <a:solidFill>
-                      <a:schemeClr val="tx1"/>
-                    </a:solidFill>
-                    <a:latin typeface="+mn-lt"/>
-                    <a:ea typeface="+mn-ea"/>
-                    <a:cs typeface="+mn-cs"/>
-                  </a:defRPr>
-                </a:lvl9pPr>
-              </a:lstStyle>
-              <a:p>
-                <a:pPr>
-                  <a:defRPr/>
-                </a:pPr>
-                <a:r>
-                  <a:rPr lang="en-US" altLang="ko-KR" b="1" dirty="0">
-                    <a:solidFill>
-                      <a:schemeClr val="tx1">
-                        <a:lumMod val="75000"/>
-                        <a:lumOff val="25000"/>
-                      </a:schemeClr>
-                    </a:solidFill>
-                    <a:cs typeface="Arial" pitchFamily="34" charset="0"/>
-                  </a:rPr>
-                  <a:t>6</a:t>
-                </a:r>
-                <a:r>
-                  <a:rPr lang="en-US" altLang="ko-KR" b="1" baseline="30000" dirty="0">
-                    <a:solidFill>
-                      <a:schemeClr val="tx1">
-                        <a:lumMod val="75000"/>
-                        <a:lumOff val="25000"/>
-                      </a:schemeClr>
-                    </a:solidFill>
-                    <a:cs typeface="Arial" pitchFamily="34" charset="0"/>
-                  </a:rPr>
-                  <a:t>th</a:t>
-                </a:r>
-                <a:r>
-                  <a:rPr lang="en-US" altLang="ko-KR" b="1" dirty="0">
-                    <a:solidFill>
-                      <a:schemeClr val="tx1">
-                        <a:lumMod val="75000"/>
-                        <a:lumOff val="25000"/>
-                      </a:schemeClr>
-                    </a:solidFill>
-                    <a:cs typeface="Arial" pitchFamily="34" charset="0"/>
-                  </a:rPr>
-                  <a:t> week </a:t>
-                </a:r>
-              </a:p>
-            </p:txBody>
-          </p:sp>
-          <p:sp>
-            <p:nvSpPr>
-              <p:cNvPr id="14" name="TextBox 12">
-                <a:extLst>
-                  <a:ext uri="{FF2B5EF4-FFF2-40B4-BE49-F238E27FC236}">
-                    <a16:creationId xmlns:a16="http://schemas.microsoft.com/office/drawing/2014/main" id="{C96942D5-489F-4B41-BAF0-570D67FD9DEF}"/>
-                  </a:ext>
-                </a:extLst>
-              </p:cNvPr>
-              <p:cNvSpPr txBox="1"/>
-              <p:nvPr/>
-            </p:nvSpPr>
-            <p:spPr bwMode="auto">
-              <a:xfrm>
-                <a:off x="2299400" y="2050389"/>
-                <a:ext cx="4576856" cy="276999"/>
-              </a:xfrm>
-              <a:prstGeom prst="rect">
-                <a:avLst/>
-              </a:prstGeom>
-              <a:noFill/>
-              <a:effectLst/>
-            </p:spPr>
-            <p:txBody>
-              <a:bodyPr wrap="square">
-                <a:spAutoFit/>
-              </a:bodyPr>
-              <a:lstStyle>
-                <a:defPPr>
-                  <a:defRPr lang="ko-KR"/>
-                </a:defPPr>
-                <a:lvl1pPr marL="0" algn="l" defTabSz="914400" rtl="0" eaLnBrk="1" latinLnBrk="1" hangingPunct="1">
-                  <a:defRPr sz="1800" kern="1200">
-                    <a:solidFill>
-                      <a:schemeClr val="tx1"/>
-                    </a:solidFill>
-                    <a:latin typeface="+mn-lt"/>
-                    <a:ea typeface="+mn-ea"/>
-                    <a:cs typeface="+mn-cs"/>
-                  </a:defRPr>
-                </a:lvl1pPr>
-                <a:lvl2pPr marL="457200" algn="l" defTabSz="914400" rtl="0" eaLnBrk="1" latinLnBrk="1" hangingPunct="1">
-                  <a:defRPr sz="1800" kern="1200">
-                    <a:solidFill>
-                      <a:schemeClr val="tx1"/>
-                    </a:solidFill>
-                    <a:latin typeface="+mn-lt"/>
-                    <a:ea typeface="+mn-ea"/>
-                    <a:cs typeface="+mn-cs"/>
-                  </a:defRPr>
-                </a:lvl2pPr>
-                <a:lvl3pPr marL="914400" algn="l" defTabSz="914400" rtl="0" eaLnBrk="1" latinLnBrk="1" hangingPunct="1">
-                  <a:defRPr sz="1800" kern="1200">
-                    <a:solidFill>
-                      <a:schemeClr val="tx1"/>
-                    </a:solidFill>
-                    <a:latin typeface="+mn-lt"/>
-                    <a:ea typeface="+mn-ea"/>
-                    <a:cs typeface="+mn-cs"/>
-                  </a:defRPr>
-                </a:lvl3pPr>
-                <a:lvl4pPr marL="1371600" algn="l" defTabSz="914400" rtl="0" eaLnBrk="1" latinLnBrk="1" hangingPunct="1">
-                  <a:defRPr sz="1800" kern="1200">
-                    <a:solidFill>
-                      <a:schemeClr val="tx1"/>
-                    </a:solidFill>
-                    <a:latin typeface="+mn-lt"/>
-                    <a:ea typeface="+mn-ea"/>
-                    <a:cs typeface="+mn-cs"/>
-                  </a:defRPr>
-                </a:lvl4pPr>
-                <a:lvl5pPr marL="1828800" algn="l" defTabSz="914400" rtl="0" eaLnBrk="1" latinLnBrk="1" hangingPunct="1">
-                  <a:defRPr sz="1800" kern="1200">
-                    <a:solidFill>
-                      <a:schemeClr val="tx1"/>
-                    </a:solidFill>
-                    <a:latin typeface="+mn-lt"/>
-                    <a:ea typeface="+mn-ea"/>
-                    <a:cs typeface="+mn-cs"/>
-                  </a:defRPr>
-                </a:lvl5pPr>
-                <a:lvl6pPr marL="2286000" algn="l" defTabSz="914400" rtl="0" eaLnBrk="1" latinLnBrk="1" hangingPunct="1">
-                  <a:defRPr sz="1800" kern="1200">
-                    <a:solidFill>
-                      <a:schemeClr val="tx1"/>
-                    </a:solidFill>
-                    <a:latin typeface="+mn-lt"/>
-                    <a:ea typeface="+mn-ea"/>
-                    <a:cs typeface="+mn-cs"/>
-                  </a:defRPr>
-                </a:lvl6pPr>
-                <a:lvl7pPr marL="2743200" algn="l" defTabSz="914400" rtl="0" eaLnBrk="1" latinLnBrk="1" hangingPunct="1">
-                  <a:defRPr sz="1800" kern="1200">
-                    <a:solidFill>
-                      <a:schemeClr val="tx1"/>
-                    </a:solidFill>
-                    <a:latin typeface="+mn-lt"/>
-                    <a:ea typeface="+mn-ea"/>
-                    <a:cs typeface="+mn-cs"/>
-                  </a:defRPr>
-                </a:lvl7pPr>
-                <a:lvl8pPr marL="3200400" algn="l" defTabSz="914400" rtl="0" eaLnBrk="1" latinLnBrk="1" hangingPunct="1">
-                  <a:defRPr sz="1800" kern="1200">
-                    <a:solidFill>
-                      <a:schemeClr val="tx1"/>
-                    </a:solidFill>
-                    <a:latin typeface="+mn-lt"/>
-                    <a:ea typeface="+mn-ea"/>
-                    <a:cs typeface="+mn-cs"/>
-                  </a:defRPr>
-                </a:lvl8pPr>
-                <a:lvl9pPr marL="3657600" algn="l" defTabSz="914400" rtl="0" eaLnBrk="1" latinLnBrk="1" hangingPunct="1">
-                  <a:defRPr sz="1800" kern="1200">
-                    <a:solidFill>
-                      <a:schemeClr val="tx1"/>
-                    </a:solidFill>
-                    <a:latin typeface="+mn-lt"/>
-                    <a:ea typeface="+mn-ea"/>
-                    <a:cs typeface="+mn-cs"/>
-                  </a:defRPr>
-                </a:lvl9pPr>
-              </a:lstStyle>
-              <a:p>
-                <a:pPr>
-                  <a:defRPr/>
-                </a:pPr>
-                <a:r>
-                  <a:rPr lang="en-US" altLang="ko-KR" sz="1200" dirty="0">
-                    <a:solidFill>
-                      <a:schemeClr val="tx1">
-                        <a:lumMod val="75000"/>
-                        <a:lumOff val="25000"/>
-                      </a:schemeClr>
-                    </a:solidFill>
-                    <a:cs typeface="Arial" pitchFamily="34" charset="0"/>
-                  </a:rPr>
-                  <a:t>Revising and Refactoring codes</a:t>
-                </a:r>
-                <a:endParaRPr lang="ko-KR" altLang="en-US" sz="1200" dirty="0">
-                  <a:solidFill>
-                    <a:schemeClr val="tx1">
-                      <a:lumMod val="75000"/>
-                      <a:lumOff val="25000"/>
-                    </a:schemeClr>
-                  </a:solidFill>
-                  <a:cs typeface="Arial" pitchFamily="34" charset="0"/>
-                </a:endParaRPr>
-              </a:p>
-            </p:txBody>
-          </p:sp>
-        </p:grpSp>
-      </p:grpSp>
-    </p:spTree>
-    <p:extLst>
-      <p:ext uri="{BB962C8B-B14F-4D97-AF65-F5344CB8AC3E}">
-        <p14:creationId xmlns:p14="http://schemas.microsoft.com/office/powerpoint/2010/main" val="3756553589"/>
-      </p:ext>
-    </p:extLst>
-  </p:cSld>
-  <p:clrMapOvr>
-    <a:masterClrMapping/>
-  </p:clrMapOvr>
-</p:sld>
-</file>
-
-<file path=ppt/slides/slide30.xml><?xml version="1.0" encoding="utf-8"?>
+<file path=ppt/slides/slide34.xml><?xml version="1.0" encoding="utf-8"?>
 <p:sld xmlns:a="http://schemas.openxmlformats.org/drawingml/2006/main" xmlns:r="http://schemas.openxmlformats.org/officeDocument/2006/relationships" xmlns:p="http://schemas.openxmlformats.org/presentationml/2006/main">
   <p:cSld>
     <p:spTree>
@@ -35833,6 +41954,176 @@
           </a:p>
         </p:txBody>
       </p:sp>
+      <p:pic>
+        <p:nvPicPr>
+          <p:cNvPr id="3" name="Image 2"/>
+          <p:cNvPicPr>
+            <a:picLocks noChangeAspect="1"/>
+          </p:cNvPicPr>
+          <p:nvPr/>
+        </p:nvPicPr>
+        <p:blipFill>
+          <a:blip r:embed="rId2"/>
+          <a:stretch>
+            <a:fillRect/>
+          </a:stretch>
+        </p:blipFill>
+        <p:spPr>
+          <a:xfrm>
+            <a:off x="1162075" y="1600651"/>
+            <a:ext cx="2352675" cy="447675"/>
+          </a:xfrm>
+          <a:prstGeom prst="rect">
+            <a:avLst/>
+          </a:prstGeom>
+        </p:spPr>
+      </p:pic>
+      <p:pic>
+        <p:nvPicPr>
+          <p:cNvPr id="5" name="Image 4"/>
+          <p:cNvPicPr>
+            <a:picLocks noChangeAspect="1"/>
+          </p:cNvPicPr>
+          <p:nvPr/>
+        </p:nvPicPr>
+        <p:blipFill>
+          <a:blip r:embed="rId3"/>
+          <a:stretch>
+            <a:fillRect/>
+          </a:stretch>
+        </p:blipFill>
+        <p:spPr>
+          <a:xfrm>
+            <a:off x="3681710" y="1525174"/>
+            <a:ext cx="5240560" cy="1024647"/>
+          </a:xfrm>
+          <a:prstGeom prst="rect">
+            <a:avLst/>
+          </a:prstGeom>
+        </p:spPr>
+      </p:pic>
+      <p:pic>
+        <p:nvPicPr>
+          <p:cNvPr id="6" name="Image 5"/>
+          <p:cNvPicPr>
+            <a:picLocks noChangeAspect="1"/>
+          </p:cNvPicPr>
+          <p:nvPr/>
+        </p:nvPicPr>
+        <p:blipFill>
+          <a:blip r:embed="rId4"/>
+          <a:stretch>
+            <a:fillRect/>
+          </a:stretch>
+        </p:blipFill>
+        <p:spPr>
+          <a:xfrm>
+            <a:off x="1162075" y="3003798"/>
+            <a:ext cx="4914900" cy="1438275"/>
+          </a:xfrm>
+          <a:prstGeom prst="rect">
+            <a:avLst/>
+          </a:prstGeom>
+        </p:spPr>
+      </p:pic>
+      <p:sp>
+        <p:nvSpPr>
+          <p:cNvPr id="7" name="ZoneTexte 6"/>
+          <p:cNvSpPr txBox="1"/>
+          <p:nvPr/>
+        </p:nvSpPr>
+        <p:spPr>
+          <a:xfrm>
+            <a:off x="173260" y="1340508"/>
+            <a:ext cx="957313" cy="369332"/>
+          </a:xfrm>
+          <a:prstGeom prst="rect">
+            <a:avLst/>
+          </a:prstGeom>
+          <a:noFill/>
+        </p:spPr>
+        <p:txBody>
+          <a:bodyPr wrap="none" rtlCol="0">
+            <a:spAutoFit/>
+          </a:bodyPr>
+          <a:lstStyle/>
+          <a:p>
+            <a:r>
+              <a:rPr lang="fr-FR" dirty="0" err="1" smtClean="0"/>
+              <a:t>Client.c</a:t>
+            </a:r>
+            <a:endParaRPr lang="fr-FR" dirty="0"/>
+          </a:p>
+        </p:txBody>
+      </p:sp>
+      <p:sp>
+        <p:nvSpPr>
+          <p:cNvPr id="8" name="ZoneTexte 7"/>
+          <p:cNvSpPr txBox="1"/>
+          <p:nvPr/>
+        </p:nvSpPr>
+        <p:spPr>
+          <a:xfrm>
+            <a:off x="129978" y="2594400"/>
+            <a:ext cx="1043876" cy="369332"/>
+          </a:xfrm>
+          <a:prstGeom prst="rect">
+            <a:avLst/>
+          </a:prstGeom>
+          <a:noFill/>
+        </p:spPr>
+        <p:txBody>
+          <a:bodyPr wrap="none" rtlCol="0">
+            <a:spAutoFit/>
+          </a:bodyPr>
+          <a:lstStyle/>
+          <a:p>
+            <a:r>
+              <a:rPr lang="fr-FR" dirty="0" err="1" smtClean="0"/>
+              <a:t>Server.c</a:t>
+            </a:r>
+            <a:endParaRPr lang="fr-FR" dirty="0"/>
+          </a:p>
+        </p:txBody>
+      </p:sp>
+      <p:sp>
+        <p:nvSpPr>
+          <p:cNvPr id="9" name="ZoneTexte 8"/>
+          <p:cNvSpPr txBox="1"/>
+          <p:nvPr/>
+        </p:nvSpPr>
+        <p:spPr>
+          <a:xfrm>
+            <a:off x="6101209" y="3651870"/>
+            <a:ext cx="1826141" cy="369332"/>
+          </a:xfrm>
+          <a:prstGeom prst="rect">
+            <a:avLst/>
+          </a:prstGeom>
+          <a:noFill/>
+        </p:spPr>
+        <p:txBody>
+          <a:bodyPr wrap="none" rtlCol="0">
+            <a:spAutoFit/>
+          </a:bodyPr>
+          <a:lstStyle/>
+          <a:p>
+            <a:r>
+              <a:rPr lang="fr-FR" dirty="0" err="1" smtClean="0"/>
+              <a:t>Clock</a:t>
+            </a:r>
+            <a:r>
+              <a:rPr lang="fr-FR" dirty="0" smtClean="0"/>
+              <a:t> </a:t>
+            </a:r>
+            <a:r>
+              <a:rPr lang="fr-FR" dirty="0" err="1" smtClean="0"/>
+              <a:t>underflow</a:t>
+            </a:r>
+            <a:endParaRPr lang="fr-FR" dirty="0"/>
+          </a:p>
+        </p:txBody>
+      </p:sp>
     </p:spTree>
     <p:extLst>
       <p:ext uri="{BB962C8B-B14F-4D97-AF65-F5344CB8AC3E}">
@@ -36767,7 +43058,7 @@
         <p:spPr>
           <a:xfrm>
             <a:off x="1449177" y="1126380"/>
-            <a:ext cx="2484976" cy="369332"/>
+            <a:ext cx="4940776" cy="369332"/>
           </a:xfrm>
           <a:prstGeom prst="rect">
             <a:avLst/>
@@ -36782,23 +43073,53 @@
           <a:p>
             <a:r>
               <a:rPr lang="en-US" altLang="ko-KR" dirty="0"/>
-              <a:t>B) Use </a:t>
+              <a:t>C) Add commands : </a:t>
             </a:r>
             <a:r>
               <a:rPr lang="en-US" altLang="ko-KR" dirty="0" err="1"/>
-              <a:t>gettime</a:t>
+              <a:t>client.c</a:t>
             </a:r>
             <a:r>
               <a:rPr lang="en-US" altLang="ko-KR" dirty="0"/>
-              <a:t> function</a:t>
+              <a:t> – EXTERN VARIABLE</a:t>
             </a:r>
           </a:p>
         </p:txBody>
       </p:sp>
+      <p:pic>
+        <p:nvPicPr>
+          <p:cNvPr id="3" name="그림 2">
+            <a:extLst>
+              <a:ext uri="{FF2B5EF4-FFF2-40B4-BE49-F238E27FC236}">
+                <a16:creationId xmlns:a16="http://schemas.microsoft.com/office/drawing/2014/main" id="{8247A141-6CDA-455D-94FE-9F2075E45B9F}"/>
+              </a:ext>
+            </a:extLst>
+          </p:cNvPr>
+          <p:cNvPicPr>
+            <a:picLocks noChangeAspect="1"/>
+          </p:cNvPicPr>
+          <p:nvPr/>
+        </p:nvPicPr>
+        <p:blipFill>
+          <a:blip r:embed="rId2"/>
+          <a:stretch>
+            <a:fillRect/>
+          </a:stretch>
+        </p:blipFill>
+        <p:spPr>
+          <a:xfrm>
+            <a:off x="1245701" y="1679973"/>
+            <a:ext cx="7286625" cy="2314575"/>
+          </a:xfrm>
+          <a:prstGeom prst="rect">
+            <a:avLst/>
+          </a:prstGeom>
+        </p:spPr>
+      </p:pic>
     </p:spTree>
     <p:extLst>
       <p:ext uri="{BB962C8B-B14F-4D97-AF65-F5344CB8AC3E}">
-        <p14:creationId xmlns:p14="http://schemas.microsoft.com/office/powerpoint/2010/main" val="4050017488"/>
+        <p14:creationId xmlns:p14="http://schemas.microsoft.com/office/powerpoint/2010/main" val="2064751842"/>
       </p:ext>
     </p:extLst>
   </p:cSld>
@@ -37729,7 +44050,7 @@
         <p:spPr>
           <a:xfrm>
             <a:off x="1449177" y="1126380"/>
-            <a:ext cx="4940776" cy="369332"/>
+            <a:ext cx="4839786" cy="369332"/>
           </a:xfrm>
           <a:prstGeom prst="rect">
             <a:avLst/>
@@ -37752,17 +44073,17 @@
             </a:r>
             <a:r>
               <a:rPr lang="en-US" altLang="ko-KR" dirty="0"/>
-              <a:t> – EXTERN VARIABLE</a:t>
+              <a:t> – LOCAL VARIABLE</a:t>
             </a:r>
           </a:p>
         </p:txBody>
       </p:sp>
       <p:pic>
         <p:nvPicPr>
-          <p:cNvPr id="3" name="그림 2">
+          <p:cNvPr id="5" name="그림 4">
             <a:extLst>
               <a:ext uri="{FF2B5EF4-FFF2-40B4-BE49-F238E27FC236}">
-                <a16:creationId xmlns:a16="http://schemas.microsoft.com/office/drawing/2014/main" id="{8247A141-6CDA-455D-94FE-9F2075E45B9F}"/>
+                <a16:creationId xmlns:a16="http://schemas.microsoft.com/office/drawing/2014/main" id="{8040E9DE-0634-4BC9-A21B-A7FC76C89A51}"/>
               </a:ext>
             </a:extLst>
           </p:cNvPr>
@@ -37779,8 +44100,8 @@
         </p:blipFill>
         <p:spPr>
           <a:xfrm>
-            <a:off x="1245701" y="1679973"/>
-            <a:ext cx="7286625" cy="2314575"/>
+            <a:off x="1801464" y="1495712"/>
+            <a:ext cx="4989934" cy="3286228"/>
           </a:xfrm>
           <a:prstGeom prst="rect">
             <a:avLst/>
@@ -37790,7 +44111,7 @@
     </p:spTree>
     <p:extLst>
       <p:ext uri="{BB962C8B-B14F-4D97-AF65-F5344CB8AC3E}">
-        <p14:creationId xmlns:p14="http://schemas.microsoft.com/office/powerpoint/2010/main" val="2064751842"/>
+        <p14:creationId xmlns:p14="http://schemas.microsoft.com/office/powerpoint/2010/main" val="1609278790"/>
       </p:ext>
     </p:extLst>
   </p:cSld>

--- a/documents/presentation/presentation_3.pptx
+++ b/documents/presentation/presentation_3.pptx
@@ -243,7 +243,7 @@
           <a:p>
             <a:fld id="{A0FE4780-4742-4AF7-B9F6-29387D06C872}" type="datetimeFigureOut">
               <a:rPr lang="ko-KR" altLang="en-US" smtClean="0"/>
-              <a:t>2019-02-18</a:t>
+              <a:t>2019-02-19</a:t>
             </a:fld>
             <a:endParaRPr lang="ko-KR" altLang="en-US"/>
           </a:p>
@@ -402,7 +402,7 @@
           <a:p>
             <a:fld id="{B820E160-F603-41F3-A192-DC95957721C3}" type="slidenum">
               <a:rPr lang="ko-KR" altLang="en-US" smtClean="0"/>
-              <a:t>‹N°›</a:t>
+              <a:t>‹#›</a:t>
             </a:fld>
             <a:endParaRPr lang="ko-KR" altLang="en-US"/>
           </a:p>
@@ -22322,13 +22322,6 @@
   <p:clrMapOvr>
     <a:masterClrMapping/>
   </p:clrMapOvr>
-  <p:timing>
-    <p:tnLst>
-      <p:par>
-        <p:cTn id="1" dur="indefinite" restart="never" nodeType="tmRoot"/>
-      </p:par>
-    </p:tnLst>
-  </p:timing>
 </p:sld>
 </file>
 
@@ -24251,10 +24244,9 @@
           <a:lstStyle/>
           <a:p>
             <a:r>
-              <a:rPr lang="en-US" altLang="ko-KR" dirty="0" smtClean="0"/>
+              <a:rPr lang="en-US" altLang="ko-KR" dirty="0"/>
               <a:t>Problem.</a:t>
             </a:r>
-            <a:endParaRPr lang="en-US" altLang="ko-KR" dirty="0"/>
           </a:p>
         </p:txBody>
       </p:sp>
@@ -24301,10 +24293,9 @@
           <a:p>
             <a:pPr algn="ctr"/>
             <a:r>
-              <a:rPr lang="fr-FR" dirty="0" smtClean="0"/>
+              <a:rPr lang="fr-FR" dirty="0"/>
               <a:t>NIC(1)</a:t>
             </a:r>
-            <a:endParaRPr lang="fr-FR" dirty="0"/>
           </a:p>
         </p:txBody>
       </p:sp>
@@ -24401,7 +24392,7 @@
           <a:lstStyle/>
           <a:p>
             <a:r>
-              <a:rPr lang="fr-FR" dirty="0" err="1" smtClean="0"/>
+              <a:rPr lang="fr-FR" dirty="0" err="1"/>
               <a:t>Tx</a:t>
             </a:r>
             <a:endParaRPr lang="fr-FR" dirty="0"/>
@@ -24431,7 +24422,7 @@
           <a:lstStyle/>
           <a:p>
             <a:r>
-              <a:rPr lang="fr-FR" dirty="0" err="1" smtClean="0"/>
+              <a:rPr lang="fr-FR" dirty="0" err="1"/>
               <a:t>Rx</a:t>
             </a:r>
             <a:endParaRPr lang="fr-FR" dirty="0"/>
@@ -24461,10 +24452,9 @@
           <a:lstStyle/>
           <a:p>
             <a:r>
-              <a:rPr lang="fr-FR" dirty="0" smtClean="0"/>
+              <a:rPr lang="fr-FR" dirty="0"/>
               <a:t>./Client</a:t>
             </a:r>
-            <a:endParaRPr lang="fr-FR" dirty="0"/>
           </a:p>
         </p:txBody>
       </p:sp>
@@ -24491,10 +24481,9 @@
           <a:lstStyle/>
           <a:p>
             <a:r>
-              <a:rPr lang="fr-FR" dirty="0" smtClean="0"/>
+              <a:rPr lang="fr-FR" dirty="0"/>
               <a:t>./Server</a:t>
             </a:r>
-            <a:endParaRPr lang="fr-FR" dirty="0"/>
           </a:p>
         </p:txBody>
       </p:sp>
@@ -24521,19 +24510,19 @@
           <a:lstStyle/>
           <a:p>
             <a:r>
-              <a:rPr lang="fr-FR" dirty="0" smtClean="0"/>
+              <a:rPr lang="fr-FR" dirty="0"/>
               <a:t>User: </a:t>
             </a:r>
           </a:p>
           <a:p>
             <a:r>
-              <a:rPr lang="fr-FR" dirty="0" smtClean="0"/>
+              <a:rPr lang="fr-FR" dirty="0"/>
               <a:t>1) ./setup</a:t>
             </a:r>
           </a:p>
           <a:p>
             <a:r>
-              <a:rPr lang="fr-FR" dirty="0" smtClean="0"/>
+              <a:rPr lang="fr-FR" dirty="0"/>
               <a:t>2) ./nano configuration.txt</a:t>
             </a:r>
           </a:p>
@@ -24582,10 +24571,9 @@
           <a:p>
             <a:pPr algn="ctr"/>
             <a:r>
-              <a:rPr lang="fr-FR" dirty="0" smtClean="0"/>
+              <a:rPr lang="fr-FR" dirty="0"/>
               <a:t>NIC(2)</a:t>
             </a:r>
-            <a:endParaRPr lang="fr-FR" dirty="0"/>
           </a:p>
         </p:txBody>
       </p:sp>
@@ -24612,7 +24600,7 @@
           <a:lstStyle/>
           <a:p>
             <a:r>
-              <a:rPr lang="fr-FR" dirty="0" err="1" smtClean="0"/>
+              <a:rPr lang="fr-FR" dirty="0" err="1"/>
               <a:t>MAC_sender</a:t>
             </a:r>
             <a:endParaRPr lang="fr-FR" dirty="0"/>
@@ -24642,7 +24630,7 @@
           <a:lstStyle/>
           <a:p>
             <a:r>
-              <a:rPr lang="fr-FR" dirty="0" err="1" smtClean="0"/>
+              <a:rPr lang="fr-FR" dirty="0" err="1"/>
               <a:t>MAC_receiver</a:t>
             </a:r>
             <a:endParaRPr lang="fr-FR" dirty="0"/>
@@ -24672,30 +24660,30 @@
           <a:lstStyle/>
           <a:p>
             <a:r>
-              <a:rPr lang="fr-FR" dirty="0" err="1" smtClean="0"/>
+              <a:rPr lang="fr-FR" dirty="0" err="1"/>
               <a:t>Add</a:t>
             </a:r>
             <a:r>
-              <a:rPr lang="fr-FR" dirty="0" smtClean="0"/>
+              <a:rPr lang="fr-FR" dirty="0"/>
               <a:t> </a:t>
             </a:r>
             <a:r>
-              <a:rPr lang="fr-FR" dirty="0" err="1" smtClean="0"/>
+              <a:rPr lang="fr-FR" dirty="0" err="1"/>
               <a:t>MAC_sender</a:t>
             </a:r>
-            <a:endParaRPr lang="fr-FR" dirty="0" smtClean="0"/>
+            <a:endParaRPr lang="fr-FR" dirty="0"/>
           </a:p>
           <a:p>
             <a:r>
-              <a:rPr lang="fr-FR" dirty="0" err="1" smtClean="0"/>
+              <a:rPr lang="fr-FR" dirty="0" err="1"/>
               <a:t>Add</a:t>
             </a:r>
             <a:r>
-              <a:rPr lang="fr-FR" dirty="0" smtClean="0"/>
+              <a:rPr lang="fr-FR" dirty="0"/>
               <a:t> </a:t>
             </a:r>
             <a:r>
-              <a:rPr lang="fr-FR" dirty="0" err="1" smtClean="0"/>
+              <a:rPr lang="fr-FR" dirty="0" err="1"/>
               <a:t>MAC_receiver</a:t>
             </a:r>
             <a:endParaRPr lang="fr-FR" dirty="0"/>
@@ -24729,10 +24717,9 @@
           <a:lstStyle/>
           <a:p>
             <a:r>
-              <a:rPr lang="fr-FR" dirty="0" smtClean="0"/>
+              <a:rPr lang="fr-FR" dirty="0"/>
               <a:t>Normal case</a:t>
             </a:r>
-            <a:endParaRPr lang="fr-FR" dirty="0"/>
           </a:p>
         </p:txBody>
       </p:sp>
@@ -25684,10 +25671,9 @@
           <a:lstStyle/>
           <a:p>
             <a:r>
-              <a:rPr lang="en-US" altLang="ko-KR" dirty="0" smtClean="0"/>
+              <a:rPr lang="en-US" altLang="ko-KR" dirty="0"/>
               <a:t>Problem.</a:t>
             </a:r>
-            <a:endParaRPr lang="en-US" altLang="ko-KR" dirty="0"/>
           </a:p>
         </p:txBody>
       </p:sp>
@@ -25734,10 +25720,9 @@
           <a:p>
             <a:pPr algn="ctr"/>
             <a:r>
-              <a:rPr lang="fr-FR" dirty="0" smtClean="0"/>
+              <a:rPr lang="fr-FR" dirty="0"/>
               <a:t>NIC(1)</a:t>
             </a:r>
-            <a:endParaRPr lang="fr-FR" dirty="0"/>
           </a:p>
         </p:txBody>
       </p:sp>
@@ -25834,7 +25819,7 @@
           <a:lstStyle/>
           <a:p>
             <a:r>
-              <a:rPr lang="fr-FR" dirty="0" err="1" smtClean="0"/>
+              <a:rPr lang="fr-FR" dirty="0" err="1"/>
               <a:t>Tx</a:t>
             </a:r>
             <a:endParaRPr lang="fr-FR" dirty="0"/>
@@ -25864,7 +25849,7 @@
           <a:lstStyle/>
           <a:p>
             <a:r>
-              <a:rPr lang="fr-FR" dirty="0" err="1" smtClean="0"/>
+              <a:rPr lang="fr-FR" dirty="0" err="1"/>
               <a:t>Rx</a:t>
             </a:r>
             <a:endParaRPr lang="fr-FR" dirty="0"/>
@@ -25894,10 +25879,9 @@
           <a:lstStyle/>
           <a:p>
             <a:r>
-              <a:rPr lang="fr-FR" dirty="0" smtClean="0"/>
+              <a:rPr lang="fr-FR" dirty="0"/>
               <a:t>./Client</a:t>
             </a:r>
-            <a:endParaRPr lang="fr-FR" dirty="0"/>
           </a:p>
         </p:txBody>
       </p:sp>
@@ -25924,10 +25908,9 @@
           <a:lstStyle/>
           <a:p>
             <a:r>
-              <a:rPr lang="fr-FR" dirty="0" smtClean="0"/>
+              <a:rPr lang="fr-FR" dirty="0"/>
               <a:t>./Server</a:t>
             </a:r>
-            <a:endParaRPr lang="fr-FR" dirty="0"/>
           </a:p>
         </p:txBody>
       </p:sp>
@@ -25954,19 +25937,19 @@
           <a:lstStyle/>
           <a:p>
             <a:r>
-              <a:rPr lang="fr-FR" dirty="0" smtClean="0"/>
+              <a:rPr lang="fr-FR" dirty="0"/>
               <a:t>User: </a:t>
             </a:r>
           </a:p>
           <a:p>
             <a:r>
-              <a:rPr lang="fr-FR" dirty="0" smtClean="0"/>
+              <a:rPr lang="fr-FR" dirty="0"/>
               <a:t>1) ./setup</a:t>
             </a:r>
           </a:p>
           <a:p>
             <a:r>
-              <a:rPr lang="fr-FR" dirty="0" smtClean="0"/>
+              <a:rPr lang="fr-FR" dirty="0"/>
               <a:t>2) ./nano configuration.txt</a:t>
             </a:r>
           </a:p>
@@ -26015,10 +25998,9 @@
           <a:p>
             <a:pPr algn="ctr"/>
             <a:r>
-              <a:rPr lang="fr-FR" dirty="0" smtClean="0"/>
+              <a:rPr lang="fr-FR" dirty="0"/>
               <a:t>NIC(2)</a:t>
             </a:r>
-            <a:endParaRPr lang="fr-FR" dirty="0"/>
           </a:p>
         </p:txBody>
       </p:sp>
@@ -26045,7 +26027,7 @@
           <a:lstStyle/>
           <a:p>
             <a:r>
-              <a:rPr lang="fr-FR" dirty="0" err="1" smtClean="0"/>
+              <a:rPr lang="fr-FR" dirty="0" err="1"/>
               <a:t>MAC_sender</a:t>
             </a:r>
             <a:endParaRPr lang="fr-FR" dirty="0"/>
@@ -26075,7 +26057,7 @@
           <a:lstStyle/>
           <a:p>
             <a:r>
-              <a:rPr lang="fr-FR" dirty="0" err="1" smtClean="0"/>
+              <a:rPr lang="fr-FR" dirty="0" err="1"/>
               <a:t>MAC_receiver</a:t>
             </a:r>
             <a:endParaRPr lang="fr-FR" dirty="0"/>
@@ -26105,23 +26087,23 @@
           <a:lstStyle/>
           <a:p>
             <a:r>
-              <a:rPr lang="fr-FR" dirty="0" err="1" smtClean="0"/>
+              <a:rPr lang="fr-FR" dirty="0" err="1"/>
               <a:t>Add</a:t>
             </a:r>
             <a:r>
-              <a:rPr lang="fr-FR" dirty="0" smtClean="0"/>
+              <a:rPr lang="fr-FR" dirty="0"/>
               <a:t> </a:t>
             </a:r>
             <a:r>
-              <a:rPr lang="fr-FR" dirty="0" err="1" smtClean="0"/>
+              <a:rPr lang="fr-FR" dirty="0" err="1"/>
               <a:t>MAC_sender</a:t>
             </a:r>
             <a:r>
-              <a:rPr lang="fr-FR" dirty="0" smtClean="0"/>
+              <a:rPr lang="fr-FR" dirty="0"/>
               <a:t> as </a:t>
             </a:r>
             <a:r>
-              <a:rPr lang="fr-FR" dirty="0" smtClean="0">
+              <a:rPr lang="fr-FR" dirty="0">
                 <a:solidFill>
                   <a:srgbClr val="FF0000"/>
                 </a:solidFill>
@@ -26131,23 +26113,23 @@
           </a:p>
           <a:p>
             <a:r>
-              <a:rPr lang="fr-FR" dirty="0" err="1" smtClean="0"/>
+              <a:rPr lang="fr-FR" dirty="0" err="1"/>
               <a:t>Add</a:t>
             </a:r>
             <a:r>
-              <a:rPr lang="fr-FR" dirty="0" smtClean="0"/>
+              <a:rPr lang="fr-FR" dirty="0"/>
               <a:t> </a:t>
             </a:r>
             <a:r>
-              <a:rPr lang="fr-FR" dirty="0" err="1" smtClean="0"/>
+              <a:rPr lang="fr-FR" dirty="0" err="1"/>
               <a:t>MAC_receiver</a:t>
             </a:r>
             <a:r>
-              <a:rPr lang="fr-FR" dirty="0" smtClean="0"/>
+              <a:rPr lang="fr-FR" dirty="0"/>
               <a:t> as </a:t>
             </a:r>
             <a:r>
-              <a:rPr lang="fr-FR" dirty="0" smtClean="0">
+              <a:rPr lang="fr-FR" dirty="0">
                 <a:solidFill>
                   <a:srgbClr val="FF0000"/>
                 </a:solidFill>
@@ -26164,18 +26146,13 @@
           </a:p>
           <a:p>
             <a:r>
-              <a:rPr lang="fr-FR" dirty="0" smtClean="0">
+              <a:rPr lang="fr-FR" dirty="0">
                 <a:solidFill>
                   <a:srgbClr val="FF0000"/>
                 </a:solidFill>
               </a:rPr>
               <a:t> IT STILL WORKING.</a:t>
             </a:r>
-            <a:endParaRPr lang="fr-FR" dirty="0">
-              <a:solidFill>
-                <a:srgbClr val="FF0000"/>
-              </a:solidFill>
-            </a:endParaRPr>
           </a:p>
         </p:txBody>
       </p:sp>
@@ -26206,10 +26183,9 @@
           <a:lstStyle/>
           <a:p>
             <a:r>
-              <a:rPr lang="fr-FR" dirty="0" smtClean="0"/>
+              <a:rPr lang="fr-FR" dirty="0"/>
               <a:t>Bad case</a:t>
             </a:r>
-            <a:endParaRPr lang="fr-FR" dirty="0"/>
           </a:p>
         </p:txBody>
       </p:sp>
@@ -27161,10 +27137,9 @@
           <a:lstStyle/>
           <a:p>
             <a:r>
-              <a:rPr lang="en-US" altLang="ko-KR" dirty="0" smtClean="0"/>
+              <a:rPr lang="en-US" altLang="ko-KR" dirty="0"/>
               <a:t>Problem.</a:t>
             </a:r>
-            <a:endParaRPr lang="en-US" altLang="ko-KR" dirty="0"/>
           </a:p>
         </p:txBody>
       </p:sp>
@@ -27211,10 +27186,9 @@
           <a:p>
             <a:pPr algn="ctr"/>
             <a:r>
-              <a:rPr lang="fr-FR" dirty="0" smtClean="0"/>
+              <a:rPr lang="fr-FR" dirty="0"/>
               <a:t>NIC(1)</a:t>
             </a:r>
-            <a:endParaRPr lang="fr-FR" dirty="0"/>
           </a:p>
         </p:txBody>
       </p:sp>
@@ -27311,7 +27285,7 @@
           <a:lstStyle/>
           <a:p>
             <a:r>
-              <a:rPr lang="fr-FR" dirty="0" err="1" smtClean="0"/>
+              <a:rPr lang="fr-FR" dirty="0" err="1"/>
               <a:t>Tx</a:t>
             </a:r>
             <a:endParaRPr lang="fr-FR" dirty="0"/>
@@ -27341,7 +27315,7 @@
           <a:lstStyle/>
           <a:p>
             <a:r>
-              <a:rPr lang="fr-FR" dirty="0" err="1" smtClean="0"/>
+              <a:rPr lang="fr-FR" dirty="0" err="1"/>
               <a:t>Rx</a:t>
             </a:r>
             <a:endParaRPr lang="fr-FR" dirty="0"/>
@@ -27371,10 +27345,9 @@
           <a:lstStyle/>
           <a:p>
             <a:r>
-              <a:rPr lang="fr-FR" dirty="0" smtClean="0"/>
+              <a:rPr lang="fr-FR" dirty="0"/>
               <a:t>./Client</a:t>
             </a:r>
-            <a:endParaRPr lang="fr-FR" dirty="0"/>
           </a:p>
         </p:txBody>
       </p:sp>
@@ -27401,10 +27374,9 @@
           <a:lstStyle/>
           <a:p>
             <a:r>
-              <a:rPr lang="fr-FR" dirty="0" smtClean="0"/>
+              <a:rPr lang="fr-FR" dirty="0"/>
               <a:t>./Server</a:t>
             </a:r>
-            <a:endParaRPr lang="fr-FR" dirty="0"/>
           </a:p>
         </p:txBody>
       </p:sp>
@@ -27451,10 +27423,9 @@
           <a:p>
             <a:pPr algn="ctr"/>
             <a:r>
-              <a:rPr lang="fr-FR" dirty="0" smtClean="0"/>
+              <a:rPr lang="fr-FR" dirty="0"/>
               <a:t>NIC(2)</a:t>
             </a:r>
-            <a:endParaRPr lang="fr-FR" dirty="0"/>
           </a:p>
         </p:txBody>
       </p:sp>
@@ -27481,7 +27452,7 @@
           <a:lstStyle/>
           <a:p>
             <a:r>
-              <a:rPr lang="fr-FR" dirty="0" err="1" smtClean="0"/>
+              <a:rPr lang="fr-FR" dirty="0" err="1"/>
               <a:t>MAC_sender</a:t>
             </a:r>
             <a:endParaRPr lang="fr-FR" dirty="0"/>
@@ -27511,7 +27482,7 @@
           <a:lstStyle/>
           <a:p>
             <a:r>
-              <a:rPr lang="fr-FR" dirty="0" err="1" smtClean="0"/>
+              <a:rPr lang="fr-FR" dirty="0" err="1"/>
               <a:t>MAC_receiver</a:t>
             </a:r>
             <a:endParaRPr lang="fr-FR" dirty="0"/>
@@ -27545,10 +27516,9 @@
           <a:lstStyle/>
           <a:p>
             <a:r>
-              <a:rPr lang="fr-FR" dirty="0" smtClean="0"/>
+              <a:rPr lang="fr-FR" dirty="0"/>
               <a:t>Bad case</a:t>
             </a:r>
-            <a:endParaRPr lang="fr-FR" dirty="0"/>
           </a:p>
         </p:txBody>
       </p:sp>
@@ -27595,10 +27565,9 @@
           <a:p>
             <a:pPr algn="ctr"/>
             <a:r>
-              <a:rPr lang="fr-FR" dirty="0" smtClean="0"/>
+              <a:rPr lang="fr-FR" dirty="0"/>
               <a:t>Client</a:t>
             </a:r>
-            <a:endParaRPr lang="fr-FR" dirty="0"/>
           </a:p>
         </p:txBody>
       </p:sp>
@@ -27645,10 +27614,9 @@
           <a:p>
             <a:pPr algn="ctr"/>
             <a:r>
-              <a:rPr lang="fr-FR" dirty="0" smtClean="0"/>
+              <a:rPr lang="fr-FR" dirty="0"/>
               <a:t>Server</a:t>
             </a:r>
-            <a:endParaRPr lang="fr-FR" dirty="0"/>
           </a:p>
         </p:txBody>
       </p:sp>
@@ -27721,24 +27689,23 @@
           <a:lstStyle/>
           <a:p>
             <a:r>
-              <a:rPr lang="fr-FR" sz="1200" dirty="0" err="1" smtClean="0"/>
+              <a:rPr lang="fr-FR" sz="1200" dirty="0" err="1"/>
               <a:t>Sending</a:t>
             </a:r>
             <a:r>
-              <a:rPr lang="fr-FR" sz="1200" dirty="0" smtClean="0"/>
+              <a:rPr lang="fr-FR" sz="1200" dirty="0"/>
               <a:t> data to MAC_B</a:t>
             </a:r>
           </a:p>
           <a:p>
             <a:r>
-              <a:rPr lang="fr-FR" sz="1200" dirty="0" err="1" smtClean="0"/>
+              <a:rPr lang="fr-FR" sz="1200" dirty="0" err="1"/>
               <a:t>From</a:t>
             </a:r>
             <a:r>
-              <a:rPr lang="fr-FR" sz="1200" dirty="0" smtClean="0"/>
+              <a:rPr lang="fr-FR" sz="1200" dirty="0"/>
               <a:t> MAC_A</a:t>
             </a:r>
-            <a:endParaRPr lang="fr-FR" sz="1200" dirty="0"/>
           </a:p>
         </p:txBody>
       </p:sp>
@@ -27752,13 +27719,6 @@
   <p:clrMapOvr>
     <a:masterClrMapping/>
   </p:clrMapOvr>
-  <p:timing>
-    <p:tnLst>
-      <p:par>
-        <p:cTn id="1" dur="indefinite" restart="never" nodeType="tmRoot"/>
-      </p:par>
-    </p:tnLst>
-  </p:timing>
 </p:sld>
 </file>
 
@@ -28697,10 +28657,9 @@
           <a:lstStyle/>
           <a:p>
             <a:r>
-              <a:rPr lang="en-US" altLang="ko-KR" dirty="0" smtClean="0"/>
+              <a:rPr lang="en-US" altLang="ko-KR" dirty="0"/>
               <a:t>Problem.</a:t>
             </a:r>
-            <a:endParaRPr lang="en-US" altLang="ko-KR" dirty="0"/>
           </a:p>
         </p:txBody>
       </p:sp>
@@ -28747,10 +28706,9 @@
           <a:p>
             <a:pPr algn="ctr"/>
             <a:r>
-              <a:rPr lang="fr-FR" dirty="0" smtClean="0"/>
+              <a:rPr lang="fr-FR" dirty="0"/>
               <a:t>NIC(1)</a:t>
             </a:r>
-            <a:endParaRPr lang="fr-FR" dirty="0"/>
           </a:p>
         </p:txBody>
       </p:sp>
@@ -28847,7 +28805,7 @@
           <a:lstStyle/>
           <a:p>
             <a:r>
-              <a:rPr lang="fr-FR" dirty="0" err="1" smtClean="0"/>
+              <a:rPr lang="fr-FR" dirty="0" err="1"/>
               <a:t>Tx</a:t>
             </a:r>
             <a:endParaRPr lang="fr-FR" dirty="0"/>
@@ -28877,7 +28835,7 @@
           <a:lstStyle/>
           <a:p>
             <a:r>
-              <a:rPr lang="fr-FR" dirty="0" err="1" smtClean="0"/>
+              <a:rPr lang="fr-FR" dirty="0" err="1"/>
               <a:t>Rx</a:t>
             </a:r>
             <a:endParaRPr lang="fr-FR" dirty="0"/>
@@ -28907,10 +28865,9 @@
           <a:lstStyle/>
           <a:p>
             <a:r>
-              <a:rPr lang="fr-FR" dirty="0" smtClean="0"/>
+              <a:rPr lang="fr-FR" dirty="0"/>
               <a:t>./Client</a:t>
             </a:r>
-            <a:endParaRPr lang="fr-FR" dirty="0"/>
           </a:p>
         </p:txBody>
       </p:sp>
@@ -28937,10 +28894,9 @@
           <a:lstStyle/>
           <a:p>
             <a:r>
-              <a:rPr lang="fr-FR" dirty="0" smtClean="0"/>
+              <a:rPr lang="fr-FR" dirty="0"/>
               <a:t>./Server</a:t>
             </a:r>
-            <a:endParaRPr lang="fr-FR" dirty="0"/>
           </a:p>
         </p:txBody>
       </p:sp>
@@ -28987,10 +28943,9 @@
           <a:p>
             <a:pPr algn="ctr"/>
             <a:r>
-              <a:rPr lang="fr-FR" dirty="0" smtClean="0"/>
+              <a:rPr lang="fr-FR" dirty="0"/>
               <a:t>NIC(2)</a:t>
             </a:r>
-            <a:endParaRPr lang="fr-FR" dirty="0"/>
           </a:p>
         </p:txBody>
       </p:sp>
@@ -29017,7 +28972,7 @@
           <a:lstStyle/>
           <a:p>
             <a:r>
-              <a:rPr lang="fr-FR" dirty="0" err="1" smtClean="0"/>
+              <a:rPr lang="fr-FR" dirty="0" err="1"/>
               <a:t>MAC_sender</a:t>
             </a:r>
             <a:endParaRPr lang="fr-FR" dirty="0"/>
@@ -29047,7 +29002,7 @@
           <a:lstStyle/>
           <a:p>
             <a:r>
-              <a:rPr lang="fr-FR" dirty="0" err="1" smtClean="0"/>
+              <a:rPr lang="fr-FR" dirty="0" err="1"/>
               <a:t>MAC_receiver</a:t>
             </a:r>
             <a:endParaRPr lang="fr-FR" dirty="0"/>
@@ -29081,10 +29036,9 @@
           <a:lstStyle/>
           <a:p>
             <a:r>
-              <a:rPr lang="fr-FR" dirty="0" smtClean="0"/>
+              <a:rPr lang="fr-FR" dirty="0"/>
               <a:t>Bad case</a:t>
             </a:r>
-            <a:endParaRPr lang="fr-FR" dirty="0"/>
           </a:p>
         </p:txBody>
       </p:sp>
@@ -29131,10 +29085,9 @@
           <a:p>
             <a:pPr algn="ctr"/>
             <a:r>
-              <a:rPr lang="fr-FR" dirty="0" smtClean="0"/>
+              <a:rPr lang="fr-FR" dirty="0"/>
               <a:t>Client</a:t>
             </a:r>
-            <a:endParaRPr lang="fr-FR" dirty="0"/>
           </a:p>
         </p:txBody>
       </p:sp>
@@ -29181,10 +29134,9 @@
           <a:p>
             <a:pPr algn="ctr"/>
             <a:r>
-              <a:rPr lang="fr-FR" dirty="0" smtClean="0"/>
+              <a:rPr lang="fr-FR" dirty="0"/>
               <a:t>Server</a:t>
             </a:r>
-            <a:endParaRPr lang="fr-FR" dirty="0"/>
           </a:p>
         </p:txBody>
       </p:sp>
@@ -29257,62 +29209,62 @@
           <a:lstStyle/>
           <a:p>
             <a:r>
-              <a:rPr lang="fr-FR" sz="1200" dirty="0" err="1" smtClean="0"/>
+              <a:rPr lang="fr-FR" sz="1200" dirty="0" err="1"/>
               <a:t>Receiving</a:t>
             </a:r>
             <a:r>
-              <a:rPr lang="fr-FR" sz="1200" dirty="0" smtClean="0"/>
+              <a:rPr lang="fr-FR" sz="1200" dirty="0"/>
               <a:t> data </a:t>
             </a:r>
             <a:r>
-              <a:rPr lang="fr-FR" sz="1200" dirty="0" err="1" smtClean="0"/>
+              <a:rPr lang="fr-FR" sz="1200" dirty="0" err="1"/>
               <a:t>from</a:t>
             </a:r>
             <a:r>
-              <a:rPr lang="fr-FR" sz="1200" dirty="0" smtClean="0"/>
+              <a:rPr lang="fr-FR" sz="1200" dirty="0"/>
               <a:t> MAC_A</a:t>
             </a:r>
           </a:p>
           <a:p>
             <a:r>
-              <a:rPr lang="fr-FR" sz="1200" dirty="0" err="1" smtClean="0"/>
+              <a:rPr lang="fr-FR" sz="1200" dirty="0" err="1"/>
               <a:t>After</a:t>
             </a:r>
             <a:r>
-              <a:rPr lang="fr-FR" sz="1200" dirty="0" smtClean="0"/>
+              <a:rPr lang="fr-FR" sz="1200" dirty="0"/>
               <a:t> </a:t>
             </a:r>
             <a:r>
-              <a:rPr lang="fr-FR" sz="1200" dirty="0" err="1" smtClean="0"/>
+              <a:rPr lang="fr-FR" sz="1200" dirty="0" err="1"/>
               <a:t>checking</a:t>
             </a:r>
             <a:r>
-              <a:rPr lang="fr-FR" sz="1200" dirty="0" smtClean="0"/>
+              <a:rPr lang="fr-FR" sz="1200" dirty="0"/>
               <a:t> if the </a:t>
             </a:r>
             <a:r>
-              <a:rPr lang="fr-FR" sz="1200" dirty="0" err="1" smtClean="0"/>
+              <a:rPr lang="fr-FR" sz="1200" dirty="0" err="1"/>
               <a:t>sender</a:t>
             </a:r>
             <a:r>
-              <a:rPr lang="fr-FR" sz="1200" dirty="0" smtClean="0"/>
+              <a:rPr lang="fr-FR" sz="1200" dirty="0"/>
               <a:t> </a:t>
             </a:r>
             <a:r>
-              <a:rPr lang="fr-FR" sz="1200" dirty="0" err="1" smtClean="0"/>
+              <a:rPr lang="fr-FR" sz="1200" dirty="0" err="1"/>
               <a:t>is</a:t>
             </a:r>
-            <a:endParaRPr lang="fr-FR" sz="1200" dirty="0" smtClean="0"/>
+            <a:endParaRPr lang="fr-FR" sz="1200" dirty="0"/>
           </a:p>
           <a:p>
             <a:r>
-              <a:rPr lang="fr-FR" sz="1200" dirty="0" err="1" smtClean="0"/>
+              <a:rPr lang="fr-FR" sz="1200" dirty="0" err="1"/>
               <a:t>MAC_a</a:t>
             </a:r>
-            <a:endParaRPr lang="fr-FR" sz="1200" dirty="0" smtClean="0"/>
+            <a:endParaRPr lang="fr-FR" sz="1200" dirty="0"/>
           </a:p>
           <a:p>
-            <a:endParaRPr lang="fr-FR" sz="1200" dirty="0" smtClean="0"/>
+            <a:endParaRPr lang="fr-FR" sz="1200" dirty="0"/>
           </a:p>
         </p:txBody>
       </p:sp>
@@ -29326,13 +29278,6 @@
   <p:clrMapOvr>
     <a:masterClrMapping/>
   </p:clrMapOvr>
-  <p:timing>
-    <p:tnLst>
-      <p:par>
-        <p:cTn id="1" dur="indefinite" restart="never" nodeType="tmRoot"/>
-      </p:par>
-    </p:tnLst>
-  </p:timing>
 </p:sld>
 </file>
 
@@ -30055,13 +30000,6 @@
   <p:clrMapOvr>
     <a:masterClrMapping/>
   </p:clrMapOvr>
-  <p:timing>
-    <p:tnLst>
-      <p:par>
-        <p:cTn id="1" dur="indefinite" restart="never" nodeType="tmRoot"/>
-      </p:par>
-    </p:tnLst>
-  </p:timing>
 </p:sld>
 </file>
 
@@ -31017,8 +30955,8 @@
         </p:nvSpPr>
         <p:spPr>
           <a:xfrm>
-            <a:off x="2123728" y="1419622"/>
-            <a:ext cx="2710999" cy="646331"/>
+            <a:off x="1568991" y="1563638"/>
+            <a:ext cx="5947462" cy="646331"/>
           </a:xfrm>
           <a:prstGeom prst="rect">
             <a:avLst/>
@@ -31031,23 +30969,27 @@
           </a:bodyPr>
           <a:lstStyle/>
           <a:p>
-            <a:pPr marL="342900" indent="-342900">
-              <a:buAutoNum type="arabicPeriod"/>
-            </a:pPr>
             <a:r>
-              <a:rPr lang="fr-FR" dirty="0" err="1" smtClean="0"/>
-              <a:t>Hackbench</a:t>
+              <a:rPr lang="en-US" dirty="0"/>
+              <a:t>We need </a:t>
             </a:r>
-            <a:endParaRPr lang="fr-FR" dirty="0" smtClean="0"/>
+            <a:r>
+              <a:rPr lang="en-US" dirty="0">
+                <a:solidFill>
+                  <a:srgbClr val="FF0000"/>
+                </a:solidFill>
+              </a:rPr>
+              <a:t>more precise instructions </a:t>
+            </a:r>
+            <a:r>
+              <a:rPr lang="en-US" dirty="0"/>
+              <a:t>to solve the differences</a:t>
+            </a:r>
           </a:p>
           <a:p>
             <a:r>
-              <a:rPr lang="fr-FR" dirty="0" smtClean="0"/>
-              <a:t>2. </a:t>
-            </a:r>
-            <a:r>
-              <a:rPr lang="fr-FR" dirty="0" err="1" smtClean="0"/>
-              <a:t>Clock_monotonic_raw</a:t>
+              <a:rPr lang="en-US" dirty="0"/>
+              <a:t>between timestamp on each machine.</a:t>
             </a:r>
             <a:endParaRPr lang="fr-FR" dirty="0"/>
           </a:p>
@@ -31063,13 +31005,6 @@
   <p:clrMapOvr>
     <a:masterClrMapping/>
   </p:clrMapOvr>
-  <p:timing>
-    <p:tnLst>
-      <p:par>
-        <p:cTn id="1" dur="indefinite" restart="never" nodeType="tmRoot"/>
-      </p:par>
-    </p:tnLst>
-  </p:timing>
 </p:sld>
 </file>
 
@@ -34104,13 +34039,6 @@
   <p:clrMapOvr>
     <a:masterClrMapping/>
   </p:clrMapOvr>
-  <p:timing>
-    <p:tnLst>
-      <p:par>
-        <p:cTn id="1" dur="indefinite" restart="never" nodeType="tmRoot"/>
-      </p:par>
-    </p:tnLst>
-  </p:timing>
 </p:sld>
 </file>
 
@@ -34850,13 +34778,6 @@
   <p:clrMapOvr>
     <a:masterClrMapping/>
   </p:clrMapOvr>
-  <p:timing>
-    <p:tnLst>
-      <p:par>
-        <p:cTn id="1" dur="indefinite" restart="never" nodeType="tmRoot"/>
-      </p:par>
-    </p:tnLst>
-  </p:timing>
 </p:sld>
 </file>
 
@@ -36585,13 +36506,6 @@
   <p:clrMapOvr>
     <a:masterClrMapping/>
   </p:clrMapOvr>
-  <p:timing>
-    <p:tnLst>
-      <p:par>
-        <p:cTn id="1" dur="indefinite" restart="never" nodeType="tmRoot"/>
-      </p:par>
-    </p:tnLst>
-  </p:timing>
 </p:sld>
 </file>
 
@@ -42049,7 +41963,7 @@
           <a:lstStyle/>
           <a:p>
             <a:r>
-              <a:rPr lang="fr-FR" dirty="0" err="1" smtClean="0"/>
+              <a:rPr lang="fr-FR" dirty="0" err="1"/>
               <a:t>Client.c</a:t>
             </a:r>
             <a:endParaRPr lang="fr-FR" dirty="0"/>
@@ -42079,7 +41993,7 @@
           <a:lstStyle/>
           <a:p>
             <a:r>
-              <a:rPr lang="fr-FR" dirty="0" err="1" smtClean="0"/>
+              <a:rPr lang="fr-FR" dirty="0" err="1"/>
               <a:t>Server.c</a:t>
             </a:r>
             <a:endParaRPr lang="fr-FR" dirty="0"/>
@@ -42109,15 +42023,15 @@
           <a:lstStyle/>
           <a:p>
             <a:r>
-              <a:rPr lang="fr-FR" dirty="0" err="1" smtClean="0"/>
+              <a:rPr lang="fr-FR" dirty="0" err="1"/>
               <a:t>Clock</a:t>
             </a:r>
             <a:r>
-              <a:rPr lang="fr-FR" dirty="0" smtClean="0"/>
+              <a:rPr lang="fr-FR" dirty="0"/>
               <a:t> </a:t>
             </a:r>
             <a:r>
-              <a:rPr lang="fr-FR" dirty="0" err="1" smtClean="0"/>
+              <a:rPr lang="fr-FR" dirty="0" err="1"/>
               <a:t>underflow</a:t>
             </a:r>
             <a:endParaRPr lang="fr-FR" dirty="0"/>
